--- a/Case.pptx
+++ b/Case.pptx
@@ -9,31 +9,29 @@
     <p:sldMasterId id="2147483700" r:id="rId6"/>
     <p:sldMasterId id="2147483713" r:id="rId7"/>
     <p:sldMasterId id="2147483726" r:id="rId8"/>
-    <p:sldMasterId id="2147483739" r:id="rId9"/>
   </p:sldMasterIdLst>
   <p:notesMasterIdLst>
-    <p:notesMasterId r:id="rId10"/>
+    <p:notesMasterId r:id="rId9"/>
   </p:notesMasterIdLst>
   <p:sldIdLst>
-    <p:sldId id="256" r:id="rId11"/>
-    <p:sldId id="257" r:id="rId12"/>
-    <p:sldId id="258" r:id="rId13"/>
-    <p:sldId id="259" r:id="rId14"/>
-    <p:sldId id="260" r:id="rId15"/>
-    <p:sldId id="261" r:id="rId16"/>
-    <p:sldId id="262" r:id="rId17"/>
-    <p:sldId id="263" r:id="rId18"/>
-    <p:sldId id="264" r:id="rId19"/>
-    <p:sldId id="265" r:id="rId20"/>
-    <p:sldId id="266" r:id="rId21"/>
-    <p:sldId id="267" r:id="rId22"/>
-    <p:sldId id="268" r:id="rId23"/>
-    <p:sldId id="269" r:id="rId24"/>
-    <p:sldId id="270" r:id="rId25"/>
-    <p:sldId id="271" r:id="rId26"/>
-    <p:sldId id="272" r:id="rId27"/>
-    <p:sldId id="273" r:id="rId28"/>
-    <p:sldId id="274" r:id="rId29"/>
+    <p:sldId id="256" r:id="rId10"/>
+    <p:sldId id="257" r:id="rId11"/>
+    <p:sldId id="258" r:id="rId12"/>
+    <p:sldId id="259" r:id="rId13"/>
+    <p:sldId id="260" r:id="rId14"/>
+    <p:sldId id="261" r:id="rId15"/>
+    <p:sldId id="262" r:id="rId16"/>
+    <p:sldId id="263" r:id="rId17"/>
+    <p:sldId id="264" r:id="rId18"/>
+    <p:sldId id="265" r:id="rId19"/>
+    <p:sldId id="266" r:id="rId20"/>
+    <p:sldId id="267" r:id="rId21"/>
+    <p:sldId id="268" r:id="rId22"/>
+    <p:sldId id="269" r:id="rId23"/>
+    <p:sldId id="270" r:id="rId24"/>
+    <p:sldId id="271" r:id="rId25"/>
+    <p:sldId id="272" r:id="rId26"/>
+    <p:sldId id="273" r:id="rId27"/>
   </p:sldIdLst>
   <p:sldSz cx="9144000" cy="5143500"/>
   <p:notesSz cx="6858000" cy="9144000"/>
@@ -59,7 +57,7 @@
       </p:grpSpPr>
       <p:sp>
         <p:nvSpPr>
-          <p:cNvPr id="302" name="PlaceHolder 1"/>
+          <p:cNvPr id="266" name="PlaceHolder 1"/>
           <p:cNvSpPr>
             <a:spLocks noGrp="1"/>
           </p:cNvSpPr>
@@ -94,7 +92,7 @@
       </p:sp>
       <p:sp>
         <p:nvSpPr>
-          <p:cNvPr id="303" name="PlaceHolder 2"/>
+          <p:cNvPr id="267" name="PlaceHolder 2"/>
           <p:cNvSpPr>
             <a:spLocks noGrp="1"/>
           </p:cNvSpPr>
@@ -128,7 +126,7 @@
       </p:sp>
       <p:sp>
         <p:nvSpPr>
-          <p:cNvPr id="304" name="PlaceHolder 3"/>
+          <p:cNvPr id="268" name="PlaceHolder 3"/>
           <p:cNvSpPr>
             <a:spLocks noGrp="1"/>
           </p:cNvSpPr>
@@ -162,7 +160,7 @@
       </p:sp>
       <p:sp>
         <p:nvSpPr>
-          <p:cNvPr id="305" name="PlaceHolder 4"/>
+          <p:cNvPr id="269" name="PlaceHolder 4"/>
           <p:cNvSpPr>
             <a:spLocks noGrp="1"/>
           </p:cNvSpPr>
@@ -197,7 +195,7 @@
       </p:sp>
       <p:sp>
         <p:nvSpPr>
-          <p:cNvPr id="306" name="PlaceHolder 5"/>
+          <p:cNvPr id="270" name="PlaceHolder 5"/>
           <p:cNvSpPr>
             <a:spLocks noGrp="1"/>
           </p:cNvSpPr>
@@ -231,7 +229,7 @@
       </p:sp>
       <p:sp>
         <p:nvSpPr>
-          <p:cNvPr id="307" name="PlaceHolder 6"/>
+          <p:cNvPr id="271" name="PlaceHolder 6"/>
           <p:cNvSpPr>
             <a:spLocks noGrp="1"/>
           </p:cNvSpPr>
@@ -252,7 +250,7 @@
           <a:bodyPr lIns="0" rIns="0" tIns="0" bIns="0" anchor="b"/>
           <a:p>
             <a:pPr algn="r"/>
-            <a:fld id="{E8E5BE30-0E6B-4261-814C-11FD2465F938}" type="slidenum">
+            <a:fld id="{B4E82F36-B2C3-4FED-AB8E-53BAE9D466C1}" type="slidenum">
               <a:rPr b="0" lang="en-US" sz="1400" spc="-1" strike="noStrike">
                 <a:latin typeface="Times New Roman"/>
               </a:rPr>
@@ -270,7 +268,7 @@
 </p:notesMaster>
 </file>
 
-<file path=ppt/notesSlides/notesSlide17.xml><?xml version="1.0" encoding="utf-8"?>
+<file path=ppt/notesSlides/notesSlide16.xml><?xml version="1.0" encoding="utf-8"?>
 <p:notes xmlns:a="http://schemas.openxmlformats.org/drawingml/2006/main" xmlns:p="http://schemas.openxmlformats.org/presentationml/2006/main" xmlns:r="http://schemas.openxmlformats.org/officeDocument/2006/relationships" xmlns:p14="http://schemas.microsoft.com/office/powerpoint/2010/main" xmlns:p15="http://schemas.microsoft.com/office/powerpoint/2012/main" xmlns:mc="http://schemas.openxmlformats.org/markup-compatibility/2006">
   <p:cSld>
     <p:spTree>
@@ -289,7 +287,7 @@
       </p:grpSpPr>
       <p:sp>
         <p:nvSpPr>
-          <p:cNvPr id="379" name="PlaceHolder 1"/>
+          <p:cNvPr id="340" name="PlaceHolder 1"/>
           <p:cNvSpPr>
             <a:spLocks noGrp="1"/>
           </p:cNvSpPr>
@@ -300,16 +298,16 @@
         <p:spPr>
           <a:xfrm>
             <a:off x="380880" y="685800"/>
-            <a:ext cx="6095160" cy="3428280"/>
-          </a:xfrm>
-          <a:prstGeom prst="rect">
-            <a:avLst/>
-          </a:prstGeom>
-        </p:spPr>
-      </p:sp>
-      <p:sp>
-        <p:nvSpPr>
-          <p:cNvPr id="380" name="PlaceHolder 2"/>
+            <a:ext cx="6094800" cy="3427920"/>
+          </a:xfrm>
+          <a:prstGeom prst="rect">
+            <a:avLst/>
+          </a:prstGeom>
+        </p:spPr>
+      </p:sp>
+      <p:sp>
+        <p:nvSpPr>
+          <p:cNvPr id="341" name="PlaceHolder 2"/>
           <p:cNvSpPr>
             <a:spLocks noGrp="1"/>
           </p:cNvSpPr>
@@ -320,7 +318,7 @@
         <p:spPr>
           <a:xfrm>
             <a:off x="685800" y="4343400"/>
-            <a:ext cx="5485680" cy="4114080"/>
+            <a:ext cx="5485320" cy="4113720"/>
           </a:xfrm>
           <a:prstGeom prst="rect">
             <a:avLst/>
@@ -337,14 +335,14 @@
       </p:sp>
       <p:sp>
         <p:nvSpPr>
-          <p:cNvPr id="381" name="CustomShape 3"/>
+          <p:cNvPr id="342" name="CustomShape 3"/>
           <p:cNvSpPr/>
           <p:nvPr/>
         </p:nvSpPr>
         <p:spPr>
           <a:xfrm>
             <a:off x="0" y="0"/>
-            <a:ext cx="359640" cy="359640"/>
+            <a:ext cx="359280" cy="359280"/>
           </a:xfrm>
           <a:prstGeom prst="rect">
             <a:avLst/>
@@ -368,7 +366,7 @@
                 <a:spcPct val="100000"/>
               </a:lnSpc>
             </a:pPr>
-            <a:fld id="{516EF963-7D01-4F79-B3B3-31A28BE9D804}" type="slidenum">
+            <a:fld id="{D08D4F69-F6F1-4934-AEC0-629EB24B2014}" type="slidenum">
               <a:rPr b="0" lang="en-US" sz="1800" spc="-1" strike="noStrike">
                 <a:solidFill>
                   <a:srgbClr val="000000"/>
@@ -376,7 +374,7 @@
                 <a:latin typeface="+mn-lt"/>
                 <a:ea typeface="+mn-ea"/>
               </a:rPr>
-              <a:t>19</a:t>
+              <a:t>&lt;number&gt;</a:t>
             </a:fld>
             <a:endParaRPr b="0" lang="en-US" sz="1800" spc="-1" strike="noStrike">
               <a:latin typeface="Arial"/>
@@ -389,7 +387,7 @@
 </p:notes>
 </file>
 
-<file path=ppt/notesSlides/notesSlide19.xml><?xml version="1.0" encoding="utf-8"?>
+<file path=ppt/notesSlides/notesSlide18.xml><?xml version="1.0" encoding="utf-8"?>
 <p:notes xmlns:a="http://schemas.openxmlformats.org/drawingml/2006/main" xmlns:p="http://schemas.openxmlformats.org/presentationml/2006/main" xmlns:r="http://schemas.openxmlformats.org/officeDocument/2006/relationships" xmlns:p14="http://schemas.microsoft.com/office/powerpoint/2010/main" xmlns:p15="http://schemas.microsoft.com/office/powerpoint/2012/main" xmlns:mc="http://schemas.openxmlformats.org/markup-compatibility/2006">
   <p:cSld>
     <p:spTree>
@@ -408,7 +406,7 @@
       </p:grpSpPr>
       <p:sp>
         <p:nvSpPr>
-          <p:cNvPr id="382" name="PlaceHolder 1"/>
+          <p:cNvPr id="343" name="PlaceHolder 1"/>
           <p:cNvSpPr>
             <a:spLocks noGrp="1"/>
           </p:cNvSpPr>
@@ -419,16 +417,16 @@
         <p:spPr>
           <a:xfrm>
             <a:off x="380880" y="685800"/>
-            <a:ext cx="6095160" cy="3428280"/>
-          </a:xfrm>
-          <a:prstGeom prst="rect">
-            <a:avLst/>
-          </a:prstGeom>
-        </p:spPr>
-      </p:sp>
-      <p:sp>
-        <p:nvSpPr>
-          <p:cNvPr id="383" name="PlaceHolder 2"/>
+            <a:ext cx="6094800" cy="3427920"/>
+          </a:xfrm>
+          <a:prstGeom prst="rect">
+            <a:avLst/>
+          </a:prstGeom>
+        </p:spPr>
+      </p:sp>
+      <p:sp>
+        <p:nvSpPr>
+          <p:cNvPr id="344" name="PlaceHolder 2"/>
           <p:cNvSpPr>
             <a:spLocks noGrp="1"/>
           </p:cNvSpPr>
@@ -439,7 +437,7 @@
         <p:spPr>
           <a:xfrm>
             <a:off x="685800" y="4343400"/>
-            <a:ext cx="5485680" cy="4114080"/>
+            <a:ext cx="5485320" cy="4113720"/>
           </a:xfrm>
           <a:prstGeom prst="rect">
             <a:avLst/>
@@ -448,7 +446,7 @@
         <p:txBody>
           <a:bodyPr lIns="0" rIns="0" tIns="91440" bIns="91440"/>
           <a:p>
-            <a:pPr marL="457200" indent="-316800">
+            <a:pPr marL="457200" indent="-316440">
               <a:lnSpc>
                 <a:spcPct val="100000"/>
               </a:lnSpc>
@@ -484,14 +482,14 @@
       </p:sp>
       <p:sp>
         <p:nvSpPr>
-          <p:cNvPr id="384" name="CustomShape 3"/>
+          <p:cNvPr id="345" name="CustomShape 3"/>
           <p:cNvSpPr/>
           <p:nvPr/>
         </p:nvSpPr>
         <p:spPr>
           <a:xfrm>
             <a:off x="0" y="0"/>
-            <a:ext cx="359640" cy="359640"/>
+            <a:ext cx="359280" cy="359280"/>
           </a:xfrm>
           <a:prstGeom prst="rect">
             <a:avLst/>
@@ -515,7 +513,7 @@
                 <a:spcPct val="100000"/>
               </a:lnSpc>
             </a:pPr>
-            <a:fld id="{77356FC7-014A-4518-B734-7965A30E856D}" type="slidenum">
+            <a:fld id="{C3193A74-41F0-4084-AC74-F394FFD697F6}" type="slidenum">
               <a:rPr b="0" lang="en-US" sz="1800" spc="-1" strike="noStrike">
                 <a:solidFill>
                   <a:srgbClr val="000000"/>
@@ -523,7 +521,7 @@
                 <a:latin typeface="+mn-lt"/>
                 <a:ea typeface="+mn-ea"/>
               </a:rPr>
-              <a:t>19</a:t>
+              <a:t>&lt;number&gt;</a:t>
             </a:fld>
             <a:endParaRPr b="0" lang="en-US" sz="1800" spc="-1" strike="noStrike">
               <a:latin typeface="Arial"/>
@@ -587,8 +585,8 @@
         </p:nvSpPr>
         <p:spPr>
           <a:xfrm>
-            <a:off x="511560" y="437040"/>
-            <a:ext cx="3516480" cy="1250280"/>
+            <a:off x="457200" y="205200"/>
+            <a:ext cx="8229240" cy="858600"/>
           </a:xfrm>
           <a:prstGeom prst="rect">
             <a:avLst/>
@@ -616,8 +614,8 @@
         </p:nvSpPr>
         <p:spPr>
           <a:xfrm>
-            <a:off x="511560" y="1598760"/>
-            <a:ext cx="3516480" cy="1410480"/>
+            <a:off x="457200" y="1203480"/>
+            <a:ext cx="8229240" cy="1422720"/>
           </a:xfrm>
           <a:prstGeom prst="rect">
             <a:avLst/>
@@ -646,8 +644,8 @@
         </p:nvSpPr>
         <p:spPr>
           <a:xfrm>
-            <a:off x="511560" y="3143520"/>
-            <a:ext cx="3516480" cy="1410480"/>
+            <a:off x="457200" y="2761920"/>
+            <a:ext cx="8229240" cy="1422720"/>
           </a:xfrm>
           <a:prstGeom prst="rect">
             <a:avLst/>
@@ -698,8 +696,8 @@
         </p:nvSpPr>
         <p:spPr>
           <a:xfrm>
-            <a:off x="511560" y="437040"/>
-            <a:ext cx="3516480" cy="1250280"/>
+            <a:off x="457200" y="205200"/>
+            <a:ext cx="8229240" cy="858600"/>
           </a:xfrm>
           <a:prstGeom prst="rect">
             <a:avLst/>
@@ -727,8 +725,8 @@
         </p:nvSpPr>
         <p:spPr>
           <a:xfrm>
-            <a:off x="511560" y="1598760"/>
-            <a:ext cx="1715760" cy="1410480"/>
+            <a:off x="457200" y="1203480"/>
+            <a:ext cx="4015800" cy="1422720"/>
           </a:xfrm>
           <a:prstGeom prst="rect">
             <a:avLst/>
@@ -757,8 +755,8 @@
         </p:nvSpPr>
         <p:spPr>
           <a:xfrm>
-            <a:off x="2313360" y="1598760"/>
-            <a:ext cx="1715760" cy="1410480"/>
+            <a:off x="4674240" y="1203480"/>
+            <a:ext cx="4015800" cy="1422720"/>
           </a:xfrm>
           <a:prstGeom prst="rect">
             <a:avLst/>
@@ -787,8 +785,8 @@
         </p:nvSpPr>
         <p:spPr>
           <a:xfrm>
-            <a:off x="511560" y="3143520"/>
-            <a:ext cx="1715760" cy="1410480"/>
+            <a:off x="457200" y="2761920"/>
+            <a:ext cx="4015800" cy="1422720"/>
           </a:xfrm>
           <a:prstGeom prst="rect">
             <a:avLst/>
@@ -817,8 +815,8 @@
         </p:nvSpPr>
         <p:spPr>
           <a:xfrm>
-            <a:off x="2313360" y="3143520"/>
-            <a:ext cx="1715760" cy="1410480"/>
+            <a:off x="4674240" y="2761920"/>
+            <a:ext cx="4015800" cy="1422720"/>
           </a:xfrm>
           <a:prstGeom prst="rect">
             <a:avLst/>
@@ -869,8 +867,8 @@
         </p:nvSpPr>
         <p:spPr>
           <a:xfrm>
-            <a:off x="511560" y="437040"/>
-            <a:ext cx="3516480" cy="1250280"/>
+            <a:off x="457200" y="205200"/>
+            <a:ext cx="8229240" cy="858600"/>
           </a:xfrm>
           <a:prstGeom prst="rect">
             <a:avLst/>
@@ -898,8 +896,8 @@
         </p:nvSpPr>
         <p:spPr>
           <a:xfrm>
-            <a:off x="511560" y="1598760"/>
-            <a:ext cx="1132200" cy="1410480"/>
+            <a:off x="457200" y="1203480"/>
+            <a:ext cx="2649600" cy="1422720"/>
           </a:xfrm>
           <a:prstGeom prst="rect">
             <a:avLst/>
@@ -907,7 +905,7 @@
         </p:spPr>
         <p:txBody>
           <a:bodyPr lIns="0" rIns="0" tIns="0" bIns="0">
-            <a:normAutofit fontScale="48000"/>
+            <a:normAutofit/>
           </a:bodyPr>
           <a:p>
             <a:endParaRPr b="0" lang="en-US" sz="3200" spc="-1" strike="noStrike">
@@ -928,8 +926,8 @@
         </p:nvSpPr>
         <p:spPr>
           <a:xfrm>
-            <a:off x="1700640" y="1598760"/>
-            <a:ext cx="1132200" cy="1410480"/>
+            <a:off x="3239640" y="1203480"/>
+            <a:ext cx="2649600" cy="1422720"/>
           </a:xfrm>
           <a:prstGeom prst="rect">
             <a:avLst/>
@@ -937,7 +935,7 @@
         </p:spPr>
         <p:txBody>
           <a:bodyPr lIns="0" rIns="0" tIns="0" bIns="0">
-            <a:normAutofit fontScale="48000"/>
+            <a:normAutofit/>
           </a:bodyPr>
           <a:p>
             <a:endParaRPr b="0" lang="en-US" sz="3200" spc="-1" strike="noStrike">
@@ -958,8 +956,8 @@
         </p:nvSpPr>
         <p:spPr>
           <a:xfrm>
-            <a:off x="2890080" y="1598760"/>
-            <a:ext cx="1132200" cy="1410480"/>
+            <a:off x="6022080" y="1203480"/>
+            <a:ext cx="2649600" cy="1422720"/>
           </a:xfrm>
           <a:prstGeom prst="rect">
             <a:avLst/>
@@ -967,7 +965,7 @@
         </p:spPr>
         <p:txBody>
           <a:bodyPr lIns="0" rIns="0" tIns="0" bIns="0">
-            <a:normAutofit fontScale="48000"/>
+            <a:normAutofit/>
           </a:bodyPr>
           <a:p>
             <a:endParaRPr b="0" lang="en-US" sz="3200" spc="-1" strike="noStrike">
@@ -988,8 +986,8 @@
         </p:nvSpPr>
         <p:spPr>
           <a:xfrm>
-            <a:off x="511560" y="3143520"/>
-            <a:ext cx="1132200" cy="1410480"/>
+            <a:off x="457200" y="2761920"/>
+            <a:ext cx="2649600" cy="1422720"/>
           </a:xfrm>
           <a:prstGeom prst="rect">
             <a:avLst/>
@@ -997,7 +995,7 @@
         </p:spPr>
         <p:txBody>
           <a:bodyPr lIns="0" rIns="0" tIns="0" bIns="0">
-            <a:normAutofit fontScale="48000"/>
+            <a:normAutofit/>
           </a:bodyPr>
           <a:p>
             <a:endParaRPr b="0" lang="en-US" sz="3200" spc="-1" strike="noStrike">
@@ -1018,8 +1016,8 @@
         </p:nvSpPr>
         <p:spPr>
           <a:xfrm>
-            <a:off x="1700640" y="3143520"/>
-            <a:ext cx="1132200" cy="1410480"/>
+            <a:off x="3239640" y="2761920"/>
+            <a:ext cx="2649600" cy="1422720"/>
           </a:xfrm>
           <a:prstGeom prst="rect">
             <a:avLst/>
@@ -1027,7 +1025,7 @@
         </p:spPr>
         <p:txBody>
           <a:bodyPr lIns="0" rIns="0" tIns="0" bIns="0">
-            <a:normAutofit fontScale="48000"/>
+            <a:normAutofit/>
           </a:bodyPr>
           <a:p>
             <a:endParaRPr b="0" lang="en-US" sz="3200" spc="-1" strike="noStrike">
@@ -1048,8 +1046,8 @@
         </p:nvSpPr>
         <p:spPr>
           <a:xfrm>
-            <a:off x="2890080" y="3143520"/>
-            <a:ext cx="1132200" cy="1410480"/>
+            <a:off x="6022080" y="2761920"/>
+            <a:ext cx="2649600" cy="1422720"/>
           </a:xfrm>
           <a:prstGeom prst="rect">
             <a:avLst/>
@@ -1057,7 +1055,7 @@
         </p:spPr>
         <p:txBody>
           <a:bodyPr lIns="0" rIns="0" tIns="0" bIns="0">
-            <a:normAutofit fontScale="48000"/>
+            <a:normAutofit/>
           </a:bodyPr>
           <a:p>
             <a:endParaRPr b="0" lang="en-US" sz="3200" spc="-1" strike="noStrike">
@@ -1122,8 +1120,8 @@
         </p:nvSpPr>
         <p:spPr>
           <a:xfrm>
-            <a:off x="511560" y="437040"/>
-            <a:ext cx="3516480" cy="1250280"/>
+            <a:off x="457200" y="205200"/>
+            <a:ext cx="8229240" cy="858600"/>
           </a:xfrm>
           <a:prstGeom prst="rect">
             <a:avLst/>
@@ -1151,8 +1149,8 @@
         </p:nvSpPr>
         <p:spPr>
           <a:xfrm>
-            <a:off x="511560" y="1598760"/>
-            <a:ext cx="3516480" cy="2957040"/>
+            <a:off x="457200" y="1203480"/>
+            <a:ext cx="8229240" cy="2982960"/>
           </a:xfrm>
           <a:prstGeom prst="rect">
             <a:avLst/>
@@ -1202,8 +1200,8 @@
         </p:nvSpPr>
         <p:spPr>
           <a:xfrm>
-            <a:off x="511560" y="437040"/>
-            <a:ext cx="3516480" cy="1250280"/>
+            <a:off x="457200" y="205200"/>
+            <a:ext cx="8229240" cy="858600"/>
           </a:xfrm>
           <a:prstGeom prst="rect">
             <a:avLst/>
@@ -1231,8 +1229,8 @@
         </p:nvSpPr>
         <p:spPr>
           <a:xfrm>
-            <a:off x="511560" y="1598760"/>
-            <a:ext cx="3516480" cy="2957040"/>
+            <a:off x="457200" y="1203480"/>
+            <a:ext cx="8229240" cy="2982960"/>
           </a:xfrm>
           <a:prstGeom prst="rect">
             <a:avLst/>
@@ -1283,8 +1281,8 @@
         </p:nvSpPr>
         <p:spPr>
           <a:xfrm>
-            <a:off x="511560" y="437040"/>
-            <a:ext cx="3516480" cy="1250280"/>
+            <a:off x="457200" y="205200"/>
+            <a:ext cx="8229240" cy="858600"/>
           </a:xfrm>
           <a:prstGeom prst="rect">
             <a:avLst/>
@@ -1312,8 +1310,8 @@
         </p:nvSpPr>
         <p:spPr>
           <a:xfrm>
-            <a:off x="511560" y="1598760"/>
-            <a:ext cx="1715760" cy="2957040"/>
+            <a:off x="457200" y="1203480"/>
+            <a:ext cx="4015800" cy="2982960"/>
           </a:xfrm>
           <a:prstGeom prst="rect">
             <a:avLst/>
@@ -1342,8 +1340,8 @@
         </p:nvSpPr>
         <p:spPr>
           <a:xfrm>
-            <a:off x="2313360" y="1598760"/>
-            <a:ext cx="1715760" cy="2957040"/>
+            <a:off x="4674240" y="1203480"/>
+            <a:ext cx="4015800" cy="2982960"/>
           </a:xfrm>
           <a:prstGeom prst="rect">
             <a:avLst/>
@@ -1394,8 +1392,8 @@
         </p:nvSpPr>
         <p:spPr>
           <a:xfrm>
-            <a:off x="511560" y="437040"/>
-            <a:ext cx="3516480" cy="1250280"/>
+            <a:off x="457200" y="205200"/>
+            <a:ext cx="8229240" cy="858600"/>
           </a:xfrm>
           <a:prstGeom prst="rect">
             <a:avLst/>
@@ -1445,8 +1443,8 @@
         </p:nvSpPr>
         <p:spPr>
           <a:xfrm>
-            <a:off x="511560" y="575640"/>
-            <a:ext cx="3516480" cy="4510080"/>
+            <a:off x="457200" y="205200"/>
+            <a:ext cx="8229240" cy="3981240"/>
           </a:xfrm>
           <a:prstGeom prst="rect">
             <a:avLst/>
@@ -1496,8 +1494,8 @@
         </p:nvSpPr>
         <p:spPr>
           <a:xfrm>
-            <a:off x="511560" y="437040"/>
-            <a:ext cx="3516480" cy="1250280"/>
+            <a:off x="457200" y="205200"/>
+            <a:ext cx="8229240" cy="858600"/>
           </a:xfrm>
           <a:prstGeom prst="rect">
             <a:avLst/>
@@ -1525,8 +1523,8 @@
         </p:nvSpPr>
         <p:spPr>
           <a:xfrm>
-            <a:off x="511560" y="1598760"/>
-            <a:ext cx="1715760" cy="1410480"/>
+            <a:off x="457200" y="1203480"/>
+            <a:ext cx="4015800" cy="1422720"/>
           </a:xfrm>
           <a:prstGeom prst="rect">
             <a:avLst/>
@@ -1555,8 +1553,8 @@
         </p:nvSpPr>
         <p:spPr>
           <a:xfrm>
-            <a:off x="2313360" y="1598760"/>
-            <a:ext cx="1715760" cy="2957040"/>
+            <a:off x="4674240" y="1203480"/>
+            <a:ext cx="4015800" cy="2982960"/>
           </a:xfrm>
           <a:prstGeom prst="rect">
             <a:avLst/>
@@ -1585,8 +1583,8 @@
         </p:nvSpPr>
         <p:spPr>
           <a:xfrm>
-            <a:off x="511560" y="3143520"/>
-            <a:ext cx="1715760" cy="1410480"/>
+            <a:off x="457200" y="2761920"/>
+            <a:ext cx="4015800" cy="1422720"/>
           </a:xfrm>
           <a:prstGeom prst="rect">
             <a:avLst/>
@@ -1637,8 +1635,8 @@
         </p:nvSpPr>
         <p:spPr>
           <a:xfrm>
-            <a:off x="511560" y="437040"/>
-            <a:ext cx="3516480" cy="1250280"/>
+            <a:off x="457200" y="205200"/>
+            <a:ext cx="8229240" cy="858600"/>
           </a:xfrm>
           <a:prstGeom prst="rect">
             <a:avLst/>
@@ -1666,8 +1664,8 @@
         </p:nvSpPr>
         <p:spPr>
           <a:xfrm>
-            <a:off x="511560" y="1598760"/>
-            <a:ext cx="3516480" cy="2957040"/>
+            <a:off x="457200" y="1203480"/>
+            <a:ext cx="8229240" cy="2982960"/>
           </a:xfrm>
           <a:prstGeom prst="rect">
             <a:avLst/>
@@ -1717,8 +1715,8 @@
         </p:nvSpPr>
         <p:spPr>
           <a:xfrm>
-            <a:off x="511560" y="437040"/>
-            <a:ext cx="3516480" cy="1250280"/>
+            <a:off x="457200" y="205200"/>
+            <a:ext cx="8229240" cy="858600"/>
           </a:xfrm>
           <a:prstGeom prst="rect">
             <a:avLst/>
@@ -1746,8 +1744,8 @@
         </p:nvSpPr>
         <p:spPr>
           <a:xfrm>
-            <a:off x="511560" y="1598760"/>
-            <a:ext cx="1715760" cy="2957040"/>
+            <a:off x="457200" y="1203480"/>
+            <a:ext cx="4015800" cy="2982960"/>
           </a:xfrm>
           <a:prstGeom prst="rect">
             <a:avLst/>
@@ -1776,8 +1774,8 @@
         </p:nvSpPr>
         <p:spPr>
           <a:xfrm>
-            <a:off x="2313360" y="1598760"/>
-            <a:ext cx="1715760" cy="1410480"/>
+            <a:off x="4674240" y="1203480"/>
+            <a:ext cx="4015800" cy="1422720"/>
           </a:xfrm>
           <a:prstGeom prst="rect">
             <a:avLst/>
@@ -1806,8 +1804,8 @@
         </p:nvSpPr>
         <p:spPr>
           <a:xfrm>
-            <a:off x="2313360" y="3143520"/>
-            <a:ext cx="1715760" cy="1410480"/>
+            <a:off x="4674240" y="2761920"/>
+            <a:ext cx="4015800" cy="1422720"/>
           </a:xfrm>
           <a:prstGeom prst="rect">
             <a:avLst/>
@@ -1858,8 +1856,8 @@
         </p:nvSpPr>
         <p:spPr>
           <a:xfrm>
-            <a:off x="511560" y="437040"/>
-            <a:ext cx="3516480" cy="1250280"/>
+            <a:off x="457200" y="205200"/>
+            <a:ext cx="8229240" cy="858600"/>
           </a:xfrm>
           <a:prstGeom prst="rect">
             <a:avLst/>
@@ -1887,8 +1885,8 @@
         </p:nvSpPr>
         <p:spPr>
           <a:xfrm>
-            <a:off x="511560" y="1598760"/>
-            <a:ext cx="1715760" cy="1410480"/>
+            <a:off x="457200" y="1203480"/>
+            <a:ext cx="4015800" cy="1422720"/>
           </a:xfrm>
           <a:prstGeom prst="rect">
             <a:avLst/>
@@ -1917,8 +1915,8 @@
         </p:nvSpPr>
         <p:spPr>
           <a:xfrm>
-            <a:off x="2313360" y="1598760"/>
-            <a:ext cx="1715760" cy="1410480"/>
+            <a:off x="4674240" y="1203480"/>
+            <a:ext cx="4015800" cy="1422720"/>
           </a:xfrm>
           <a:prstGeom prst="rect">
             <a:avLst/>
@@ -1947,8 +1945,8 @@
         </p:nvSpPr>
         <p:spPr>
           <a:xfrm>
-            <a:off x="511560" y="3143520"/>
-            <a:ext cx="3516480" cy="1410480"/>
+            <a:off x="457200" y="2761920"/>
+            <a:ext cx="8229240" cy="1422720"/>
           </a:xfrm>
           <a:prstGeom prst="rect">
             <a:avLst/>
@@ -1999,8 +1997,8 @@
         </p:nvSpPr>
         <p:spPr>
           <a:xfrm>
-            <a:off x="511560" y="437040"/>
-            <a:ext cx="3516480" cy="1250280"/>
+            <a:off x="457200" y="205200"/>
+            <a:ext cx="8229240" cy="858600"/>
           </a:xfrm>
           <a:prstGeom prst="rect">
             <a:avLst/>
@@ -2028,8 +2026,8 @@
         </p:nvSpPr>
         <p:spPr>
           <a:xfrm>
-            <a:off x="511560" y="1598760"/>
-            <a:ext cx="3516480" cy="1410480"/>
+            <a:off x="457200" y="1203480"/>
+            <a:ext cx="8229240" cy="1422720"/>
           </a:xfrm>
           <a:prstGeom prst="rect">
             <a:avLst/>
@@ -2058,8 +2056,8 @@
         </p:nvSpPr>
         <p:spPr>
           <a:xfrm>
-            <a:off x="511560" y="3143520"/>
-            <a:ext cx="3516480" cy="1410480"/>
+            <a:off x="457200" y="2761920"/>
+            <a:ext cx="8229240" cy="1422720"/>
           </a:xfrm>
           <a:prstGeom prst="rect">
             <a:avLst/>
@@ -2110,8 +2108,8 @@
         </p:nvSpPr>
         <p:spPr>
           <a:xfrm>
-            <a:off x="511560" y="437040"/>
-            <a:ext cx="3516480" cy="1250280"/>
+            <a:off x="457200" y="205200"/>
+            <a:ext cx="8229240" cy="858600"/>
           </a:xfrm>
           <a:prstGeom prst="rect">
             <a:avLst/>
@@ -2139,8 +2137,8 @@
         </p:nvSpPr>
         <p:spPr>
           <a:xfrm>
-            <a:off x="511560" y="1598760"/>
-            <a:ext cx="1715760" cy="1410480"/>
+            <a:off x="457200" y="1203480"/>
+            <a:ext cx="4015800" cy="1422720"/>
           </a:xfrm>
           <a:prstGeom prst="rect">
             <a:avLst/>
@@ -2169,8 +2167,8 @@
         </p:nvSpPr>
         <p:spPr>
           <a:xfrm>
-            <a:off x="2313360" y="1598760"/>
-            <a:ext cx="1715760" cy="1410480"/>
+            <a:off x="4674240" y="1203480"/>
+            <a:ext cx="4015800" cy="1422720"/>
           </a:xfrm>
           <a:prstGeom prst="rect">
             <a:avLst/>
@@ -2199,8 +2197,8 @@
         </p:nvSpPr>
         <p:spPr>
           <a:xfrm>
-            <a:off x="511560" y="3143520"/>
-            <a:ext cx="1715760" cy="1410480"/>
+            <a:off x="457200" y="2761920"/>
+            <a:ext cx="4015800" cy="1422720"/>
           </a:xfrm>
           <a:prstGeom prst="rect">
             <a:avLst/>
@@ -2229,8 +2227,8 @@
         </p:nvSpPr>
         <p:spPr>
           <a:xfrm>
-            <a:off x="2313360" y="3143520"/>
-            <a:ext cx="1715760" cy="1410480"/>
+            <a:off x="4674240" y="2761920"/>
+            <a:ext cx="4015800" cy="1422720"/>
           </a:xfrm>
           <a:prstGeom prst="rect">
             <a:avLst/>
@@ -2281,8 +2279,8 @@
         </p:nvSpPr>
         <p:spPr>
           <a:xfrm>
-            <a:off x="511560" y="437040"/>
-            <a:ext cx="3516480" cy="1250280"/>
+            <a:off x="457200" y="205200"/>
+            <a:ext cx="8229240" cy="858600"/>
           </a:xfrm>
           <a:prstGeom prst="rect">
             <a:avLst/>
@@ -2310,8 +2308,8 @@
         </p:nvSpPr>
         <p:spPr>
           <a:xfrm>
-            <a:off x="511560" y="1598760"/>
-            <a:ext cx="1132200" cy="1410480"/>
+            <a:off x="457200" y="1203480"/>
+            <a:ext cx="2649600" cy="1422720"/>
           </a:xfrm>
           <a:prstGeom prst="rect">
             <a:avLst/>
@@ -2319,7 +2317,7 @@
         </p:spPr>
         <p:txBody>
           <a:bodyPr lIns="0" rIns="0" tIns="0" bIns="0">
-            <a:normAutofit fontScale="48000"/>
+            <a:normAutofit/>
           </a:bodyPr>
           <a:p>
             <a:endParaRPr b="0" lang="en-US" sz="3200" spc="-1" strike="noStrike">
@@ -2340,8 +2338,8 @@
         </p:nvSpPr>
         <p:spPr>
           <a:xfrm>
-            <a:off x="1700640" y="1598760"/>
-            <a:ext cx="1132200" cy="1410480"/>
+            <a:off x="3239640" y="1203480"/>
+            <a:ext cx="2649600" cy="1422720"/>
           </a:xfrm>
           <a:prstGeom prst="rect">
             <a:avLst/>
@@ -2349,7 +2347,7 @@
         </p:spPr>
         <p:txBody>
           <a:bodyPr lIns="0" rIns="0" tIns="0" bIns="0">
-            <a:normAutofit fontScale="48000"/>
+            <a:normAutofit/>
           </a:bodyPr>
           <a:p>
             <a:endParaRPr b="0" lang="en-US" sz="3200" spc="-1" strike="noStrike">
@@ -2370,8 +2368,8 @@
         </p:nvSpPr>
         <p:spPr>
           <a:xfrm>
-            <a:off x="2890080" y="1598760"/>
-            <a:ext cx="1132200" cy="1410480"/>
+            <a:off x="6022080" y="1203480"/>
+            <a:ext cx="2649600" cy="1422720"/>
           </a:xfrm>
           <a:prstGeom prst="rect">
             <a:avLst/>
@@ -2379,7 +2377,7 @@
         </p:spPr>
         <p:txBody>
           <a:bodyPr lIns="0" rIns="0" tIns="0" bIns="0">
-            <a:normAutofit fontScale="48000"/>
+            <a:normAutofit/>
           </a:bodyPr>
           <a:p>
             <a:endParaRPr b="0" lang="en-US" sz="3200" spc="-1" strike="noStrike">
@@ -2400,8 +2398,8 @@
         </p:nvSpPr>
         <p:spPr>
           <a:xfrm>
-            <a:off x="511560" y="3143520"/>
-            <a:ext cx="1132200" cy="1410480"/>
+            <a:off x="457200" y="2761920"/>
+            <a:ext cx="2649600" cy="1422720"/>
           </a:xfrm>
           <a:prstGeom prst="rect">
             <a:avLst/>
@@ -2409,7 +2407,7 @@
         </p:spPr>
         <p:txBody>
           <a:bodyPr lIns="0" rIns="0" tIns="0" bIns="0">
-            <a:normAutofit fontScale="48000"/>
+            <a:normAutofit/>
           </a:bodyPr>
           <a:p>
             <a:endParaRPr b="0" lang="en-US" sz="3200" spc="-1" strike="noStrike">
@@ -2430,8 +2428,8 @@
         </p:nvSpPr>
         <p:spPr>
           <a:xfrm>
-            <a:off x="1700640" y="3143520"/>
-            <a:ext cx="1132200" cy="1410480"/>
+            <a:off x="3239640" y="2761920"/>
+            <a:ext cx="2649600" cy="1422720"/>
           </a:xfrm>
           <a:prstGeom prst="rect">
             <a:avLst/>
@@ -2439,7 +2437,7 @@
         </p:spPr>
         <p:txBody>
           <a:bodyPr lIns="0" rIns="0" tIns="0" bIns="0">
-            <a:normAutofit fontScale="48000"/>
+            <a:normAutofit/>
           </a:bodyPr>
           <a:p>
             <a:endParaRPr b="0" lang="en-US" sz="3200" spc="-1" strike="noStrike">
@@ -2460,8 +2458,8 @@
         </p:nvSpPr>
         <p:spPr>
           <a:xfrm>
-            <a:off x="2890080" y="3143520"/>
-            <a:ext cx="1132200" cy="1410480"/>
+            <a:off x="6022080" y="2761920"/>
+            <a:ext cx="2649600" cy="1422720"/>
           </a:xfrm>
           <a:prstGeom prst="rect">
             <a:avLst/>
@@ -2469,7 +2467,7 @@
         </p:spPr>
         <p:txBody>
           <a:bodyPr lIns="0" rIns="0" tIns="0" bIns="0">
-            <a:normAutofit fontScale="48000"/>
+            <a:normAutofit/>
           </a:bodyPr>
           <a:p>
             <a:endParaRPr b="0" lang="en-US" sz="3200" spc="-1" strike="noStrike">
@@ -2534,8 +2532,8 @@
         </p:nvSpPr>
         <p:spPr>
           <a:xfrm>
-            <a:off x="511560" y="437040"/>
-            <a:ext cx="3516480" cy="1250280"/>
+            <a:off x="457200" y="205200"/>
+            <a:ext cx="8229240" cy="858600"/>
           </a:xfrm>
           <a:prstGeom prst="rect">
             <a:avLst/>
@@ -2563,8 +2561,8 @@
         </p:nvSpPr>
         <p:spPr>
           <a:xfrm>
-            <a:off x="511560" y="1598760"/>
-            <a:ext cx="3516480" cy="2957040"/>
+            <a:off x="457200" y="1203480"/>
+            <a:ext cx="8229240" cy="2982960"/>
           </a:xfrm>
           <a:prstGeom prst="rect">
             <a:avLst/>
@@ -2614,8 +2612,8 @@
         </p:nvSpPr>
         <p:spPr>
           <a:xfrm>
-            <a:off x="511560" y="437040"/>
-            <a:ext cx="3516480" cy="1250280"/>
+            <a:off x="457200" y="205200"/>
+            <a:ext cx="8229240" cy="858600"/>
           </a:xfrm>
           <a:prstGeom prst="rect">
             <a:avLst/>
@@ -2643,8 +2641,8 @@
         </p:nvSpPr>
         <p:spPr>
           <a:xfrm>
-            <a:off x="511560" y="1598760"/>
-            <a:ext cx="3516480" cy="2957040"/>
+            <a:off x="457200" y="1203480"/>
+            <a:ext cx="8229240" cy="2982960"/>
           </a:xfrm>
           <a:prstGeom prst="rect">
             <a:avLst/>
@@ -2695,8 +2693,8 @@
         </p:nvSpPr>
         <p:spPr>
           <a:xfrm>
-            <a:off x="511560" y="437040"/>
-            <a:ext cx="3516480" cy="1250280"/>
+            <a:off x="457200" y="205200"/>
+            <a:ext cx="8229240" cy="858600"/>
           </a:xfrm>
           <a:prstGeom prst="rect">
             <a:avLst/>
@@ -2724,8 +2722,8 @@
         </p:nvSpPr>
         <p:spPr>
           <a:xfrm>
-            <a:off x="511560" y="1598760"/>
-            <a:ext cx="1715760" cy="2957040"/>
+            <a:off x="457200" y="1203480"/>
+            <a:ext cx="4015800" cy="2982960"/>
           </a:xfrm>
           <a:prstGeom prst="rect">
             <a:avLst/>
@@ -2754,8 +2752,8 @@
         </p:nvSpPr>
         <p:spPr>
           <a:xfrm>
-            <a:off x="2313360" y="1598760"/>
-            <a:ext cx="1715760" cy="2957040"/>
+            <a:off x="4674240" y="1203480"/>
+            <a:ext cx="4015800" cy="2982960"/>
           </a:xfrm>
           <a:prstGeom prst="rect">
             <a:avLst/>
@@ -2806,8 +2804,8 @@
         </p:nvSpPr>
         <p:spPr>
           <a:xfrm>
-            <a:off x="511560" y="437040"/>
-            <a:ext cx="3516480" cy="1250280"/>
+            <a:off x="457200" y="205200"/>
+            <a:ext cx="8229240" cy="858600"/>
           </a:xfrm>
           <a:prstGeom prst="rect">
             <a:avLst/>
@@ -2857,8 +2855,8 @@
         </p:nvSpPr>
         <p:spPr>
           <a:xfrm>
-            <a:off x="511560" y="437040"/>
-            <a:ext cx="3516480" cy="1250280"/>
+            <a:off x="457200" y="205200"/>
+            <a:ext cx="8229240" cy="858600"/>
           </a:xfrm>
           <a:prstGeom prst="rect">
             <a:avLst/>
@@ -2886,8 +2884,8 @@
         </p:nvSpPr>
         <p:spPr>
           <a:xfrm>
-            <a:off x="511560" y="1598760"/>
-            <a:ext cx="3516480" cy="2957040"/>
+            <a:off x="457200" y="1203480"/>
+            <a:ext cx="8229240" cy="2982960"/>
           </a:xfrm>
           <a:prstGeom prst="rect">
             <a:avLst/>
@@ -2938,8 +2936,8 @@
         </p:nvSpPr>
         <p:spPr>
           <a:xfrm>
-            <a:off x="511560" y="575640"/>
-            <a:ext cx="3516480" cy="4510080"/>
+            <a:off x="457200" y="205200"/>
+            <a:ext cx="8229240" cy="3981240"/>
           </a:xfrm>
           <a:prstGeom prst="rect">
             <a:avLst/>
@@ -2989,8 +2987,8 @@
         </p:nvSpPr>
         <p:spPr>
           <a:xfrm>
-            <a:off x="511560" y="437040"/>
-            <a:ext cx="3516480" cy="1250280"/>
+            <a:off x="457200" y="205200"/>
+            <a:ext cx="8229240" cy="858600"/>
           </a:xfrm>
           <a:prstGeom prst="rect">
             <a:avLst/>
@@ -3018,8 +3016,8 @@
         </p:nvSpPr>
         <p:spPr>
           <a:xfrm>
-            <a:off x="511560" y="1598760"/>
-            <a:ext cx="1715760" cy="1410480"/>
+            <a:off x="457200" y="1203480"/>
+            <a:ext cx="4015800" cy="1422720"/>
           </a:xfrm>
           <a:prstGeom prst="rect">
             <a:avLst/>
@@ -3048,8 +3046,8 @@
         </p:nvSpPr>
         <p:spPr>
           <a:xfrm>
-            <a:off x="2313360" y="1598760"/>
-            <a:ext cx="1715760" cy="2957040"/>
+            <a:off x="4674240" y="1203480"/>
+            <a:ext cx="4015800" cy="2982960"/>
           </a:xfrm>
           <a:prstGeom prst="rect">
             <a:avLst/>
@@ -3078,8 +3076,8 @@
         </p:nvSpPr>
         <p:spPr>
           <a:xfrm>
-            <a:off x="511560" y="3143520"/>
-            <a:ext cx="1715760" cy="1410480"/>
+            <a:off x="457200" y="2761920"/>
+            <a:ext cx="4015800" cy="1422720"/>
           </a:xfrm>
           <a:prstGeom prst="rect">
             <a:avLst/>
@@ -3130,8 +3128,8 @@
         </p:nvSpPr>
         <p:spPr>
           <a:xfrm>
-            <a:off x="511560" y="437040"/>
-            <a:ext cx="3516480" cy="1250280"/>
+            <a:off x="457200" y="205200"/>
+            <a:ext cx="8229240" cy="858600"/>
           </a:xfrm>
           <a:prstGeom prst="rect">
             <a:avLst/>
@@ -3159,8 +3157,8 @@
         </p:nvSpPr>
         <p:spPr>
           <a:xfrm>
-            <a:off x="511560" y="1598760"/>
-            <a:ext cx="1715760" cy="2957040"/>
+            <a:off x="457200" y="1203480"/>
+            <a:ext cx="4015800" cy="2982960"/>
           </a:xfrm>
           <a:prstGeom prst="rect">
             <a:avLst/>
@@ -3189,8 +3187,8 @@
         </p:nvSpPr>
         <p:spPr>
           <a:xfrm>
-            <a:off x="2313360" y="1598760"/>
-            <a:ext cx="1715760" cy="1410480"/>
+            <a:off x="4674240" y="1203480"/>
+            <a:ext cx="4015800" cy="1422720"/>
           </a:xfrm>
           <a:prstGeom prst="rect">
             <a:avLst/>
@@ -3219,8 +3217,8 @@
         </p:nvSpPr>
         <p:spPr>
           <a:xfrm>
-            <a:off x="2313360" y="3143520"/>
-            <a:ext cx="1715760" cy="1410480"/>
+            <a:off x="4674240" y="2761920"/>
+            <a:ext cx="4015800" cy="1422720"/>
           </a:xfrm>
           <a:prstGeom prst="rect">
             <a:avLst/>
@@ -3271,8 +3269,8 @@
         </p:nvSpPr>
         <p:spPr>
           <a:xfrm>
-            <a:off x="511560" y="437040"/>
-            <a:ext cx="3516480" cy="1250280"/>
+            <a:off x="457200" y="205200"/>
+            <a:ext cx="8229240" cy="858600"/>
           </a:xfrm>
           <a:prstGeom prst="rect">
             <a:avLst/>
@@ -3300,8 +3298,8 @@
         </p:nvSpPr>
         <p:spPr>
           <a:xfrm>
-            <a:off x="511560" y="1598760"/>
-            <a:ext cx="1715760" cy="1410480"/>
+            <a:off x="457200" y="1203480"/>
+            <a:ext cx="4015800" cy="1422720"/>
           </a:xfrm>
           <a:prstGeom prst="rect">
             <a:avLst/>
@@ -3330,8 +3328,8 @@
         </p:nvSpPr>
         <p:spPr>
           <a:xfrm>
-            <a:off x="2313360" y="1598760"/>
-            <a:ext cx="1715760" cy="1410480"/>
+            <a:off x="4674240" y="1203480"/>
+            <a:ext cx="4015800" cy="1422720"/>
           </a:xfrm>
           <a:prstGeom prst="rect">
             <a:avLst/>
@@ -3360,8 +3358,8 @@
         </p:nvSpPr>
         <p:spPr>
           <a:xfrm>
-            <a:off x="511560" y="3143520"/>
-            <a:ext cx="3516480" cy="1410480"/>
+            <a:off x="457200" y="2761920"/>
+            <a:ext cx="8229240" cy="1422720"/>
           </a:xfrm>
           <a:prstGeom prst="rect">
             <a:avLst/>
@@ -3412,8 +3410,8 @@
         </p:nvSpPr>
         <p:spPr>
           <a:xfrm>
-            <a:off x="511560" y="437040"/>
-            <a:ext cx="3516480" cy="1250280"/>
+            <a:off x="457200" y="205200"/>
+            <a:ext cx="8229240" cy="858600"/>
           </a:xfrm>
           <a:prstGeom prst="rect">
             <a:avLst/>
@@ -3441,8 +3439,8 @@
         </p:nvSpPr>
         <p:spPr>
           <a:xfrm>
-            <a:off x="511560" y="1598760"/>
-            <a:ext cx="3516480" cy="1410480"/>
+            <a:off x="457200" y="1203480"/>
+            <a:ext cx="8229240" cy="1422720"/>
           </a:xfrm>
           <a:prstGeom prst="rect">
             <a:avLst/>
@@ -3471,8 +3469,8 @@
         </p:nvSpPr>
         <p:spPr>
           <a:xfrm>
-            <a:off x="511560" y="3143520"/>
-            <a:ext cx="3516480" cy="1410480"/>
+            <a:off x="457200" y="2761920"/>
+            <a:ext cx="8229240" cy="1422720"/>
           </a:xfrm>
           <a:prstGeom prst="rect">
             <a:avLst/>
@@ -3523,8 +3521,8 @@
         </p:nvSpPr>
         <p:spPr>
           <a:xfrm>
-            <a:off x="511560" y="437040"/>
-            <a:ext cx="3516480" cy="1250280"/>
+            <a:off x="457200" y="205200"/>
+            <a:ext cx="8229240" cy="858600"/>
           </a:xfrm>
           <a:prstGeom prst="rect">
             <a:avLst/>
@@ -3552,8 +3550,8 @@
         </p:nvSpPr>
         <p:spPr>
           <a:xfrm>
-            <a:off x="511560" y="1598760"/>
-            <a:ext cx="1715760" cy="1410480"/>
+            <a:off x="457200" y="1203480"/>
+            <a:ext cx="4015800" cy="1422720"/>
           </a:xfrm>
           <a:prstGeom prst="rect">
             <a:avLst/>
@@ -3582,8 +3580,8 @@
         </p:nvSpPr>
         <p:spPr>
           <a:xfrm>
-            <a:off x="2313360" y="1598760"/>
-            <a:ext cx="1715760" cy="1410480"/>
+            <a:off x="4674240" y="1203480"/>
+            <a:ext cx="4015800" cy="1422720"/>
           </a:xfrm>
           <a:prstGeom prst="rect">
             <a:avLst/>
@@ -3612,8 +3610,8 @@
         </p:nvSpPr>
         <p:spPr>
           <a:xfrm>
-            <a:off x="511560" y="3143520"/>
-            <a:ext cx="1715760" cy="1410480"/>
+            <a:off x="457200" y="2761920"/>
+            <a:ext cx="4015800" cy="1422720"/>
           </a:xfrm>
           <a:prstGeom prst="rect">
             <a:avLst/>
@@ -3642,8 +3640,8 @@
         </p:nvSpPr>
         <p:spPr>
           <a:xfrm>
-            <a:off x="2313360" y="3143520"/>
-            <a:ext cx="1715760" cy="1410480"/>
+            <a:off x="4674240" y="2761920"/>
+            <a:ext cx="4015800" cy="1422720"/>
           </a:xfrm>
           <a:prstGeom prst="rect">
             <a:avLst/>
@@ -3694,8 +3692,8 @@
         </p:nvSpPr>
         <p:spPr>
           <a:xfrm>
-            <a:off x="511560" y="437040"/>
-            <a:ext cx="3516480" cy="1250280"/>
+            <a:off x="457200" y="205200"/>
+            <a:ext cx="8229240" cy="858600"/>
           </a:xfrm>
           <a:prstGeom prst="rect">
             <a:avLst/>
@@ -3723,8 +3721,8 @@
         </p:nvSpPr>
         <p:spPr>
           <a:xfrm>
-            <a:off x="511560" y="1598760"/>
-            <a:ext cx="1132200" cy="1410480"/>
+            <a:off x="457200" y="1203480"/>
+            <a:ext cx="2649600" cy="1422720"/>
           </a:xfrm>
           <a:prstGeom prst="rect">
             <a:avLst/>
@@ -3732,7 +3730,7 @@
         </p:spPr>
         <p:txBody>
           <a:bodyPr lIns="0" rIns="0" tIns="0" bIns="0">
-            <a:normAutofit fontScale="48000"/>
+            <a:normAutofit/>
           </a:bodyPr>
           <a:p>
             <a:endParaRPr b="0" lang="en-US" sz="3200" spc="-1" strike="noStrike">
@@ -3753,8 +3751,8 @@
         </p:nvSpPr>
         <p:spPr>
           <a:xfrm>
-            <a:off x="1700640" y="1598760"/>
-            <a:ext cx="1132200" cy="1410480"/>
+            <a:off x="3239640" y="1203480"/>
+            <a:ext cx="2649600" cy="1422720"/>
           </a:xfrm>
           <a:prstGeom prst="rect">
             <a:avLst/>
@@ -3762,7 +3760,7 @@
         </p:spPr>
         <p:txBody>
           <a:bodyPr lIns="0" rIns="0" tIns="0" bIns="0">
-            <a:normAutofit fontScale="48000"/>
+            <a:normAutofit/>
           </a:bodyPr>
           <a:p>
             <a:endParaRPr b="0" lang="en-US" sz="3200" spc="-1" strike="noStrike">
@@ -3783,8 +3781,8 @@
         </p:nvSpPr>
         <p:spPr>
           <a:xfrm>
-            <a:off x="2890080" y="1598760"/>
-            <a:ext cx="1132200" cy="1410480"/>
+            <a:off x="6022080" y="1203480"/>
+            <a:ext cx="2649600" cy="1422720"/>
           </a:xfrm>
           <a:prstGeom prst="rect">
             <a:avLst/>
@@ -3792,7 +3790,7 @@
         </p:spPr>
         <p:txBody>
           <a:bodyPr lIns="0" rIns="0" tIns="0" bIns="0">
-            <a:normAutofit fontScale="48000"/>
+            <a:normAutofit/>
           </a:bodyPr>
           <a:p>
             <a:endParaRPr b="0" lang="en-US" sz="3200" spc="-1" strike="noStrike">
@@ -3813,8 +3811,8 @@
         </p:nvSpPr>
         <p:spPr>
           <a:xfrm>
-            <a:off x="511560" y="3143520"/>
-            <a:ext cx="1132200" cy="1410480"/>
+            <a:off x="457200" y="2761920"/>
+            <a:ext cx="2649600" cy="1422720"/>
           </a:xfrm>
           <a:prstGeom prst="rect">
             <a:avLst/>
@@ -3822,7 +3820,7 @@
         </p:spPr>
         <p:txBody>
           <a:bodyPr lIns="0" rIns="0" tIns="0" bIns="0">
-            <a:normAutofit fontScale="48000"/>
+            <a:normAutofit/>
           </a:bodyPr>
           <a:p>
             <a:endParaRPr b="0" lang="en-US" sz="3200" spc="-1" strike="noStrike">
@@ -3843,8 +3841,8 @@
         </p:nvSpPr>
         <p:spPr>
           <a:xfrm>
-            <a:off x="1700640" y="3143520"/>
-            <a:ext cx="1132200" cy="1410480"/>
+            <a:off x="3239640" y="2761920"/>
+            <a:ext cx="2649600" cy="1422720"/>
           </a:xfrm>
           <a:prstGeom prst="rect">
             <a:avLst/>
@@ -3852,7 +3850,7 @@
         </p:spPr>
         <p:txBody>
           <a:bodyPr lIns="0" rIns="0" tIns="0" bIns="0">
-            <a:normAutofit fontScale="48000"/>
+            <a:normAutofit/>
           </a:bodyPr>
           <a:p>
             <a:endParaRPr b="0" lang="en-US" sz="3200" spc="-1" strike="noStrike">
@@ -3873,8 +3871,8 @@
         </p:nvSpPr>
         <p:spPr>
           <a:xfrm>
-            <a:off x="2890080" y="3143520"/>
-            <a:ext cx="1132200" cy="1410480"/>
+            <a:off x="6022080" y="2761920"/>
+            <a:ext cx="2649600" cy="1422720"/>
           </a:xfrm>
           <a:prstGeom prst="rect">
             <a:avLst/>
@@ -3882,7 +3880,7 @@
         </p:spPr>
         <p:txBody>
           <a:bodyPr lIns="0" rIns="0" tIns="0" bIns="0">
-            <a:normAutofit fontScale="48000"/>
+            <a:normAutofit/>
           </a:bodyPr>
           <a:p>
             <a:endParaRPr b="0" lang="en-US" sz="3200" spc="-1" strike="noStrike">
@@ -3947,8 +3945,8 @@
         </p:nvSpPr>
         <p:spPr>
           <a:xfrm>
-            <a:off x="511560" y="437040"/>
-            <a:ext cx="3516480" cy="1250280"/>
+            <a:off x="457200" y="205200"/>
+            <a:ext cx="8229240" cy="858600"/>
           </a:xfrm>
           <a:prstGeom prst="rect">
             <a:avLst/>
@@ -3976,8 +3974,8 @@
         </p:nvSpPr>
         <p:spPr>
           <a:xfrm>
-            <a:off x="511560" y="1598760"/>
-            <a:ext cx="3516480" cy="2957040"/>
+            <a:off x="457200" y="1203480"/>
+            <a:ext cx="8229240" cy="2982960"/>
           </a:xfrm>
           <a:prstGeom prst="rect">
             <a:avLst/>
@@ -4027,8 +4025,8 @@
         </p:nvSpPr>
         <p:spPr>
           <a:xfrm>
-            <a:off x="511560" y="437040"/>
-            <a:ext cx="3516480" cy="1250280"/>
+            <a:off x="457200" y="205200"/>
+            <a:ext cx="8229240" cy="858600"/>
           </a:xfrm>
           <a:prstGeom prst="rect">
             <a:avLst/>
@@ -4056,8 +4054,8 @@
         </p:nvSpPr>
         <p:spPr>
           <a:xfrm>
-            <a:off x="511560" y="1598760"/>
-            <a:ext cx="3516480" cy="2957040"/>
+            <a:off x="457200" y="1203480"/>
+            <a:ext cx="8229240" cy="2982960"/>
           </a:xfrm>
           <a:prstGeom prst="rect">
             <a:avLst/>
@@ -4108,8 +4106,8 @@
         </p:nvSpPr>
         <p:spPr>
           <a:xfrm>
-            <a:off x="511560" y="437040"/>
-            <a:ext cx="3516480" cy="1250280"/>
+            <a:off x="457200" y="205200"/>
+            <a:ext cx="8229240" cy="858600"/>
           </a:xfrm>
           <a:prstGeom prst="rect">
             <a:avLst/>
@@ -4137,8 +4135,8 @@
         </p:nvSpPr>
         <p:spPr>
           <a:xfrm>
-            <a:off x="511560" y="1598760"/>
-            <a:ext cx="1715760" cy="2957040"/>
+            <a:off x="457200" y="1203480"/>
+            <a:ext cx="4015800" cy="2982960"/>
           </a:xfrm>
           <a:prstGeom prst="rect">
             <a:avLst/>
@@ -4167,8 +4165,8 @@
         </p:nvSpPr>
         <p:spPr>
           <a:xfrm>
-            <a:off x="2313360" y="1598760"/>
-            <a:ext cx="1715760" cy="2957040"/>
+            <a:off x="4674240" y="1203480"/>
+            <a:ext cx="4015800" cy="2982960"/>
           </a:xfrm>
           <a:prstGeom prst="rect">
             <a:avLst/>
@@ -4219,8 +4217,8 @@
         </p:nvSpPr>
         <p:spPr>
           <a:xfrm>
-            <a:off x="511560" y="437040"/>
-            <a:ext cx="3516480" cy="1250280"/>
+            <a:off x="457200" y="205200"/>
+            <a:ext cx="8229240" cy="858600"/>
           </a:xfrm>
           <a:prstGeom prst="rect">
             <a:avLst/>
@@ -4248,8 +4246,8 @@
         </p:nvSpPr>
         <p:spPr>
           <a:xfrm>
-            <a:off x="511560" y="1598760"/>
-            <a:ext cx="1715760" cy="2957040"/>
+            <a:off x="457200" y="1203480"/>
+            <a:ext cx="4015800" cy="2982960"/>
           </a:xfrm>
           <a:prstGeom prst="rect">
             <a:avLst/>
@@ -4278,8 +4276,8 @@
         </p:nvSpPr>
         <p:spPr>
           <a:xfrm>
-            <a:off x="2313360" y="1598760"/>
-            <a:ext cx="1715760" cy="2957040"/>
+            <a:off x="4674240" y="1203480"/>
+            <a:ext cx="4015800" cy="2982960"/>
           </a:xfrm>
           <a:prstGeom prst="rect">
             <a:avLst/>
@@ -4330,8 +4328,8 @@
         </p:nvSpPr>
         <p:spPr>
           <a:xfrm>
-            <a:off x="511560" y="437040"/>
-            <a:ext cx="3516480" cy="1250280"/>
+            <a:off x="457200" y="205200"/>
+            <a:ext cx="8229240" cy="858600"/>
           </a:xfrm>
           <a:prstGeom prst="rect">
             <a:avLst/>
@@ -4381,8 +4379,8 @@
         </p:nvSpPr>
         <p:spPr>
           <a:xfrm>
-            <a:off x="511560" y="575640"/>
-            <a:ext cx="3516480" cy="4510080"/>
+            <a:off x="457200" y="205200"/>
+            <a:ext cx="8229240" cy="3981240"/>
           </a:xfrm>
           <a:prstGeom prst="rect">
             <a:avLst/>
@@ -4432,8 +4430,8 @@
         </p:nvSpPr>
         <p:spPr>
           <a:xfrm>
-            <a:off x="511560" y="437040"/>
-            <a:ext cx="3516480" cy="1250280"/>
+            <a:off x="457200" y="205200"/>
+            <a:ext cx="8229240" cy="858600"/>
           </a:xfrm>
           <a:prstGeom prst="rect">
             <a:avLst/>
@@ -4461,8 +4459,8 @@
         </p:nvSpPr>
         <p:spPr>
           <a:xfrm>
-            <a:off x="511560" y="1598760"/>
-            <a:ext cx="1715760" cy="1410480"/>
+            <a:off x="457200" y="1203480"/>
+            <a:ext cx="4015800" cy="1422720"/>
           </a:xfrm>
           <a:prstGeom prst="rect">
             <a:avLst/>
@@ -4491,8 +4489,8 @@
         </p:nvSpPr>
         <p:spPr>
           <a:xfrm>
-            <a:off x="2313360" y="1598760"/>
-            <a:ext cx="1715760" cy="2957040"/>
+            <a:off x="4674240" y="1203480"/>
+            <a:ext cx="4015800" cy="2982960"/>
           </a:xfrm>
           <a:prstGeom prst="rect">
             <a:avLst/>
@@ -4521,8 +4519,8 @@
         </p:nvSpPr>
         <p:spPr>
           <a:xfrm>
-            <a:off x="511560" y="3143520"/>
-            <a:ext cx="1715760" cy="1410480"/>
+            <a:off x="457200" y="2761920"/>
+            <a:ext cx="4015800" cy="1422720"/>
           </a:xfrm>
           <a:prstGeom prst="rect">
             <a:avLst/>
@@ -4573,8 +4571,8 @@
         </p:nvSpPr>
         <p:spPr>
           <a:xfrm>
-            <a:off x="511560" y="437040"/>
-            <a:ext cx="3516480" cy="1250280"/>
+            <a:off x="457200" y="205200"/>
+            <a:ext cx="8229240" cy="858600"/>
           </a:xfrm>
           <a:prstGeom prst="rect">
             <a:avLst/>
@@ -4602,8 +4600,8 @@
         </p:nvSpPr>
         <p:spPr>
           <a:xfrm>
-            <a:off x="511560" y="1598760"/>
-            <a:ext cx="1715760" cy="2957040"/>
+            <a:off x="457200" y="1203480"/>
+            <a:ext cx="4015800" cy="2982960"/>
           </a:xfrm>
           <a:prstGeom prst="rect">
             <a:avLst/>
@@ -4632,8 +4630,8 @@
         </p:nvSpPr>
         <p:spPr>
           <a:xfrm>
-            <a:off x="2313360" y="1598760"/>
-            <a:ext cx="1715760" cy="1410480"/>
+            <a:off x="4674240" y="1203480"/>
+            <a:ext cx="4015800" cy="1422720"/>
           </a:xfrm>
           <a:prstGeom prst="rect">
             <a:avLst/>
@@ -4662,8 +4660,8 @@
         </p:nvSpPr>
         <p:spPr>
           <a:xfrm>
-            <a:off x="2313360" y="3143520"/>
-            <a:ext cx="1715760" cy="1410480"/>
+            <a:off x="4674240" y="2761920"/>
+            <a:ext cx="4015800" cy="1422720"/>
           </a:xfrm>
           <a:prstGeom prst="rect">
             <a:avLst/>
@@ -4714,8 +4712,8 @@
         </p:nvSpPr>
         <p:spPr>
           <a:xfrm>
-            <a:off x="511560" y="437040"/>
-            <a:ext cx="3516480" cy="1250280"/>
+            <a:off x="457200" y="205200"/>
+            <a:ext cx="8229240" cy="858600"/>
           </a:xfrm>
           <a:prstGeom prst="rect">
             <a:avLst/>
@@ -4743,8 +4741,8 @@
         </p:nvSpPr>
         <p:spPr>
           <a:xfrm>
-            <a:off x="511560" y="1598760"/>
-            <a:ext cx="1715760" cy="1410480"/>
+            <a:off x="457200" y="1203480"/>
+            <a:ext cx="4015800" cy="1422720"/>
           </a:xfrm>
           <a:prstGeom prst="rect">
             <a:avLst/>
@@ -4773,8 +4771,8 @@
         </p:nvSpPr>
         <p:spPr>
           <a:xfrm>
-            <a:off x="2313360" y="1598760"/>
-            <a:ext cx="1715760" cy="1410480"/>
+            <a:off x="4674240" y="1203480"/>
+            <a:ext cx="4015800" cy="1422720"/>
           </a:xfrm>
           <a:prstGeom prst="rect">
             <a:avLst/>
@@ -4803,8 +4801,8 @@
         </p:nvSpPr>
         <p:spPr>
           <a:xfrm>
-            <a:off x="511560" y="3143520"/>
-            <a:ext cx="3516480" cy="1410480"/>
+            <a:off x="457200" y="2761920"/>
+            <a:ext cx="8229240" cy="1422720"/>
           </a:xfrm>
           <a:prstGeom prst="rect">
             <a:avLst/>
@@ -4855,8 +4853,8 @@
         </p:nvSpPr>
         <p:spPr>
           <a:xfrm>
-            <a:off x="511560" y="437040"/>
-            <a:ext cx="3516480" cy="1250280"/>
+            <a:off x="457200" y="205200"/>
+            <a:ext cx="8229240" cy="858600"/>
           </a:xfrm>
           <a:prstGeom prst="rect">
             <a:avLst/>
@@ -4884,8 +4882,8 @@
         </p:nvSpPr>
         <p:spPr>
           <a:xfrm>
-            <a:off x="511560" y="1598760"/>
-            <a:ext cx="3516480" cy="1410480"/>
+            <a:off x="457200" y="1203480"/>
+            <a:ext cx="8229240" cy="1422720"/>
           </a:xfrm>
           <a:prstGeom prst="rect">
             <a:avLst/>
@@ -4914,8 +4912,8 @@
         </p:nvSpPr>
         <p:spPr>
           <a:xfrm>
-            <a:off x="511560" y="3143520"/>
-            <a:ext cx="3516480" cy="1410480"/>
+            <a:off x="457200" y="2761920"/>
+            <a:ext cx="8229240" cy="1422720"/>
           </a:xfrm>
           <a:prstGeom prst="rect">
             <a:avLst/>
@@ -4966,8 +4964,8 @@
         </p:nvSpPr>
         <p:spPr>
           <a:xfrm>
-            <a:off x="511560" y="437040"/>
-            <a:ext cx="3516480" cy="1250280"/>
+            <a:off x="457200" y="205200"/>
+            <a:ext cx="8229240" cy="858600"/>
           </a:xfrm>
           <a:prstGeom prst="rect">
             <a:avLst/>
@@ -4995,8 +4993,8 @@
         </p:nvSpPr>
         <p:spPr>
           <a:xfrm>
-            <a:off x="511560" y="1598760"/>
-            <a:ext cx="1715760" cy="1410480"/>
+            <a:off x="457200" y="1203480"/>
+            <a:ext cx="4015800" cy="1422720"/>
           </a:xfrm>
           <a:prstGeom prst="rect">
             <a:avLst/>
@@ -5025,8 +5023,8 @@
         </p:nvSpPr>
         <p:spPr>
           <a:xfrm>
-            <a:off x="2313360" y="1598760"/>
-            <a:ext cx="1715760" cy="1410480"/>
+            <a:off x="4674240" y="1203480"/>
+            <a:ext cx="4015800" cy="1422720"/>
           </a:xfrm>
           <a:prstGeom prst="rect">
             <a:avLst/>
@@ -5055,8 +5053,8 @@
         </p:nvSpPr>
         <p:spPr>
           <a:xfrm>
-            <a:off x="511560" y="3143520"/>
-            <a:ext cx="1715760" cy="1410480"/>
+            <a:off x="457200" y="2761920"/>
+            <a:ext cx="4015800" cy="1422720"/>
           </a:xfrm>
           <a:prstGeom prst="rect">
             <a:avLst/>
@@ -5085,8 +5083,8 @@
         </p:nvSpPr>
         <p:spPr>
           <a:xfrm>
-            <a:off x="2313360" y="3143520"/>
-            <a:ext cx="1715760" cy="1410480"/>
+            <a:off x="4674240" y="2761920"/>
+            <a:ext cx="4015800" cy="1422720"/>
           </a:xfrm>
           <a:prstGeom prst="rect">
             <a:avLst/>
@@ -5137,8 +5135,8 @@
         </p:nvSpPr>
         <p:spPr>
           <a:xfrm>
-            <a:off x="511560" y="437040"/>
-            <a:ext cx="3516480" cy="1250280"/>
+            <a:off x="457200" y="205200"/>
+            <a:ext cx="8229240" cy="858600"/>
           </a:xfrm>
           <a:prstGeom prst="rect">
             <a:avLst/>
@@ -5166,8 +5164,8 @@
         </p:nvSpPr>
         <p:spPr>
           <a:xfrm>
-            <a:off x="511560" y="1598760"/>
-            <a:ext cx="1132200" cy="1410480"/>
+            <a:off x="457200" y="1203480"/>
+            <a:ext cx="2649600" cy="1422720"/>
           </a:xfrm>
           <a:prstGeom prst="rect">
             <a:avLst/>
@@ -5175,7 +5173,7 @@
         </p:spPr>
         <p:txBody>
           <a:bodyPr lIns="0" rIns="0" tIns="0" bIns="0">
-            <a:normAutofit fontScale="48000"/>
+            <a:normAutofit/>
           </a:bodyPr>
           <a:p>
             <a:endParaRPr b="0" lang="en-US" sz="3200" spc="-1" strike="noStrike">
@@ -5196,8 +5194,8 @@
         </p:nvSpPr>
         <p:spPr>
           <a:xfrm>
-            <a:off x="1700640" y="1598760"/>
-            <a:ext cx="1132200" cy="1410480"/>
+            <a:off x="3239640" y="1203480"/>
+            <a:ext cx="2649600" cy="1422720"/>
           </a:xfrm>
           <a:prstGeom prst="rect">
             <a:avLst/>
@@ -5205,7 +5203,7 @@
         </p:spPr>
         <p:txBody>
           <a:bodyPr lIns="0" rIns="0" tIns="0" bIns="0">
-            <a:normAutofit fontScale="48000"/>
+            <a:normAutofit/>
           </a:bodyPr>
           <a:p>
             <a:endParaRPr b="0" lang="en-US" sz="3200" spc="-1" strike="noStrike">
@@ -5226,8 +5224,8 @@
         </p:nvSpPr>
         <p:spPr>
           <a:xfrm>
-            <a:off x="2890080" y="1598760"/>
-            <a:ext cx="1132200" cy="1410480"/>
+            <a:off x="6022080" y="1203480"/>
+            <a:ext cx="2649600" cy="1422720"/>
           </a:xfrm>
           <a:prstGeom prst="rect">
             <a:avLst/>
@@ -5235,7 +5233,7 @@
         </p:spPr>
         <p:txBody>
           <a:bodyPr lIns="0" rIns="0" tIns="0" bIns="0">
-            <a:normAutofit fontScale="48000"/>
+            <a:normAutofit/>
           </a:bodyPr>
           <a:p>
             <a:endParaRPr b="0" lang="en-US" sz="3200" spc="-1" strike="noStrike">
@@ -5256,8 +5254,8 @@
         </p:nvSpPr>
         <p:spPr>
           <a:xfrm>
-            <a:off x="511560" y="3143520"/>
-            <a:ext cx="1132200" cy="1410480"/>
+            <a:off x="457200" y="2761920"/>
+            <a:ext cx="2649600" cy="1422720"/>
           </a:xfrm>
           <a:prstGeom prst="rect">
             <a:avLst/>
@@ -5265,7 +5263,7 @@
         </p:spPr>
         <p:txBody>
           <a:bodyPr lIns="0" rIns="0" tIns="0" bIns="0">
-            <a:normAutofit fontScale="48000"/>
+            <a:normAutofit/>
           </a:bodyPr>
           <a:p>
             <a:endParaRPr b="0" lang="en-US" sz="3200" spc="-1" strike="noStrike">
@@ -5286,8 +5284,8 @@
         </p:nvSpPr>
         <p:spPr>
           <a:xfrm>
-            <a:off x="1700640" y="3143520"/>
-            <a:ext cx="1132200" cy="1410480"/>
+            <a:off x="3239640" y="2761920"/>
+            <a:ext cx="2649600" cy="1422720"/>
           </a:xfrm>
           <a:prstGeom prst="rect">
             <a:avLst/>
@@ -5295,7 +5293,7 @@
         </p:spPr>
         <p:txBody>
           <a:bodyPr lIns="0" rIns="0" tIns="0" bIns="0">
-            <a:normAutofit fontScale="48000"/>
+            <a:normAutofit/>
           </a:bodyPr>
           <a:p>
             <a:endParaRPr b="0" lang="en-US" sz="3200" spc="-1" strike="noStrike">
@@ -5316,8 +5314,8 @@
         </p:nvSpPr>
         <p:spPr>
           <a:xfrm>
-            <a:off x="2890080" y="3143520"/>
-            <a:ext cx="1132200" cy="1410480"/>
+            <a:off x="6022080" y="2761920"/>
+            <a:ext cx="2649600" cy="1422720"/>
           </a:xfrm>
           <a:prstGeom prst="rect">
             <a:avLst/>
@@ -5325,7 +5323,7 @@
         </p:spPr>
         <p:txBody>
           <a:bodyPr lIns="0" rIns="0" tIns="0" bIns="0">
-            <a:normAutofit fontScale="48000"/>
+            <a:normAutofit/>
           </a:bodyPr>
           <a:p>
             <a:endParaRPr b="0" lang="en-US" sz="3200" spc="-1" strike="noStrike">
@@ -5390,8 +5388,8 @@
         </p:nvSpPr>
         <p:spPr>
           <a:xfrm>
-            <a:off x="511560" y="437040"/>
-            <a:ext cx="3516480" cy="1250280"/>
+            <a:off x="457200" y="205200"/>
+            <a:ext cx="8229240" cy="858600"/>
           </a:xfrm>
           <a:prstGeom prst="rect">
             <a:avLst/>
@@ -5441,8 +5439,8 @@
         </p:nvSpPr>
         <p:spPr>
           <a:xfrm>
-            <a:off x="511560" y="437040"/>
-            <a:ext cx="3516480" cy="1250280"/>
+            <a:off x="457200" y="205200"/>
+            <a:ext cx="8229240" cy="858600"/>
           </a:xfrm>
           <a:prstGeom prst="rect">
             <a:avLst/>
@@ -5470,8 +5468,8 @@
         </p:nvSpPr>
         <p:spPr>
           <a:xfrm>
-            <a:off x="511560" y="1598760"/>
-            <a:ext cx="3516480" cy="2957040"/>
+            <a:off x="457200" y="1203480"/>
+            <a:ext cx="8229240" cy="2982960"/>
           </a:xfrm>
           <a:prstGeom prst="rect">
             <a:avLst/>
@@ -5521,8 +5519,8 @@
         </p:nvSpPr>
         <p:spPr>
           <a:xfrm>
-            <a:off x="511560" y="437040"/>
-            <a:ext cx="3516480" cy="1250280"/>
+            <a:off x="457200" y="205200"/>
+            <a:ext cx="8229240" cy="858600"/>
           </a:xfrm>
           <a:prstGeom prst="rect">
             <a:avLst/>
@@ -5550,8 +5548,8 @@
         </p:nvSpPr>
         <p:spPr>
           <a:xfrm>
-            <a:off x="511560" y="1598760"/>
-            <a:ext cx="3516480" cy="2957040"/>
+            <a:off x="457200" y="1203480"/>
+            <a:ext cx="8229240" cy="2982960"/>
           </a:xfrm>
           <a:prstGeom prst="rect">
             <a:avLst/>
@@ -5602,8 +5600,8 @@
         </p:nvSpPr>
         <p:spPr>
           <a:xfrm>
-            <a:off x="511560" y="437040"/>
-            <a:ext cx="3516480" cy="1250280"/>
+            <a:off x="457200" y="205200"/>
+            <a:ext cx="8229240" cy="858600"/>
           </a:xfrm>
           <a:prstGeom prst="rect">
             <a:avLst/>
@@ -5631,8 +5629,8 @@
         </p:nvSpPr>
         <p:spPr>
           <a:xfrm>
-            <a:off x="511560" y="1598760"/>
-            <a:ext cx="1715760" cy="2957040"/>
+            <a:off x="457200" y="1203480"/>
+            <a:ext cx="4015800" cy="2982960"/>
           </a:xfrm>
           <a:prstGeom prst="rect">
             <a:avLst/>
@@ -5661,8 +5659,8 @@
         </p:nvSpPr>
         <p:spPr>
           <a:xfrm>
-            <a:off x="2313360" y="1598760"/>
-            <a:ext cx="1715760" cy="2957040"/>
+            <a:off x="4674240" y="1203480"/>
+            <a:ext cx="4015800" cy="2982960"/>
           </a:xfrm>
           <a:prstGeom prst="rect">
             <a:avLst/>
@@ -5713,8 +5711,8 @@
         </p:nvSpPr>
         <p:spPr>
           <a:xfrm>
-            <a:off x="511560" y="437040"/>
-            <a:ext cx="3516480" cy="1250280"/>
+            <a:off x="457200" y="205200"/>
+            <a:ext cx="8229240" cy="858600"/>
           </a:xfrm>
           <a:prstGeom prst="rect">
             <a:avLst/>
@@ -5764,8 +5762,8 @@
         </p:nvSpPr>
         <p:spPr>
           <a:xfrm>
-            <a:off x="511560" y="575640"/>
-            <a:ext cx="3516480" cy="4510080"/>
+            <a:off x="457200" y="205200"/>
+            <a:ext cx="8229240" cy="3981240"/>
           </a:xfrm>
           <a:prstGeom prst="rect">
             <a:avLst/>
@@ -5815,8 +5813,8 @@
         </p:nvSpPr>
         <p:spPr>
           <a:xfrm>
-            <a:off x="511560" y="437040"/>
-            <a:ext cx="3516480" cy="1250280"/>
+            <a:off x="457200" y="205200"/>
+            <a:ext cx="8229240" cy="858600"/>
           </a:xfrm>
           <a:prstGeom prst="rect">
             <a:avLst/>
@@ -5844,8 +5842,8 @@
         </p:nvSpPr>
         <p:spPr>
           <a:xfrm>
-            <a:off x="511560" y="1598760"/>
-            <a:ext cx="1715760" cy="1410480"/>
+            <a:off x="457200" y="1203480"/>
+            <a:ext cx="4015800" cy="1422720"/>
           </a:xfrm>
           <a:prstGeom prst="rect">
             <a:avLst/>
@@ -5874,8 +5872,8 @@
         </p:nvSpPr>
         <p:spPr>
           <a:xfrm>
-            <a:off x="2313360" y="1598760"/>
-            <a:ext cx="1715760" cy="2957040"/>
+            <a:off x="4674240" y="1203480"/>
+            <a:ext cx="4015800" cy="2982960"/>
           </a:xfrm>
           <a:prstGeom prst="rect">
             <a:avLst/>
@@ -5904,8 +5902,8 @@
         </p:nvSpPr>
         <p:spPr>
           <a:xfrm>
-            <a:off x="511560" y="3143520"/>
-            <a:ext cx="1715760" cy="1410480"/>
+            <a:off x="457200" y="2761920"/>
+            <a:ext cx="4015800" cy="1422720"/>
           </a:xfrm>
           <a:prstGeom prst="rect">
             <a:avLst/>
@@ -5956,8 +5954,8 @@
         </p:nvSpPr>
         <p:spPr>
           <a:xfrm>
-            <a:off x="511560" y="437040"/>
-            <a:ext cx="3516480" cy="1250280"/>
+            <a:off x="457200" y="205200"/>
+            <a:ext cx="8229240" cy="858600"/>
           </a:xfrm>
           <a:prstGeom prst="rect">
             <a:avLst/>
@@ -5985,8 +5983,8 @@
         </p:nvSpPr>
         <p:spPr>
           <a:xfrm>
-            <a:off x="511560" y="1598760"/>
-            <a:ext cx="1715760" cy="2957040"/>
+            <a:off x="457200" y="1203480"/>
+            <a:ext cx="4015800" cy="2982960"/>
           </a:xfrm>
           <a:prstGeom prst="rect">
             <a:avLst/>
@@ -6015,8 +6013,8 @@
         </p:nvSpPr>
         <p:spPr>
           <a:xfrm>
-            <a:off x="2313360" y="1598760"/>
-            <a:ext cx="1715760" cy="1410480"/>
+            <a:off x="4674240" y="1203480"/>
+            <a:ext cx="4015800" cy="1422720"/>
           </a:xfrm>
           <a:prstGeom prst="rect">
             <a:avLst/>
@@ -6045,8 +6043,8 @@
         </p:nvSpPr>
         <p:spPr>
           <a:xfrm>
-            <a:off x="2313360" y="3143520"/>
-            <a:ext cx="1715760" cy="1410480"/>
+            <a:off x="4674240" y="2761920"/>
+            <a:ext cx="4015800" cy="1422720"/>
           </a:xfrm>
           <a:prstGeom prst="rect">
             <a:avLst/>
@@ -6097,8 +6095,8 @@
         </p:nvSpPr>
         <p:spPr>
           <a:xfrm>
-            <a:off x="511560" y="437040"/>
-            <a:ext cx="3516480" cy="1250280"/>
+            <a:off x="457200" y="205200"/>
+            <a:ext cx="8229240" cy="858600"/>
           </a:xfrm>
           <a:prstGeom prst="rect">
             <a:avLst/>
@@ -6126,8 +6124,8 @@
         </p:nvSpPr>
         <p:spPr>
           <a:xfrm>
-            <a:off x="511560" y="1598760"/>
-            <a:ext cx="1715760" cy="1410480"/>
+            <a:off x="457200" y="1203480"/>
+            <a:ext cx="4015800" cy="1422720"/>
           </a:xfrm>
           <a:prstGeom prst="rect">
             <a:avLst/>
@@ -6156,8 +6154,8 @@
         </p:nvSpPr>
         <p:spPr>
           <a:xfrm>
-            <a:off x="2313360" y="1598760"/>
-            <a:ext cx="1715760" cy="1410480"/>
+            <a:off x="4674240" y="1203480"/>
+            <a:ext cx="4015800" cy="1422720"/>
           </a:xfrm>
           <a:prstGeom prst="rect">
             <a:avLst/>
@@ -6186,8 +6184,8 @@
         </p:nvSpPr>
         <p:spPr>
           <a:xfrm>
-            <a:off x="511560" y="3143520"/>
-            <a:ext cx="3516480" cy="1410480"/>
+            <a:off x="457200" y="2761920"/>
+            <a:ext cx="8229240" cy="1422720"/>
           </a:xfrm>
           <a:prstGeom prst="rect">
             <a:avLst/>
@@ -6238,8 +6236,8 @@
         </p:nvSpPr>
         <p:spPr>
           <a:xfrm>
-            <a:off x="511560" y="437040"/>
-            <a:ext cx="3516480" cy="1250280"/>
+            <a:off x="457200" y="205200"/>
+            <a:ext cx="8229240" cy="858600"/>
           </a:xfrm>
           <a:prstGeom prst="rect">
             <a:avLst/>
@@ -6267,8 +6265,8 @@
         </p:nvSpPr>
         <p:spPr>
           <a:xfrm>
-            <a:off x="511560" y="1598760"/>
-            <a:ext cx="3516480" cy="1410480"/>
+            <a:off x="457200" y="1203480"/>
+            <a:ext cx="8229240" cy="1422720"/>
           </a:xfrm>
           <a:prstGeom prst="rect">
             <a:avLst/>
@@ -6297,8 +6295,8 @@
         </p:nvSpPr>
         <p:spPr>
           <a:xfrm>
-            <a:off x="511560" y="3143520"/>
-            <a:ext cx="3516480" cy="1410480"/>
+            <a:off x="457200" y="2761920"/>
+            <a:ext cx="8229240" cy="1422720"/>
           </a:xfrm>
           <a:prstGeom prst="rect">
             <a:avLst/>
@@ -6349,8 +6347,8 @@
         </p:nvSpPr>
         <p:spPr>
           <a:xfrm>
-            <a:off x="511560" y="437040"/>
-            <a:ext cx="3516480" cy="1250280"/>
+            <a:off x="457200" y="205200"/>
+            <a:ext cx="8229240" cy="858600"/>
           </a:xfrm>
           <a:prstGeom prst="rect">
             <a:avLst/>
@@ -6378,8 +6376,8 @@
         </p:nvSpPr>
         <p:spPr>
           <a:xfrm>
-            <a:off x="511560" y="1598760"/>
-            <a:ext cx="1715760" cy="1410480"/>
+            <a:off x="457200" y="1203480"/>
+            <a:ext cx="4015800" cy="1422720"/>
           </a:xfrm>
           <a:prstGeom prst="rect">
             <a:avLst/>
@@ -6408,8 +6406,8 @@
         </p:nvSpPr>
         <p:spPr>
           <a:xfrm>
-            <a:off x="2313360" y="1598760"/>
-            <a:ext cx="1715760" cy="1410480"/>
+            <a:off x="4674240" y="1203480"/>
+            <a:ext cx="4015800" cy="1422720"/>
           </a:xfrm>
           <a:prstGeom prst="rect">
             <a:avLst/>
@@ -6438,8 +6436,8 @@
         </p:nvSpPr>
         <p:spPr>
           <a:xfrm>
-            <a:off x="511560" y="3143520"/>
-            <a:ext cx="1715760" cy="1410480"/>
+            <a:off x="457200" y="2761920"/>
+            <a:ext cx="4015800" cy="1422720"/>
           </a:xfrm>
           <a:prstGeom prst="rect">
             <a:avLst/>
@@ -6468,8 +6466,8 @@
         </p:nvSpPr>
         <p:spPr>
           <a:xfrm>
-            <a:off x="2313360" y="3143520"/>
-            <a:ext cx="1715760" cy="1410480"/>
+            <a:off x="4674240" y="2761920"/>
+            <a:ext cx="4015800" cy="1422720"/>
           </a:xfrm>
           <a:prstGeom prst="rect">
             <a:avLst/>
@@ -6520,8 +6518,8 @@
         </p:nvSpPr>
         <p:spPr>
           <a:xfrm>
-            <a:off x="511560" y="575640"/>
-            <a:ext cx="3516480" cy="4510080"/>
+            <a:off x="457200" y="205200"/>
+            <a:ext cx="8229240" cy="3981240"/>
           </a:xfrm>
           <a:prstGeom prst="rect">
             <a:avLst/>
@@ -6571,8 +6569,8 @@
         </p:nvSpPr>
         <p:spPr>
           <a:xfrm>
-            <a:off x="511560" y="437040"/>
-            <a:ext cx="3516480" cy="1250280"/>
+            <a:off x="457200" y="205200"/>
+            <a:ext cx="8229240" cy="858600"/>
           </a:xfrm>
           <a:prstGeom prst="rect">
             <a:avLst/>
@@ -6600,8 +6598,8 @@
         </p:nvSpPr>
         <p:spPr>
           <a:xfrm>
-            <a:off x="511560" y="1598760"/>
-            <a:ext cx="1132200" cy="1410480"/>
+            <a:off x="457200" y="1203480"/>
+            <a:ext cx="2649600" cy="1422720"/>
           </a:xfrm>
           <a:prstGeom prst="rect">
             <a:avLst/>
@@ -6609,7 +6607,7 @@
         </p:spPr>
         <p:txBody>
           <a:bodyPr lIns="0" rIns="0" tIns="0" bIns="0">
-            <a:normAutofit fontScale="48000"/>
+            <a:normAutofit/>
           </a:bodyPr>
           <a:p>
             <a:endParaRPr b="0" lang="en-US" sz="3200" spc="-1" strike="noStrike">
@@ -6630,8 +6628,8 @@
         </p:nvSpPr>
         <p:spPr>
           <a:xfrm>
-            <a:off x="1700640" y="1598760"/>
-            <a:ext cx="1132200" cy="1410480"/>
+            <a:off x="3239640" y="1203480"/>
+            <a:ext cx="2649600" cy="1422720"/>
           </a:xfrm>
           <a:prstGeom prst="rect">
             <a:avLst/>
@@ -6639,7 +6637,7 @@
         </p:spPr>
         <p:txBody>
           <a:bodyPr lIns="0" rIns="0" tIns="0" bIns="0">
-            <a:normAutofit fontScale="48000"/>
+            <a:normAutofit/>
           </a:bodyPr>
           <a:p>
             <a:endParaRPr b="0" lang="en-US" sz="3200" spc="-1" strike="noStrike">
@@ -6660,8 +6658,8 @@
         </p:nvSpPr>
         <p:spPr>
           <a:xfrm>
-            <a:off x="2890080" y="1598760"/>
-            <a:ext cx="1132200" cy="1410480"/>
+            <a:off x="6022080" y="1203480"/>
+            <a:ext cx="2649600" cy="1422720"/>
           </a:xfrm>
           <a:prstGeom prst="rect">
             <a:avLst/>
@@ -6669,7 +6667,7 @@
         </p:spPr>
         <p:txBody>
           <a:bodyPr lIns="0" rIns="0" tIns="0" bIns="0">
-            <a:normAutofit fontScale="48000"/>
+            <a:normAutofit/>
           </a:bodyPr>
           <a:p>
             <a:endParaRPr b="0" lang="en-US" sz="3200" spc="-1" strike="noStrike">
@@ -6690,8 +6688,8 @@
         </p:nvSpPr>
         <p:spPr>
           <a:xfrm>
-            <a:off x="511560" y="3143520"/>
-            <a:ext cx="1132200" cy="1410480"/>
+            <a:off x="457200" y="2761920"/>
+            <a:ext cx="2649600" cy="1422720"/>
           </a:xfrm>
           <a:prstGeom prst="rect">
             <a:avLst/>
@@ -6699,7 +6697,7 @@
         </p:spPr>
         <p:txBody>
           <a:bodyPr lIns="0" rIns="0" tIns="0" bIns="0">
-            <a:normAutofit fontScale="48000"/>
+            <a:normAutofit/>
           </a:bodyPr>
           <a:p>
             <a:endParaRPr b="0" lang="en-US" sz="3200" spc="-1" strike="noStrike">
@@ -6720,8 +6718,8 @@
         </p:nvSpPr>
         <p:spPr>
           <a:xfrm>
-            <a:off x="1700640" y="3143520"/>
-            <a:ext cx="1132200" cy="1410480"/>
+            <a:off x="3239640" y="2761920"/>
+            <a:ext cx="2649600" cy="1422720"/>
           </a:xfrm>
           <a:prstGeom prst="rect">
             <a:avLst/>
@@ -6729,7 +6727,7 @@
         </p:spPr>
         <p:txBody>
           <a:bodyPr lIns="0" rIns="0" tIns="0" bIns="0">
-            <a:normAutofit fontScale="48000"/>
+            <a:normAutofit/>
           </a:bodyPr>
           <a:p>
             <a:endParaRPr b="0" lang="en-US" sz="3200" spc="-1" strike="noStrike">
@@ -6750,8 +6748,8 @@
         </p:nvSpPr>
         <p:spPr>
           <a:xfrm>
-            <a:off x="2890080" y="3143520"/>
-            <a:ext cx="1132200" cy="1410480"/>
+            <a:off x="6022080" y="2761920"/>
+            <a:ext cx="2649600" cy="1422720"/>
           </a:xfrm>
           <a:prstGeom prst="rect">
             <a:avLst/>
@@ -6759,7 +6757,7 @@
         </p:spPr>
         <p:txBody>
           <a:bodyPr lIns="0" rIns="0" tIns="0" bIns="0">
-            <a:normAutofit fontScale="48000"/>
+            <a:normAutofit/>
           </a:bodyPr>
           <a:p>
             <a:endParaRPr b="0" lang="en-US" sz="3200" spc="-1" strike="noStrike">
@@ -6824,8 +6822,8 @@
         </p:nvSpPr>
         <p:spPr>
           <a:xfrm>
-            <a:off x="511560" y="437040"/>
-            <a:ext cx="3516480" cy="1250280"/>
+            <a:off x="457200" y="205200"/>
+            <a:ext cx="8229240" cy="858600"/>
           </a:xfrm>
           <a:prstGeom prst="rect">
             <a:avLst/>
@@ -6853,8 +6851,8 @@
         </p:nvSpPr>
         <p:spPr>
           <a:xfrm>
-            <a:off x="511560" y="1598760"/>
-            <a:ext cx="3516480" cy="2957040"/>
+            <a:off x="457200" y="1203480"/>
+            <a:ext cx="8229240" cy="2982960"/>
           </a:xfrm>
           <a:prstGeom prst="rect">
             <a:avLst/>
@@ -6904,8 +6902,8 @@
         </p:nvSpPr>
         <p:spPr>
           <a:xfrm>
-            <a:off x="511560" y="437040"/>
-            <a:ext cx="3516480" cy="1250280"/>
+            <a:off x="457200" y="205200"/>
+            <a:ext cx="8229240" cy="858600"/>
           </a:xfrm>
           <a:prstGeom prst="rect">
             <a:avLst/>
@@ -6933,8 +6931,8 @@
         </p:nvSpPr>
         <p:spPr>
           <a:xfrm>
-            <a:off x="511560" y="1598760"/>
-            <a:ext cx="3516480" cy="2957040"/>
+            <a:off x="457200" y="1203480"/>
+            <a:ext cx="8229240" cy="2982960"/>
           </a:xfrm>
           <a:prstGeom prst="rect">
             <a:avLst/>
@@ -6985,8 +6983,8 @@
         </p:nvSpPr>
         <p:spPr>
           <a:xfrm>
-            <a:off x="511560" y="437040"/>
-            <a:ext cx="3516480" cy="1250280"/>
+            <a:off x="457200" y="205200"/>
+            <a:ext cx="8229240" cy="858600"/>
           </a:xfrm>
           <a:prstGeom prst="rect">
             <a:avLst/>
@@ -7014,8 +7012,8 @@
         </p:nvSpPr>
         <p:spPr>
           <a:xfrm>
-            <a:off x="511560" y="1598760"/>
-            <a:ext cx="1715760" cy="2957040"/>
+            <a:off x="457200" y="1203480"/>
+            <a:ext cx="4015800" cy="2982960"/>
           </a:xfrm>
           <a:prstGeom prst="rect">
             <a:avLst/>
@@ -7044,8 +7042,8 @@
         </p:nvSpPr>
         <p:spPr>
           <a:xfrm>
-            <a:off x="2313360" y="1598760"/>
-            <a:ext cx="1715760" cy="2957040"/>
+            <a:off x="4674240" y="1203480"/>
+            <a:ext cx="4015800" cy="2982960"/>
           </a:xfrm>
           <a:prstGeom prst="rect">
             <a:avLst/>
@@ -7096,8 +7094,8 @@
         </p:nvSpPr>
         <p:spPr>
           <a:xfrm>
-            <a:off x="511560" y="437040"/>
-            <a:ext cx="3516480" cy="1250280"/>
+            <a:off x="457200" y="205200"/>
+            <a:ext cx="8229240" cy="858600"/>
           </a:xfrm>
           <a:prstGeom prst="rect">
             <a:avLst/>
@@ -7147,8 +7145,8 @@
         </p:nvSpPr>
         <p:spPr>
           <a:xfrm>
-            <a:off x="511560" y="575640"/>
-            <a:ext cx="3516480" cy="4510080"/>
+            <a:off x="457200" y="205200"/>
+            <a:ext cx="8229240" cy="3981240"/>
           </a:xfrm>
           <a:prstGeom prst="rect">
             <a:avLst/>
@@ -7198,8 +7196,8 @@
         </p:nvSpPr>
         <p:spPr>
           <a:xfrm>
-            <a:off x="511560" y="437040"/>
-            <a:ext cx="3516480" cy="1250280"/>
+            <a:off x="457200" y="205200"/>
+            <a:ext cx="8229240" cy="858600"/>
           </a:xfrm>
           <a:prstGeom prst="rect">
             <a:avLst/>
@@ -7227,8 +7225,8 @@
         </p:nvSpPr>
         <p:spPr>
           <a:xfrm>
-            <a:off x="511560" y="1598760"/>
-            <a:ext cx="1715760" cy="1410480"/>
+            <a:off x="457200" y="1203480"/>
+            <a:ext cx="4015800" cy="1422720"/>
           </a:xfrm>
           <a:prstGeom prst="rect">
             <a:avLst/>
@@ -7257,8 +7255,8 @@
         </p:nvSpPr>
         <p:spPr>
           <a:xfrm>
-            <a:off x="2313360" y="1598760"/>
-            <a:ext cx="1715760" cy="2957040"/>
+            <a:off x="4674240" y="1203480"/>
+            <a:ext cx="4015800" cy="2982960"/>
           </a:xfrm>
           <a:prstGeom prst="rect">
             <a:avLst/>
@@ -7287,8 +7285,8 @@
         </p:nvSpPr>
         <p:spPr>
           <a:xfrm>
-            <a:off x="511560" y="3143520"/>
-            <a:ext cx="1715760" cy="1410480"/>
+            <a:off x="457200" y="2761920"/>
+            <a:ext cx="4015800" cy="1422720"/>
           </a:xfrm>
           <a:prstGeom prst="rect">
             <a:avLst/>
@@ -7339,8 +7337,8 @@
         </p:nvSpPr>
         <p:spPr>
           <a:xfrm>
-            <a:off x="511560" y="437040"/>
-            <a:ext cx="3516480" cy="1250280"/>
+            <a:off x="457200" y="205200"/>
+            <a:ext cx="8229240" cy="858600"/>
           </a:xfrm>
           <a:prstGeom prst="rect">
             <a:avLst/>
@@ -7368,8 +7366,8 @@
         </p:nvSpPr>
         <p:spPr>
           <a:xfrm>
-            <a:off x="511560" y="1598760"/>
-            <a:ext cx="1715760" cy="2957040"/>
+            <a:off x="457200" y="1203480"/>
+            <a:ext cx="4015800" cy="2982960"/>
           </a:xfrm>
           <a:prstGeom prst="rect">
             <a:avLst/>
@@ -7398,8 +7396,8 @@
         </p:nvSpPr>
         <p:spPr>
           <a:xfrm>
-            <a:off x="2313360" y="1598760"/>
-            <a:ext cx="1715760" cy="1410480"/>
+            <a:off x="4674240" y="1203480"/>
+            <a:ext cx="4015800" cy="1422720"/>
           </a:xfrm>
           <a:prstGeom prst="rect">
             <a:avLst/>
@@ -7428,8 +7426,8 @@
         </p:nvSpPr>
         <p:spPr>
           <a:xfrm>
-            <a:off x="2313360" y="3143520"/>
-            <a:ext cx="1715760" cy="1410480"/>
+            <a:off x="4674240" y="2761920"/>
+            <a:ext cx="4015800" cy="1422720"/>
           </a:xfrm>
           <a:prstGeom prst="rect">
             <a:avLst/>
@@ -7480,8 +7478,8 @@
         </p:nvSpPr>
         <p:spPr>
           <a:xfrm>
-            <a:off x="511560" y="437040"/>
-            <a:ext cx="3516480" cy="1250280"/>
+            <a:off x="457200" y="205200"/>
+            <a:ext cx="8229240" cy="858600"/>
           </a:xfrm>
           <a:prstGeom prst="rect">
             <a:avLst/>
@@ -7509,8 +7507,8 @@
         </p:nvSpPr>
         <p:spPr>
           <a:xfrm>
-            <a:off x="511560" y="1598760"/>
-            <a:ext cx="1715760" cy="1410480"/>
+            <a:off x="457200" y="1203480"/>
+            <a:ext cx="4015800" cy="1422720"/>
           </a:xfrm>
           <a:prstGeom prst="rect">
             <a:avLst/>
@@ -7539,8 +7537,8 @@
         </p:nvSpPr>
         <p:spPr>
           <a:xfrm>
-            <a:off x="2313360" y="1598760"/>
-            <a:ext cx="1715760" cy="1410480"/>
+            <a:off x="4674240" y="1203480"/>
+            <a:ext cx="4015800" cy="1422720"/>
           </a:xfrm>
           <a:prstGeom prst="rect">
             <a:avLst/>
@@ -7569,8 +7567,8 @@
         </p:nvSpPr>
         <p:spPr>
           <a:xfrm>
-            <a:off x="511560" y="3143520"/>
-            <a:ext cx="3516480" cy="1410480"/>
+            <a:off x="457200" y="2761920"/>
+            <a:ext cx="8229240" cy="1422720"/>
           </a:xfrm>
           <a:prstGeom prst="rect">
             <a:avLst/>
@@ -7621,8 +7619,8 @@
         </p:nvSpPr>
         <p:spPr>
           <a:xfrm>
-            <a:off x="511560" y="437040"/>
-            <a:ext cx="3516480" cy="1250280"/>
+            <a:off x="457200" y="205200"/>
+            <a:ext cx="8229240" cy="858600"/>
           </a:xfrm>
           <a:prstGeom prst="rect">
             <a:avLst/>
@@ -7650,8 +7648,8 @@
         </p:nvSpPr>
         <p:spPr>
           <a:xfrm>
-            <a:off x="511560" y="1598760"/>
-            <a:ext cx="1715760" cy="1410480"/>
+            <a:off x="457200" y="1203480"/>
+            <a:ext cx="4015800" cy="1422720"/>
           </a:xfrm>
           <a:prstGeom prst="rect">
             <a:avLst/>
@@ -7680,8 +7678,8 @@
         </p:nvSpPr>
         <p:spPr>
           <a:xfrm>
-            <a:off x="2313360" y="1598760"/>
-            <a:ext cx="1715760" cy="2957040"/>
+            <a:off x="4674240" y="1203480"/>
+            <a:ext cx="4015800" cy="2982960"/>
           </a:xfrm>
           <a:prstGeom prst="rect">
             <a:avLst/>
@@ -7710,8 +7708,8 @@
         </p:nvSpPr>
         <p:spPr>
           <a:xfrm>
-            <a:off x="511560" y="3143520"/>
-            <a:ext cx="1715760" cy="1410480"/>
+            <a:off x="457200" y="2761920"/>
+            <a:ext cx="4015800" cy="1422720"/>
           </a:xfrm>
           <a:prstGeom prst="rect">
             <a:avLst/>
@@ -7762,8 +7760,8 @@
         </p:nvSpPr>
         <p:spPr>
           <a:xfrm>
-            <a:off x="511560" y="437040"/>
-            <a:ext cx="3516480" cy="1250280"/>
+            <a:off x="457200" y="205200"/>
+            <a:ext cx="8229240" cy="858600"/>
           </a:xfrm>
           <a:prstGeom prst="rect">
             <a:avLst/>
@@ -7791,8 +7789,8 @@
         </p:nvSpPr>
         <p:spPr>
           <a:xfrm>
-            <a:off x="511560" y="1598760"/>
-            <a:ext cx="3516480" cy="1410480"/>
+            <a:off x="457200" y="1203480"/>
+            <a:ext cx="8229240" cy="1422720"/>
           </a:xfrm>
           <a:prstGeom prst="rect">
             <a:avLst/>
@@ -7821,8 +7819,8 @@
         </p:nvSpPr>
         <p:spPr>
           <a:xfrm>
-            <a:off x="511560" y="3143520"/>
-            <a:ext cx="3516480" cy="1410480"/>
+            <a:off x="457200" y="2761920"/>
+            <a:ext cx="8229240" cy="1422720"/>
           </a:xfrm>
           <a:prstGeom prst="rect">
             <a:avLst/>
@@ -7873,8 +7871,8 @@
         </p:nvSpPr>
         <p:spPr>
           <a:xfrm>
-            <a:off x="511560" y="437040"/>
-            <a:ext cx="3516480" cy="1250280"/>
+            <a:off x="457200" y="205200"/>
+            <a:ext cx="8229240" cy="858600"/>
           </a:xfrm>
           <a:prstGeom prst="rect">
             <a:avLst/>
@@ -7902,8 +7900,8 @@
         </p:nvSpPr>
         <p:spPr>
           <a:xfrm>
-            <a:off x="511560" y="1598760"/>
-            <a:ext cx="1715760" cy="1410480"/>
+            <a:off x="457200" y="1203480"/>
+            <a:ext cx="4015800" cy="1422720"/>
           </a:xfrm>
           <a:prstGeom prst="rect">
             <a:avLst/>
@@ -7932,8 +7930,8 @@
         </p:nvSpPr>
         <p:spPr>
           <a:xfrm>
-            <a:off x="2313360" y="1598760"/>
-            <a:ext cx="1715760" cy="1410480"/>
+            <a:off x="4674240" y="1203480"/>
+            <a:ext cx="4015800" cy="1422720"/>
           </a:xfrm>
           <a:prstGeom prst="rect">
             <a:avLst/>
@@ -7962,8 +7960,8 @@
         </p:nvSpPr>
         <p:spPr>
           <a:xfrm>
-            <a:off x="511560" y="3143520"/>
-            <a:ext cx="1715760" cy="1410480"/>
+            <a:off x="457200" y="2761920"/>
+            <a:ext cx="4015800" cy="1422720"/>
           </a:xfrm>
           <a:prstGeom prst="rect">
             <a:avLst/>
@@ -7992,8 +7990,8 @@
         </p:nvSpPr>
         <p:spPr>
           <a:xfrm>
-            <a:off x="2313360" y="3143520"/>
-            <a:ext cx="1715760" cy="1410480"/>
+            <a:off x="4674240" y="2761920"/>
+            <a:ext cx="4015800" cy="1422720"/>
           </a:xfrm>
           <a:prstGeom prst="rect">
             <a:avLst/>
@@ -8044,8 +8042,8 @@
         </p:nvSpPr>
         <p:spPr>
           <a:xfrm>
-            <a:off x="511560" y="437040"/>
-            <a:ext cx="3516480" cy="1250280"/>
+            <a:off x="457200" y="205200"/>
+            <a:ext cx="8229240" cy="858600"/>
           </a:xfrm>
           <a:prstGeom prst="rect">
             <a:avLst/>
@@ -8073,8 +8071,8 @@
         </p:nvSpPr>
         <p:spPr>
           <a:xfrm>
-            <a:off x="511560" y="1598760"/>
-            <a:ext cx="1132200" cy="1410480"/>
+            <a:off x="457200" y="1203480"/>
+            <a:ext cx="2649600" cy="1422720"/>
           </a:xfrm>
           <a:prstGeom prst="rect">
             <a:avLst/>
@@ -8082,7 +8080,7 @@
         </p:spPr>
         <p:txBody>
           <a:bodyPr lIns="0" rIns="0" tIns="0" bIns="0">
-            <a:normAutofit fontScale="48000"/>
+            <a:normAutofit/>
           </a:bodyPr>
           <a:p>
             <a:endParaRPr b="0" lang="en-US" sz="3200" spc="-1" strike="noStrike">
@@ -8103,8 +8101,8 @@
         </p:nvSpPr>
         <p:spPr>
           <a:xfrm>
-            <a:off x="1700640" y="1598760"/>
-            <a:ext cx="1132200" cy="1410480"/>
+            <a:off x="3239640" y="1203480"/>
+            <a:ext cx="2649600" cy="1422720"/>
           </a:xfrm>
           <a:prstGeom prst="rect">
             <a:avLst/>
@@ -8112,7 +8110,7 @@
         </p:spPr>
         <p:txBody>
           <a:bodyPr lIns="0" rIns="0" tIns="0" bIns="0">
-            <a:normAutofit fontScale="48000"/>
+            <a:normAutofit/>
           </a:bodyPr>
           <a:p>
             <a:endParaRPr b="0" lang="en-US" sz="3200" spc="-1" strike="noStrike">
@@ -8133,8 +8131,8 @@
         </p:nvSpPr>
         <p:spPr>
           <a:xfrm>
-            <a:off x="2890080" y="1598760"/>
-            <a:ext cx="1132200" cy="1410480"/>
+            <a:off x="6022080" y="1203480"/>
+            <a:ext cx="2649600" cy="1422720"/>
           </a:xfrm>
           <a:prstGeom prst="rect">
             <a:avLst/>
@@ -8142,7 +8140,7 @@
         </p:spPr>
         <p:txBody>
           <a:bodyPr lIns="0" rIns="0" tIns="0" bIns="0">
-            <a:normAutofit fontScale="48000"/>
+            <a:normAutofit/>
           </a:bodyPr>
           <a:p>
             <a:endParaRPr b="0" lang="en-US" sz="3200" spc="-1" strike="noStrike">
@@ -8163,8 +8161,8 @@
         </p:nvSpPr>
         <p:spPr>
           <a:xfrm>
-            <a:off x="511560" y="3143520"/>
-            <a:ext cx="1132200" cy="1410480"/>
+            <a:off x="457200" y="2761920"/>
+            <a:ext cx="2649600" cy="1422720"/>
           </a:xfrm>
           <a:prstGeom prst="rect">
             <a:avLst/>
@@ -8172,7 +8170,7 @@
         </p:spPr>
         <p:txBody>
           <a:bodyPr lIns="0" rIns="0" tIns="0" bIns="0">
-            <a:normAutofit fontScale="48000"/>
+            <a:normAutofit/>
           </a:bodyPr>
           <a:p>
             <a:endParaRPr b="0" lang="en-US" sz="3200" spc="-1" strike="noStrike">
@@ -8193,8 +8191,8 @@
         </p:nvSpPr>
         <p:spPr>
           <a:xfrm>
-            <a:off x="1700640" y="3143520"/>
-            <a:ext cx="1132200" cy="1410480"/>
+            <a:off x="3239640" y="2761920"/>
+            <a:ext cx="2649600" cy="1422720"/>
           </a:xfrm>
           <a:prstGeom prst="rect">
             <a:avLst/>
@@ -8202,7 +8200,7 @@
         </p:spPr>
         <p:txBody>
           <a:bodyPr lIns="0" rIns="0" tIns="0" bIns="0">
-            <a:normAutofit fontScale="48000"/>
+            <a:normAutofit/>
           </a:bodyPr>
           <a:p>
             <a:endParaRPr b="0" lang="en-US" sz="3200" spc="-1" strike="noStrike">
@@ -8223,8 +8221,8 @@
         </p:nvSpPr>
         <p:spPr>
           <a:xfrm>
-            <a:off x="2890080" y="3143520"/>
-            <a:ext cx="1132200" cy="1410480"/>
+            <a:off x="6022080" y="2761920"/>
+            <a:ext cx="2649600" cy="1422720"/>
           </a:xfrm>
           <a:prstGeom prst="rect">
             <a:avLst/>
@@ -8232,7 +8230,7 @@
         </p:spPr>
         <p:txBody>
           <a:bodyPr lIns="0" rIns="0" tIns="0" bIns="0">
-            <a:normAutofit fontScale="48000"/>
+            <a:normAutofit/>
           </a:bodyPr>
           <a:p>
             <a:endParaRPr b="0" lang="en-US" sz="3200" spc="-1" strike="noStrike">
@@ -8297,8 +8295,8 @@
         </p:nvSpPr>
         <p:spPr>
           <a:xfrm>
-            <a:off x="511560" y="437040"/>
-            <a:ext cx="3516480" cy="1250280"/>
+            <a:off x="457200" y="205200"/>
+            <a:ext cx="8229240" cy="858600"/>
           </a:xfrm>
           <a:prstGeom prst="rect">
             <a:avLst/>
@@ -8326,8 +8324,8 @@
         </p:nvSpPr>
         <p:spPr>
           <a:xfrm>
-            <a:off x="511560" y="1598760"/>
-            <a:ext cx="3516480" cy="2957040"/>
+            <a:off x="457200" y="1203480"/>
+            <a:ext cx="8229240" cy="2982960"/>
           </a:xfrm>
           <a:prstGeom prst="rect">
             <a:avLst/>
@@ -8377,8 +8375,8 @@
         </p:nvSpPr>
         <p:spPr>
           <a:xfrm>
-            <a:off x="511560" y="437040"/>
-            <a:ext cx="3516480" cy="1250280"/>
+            <a:off x="457200" y="205200"/>
+            <a:ext cx="8229240" cy="858600"/>
           </a:xfrm>
           <a:prstGeom prst="rect">
             <a:avLst/>
@@ -8406,8 +8404,8 @@
         </p:nvSpPr>
         <p:spPr>
           <a:xfrm>
-            <a:off x="511560" y="1598760"/>
-            <a:ext cx="3516480" cy="2957040"/>
+            <a:off x="457200" y="1203480"/>
+            <a:ext cx="8229240" cy="2982960"/>
           </a:xfrm>
           <a:prstGeom prst="rect">
             <a:avLst/>
@@ -8458,8 +8456,8 @@
         </p:nvSpPr>
         <p:spPr>
           <a:xfrm>
-            <a:off x="511560" y="437040"/>
-            <a:ext cx="3516480" cy="1250280"/>
+            <a:off x="457200" y="205200"/>
+            <a:ext cx="8229240" cy="858600"/>
           </a:xfrm>
           <a:prstGeom prst="rect">
             <a:avLst/>
@@ -8487,8 +8485,8 @@
         </p:nvSpPr>
         <p:spPr>
           <a:xfrm>
-            <a:off x="511560" y="1598760"/>
-            <a:ext cx="1715760" cy="2957040"/>
+            <a:off x="457200" y="1203480"/>
+            <a:ext cx="4015800" cy="2982960"/>
           </a:xfrm>
           <a:prstGeom prst="rect">
             <a:avLst/>
@@ -8517,8 +8515,8 @@
         </p:nvSpPr>
         <p:spPr>
           <a:xfrm>
-            <a:off x="2313360" y="1598760"/>
-            <a:ext cx="1715760" cy="2957040"/>
+            <a:off x="4674240" y="1203480"/>
+            <a:ext cx="4015800" cy="2982960"/>
           </a:xfrm>
           <a:prstGeom prst="rect">
             <a:avLst/>
@@ -8569,8 +8567,8 @@
         </p:nvSpPr>
         <p:spPr>
           <a:xfrm>
-            <a:off x="511560" y="437040"/>
-            <a:ext cx="3516480" cy="1250280"/>
+            <a:off x="457200" y="205200"/>
+            <a:ext cx="8229240" cy="858600"/>
           </a:xfrm>
           <a:prstGeom prst="rect">
             <a:avLst/>
@@ -8620,8 +8618,8 @@
         </p:nvSpPr>
         <p:spPr>
           <a:xfrm>
-            <a:off x="511560" y="575640"/>
-            <a:ext cx="3516480" cy="4510080"/>
+            <a:off x="457200" y="205200"/>
+            <a:ext cx="8229240" cy="3981240"/>
           </a:xfrm>
           <a:prstGeom prst="rect">
             <a:avLst/>
@@ -8671,8 +8669,8 @@
         </p:nvSpPr>
         <p:spPr>
           <a:xfrm>
-            <a:off x="511560" y="437040"/>
-            <a:ext cx="3516480" cy="1250280"/>
+            <a:off x="457200" y="205200"/>
+            <a:ext cx="8229240" cy="858600"/>
           </a:xfrm>
           <a:prstGeom prst="rect">
             <a:avLst/>
@@ -8700,8 +8698,8 @@
         </p:nvSpPr>
         <p:spPr>
           <a:xfrm>
-            <a:off x="511560" y="1598760"/>
-            <a:ext cx="1715760" cy="1410480"/>
+            <a:off x="457200" y="1203480"/>
+            <a:ext cx="4015800" cy="1422720"/>
           </a:xfrm>
           <a:prstGeom prst="rect">
             <a:avLst/>
@@ -8730,8 +8728,8 @@
         </p:nvSpPr>
         <p:spPr>
           <a:xfrm>
-            <a:off x="2313360" y="1598760"/>
-            <a:ext cx="1715760" cy="2957040"/>
+            <a:off x="4674240" y="1203480"/>
+            <a:ext cx="4015800" cy="2982960"/>
           </a:xfrm>
           <a:prstGeom prst="rect">
             <a:avLst/>
@@ -8760,8 +8758,8 @@
         </p:nvSpPr>
         <p:spPr>
           <a:xfrm>
-            <a:off x="511560" y="3143520"/>
-            <a:ext cx="1715760" cy="1410480"/>
+            <a:off x="457200" y="2761920"/>
+            <a:ext cx="4015800" cy="1422720"/>
           </a:xfrm>
           <a:prstGeom prst="rect">
             <a:avLst/>
@@ -8812,8 +8810,8 @@
         </p:nvSpPr>
         <p:spPr>
           <a:xfrm>
-            <a:off x="511560" y="437040"/>
-            <a:ext cx="3516480" cy="1250280"/>
+            <a:off x="457200" y="205200"/>
+            <a:ext cx="8229240" cy="858600"/>
           </a:xfrm>
           <a:prstGeom prst="rect">
             <a:avLst/>
@@ -8841,8 +8839,8 @@
         </p:nvSpPr>
         <p:spPr>
           <a:xfrm>
-            <a:off x="511560" y="1598760"/>
-            <a:ext cx="1715760" cy="2957040"/>
+            <a:off x="457200" y="1203480"/>
+            <a:ext cx="4015800" cy="2982960"/>
           </a:xfrm>
           <a:prstGeom prst="rect">
             <a:avLst/>
@@ -8871,8 +8869,8 @@
         </p:nvSpPr>
         <p:spPr>
           <a:xfrm>
-            <a:off x="2313360" y="1598760"/>
-            <a:ext cx="1715760" cy="1410480"/>
+            <a:off x="4674240" y="1203480"/>
+            <a:ext cx="4015800" cy="1422720"/>
           </a:xfrm>
           <a:prstGeom prst="rect">
             <a:avLst/>
@@ -8901,8 +8899,8 @@
         </p:nvSpPr>
         <p:spPr>
           <a:xfrm>
-            <a:off x="2313360" y="3143520"/>
-            <a:ext cx="1715760" cy="1410480"/>
+            <a:off x="4674240" y="2761920"/>
+            <a:ext cx="4015800" cy="1422720"/>
           </a:xfrm>
           <a:prstGeom prst="rect">
             <a:avLst/>
@@ -8953,8 +8951,8 @@
         </p:nvSpPr>
         <p:spPr>
           <a:xfrm>
-            <a:off x="511560" y="437040"/>
-            <a:ext cx="3516480" cy="1250280"/>
+            <a:off x="457200" y="205200"/>
+            <a:ext cx="8229240" cy="858600"/>
           </a:xfrm>
           <a:prstGeom prst="rect">
             <a:avLst/>
@@ -8982,8 +8980,8 @@
         </p:nvSpPr>
         <p:spPr>
           <a:xfrm>
-            <a:off x="511560" y="1598760"/>
-            <a:ext cx="1715760" cy="2957040"/>
+            <a:off x="457200" y="1203480"/>
+            <a:ext cx="4015800" cy="2982960"/>
           </a:xfrm>
           <a:prstGeom prst="rect">
             <a:avLst/>
@@ -9012,8 +9010,8 @@
         </p:nvSpPr>
         <p:spPr>
           <a:xfrm>
-            <a:off x="2313360" y="1598760"/>
-            <a:ext cx="1715760" cy="1410480"/>
+            <a:off x="4674240" y="1203480"/>
+            <a:ext cx="4015800" cy="1422720"/>
           </a:xfrm>
           <a:prstGeom prst="rect">
             <a:avLst/>
@@ -9042,8 +9040,8 @@
         </p:nvSpPr>
         <p:spPr>
           <a:xfrm>
-            <a:off x="2313360" y="3143520"/>
-            <a:ext cx="1715760" cy="1410480"/>
+            <a:off x="4674240" y="2761920"/>
+            <a:ext cx="4015800" cy="1422720"/>
           </a:xfrm>
           <a:prstGeom prst="rect">
             <a:avLst/>
@@ -9094,8 +9092,8 @@
         </p:nvSpPr>
         <p:spPr>
           <a:xfrm>
-            <a:off x="511560" y="437040"/>
-            <a:ext cx="3516480" cy="1250280"/>
+            <a:off x="457200" y="205200"/>
+            <a:ext cx="8229240" cy="858600"/>
           </a:xfrm>
           <a:prstGeom prst="rect">
             <a:avLst/>
@@ -9123,8 +9121,8 @@
         </p:nvSpPr>
         <p:spPr>
           <a:xfrm>
-            <a:off x="511560" y="1598760"/>
-            <a:ext cx="1715760" cy="1410480"/>
+            <a:off x="457200" y="1203480"/>
+            <a:ext cx="4015800" cy="1422720"/>
           </a:xfrm>
           <a:prstGeom prst="rect">
             <a:avLst/>
@@ -9153,8 +9151,8 @@
         </p:nvSpPr>
         <p:spPr>
           <a:xfrm>
-            <a:off x="2313360" y="1598760"/>
-            <a:ext cx="1715760" cy="1410480"/>
+            <a:off x="4674240" y="1203480"/>
+            <a:ext cx="4015800" cy="1422720"/>
           </a:xfrm>
           <a:prstGeom prst="rect">
             <a:avLst/>
@@ -9183,8 +9181,8 @@
         </p:nvSpPr>
         <p:spPr>
           <a:xfrm>
-            <a:off x="511560" y="3143520"/>
-            <a:ext cx="3516480" cy="1410480"/>
+            <a:off x="457200" y="2761920"/>
+            <a:ext cx="8229240" cy="1422720"/>
           </a:xfrm>
           <a:prstGeom prst="rect">
             <a:avLst/>
@@ -9235,8 +9233,8 @@
         </p:nvSpPr>
         <p:spPr>
           <a:xfrm>
-            <a:off x="511560" y="437040"/>
-            <a:ext cx="3516480" cy="1250280"/>
+            <a:off x="457200" y="205200"/>
+            <a:ext cx="8229240" cy="858600"/>
           </a:xfrm>
           <a:prstGeom prst="rect">
             <a:avLst/>
@@ -9264,8 +9262,8 @@
         </p:nvSpPr>
         <p:spPr>
           <a:xfrm>
-            <a:off x="511560" y="1598760"/>
-            <a:ext cx="3516480" cy="1410480"/>
+            <a:off x="457200" y="1203480"/>
+            <a:ext cx="8229240" cy="1422720"/>
           </a:xfrm>
           <a:prstGeom prst="rect">
             <a:avLst/>
@@ -9294,8 +9292,8 @@
         </p:nvSpPr>
         <p:spPr>
           <a:xfrm>
-            <a:off x="511560" y="3143520"/>
-            <a:ext cx="3516480" cy="1410480"/>
+            <a:off x="457200" y="2761920"/>
+            <a:ext cx="8229240" cy="1422720"/>
           </a:xfrm>
           <a:prstGeom prst="rect">
             <a:avLst/>
@@ -9346,8 +9344,8 @@
         </p:nvSpPr>
         <p:spPr>
           <a:xfrm>
-            <a:off x="511560" y="437040"/>
-            <a:ext cx="3516480" cy="1250280"/>
+            <a:off x="457200" y="205200"/>
+            <a:ext cx="8229240" cy="858600"/>
           </a:xfrm>
           <a:prstGeom prst="rect">
             <a:avLst/>
@@ -9375,8 +9373,8 @@
         </p:nvSpPr>
         <p:spPr>
           <a:xfrm>
-            <a:off x="511560" y="1598760"/>
-            <a:ext cx="1715760" cy="1410480"/>
+            <a:off x="457200" y="1203480"/>
+            <a:ext cx="4015800" cy="1422720"/>
           </a:xfrm>
           <a:prstGeom prst="rect">
             <a:avLst/>
@@ -9405,8 +9403,8 @@
         </p:nvSpPr>
         <p:spPr>
           <a:xfrm>
-            <a:off x="2313360" y="1598760"/>
-            <a:ext cx="1715760" cy="1410480"/>
+            <a:off x="4674240" y="1203480"/>
+            <a:ext cx="4015800" cy="1422720"/>
           </a:xfrm>
           <a:prstGeom prst="rect">
             <a:avLst/>
@@ -9435,8 +9433,8 @@
         </p:nvSpPr>
         <p:spPr>
           <a:xfrm>
-            <a:off x="511560" y="3143520"/>
-            <a:ext cx="1715760" cy="1410480"/>
+            <a:off x="457200" y="2761920"/>
+            <a:ext cx="4015800" cy="1422720"/>
           </a:xfrm>
           <a:prstGeom prst="rect">
             <a:avLst/>
@@ -9465,8 +9463,8 @@
         </p:nvSpPr>
         <p:spPr>
           <a:xfrm>
-            <a:off x="2313360" y="3143520"/>
-            <a:ext cx="1715760" cy="1410480"/>
+            <a:off x="4674240" y="2761920"/>
+            <a:ext cx="4015800" cy="1422720"/>
           </a:xfrm>
           <a:prstGeom prst="rect">
             <a:avLst/>
@@ -9517,8 +9515,8 @@
         </p:nvSpPr>
         <p:spPr>
           <a:xfrm>
-            <a:off x="511560" y="437040"/>
-            <a:ext cx="3516480" cy="1250280"/>
+            <a:off x="457200" y="205200"/>
+            <a:ext cx="8229240" cy="858600"/>
           </a:xfrm>
           <a:prstGeom prst="rect">
             <a:avLst/>
@@ -9546,341 +9544,8 @@
         </p:nvSpPr>
         <p:spPr>
           <a:xfrm>
-            <a:off x="511560" y="1598760"/>
-            <a:ext cx="1132200" cy="1410480"/>
-          </a:xfrm>
-          <a:prstGeom prst="rect">
-            <a:avLst/>
-          </a:prstGeom>
-        </p:spPr>
-        <p:txBody>
-          <a:bodyPr lIns="0" rIns="0" tIns="0" bIns="0">
-            <a:normAutofit fontScale="48000"/>
-          </a:bodyPr>
-          <a:p>
-            <a:endParaRPr b="0" lang="en-US" sz="3200" spc="-1" strike="noStrike">
-              <a:latin typeface="Arial"/>
-            </a:endParaRPr>
-          </a:p>
-        </p:txBody>
-      </p:sp>
-      <p:sp>
-        <p:nvSpPr>
-          <p:cNvPr id="261" name="PlaceHolder 3"/>
-          <p:cNvSpPr>
-            <a:spLocks noGrp="1"/>
-          </p:cNvSpPr>
-          <p:nvPr>
-            <p:ph type="body"/>
-          </p:nvPr>
-        </p:nvSpPr>
-        <p:spPr>
-          <a:xfrm>
-            <a:off x="1700640" y="1598760"/>
-            <a:ext cx="1132200" cy="1410480"/>
-          </a:xfrm>
-          <a:prstGeom prst="rect">
-            <a:avLst/>
-          </a:prstGeom>
-        </p:spPr>
-        <p:txBody>
-          <a:bodyPr lIns="0" rIns="0" tIns="0" bIns="0">
-            <a:normAutofit fontScale="48000"/>
-          </a:bodyPr>
-          <a:p>
-            <a:endParaRPr b="0" lang="en-US" sz="3200" spc="-1" strike="noStrike">
-              <a:latin typeface="Arial"/>
-            </a:endParaRPr>
-          </a:p>
-        </p:txBody>
-      </p:sp>
-      <p:sp>
-        <p:nvSpPr>
-          <p:cNvPr id="262" name="PlaceHolder 4"/>
-          <p:cNvSpPr>
-            <a:spLocks noGrp="1"/>
-          </p:cNvSpPr>
-          <p:nvPr>
-            <p:ph type="body"/>
-          </p:nvPr>
-        </p:nvSpPr>
-        <p:spPr>
-          <a:xfrm>
-            <a:off x="2890080" y="1598760"/>
-            <a:ext cx="1132200" cy="1410480"/>
-          </a:xfrm>
-          <a:prstGeom prst="rect">
-            <a:avLst/>
-          </a:prstGeom>
-        </p:spPr>
-        <p:txBody>
-          <a:bodyPr lIns="0" rIns="0" tIns="0" bIns="0">
-            <a:normAutofit fontScale="48000"/>
-          </a:bodyPr>
-          <a:p>
-            <a:endParaRPr b="0" lang="en-US" sz="3200" spc="-1" strike="noStrike">
-              <a:latin typeface="Arial"/>
-            </a:endParaRPr>
-          </a:p>
-        </p:txBody>
-      </p:sp>
-      <p:sp>
-        <p:nvSpPr>
-          <p:cNvPr id="263" name="PlaceHolder 5"/>
-          <p:cNvSpPr>
-            <a:spLocks noGrp="1"/>
-          </p:cNvSpPr>
-          <p:nvPr>
-            <p:ph type="body"/>
-          </p:nvPr>
-        </p:nvSpPr>
-        <p:spPr>
-          <a:xfrm>
-            <a:off x="511560" y="3143520"/>
-            <a:ext cx="1132200" cy="1410480"/>
-          </a:xfrm>
-          <a:prstGeom prst="rect">
-            <a:avLst/>
-          </a:prstGeom>
-        </p:spPr>
-        <p:txBody>
-          <a:bodyPr lIns="0" rIns="0" tIns="0" bIns="0">
-            <a:normAutofit fontScale="48000"/>
-          </a:bodyPr>
-          <a:p>
-            <a:endParaRPr b="0" lang="en-US" sz="3200" spc="-1" strike="noStrike">
-              <a:latin typeface="Arial"/>
-            </a:endParaRPr>
-          </a:p>
-        </p:txBody>
-      </p:sp>
-      <p:sp>
-        <p:nvSpPr>
-          <p:cNvPr id="264" name="PlaceHolder 6"/>
-          <p:cNvSpPr>
-            <a:spLocks noGrp="1"/>
-          </p:cNvSpPr>
-          <p:nvPr>
-            <p:ph type="body"/>
-          </p:nvPr>
-        </p:nvSpPr>
-        <p:spPr>
-          <a:xfrm>
-            <a:off x="1700640" y="3143520"/>
-            <a:ext cx="1132200" cy="1410480"/>
-          </a:xfrm>
-          <a:prstGeom prst="rect">
-            <a:avLst/>
-          </a:prstGeom>
-        </p:spPr>
-        <p:txBody>
-          <a:bodyPr lIns="0" rIns="0" tIns="0" bIns="0">
-            <a:normAutofit fontScale="48000"/>
-          </a:bodyPr>
-          <a:p>
-            <a:endParaRPr b="0" lang="en-US" sz="3200" spc="-1" strike="noStrike">
-              <a:latin typeface="Arial"/>
-            </a:endParaRPr>
-          </a:p>
-        </p:txBody>
-      </p:sp>
-      <p:sp>
-        <p:nvSpPr>
-          <p:cNvPr id="265" name="PlaceHolder 7"/>
-          <p:cNvSpPr>
-            <a:spLocks noGrp="1"/>
-          </p:cNvSpPr>
-          <p:nvPr>
-            <p:ph type="body"/>
-          </p:nvPr>
-        </p:nvSpPr>
-        <p:spPr>
-          <a:xfrm>
-            <a:off x="2890080" y="3143520"/>
-            <a:ext cx="1132200" cy="1410480"/>
-          </a:xfrm>
-          <a:prstGeom prst="rect">
-            <a:avLst/>
-          </a:prstGeom>
-        </p:spPr>
-        <p:txBody>
-          <a:bodyPr lIns="0" rIns="0" tIns="0" bIns="0">
-            <a:normAutofit fontScale="48000"/>
-          </a:bodyPr>
-          <a:p>
-            <a:endParaRPr b="0" lang="en-US" sz="3200" spc="-1" strike="noStrike">
-              <a:latin typeface="Arial"/>
-            </a:endParaRPr>
-          </a:p>
-        </p:txBody>
-      </p:sp>
-    </p:spTree>
-  </p:cSld>
-</p:sldLayout>
-</file>
-
-<file path=ppt/slideLayouts/slideLayout85.xml><?xml version="1.0" encoding="utf-8"?>
-<p:sldLayout xmlns:a="http://schemas.openxmlformats.org/drawingml/2006/main" xmlns:p="http://schemas.openxmlformats.org/presentationml/2006/main" xmlns:r="http://schemas.openxmlformats.org/officeDocument/2006/relationships" xmlns:p14="http://schemas.microsoft.com/office/powerpoint/2010/main" xmlns:p15="http://schemas.microsoft.com/office/powerpoint/2012/main" xmlns:mc="http://schemas.openxmlformats.org/markup-compatibility/2006" type="blank" preserve="1">
-  <p:cSld name="Blank Slide">
-    <p:spTree>
-      <p:nvGrpSpPr>
-        <p:cNvPr id="1" name=""/>
-        <p:cNvGrpSpPr/>
-        <p:nvPr/>
-      </p:nvGrpSpPr>
-      <p:grpSpPr>
-        <a:xfrm>
-          <a:off x="0" y="0"/>
-          <a:ext cx="0" cy="0"/>
-          <a:chOff x="0" y="0"/>
-          <a:chExt cx="0" cy="0"/>
-        </a:xfrm>
-      </p:grpSpPr>
-    </p:spTree>
-  </p:cSld>
-</p:sldLayout>
-</file>
-
-<file path=ppt/slideLayouts/slideLayout86.xml><?xml version="1.0" encoding="utf-8"?>
-<p:sldLayout xmlns:a="http://schemas.openxmlformats.org/drawingml/2006/main" xmlns:p="http://schemas.openxmlformats.org/presentationml/2006/main" xmlns:r="http://schemas.openxmlformats.org/officeDocument/2006/relationships" xmlns:p14="http://schemas.microsoft.com/office/powerpoint/2010/main" xmlns:p15="http://schemas.microsoft.com/office/powerpoint/2012/main" xmlns:mc="http://schemas.openxmlformats.org/markup-compatibility/2006" type="tx" preserve="1">
-  <p:cSld name="Title Slide">
-    <p:spTree>
-      <p:nvGrpSpPr>
-        <p:cNvPr id="1" name=""/>
-        <p:cNvGrpSpPr/>
-        <p:nvPr/>
-      </p:nvGrpSpPr>
-      <p:grpSpPr>
-        <a:xfrm>
-          <a:off x="0" y="0"/>
-          <a:ext cx="0" cy="0"/>
-          <a:chOff x="0" y="0"/>
-          <a:chExt cx="0" cy="0"/>
-        </a:xfrm>
-      </p:grpSpPr>
-      <p:sp>
-        <p:nvSpPr>
-          <p:cNvPr id="266" name="PlaceHolder 1"/>
-          <p:cNvSpPr>
-            <a:spLocks noGrp="1"/>
-          </p:cNvSpPr>
-          <p:nvPr>
-            <p:ph type="title"/>
-          </p:nvPr>
-        </p:nvSpPr>
-        <p:spPr>
-          <a:xfrm>
-            <a:off x="511560" y="437040"/>
-            <a:ext cx="3516480" cy="1250280"/>
-          </a:xfrm>
-          <a:prstGeom prst="rect">
-            <a:avLst/>
-          </a:prstGeom>
-        </p:spPr>
-        <p:txBody>
-          <a:bodyPr lIns="0" rIns="0" tIns="0" bIns="0" anchor="ctr"/>
-          <a:p>
-            <a:pPr algn="ctr"/>
-            <a:endParaRPr b="0" lang="en-US" sz="4400" spc="-1" strike="noStrike">
-              <a:latin typeface="Arial"/>
-            </a:endParaRPr>
-          </a:p>
-        </p:txBody>
-      </p:sp>
-      <p:sp>
-        <p:nvSpPr>
-          <p:cNvPr id="267" name="PlaceHolder 2"/>
-          <p:cNvSpPr>
-            <a:spLocks noGrp="1"/>
-          </p:cNvSpPr>
-          <p:nvPr>
-            <p:ph type="subTitle"/>
-          </p:nvPr>
-        </p:nvSpPr>
-        <p:spPr>
-          <a:xfrm>
-            <a:off x="511560" y="1598760"/>
-            <a:ext cx="3516480" cy="2957040"/>
-          </a:xfrm>
-          <a:prstGeom prst="rect">
-            <a:avLst/>
-          </a:prstGeom>
-        </p:spPr>
-        <p:txBody>
-          <a:bodyPr lIns="0" rIns="0" tIns="0" bIns="0" anchor="ctr"/>
-          <a:p>
-            <a:pPr algn="ctr"/>
-            <a:endParaRPr b="0" lang="en-US" sz="3200" spc="-1" strike="noStrike">
-              <a:latin typeface="Arial"/>
-            </a:endParaRPr>
-          </a:p>
-        </p:txBody>
-      </p:sp>
-    </p:spTree>
-  </p:cSld>
-</p:sldLayout>
-</file>
-
-<file path=ppt/slideLayouts/slideLayout87.xml><?xml version="1.0" encoding="utf-8"?>
-<p:sldLayout xmlns:a="http://schemas.openxmlformats.org/drawingml/2006/main" xmlns:p="http://schemas.openxmlformats.org/presentationml/2006/main" xmlns:r="http://schemas.openxmlformats.org/officeDocument/2006/relationships" xmlns:p14="http://schemas.microsoft.com/office/powerpoint/2010/main" xmlns:p15="http://schemas.microsoft.com/office/powerpoint/2012/main" xmlns:mc="http://schemas.openxmlformats.org/markup-compatibility/2006" type="obj" preserve="1">
-  <p:cSld name="Title, Content">
-    <p:spTree>
-      <p:nvGrpSpPr>
-        <p:cNvPr id="1" name=""/>
-        <p:cNvGrpSpPr/>
-        <p:nvPr/>
-      </p:nvGrpSpPr>
-      <p:grpSpPr>
-        <a:xfrm>
-          <a:off x="0" y="0"/>
-          <a:ext cx="0" cy="0"/>
-          <a:chOff x="0" y="0"/>
-          <a:chExt cx="0" cy="0"/>
-        </a:xfrm>
-      </p:grpSpPr>
-      <p:sp>
-        <p:nvSpPr>
-          <p:cNvPr id="268" name="PlaceHolder 1"/>
-          <p:cNvSpPr>
-            <a:spLocks noGrp="1"/>
-          </p:cNvSpPr>
-          <p:nvPr>
-            <p:ph type="title"/>
-          </p:nvPr>
-        </p:nvSpPr>
-        <p:spPr>
-          <a:xfrm>
-            <a:off x="511560" y="437040"/>
-            <a:ext cx="3516480" cy="1250280"/>
-          </a:xfrm>
-          <a:prstGeom prst="rect">
-            <a:avLst/>
-          </a:prstGeom>
-        </p:spPr>
-        <p:txBody>
-          <a:bodyPr lIns="0" rIns="0" tIns="0" bIns="0" anchor="ctr"/>
-          <a:p>
-            <a:pPr algn="ctr"/>
-            <a:endParaRPr b="0" lang="en-US" sz="4400" spc="-1" strike="noStrike">
-              <a:latin typeface="Arial"/>
-            </a:endParaRPr>
-          </a:p>
-        </p:txBody>
-      </p:sp>
-      <p:sp>
-        <p:nvSpPr>
-          <p:cNvPr id="269" name="PlaceHolder 2"/>
-          <p:cNvSpPr>
-            <a:spLocks noGrp="1"/>
-          </p:cNvSpPr>
-          <p:nvPr>
-            <p:ph type="body"/>
-          </p:nvPr>
-        </p:nvSpPr>
-        <p:spPr>
-          <a:xfrm>
-            <a:off x="511560" y="1598760"/>
-            <a:ext cx="3516480" cy="2957040"/>
+            <a:off x="457200" y="1203480"/>
+            <a:ext cx="2649600" cy="1422720"/>
           </a:xfrm>
           <a:prstGeom prst="rect">
             <a:avLst/>
@@ -9897,60 +9562,9 @@
           </a:p>
         </p:txBody>
       </p:sp>
-    </p:spTree>
-  </p:cSld>
-</p:sldLayout>
-</file>
-
-<file path=ppt/slideLayouts/slideLayout88.xml><?xml version="1.0" encoding="utf-8"?>
-<p:sldLayout xmlns:a="http://schemas.openxmlformats.org/drawingml/2006/main" xmlns:p="http://schemas.openxmlformats.org/presentationml/2006/main" xmlns:r="http://schemas.openxmlformats.org/officeDocument/2006/relationships" xmlns:p14="http://schemas.microsoft.com/office/powerpoint/2010/main" xmlns:p15="http://schemas.microsoft.com/office/powerpoint/2012/main" xmlns:mc="http://schemas.openxmlformats.org/markup-compatibility/2006" type="twoObj" preserve="1">
-  <p:cSld name="Title, 2 Content">
-    <p:spTree>
-      <p:nvGrpSpPr>
-        <p:cNvPr id="1" name=""/>
-        <p:cNvGrpSpPr/>
-        <p:nvPr/>
-      </p:nvGrpSpPr>
-      <p:grpSpPr>
-        <a:xfrm>
-          <a:off x="0" y="0"/>
-          <a:ext cx="0" cy="0"/>
-          <a:chOff x="0" y="0"/>
-          <a:chExt cx="0" cy="0"/>
-        </a:xfrm>
-      </p:grpSpPr>
-      <p:sp>
-        <p:nvSpPr>
-          <p:cNvPr id="270" name="PlaceHolder 1"/>
-          <p:cNvSpPr>
-            <a:spLocks noGrp="1"/>
-          </p:cNvSpPr>
-          <p:nvPr>
-            <p:ph type="title"/>
-          </p:nvPr>
-        </p:nvSpPr>
-        <p:spPr>
-          <a:xfrm>
-            <a:off x="511560" y="437040"/>
-            <a:ext cx="3516480" cy="1250280"/>
-          </a:xfrm>
-          <a:prstGeom prst="rect">
-            <a:avLst/>
-          </a:prstGeom>
-        </p:spPr>
-        <p:txBody>
-          <a:bodyPr lIns="0" rIns="0" tIns="0" bIns="0" anchor="ctr"/>
-          <a:p>
-            <a:pPr algn="ctr"/>
-            <a:endParaRPr b="0" lang="en-US" sz="4400" spc="-1" strike="noStrike">
-              <a:latin typeface="Arial"/>
-            </a:endParaRPr>
-          </a:p>
-        </p:txBody>
-      </p:sp>
-      <p:sp>
-        <p:nvSpPr>
-          <p:cNvPr id="271" name="PlaceHolder 2"/>
+      <p:sp>
+        <p:nvSpPr>
+          <p:cNvPr id="261" name="PlaceHolder 3"/>
           <p:cNvSpPr>
             <a:spLocks noGrp="1"/>
           </p:cNvSpPr>
@@ -9960,8 +9574,8 @@
         </p:nvSpPr>
         <p:spPr>
           <a:xfrm>
-            <a:off x="511560" y="1598760"/>
-            <a:ext cx="1715760" cy="2957040"/>
+            <a:off x="3239640" y="1203480"/>
+            <a:ext cx="2649600" cy="1422720"/>
           </a:xfrm>
           <a:prstGeom prst="rect">
             <a:avLst/>
@@ -9980,7 +9594,7 @@
       </p:sp>
       <p:sp>
         <p:nvSpPr>
-          <p:cNvPr id="272" name="PlaceHolder 3"/>
+          <p:cNvPr id="262" name="PlaceHolder 4"/>
           <p:cNvSpPr>
             <a:spLocks noGrp="1"/>
           </p:cNvSpPr>
@@ -9990,8 +9604,8 @@
         </p:nvSpPr>
         <p:spPr>
           <a:xfrm>
-            <a:off x="2313360" y="1598760"/>
-            <a:ext cx="1715760" cy="2957040"/>
+            <a:off x="6022080" y="1203480"/>
+            <a:ext cx="2649600" cy="1422720"/>
           </a:xfrm>
           <a:prstGeom prst="rect">
             <a:avLst/>
@@ -10008,52 +9622,91 @@
           </a:p>
         </p:txBody>
       </p:sp>
-    </p:spTree>
-  </p:cSld>
-</p:sldLayout>
-</file>
-
-<file path=ppt/slideLayouts/slideLayout89.xml><?xml version="1.0" encoding="utf-8"?>
-<p:sldLayout xmlns:a="http://schemas.openxmlformats.org/drawingml/2006/main" xmlns:p="http://schemas.openxmlformats.org/presentationml/2006/main" xmlns:r="http://schemas.openxmlformats.org/officeDocument/2006/relationships" xmlns:p14="http://schemas.microsoft.com/office/powerpoint/2010/main" xmlns:p15="http://schemas.microsoft.com/office/powerpoint/2012/main" xmlns:mc="http://schemas.openxmlformats.org/markup-compatibility/2006" type="titleOnly" preserve="1">
-  <p:cSld name="Title Only">
-    <p:spTree>
-      <p:nvGrpSpPr>
-        <p:cNvPr id="1" name=""/>
-        <p:cNvGrpSpPr/>
-        <p:nvPr/>
-      </p:nvGrpSpPr>
-      <p:grpSpPr>
-        <a:xfrm>
-          <a:off x="0" y="0"/>
-          <a:ext cx="0" cy="0"/>
-          <a:chOff x="0" y="0"/>
-          <a:chExt cx="0" cy="0"/>
-        </a:xfrm>
-      </p:grpSpPr>
-      <p:sp>
-        <p:nvSpPr>
-          <p:cNvPr id="273" name="PlaceHolder 1"/>
-          <p:cNvSpPr>
-            <a:spLocks noGrp="1"/>
-          </p:cNvSpPr>
-          <p:nvPr>
-            <p:ph type="title"/>
-          </p:nvPr>
-        </p:nvSpPr>
-        <p:spPr>
-          <a:xfrm>
-            <a:off x="511560" y="437040"/>
-            <a:ext cx="3516480" cy="1250280"/>
-          </a:xfrm>
-          <a:prstGeom prst="rect">
-            <a:avLst/>
-          </a:prstGeom>
-        </p:spPr>
-        <p:txBody>
-          <a:bodyPr lIns="0" rIns="0" tIns="0" bIns="0" anchor="ctr"/>
-          <a:p>
-            <a:pPr algn="ctr"/>
-            <a:endParaRPr b="0" lang="en-US" sz="4400" spc="-1" strike="noStrike">
+      <p:sp>
+        <p:nvSpPr>
+          <p:cNvPr id="263" name="PlaceHolder 5"/>
+          <p:cNvSpPr>
+            <a:spLocks noGrp="1"/>
+          </p:cNvSpPr>
+          <p:nvPr>
+            <p:ph type="body"/>
+          </p:nvPr>
+        </p:nvSpPr>
+        <p:spPr>
+          <a:xfrm>
+            <a:off x="457200" y="2761920"/>
+            <a:ext cx="2649600" cy="1422720"/>
+          </a:xfrm>
+          <a:prstGeom prst="rect">
+            <a:avLst/>
+          </a:prstGeom>
+        </p:spPr>
+        <p:txBody>
+          <a:bodyPr lIns="0" rIns="0" tIns="0" bIns="0">
+            <a:normAutofit/>
+          </a:bodyPr>
+          <a:p>
+            <a:endParaRPr b="0" lang="en-US" sz="3200" spc="-1" strike="noStrike">
+              <a:latin typeface="Arial"/>
+            </a:endParaRPr>
+          </a:p>
+        </p:txBody>
+      </p:sp>
+      <p:sp>
+        <p:nvSpPr>
+          <p:cNvPr id="264" name="PlaceHolder 6"/>
+          <p:cNvSpPr>
+            <a:spLocks noGrp="1"/>
+          </p:cNvSpPr>
+          <p:nvPr>
+            <p:ph type="body"/>
+          </p:nvPr>
+        </p:nvSpPr>
+        <p:spPr>
+          <a:xfrm>
+            <a:off x="3239640" y="2761920"/>
+            <a:ext cx="2649600" cy="1422720"/>
+          </a:xfrm>
+          <a:prstGeom prst="rect">
+            <a:avLst/>
+          </a:prstGeom>
+        </p:spPr>
+        <p:txBody>
+          <a:bodyPr lIns="0" rIns="0" tIns="0" bIns="0">
+            <a:normAutofit/>
+          </a:bodyPr>
+          <a:p>
+            <a:endParaRPr b="0" lang="en-US" sz="3200" spc="-1" strike="noStrike">
+              <a:latin typeface="Arial"/>
+            </a:endParaRPr>
+          </a:p>
+        </p:txBody>
+      </p:sp>
+      <p:sp>
+        <p:nvSpPr>
+          <p:cNvPr id="265" name="PlaceHolder 7"/>
+          <p:cNvSpPr>
+            <a:spLocks noGrp="1"/>
+          </p:cNvSpPr>
+          <p:nvPr>
+            <p:ph type="body"/>
+          </p:nvPr>
+        </p:nvSpPr>
+        <p:spPr>
+          <a:xfrm>
+            <a:off x="6022080" y="2761920"/>
+            <a:ext cx="2649600" cy="1422720"/>
+          </a:xfrm>
+          <a:prstGeom prst="rect">
+            <a:avLst/>
+          </a:prstGeom>
+        </p:spPr>
+        <p:txBody>
+          <a:bodyPr lIns="0" rIns="0" tIns="0" bIns="0">
+            <a:normAutofit/>
+          </a:bodyPr>
+          <a:p>
+            <a:endParaRPr b="0" lang="en-US" sz="3200" spc="-1" strike="noStrike">
               <a:latin typeface="Arial"/>
             </a:endParaRPr>
           </a:p>
@@ -10093,8 +9746,8 @@
         </p:nvSpPr>
         <p:spPr>
           <a:xfrm>
-            <a:off x="511560" y="437040"/>
-            <a:ext cx="3516480" cy="1250280"/>
+            <a:off x="457200" y="205200"/>
+            <a:ext cx="8229240" cy="858600"/>
           </a:xfrm>
           <a:prstGeom prst="rect">
             <a:avLst/>
@@ -10122,8 +9775,8 @@
         </p:nvSpPr>
         <p:spPr>
           <a:xfrm>
-            <a:off x="511560" y="1598760"/>
-            <a:ext cx="1715760" cy="1410480"/>
+            <a:off x="457200" y="1203480"/>
+            <a:ext cx="4015800" cy="1422720"/>
           </a:xfrm>
           <a:prstGeom prst="rect">
             <a:avLst/>
@@ -10152,8 +9805,8 @@
         </p:nvSpPr>
         <p:spPr>
           <a:xfrm>
-            <a:off x="2313360" y="1598760"/>
-            <a:ext cx="1715760" cy="1410480"/>
+            <a:off x="4674240" y="1203480"/>
+            <a:ext cx="4015800" cy="1422720"/>
           </a:xfrm>
           <a:prstGeom prst="rect">
             <a:avLst/>
@@ -10182,8 +9835,8 @@
         </p:nvSpPr>
         <p:spPr>
           <a:xfrm>
-            <a:off x="511560" y="3143520"/>
-            <a:ext cx="3516480" cy="1410480"/>
+            <a:off x="457200" y="2761920"/>
+            <a:ext cx="8229240" cy="1422720"/>
           </a:xfrm>
           <a:prstGeom prst="rect">
             <a:avLst/>
@@ -10192,993 +9845,6 @@
         <p:txBody>
           <a:bodyPr lIns="0" rIns="0" tIns="0" bIns="0">
             <a:normAutofit/>
-          </a:bodyPr>
-          <a:p>
-            <a:endParaRPr b="0" lang="en-US" sz="3200" spc="-1" strike="noStrike">
-              <a:latin typeface="Arial"/>
-            </a:endParaRPr>
-          </a:p>
-        </p:txBody>
-      </p:sp>
-    </p:spTree>
-  </p:cSld>
-</p:sldLayout>
-</file>
-
-<file path=ppt/slideLayouts/slideLayout90.xml><?xml version="1.0" encoding="utf-8"?>
-<p:sldLayout xmlns:a="http://schemas.openxmlformats.org/drawingml/2006/main" xmlns:p="http://schemas.openxmlformats.org/presentationml/2006/main" xmlns:r="http://schemas.openxmlformats.org/officeDocument/2006/relationships" xmlns:p14="http://schemas.microsoft.com/office/powerpoint/2010/main" xmlns:p15="http://schemas.microsoft.com/office/powerpoint/2012/main" xmlns:mc="http://schemas.openxmlformats.org/markup-compatibility/2006" type="objOnly" preserve="1">
-  <p:cSld name="Centered Text">
-    <p:spTree>
-      <p:nvGrpSpPr>
-        <p:cNvPr id="1" name=""/>
-        <p:cNvGrpSpPr/>
-        <p:nvPr/>
-      </p:nvGrpSpPr>
-      <p:grpSpPr>
-        <a:xfrm>
-          <a:off x="0" y="0"/>
-          <a:ext cx="0" cy="0"/>
-          <a:chOff x="0" y="0"/>
-          <a:chExt cx="0" cy="0"/>
-        </a:xfrm>
-      </p:grpSpPr>
-      <p:sp>
-        <p:nvSpPr>
-          <p:cNvPr id="274" name="PlaceHolder 1"/>
-          <p:cNvSpPr>
-            <a:spLocks noGrp="1"/>
-          </p:cNvSpPr>
-          <p:nvPr>
-            <p:ph type="subTitle"/>
-          </p:nvPr>
-        </p:nvSpPr>
-        <p:spPr>
-          <a:xfrm>
-            <a:off x="511560" y="575640"/>
-            <a:ext cx="3516480" cy="4510080"/>
-          </a:xfrm>
-          <a:prstGeom prst="rect">
-            <a:avLst/>
-          </a:prstGeom>
-        </p:spPr>
-        <p:txBody>
-          <a:bodyPr lIns="0" rIns="0" tIns="0" bIns="0" anchor="ctr"/>
-          <a:p>
-            <a:pPr algn="ctr"/>
-            <a:endParaRPr b="0" lang="en-US" sz="3200" spc="-1" strike="noStrike">
-              <a:latin typeface="Arial"/>
-            </a:endParaRPr>
-          </a:p>
-        </p:txBody>
-      </p:sp>
-    </p:spTree>
-  </p:cSld>
-</p:sldLayout>
-</file>
-
-<file path=ppt/slideLayouts/slideLayout91.xml><?xml version="1.0" encoding="utf-8"?>
-<p:sldLayout xmlns:a="http://schemas.openxmlformats.org/drawingml/2006/main" xmlns:p="http://schemas.openxmlformats.org/presentationml/2006/main" xmlns:r="http://schemas.openxmlformats.org/officeDocument/2006/relationships" xmlns:p14="http://schemas.microsoft.com/office/powerpoint/2010/main" xmlns:p15="http://schemas.microsoft.com/office/powerpoint/2012/main" xmlns:mc="http://schemas.openxmlformats.org/markup-compatibility/2006" type="twoObjAndObj" preserve="1">
-  <p:cSld name="Title, 2 Content and Content">
-    <p:spTree>
-      <p:nvGrpSpPr>
-        <p:cNvPr id="1" name=""/>
-        <p:cNvGrpSpPr/>
-        <p:nvPr/>
-      </p:nvGrpSpPr>
-      <p:grpSpPr>
-        <a:xfrm>
-          <a:off x="0" y="0"/>
-          <a:ext cx="0" cy="0"/>
-          <a:chOff x="0" y="0"/>
-          <a:chExt cx="0" cy="0"/>
-        </a:xfrm>
-      </p:grpSpPr>
-      <p:sp>
-        <p:nvSpPr>
-          <p:cNvPr id="275" name="PlaceHolder 1"/>
-          <p:cNvSpPr>
-            <a:spLocks noGrp="1"/>
-          </p:cNvSpPr>
-          <p:nvPr>
-            <p:ph type="title"/>
-          </p:nvPr>
-        </p:nvSpPr>
-        <p:spPr>
-          <a:xfrm>
-            <a:off x="511560" y="437040"/>
-            <a:ext cx="3516480" cy="1250280"/>
-          </a:xfrm>
-          <a:prstGeom prst="rect">
-            <a:avLst/>
-          </a:prstGeom>
-        </p:spPr>
-        <p:txBody>
-          <a:bodyPr lIns="0" rIns="0" tIns="0" bIns="0" anchor="ctr"/>
-          <a:p>
-            <a:pPr algn="ctr"/>
-            <a:endParaRPr b="0" lang="en-US" sz="4400" spc="-1" strike="noStrike">
-              <a:latin typeface="Arial"/>
-            </a:endParaRPr>
-          </a:p>
-        </p:txBody>
-      </p:sp>
-      <p:sp>
-        <p:nvSpPr>
-          <p:cNvPr id="276" name="PlaceHolder 2"/>
-          <p:cNvSpPr>
-            <a:spLocks noGrp="1"/>
-          </p:cNvSpPr>
-          <p:nvPr>
-            <p:ph type="body"/>
-          </p:nvPr>
-        </p:nvSpPr>
-        <p:spPr>
-          <a:xfrm>
-            <a:off x="511560" y="1598760"/>
-            <a:ext cx="1715760" cy="1410480"/>
-          </a:xfrm>
-          <a:prstGeom prst="rect">
-            <a:avLst/>
-          </a:prstGeom>
-        </p:spPr>
-        <p:txBody>
-          <a:bodyPr lIns="0" rIns="0" tIns="0" bIns="0">
-            <a:normAutofit/>
-          </a:bodyPr>
-          <a:p>
-            <a:endParaRPr b="0" lang="en-US" sz="3200" spc="-1" strike="noStrike">
-              <a:latin typeface="Arial"/>
-            </a:endParaRPr>
-          </a:p>
-        </p:txBody>
-      </p:sp>
-      <p:sp>
-        <p:nvSpPr>
-          <p:cNvPr id="277" name="PlaceHolder 3"/>
-          <p:cNvSpPr>
-            <a:spLocks noGrp="1"/>
-          </p:cNvSpPr>
-          <p:nvPr>
-            <p:ph type="body"/>
-          </p:nvPr>
-        </p:nvSpPr>
-        <p:spPr>
-          <a:xfrm>
-            <a:off x="2313360" y="1598760"/>
-            <a:ext cx="1715760" cy="2957040"/>
-          </a:xfrm>
-          <a:prstGeom prst="rect">
-            <a:avLst/>
-          </a:prstGeom>
-        </p:spPr>
-        <p:txBody>
-          <a:bodyPr lIns="0" rIns="0" tIns="0" bIns="0">
-            <a:normAutofit/>
-          </a:bodyPr>
-          <a:p>
-            <a:endParaRPr b="0" lang="en-US" sz="3200" spc="-1" strike="noStrike">
-              <a:latin typeface="Arial"/>
-            </a:endParaRPr>
-          </a:p>
-        </p:txBody>
-      </p:sp>
-      <p:sp>
-        <p:nvSpPr>
-          <p:cNvPr id="278" name="PlaceHolder 4"/>
-          <p:cNvSpPr>
-            <a:spLocks noGrp="1"/>
-          </p:cNvSpPr>
-          <p:nvPr>
-            <p:ph type="body"/>
-          </p:nvPr>
-        </p:nvSpPr>
-        <p:spPr>
-          <a:xfrm>
-            <a:off x="511560" y="3143520"/>
-            <a:ext cx="1715760" cy="1410480"/>
-          </a:xfrm>
-          <a:prstGeom prst="rect">
-            <a:avLst/>
-          </a:prstGeom>
-        </p:spPr>
-        <p:txBody>
-          <a:bodyPr lIns="0" rIns="0" tIns="0" bIns="0">
-            <a:normAutofit/>
-          </a:bodyPr>
-          <a:p>
-            <a:endParaRPr b="0" lang="en-US" sz="3200" spc="-1" strike="noStrike">
-              <a:latin typeface="Arial"/>
-            </a:endParaRPr>
-          </a:p>
-        </p:txBody>
-      </p:sp>
-    </p:spTree>
-  </p:cSld>
-</p:sldLayout>
-</file>
-
-<file path=ppt/slideLayouts/slideLayout92.xml><?xml version="1.0" encoding="utf-8"?>
-<p:sldLayout xmlns:a="http://schemas.openxmlformats.org/drawingml/2006/main" xmlns:p="http://schemas.openxmlformats.org/presentationml/2006/main" xmlns:r="http://schemas.openxmlformats.org/officeDocument/2006/relationships" xmlns:p14="http://schemas.microsoft.com/office/powerpoint/2010/main" xmlns:p15="http://schemas.microsoft.com/office/powerpoint/2012/main" xmlns:mc="http://schemas.openxmlformats.org/markup-compatibility/2006" type="objAndTwoObj" preserve="1">
-  <p:cSld name="Title Content and 2 Content">
-    <p:spTree>
-      <p:nvGrpSpPr>
-        <p:cNvPr id="1" name=""/>
-        <p:cNvGrpSpPr/>
-        <p:nvPr/>
-      </p:nvGrpSpPr>
-      <p:grpSpPr>
-        <a:xfrm>
-          <a:off x="0" y="0"/>
-          <a:ext cx="0" cy="0"/>
-          <a:chOff x="0" y="0"/>
-          <a:chExt cx="0" cy="0"/>
-        </a:xfrm>
-      </p:grpSpPr>
-      <p:sp>
-        <p:nvSpPr>
-          <p:cNvPr id="279" name="PlaceHolder 1"/>
-          <p:cNvSpPr>
-            <a:spLocks noGrp="1"/>
-          </p:cNvSpPr>
-          <p:nvPr>
-            <p:ph type="title"/>
-          </p:nvPr>
-        </p:nvSpPr>
-        <p:spPr>
-          <a:xfrm>
-            <a:off x="511560" y="437040"/>
-            <a:ext cx="3516480" cy="1250280"/>
-          </a:xfrm>
-          <a:prstGeom prst="rect">
-            <a:avLst/>
-          </a:prstGeom>
-        </p:spPr>
-        <p:txBody>
-          <a:bodyPr lIns="0" rIns="0" tIns="0" bIns="0" anchor="ctr"/>
-          <a:p>
-            <a:pPr algn="ctr"/>
-            <a:endParaRPr b="0" lang="en-US" sz="4400" spc="-1" strike="noStrike">
-              <a:latin typeface="Arial"/>
-            </a:endParaRPr>
-          </a:p>
-        </p:txBody>
-      </p:sp>
-      <p:sp>
-        <p:nvSpPr>
-          <p:cNvPr id="280" name="PlaceHolder 2"/>
-          <p:cNvSpPr>
-            <a:spLocks noGrp="1"/>
-          </p:cNvSpPr>
-          <p:nvPr>
-            <p:ph type="body"/>
-          </p:nvPr>
-        </p:nvSpPr>
-        <p:spPr>
-          <a:xfrm>
-            <a:off x="511560" y="1598760"/>
-            <a:ext cx="1715760" cy="2957040"/>
-          </a:xfrm>
-          <a:prstGeom prst="rect">
-            <a:avLst/>
-          </a:prstGeom>
-        </p:spPr>
-        <p:txBody>
-          <a:bodyPr lIns="0" rIns="0" tIns="0" bIns="0">
-            <a:normAutofit/>
-          </a:bodyPr>
-          <a:p>
-            <a:endParaRPr b="0" lang="en-US" sz="3200" spc="-1" strike="noStrike">
-              <a:latin typeface="Arial"/>
-            </a:endParaRPr>
-          </a:p>
-        </p:txBody>
-      </p:sp>
-      <p:sp>
-        <p:nvSpPr>
-          <p:cNvPr id="281" name="PlaceHolder 3"/>
-          <p:cNvSpPr>
-            <a:spLocks noGrp="1"/>
-          </p:cNvSpPr>
-          <p:nvPr>
-            <p:ph type="body"/>
-          </p:nvPr>
-        </p:nvSpPr>
-        <p:spPr>
-          <a:xfrm>
-            <a:off x="2313360" y="1598760"/>
-            <a:ext cx="1715760" cy="1410480"/>
-          </a:xfrm>
-          <a:prstGeom prst="rect">
-            <a:avLst/>
-          </a:prstGeom>
-        </p:spPr>
-        <p:txBody>
-          <a:bodyPr lIns="0" rIns="0" tIns="0" bIns="0">
-            <a:normAutofit/>
-          </a:bodyPr>
-          <a:p>
-            <a:endParaRPr b="0" lang="en-US" sz="3200" spc="-1" strike="noStrike">
-              <a:latin typeface="Arial"/>
-            </a:endParaRPr>
-          </a:p>
-        </p:txBody>
-      </p:sp>
-      <p:sp>
-        <p:nvSpPr>
-          <p:cNvPr id="282" name="PlaceHolder 4"/>
-          <p:cNvSpPr>
-            <a:spLocks noGrp="1"/>
-          </p:cNvSpPr>
-          <p:nvPr>
-            <p:ph type="body"/>
-          </p:nvPr>
-        </p:nvSpPr>
-        <p:spPr>
-          <a:xfrm>
-            <a:off x="2313360" y="3143520"/>
-            <a:ext cx="1715760" cy="1410480"/>
-          </a:xfrm>
-          <a:prstGeom prst="rect">
-            <a:avLst/>
-          </a:prstGeom>
-        </p:spPr>
-        <p:txBody>
-          <a:bodyPr lIns="0" rIns="0" tIns="0" bIns="0">
-            <a:normAutofit/>
-          </a:bodyPr>
-          <a:p>
-            <a:endParaRPr b="0" lang="en-US" sz="3200" spc="-1" strike="noStrike">
-              <a:latin typeface="Arial"/>
-            </a:endParaRPr>
-          </a:p>
-        </p:txBody>
-      </p:sp>
-    </p:spTree>
-  </p:cSld>
-</p:sldLayout>
-</file>
-
-<file path=ppt/slideLayouts/slideLayout93.xml><?xml version="1.0" encoding="utf-8"?>
-<p:sldLayout xmlns:a="http://schemas.openxmlformats.org/drawingml/2006/main" xmlns:p="http://schemas.openxmlformats.org/presentationml/2006/main" xmlns:r="http://schemas.openxmlformats.org/officeDocument/2006/relationships" xmlns:p14="http://schemas.microsoft.com/office/powerpoint/2010/main" xmlns:p15="http://schemas.microsoft.com/office/powerpoint/2012/main" xmlns:mc="http://schemas.openxmlformats.org/markup-compatibility/2006" type="twoObjOverTx" preserve="1">
-  <p:cSld name="Title, 2 Content over Content">
-    <p:spTree>
-      <p:nvGrpSpPr>
-        <p:cNvPr id="1" name=""/>
-        <p:cNvGrpSpPr/>
-        <p:nvPr/>
-      </p:nvGrpSpPr>
-      <p:grpSpPr>
-        <a:xfrm>
-          <a:off x="0" y="0"/>
-          <a:ext cx="0" cy="0"/>
-          <a:chOff x="0" y="0"/>
-          <a:chExt cx="0" cy="0"/>
-        </a:xfrm>
-      </p:grpSpPr>
-      <p:sp>
-        <p:nvSpPr>
-          <p:cNvPr id="283" name="PlaceHolder 1"/>
-          <p:cNvSpPr>
-            <a:spLocks noGrp="1"/>
-          </p:cNvSpPr>
-          <p:nvPr>
-            <p:ph type="title"/>
-          </p:nvPr>
-        </p:nvSpPr>
-        <p:spPr>
-          <a:xfrm>
-            <a:off x="511560" y="437040"/>
-            <a:ext cx="3516480" cy="1250280"/>
-          </a:xfrm>
-          <a:prstGeom prst="rect">
-            <a:avLst/>
-          </a:prstGeom>
-        </p:spPr>
-        <p:txBody>
-          <a:bodyPr lIns="0" rIns="0" tIns="0" bIns="0" anchor="ctr"/>
-          <a:p>
-            <a:pPr algn="ctr"/>
-            <a:endParaRPr b="0" lang="en-US" sz="4400" spc="-1" strike="noStrike">
-              <a:latin typeface="Arial"/>
-            </a:endParaRPr>
-          </a:p>
-        </p:txBody>
-      </p:sp>
-      <p:sp>
-        <p:nvSpPr>
-          <p:cNvPr id="284" name="PlaceHolder 2"/>
-          <p:cNvSpPr>
-            <a:spLocks noGrp="1"/>
-          </p:cNvSpPr>
-          <p:nvPr>
-            <p:ph type="body"/>
-          </p:nvPr>
-        </p:nvSpPr>
-        <p:spPr>
-          <a:xfrm>
-            <a:off x="511560" y="1598760"/>
-            <a:ext cx="1715760" cy="1410480"/>
-          </a:xfrm>
-          <a:prstGeom prst="rect">
-            <a:avLst/>
-          </a:prstGeom>
-        </p:spPr>
-        <p:txBody>
-          <a:bodyPr lIns="0" rIns="0" tIns="0" bIns="0">
-            <a:normAutofit/>
-          </a:bodyPr>
-          <a:p>
-            <a:endParaRPr b="0" lang="en-US" sz="3200" spc="-1" strike="noStrike">
-              <a:latin typeface="Arial"/>
-            </a:endParaRPr>
-          </a:p>
-        </p:txBody>
-      </p:sp>
-      <p:sp>
-        <p:nvSpPr>
-          <p:cNvPr id="285" name="PlaceHolder 3"/>
-          <p:cNvSpPr>
-            <a:spLocks noGrp="1"/>
-          </p:cNvSpPr>
-          <p:nvPr>
-            <p:ph type="body"/>
-          </p:nvPr>
-        </p:nvSpPr>
-        <p:spPr>
-          <a:xfrm>
-            <a:off x="2313360" y="1598760"/>
-            <a:ext cx="1715760" cy="1410480"/>
-          </a:xfrm>
-          <a:prstGeom prst="rect">
-            <a:avLst/>
-          </a:prstGeom>
-        </p:spPr>
-        <p:txBody>
-          <a:bodyPr lIns="0" rIns="0" tIns="0" bIns="0">
-            <a:normAutofit/>
-          </a:bodyPr>
-          <a:p>
-            <a:endParaRPr b="0" lang="en-US" sz="3200" spc="-1" strike="noStrike">
-              <a:latin typeface="Arial"/>
-            </a:endParaRPr>
-          </a:p>
-        </p:txBody>
-      </p:sp>
-      <p:sp>
-        <p:nvSpPr>
-          <p:cNvPr id="286" name="PlaceHolder 4"/>
-          <p:cNvSpPr>
-            <a:spLocks noGrp="1"/>
-          </p:cNvSpPr>
-          <p:nvPr>
-            <p:ph type="body"/>
-          </p:nvPr>
-        </p:nvSpPr>
-        <p:spPr>
-          <a:xfrm>
-            <a:off x="511560" y="3143520"/>
-            <a:ext cx="3516480" cy="1410480"/>
-          </a:xfrm>
-          <a:prstGeom prst="rect">
-            <a:avLst/>
-          </a:prstGeom>
-        </p:spPr>
-        <p:txBody>
-          <a:bodyPr lIns="0" rIns="0" tIns="0" bIns="0">
-            <a:normAutofit/>
-          </a:bodyPr>
-          <a:p>
-            <a:endParaRPr b="0" lang="en-US" sz="3200" spc="-1" strike="noStrike">
-              <a:latin typeface="Arial"/>
-            </a:endParaRPr>
-          </a:p>
-        </p:txBody>
-      </p:sp>
-    </p:spTree>
-  </p:cSld>
-</p:sldLayout>
-</file>
-
-<file path=ppt/slideLayouts/slideLayout94.xml><?xml version="1.0" encoding="utf-8"?>
-<p:sldLayout xmlns:a="http://schemas.openxmlformats.org/drawingml/2006/main" xmlns:p="http://schemas.openxmlformats.org/presentationml/2006/main" xmlns:r="http://schemas.openxmlformats.org/officeDocument/2006/relationships" xmlns:p14="http://schemas.microsoft.com/office/powerpoint/2010/main" xmlns:p15="http://schemas.microsoft.com/office/powerpoint/2012/main" xmlns:mc="http://schemas.openxmlformats.org/markup-compatibility/2006" type="objOverTx" preserve="1">
-  <p:cSld name="Title, Content over Content">
-    <p:spTree>
-      <p:nvGrpSpPr>
-        <p:cNvPr id="1" name=""/>
-        <p:cNvGrpSpPr/>
-        <p:nvPr/>
-      </p:nvGrpSpPr>
-      <p:grpSpPr>
-        <a:xfrm>
-          <a:off x="0" y="0"/>
-          <a:ext cx="0" cy="0"/>
-          <a:chOff x="0" y="0"/>
-          <a:chExt cx="0" cy="0"/>
-        </a:xfrm>
-      </p:grpSpPr>
-      <p:sp>
-        <p:nvSpPr>
-          <p:cNvPr id="287" name="PlaceHolder 1"/>
-          <p:cNvSpPr>
-            <a:spLocks noGrp="1"/>
-          </p:cNvSpPr>
-          <p:nvPr>
-            <p:ph type="title"/>
-          </p:nvPr>
-        </p:nvSpPr>
-        <p:spPr>
-          <a:xfrm>
-            <a:off x="511560" y="437040"/>
-            <a:ext cx="3516480" cy="1250280"/>
-          </a:xfrm>
-          <a:prstGeom prst="rect">
-            <a:avLst/>
-          </a:prstGeom>
-        </p:spPr>
-        <p:txBody>
-          <a:bodyPr lIns="0" rIns="0" tIns="0" bIns="0" anchor="ctr"/>
-          <a:p>
-            <a:pPr algn="ctr"/>
-            <a:endParaRPr b="0" lang="en-US" sz="4400" spc="-1" strike="noStrike">
-              <a:latin typeface="Arial"/>
-            </a:endParaRPr>
-          </a:p>
-        </p:txBody>
-      </p:sp>
-      <p:sp>
-        <p:nvSpPr>
-          <p:cNvPr id="288" name="PlaceHolder 2"/>
-          <p:cNvSpPr>
-            <a:spLocks noGrp="1"/>
-          </p:cNvSpPr>
-          <p:nvPr>
-            <p:ph type="body"/>
-          </p:nvPr>
-        </p:nvSpPr>
-        <p:spPr>
-          <a:xfrm>
-            <a:off x="511560" y="1598760"/>
-            <a:ext cx="3516480" cy="1410480"/>
-          </a:xfrm>
-          <a:prstGeom prst="rect">
-            <a:avLst/>
-          </a:prstGeom>
-        </p:spPr>
-        <p:txBody>
-          <a:bodyPr lIns="0" rIns="0" tIns="0" bIns="0">
-            <a:normAutofit/>
-          </a:bodyPr>
-          <a:p>
-            <a:endParaRPr b="0" lang="en-US" sz="3200" spc="-1" strike="noStrike">
-              <a:latin typeface="Arial"/>
-            </a:endParaRPr>
-          </a:p>
-        </p:txBody>
-      </p:sp>
-      <p:sp>
-        <p:nvSpPr>
-          <p:cNvPr id="289" name="PlaceHolder 3"/>
-          <p:cNvSpPr>
-            <a:spLocks noGrp="1"/>
-          </p:cNvSpPr>
-          <p:nvPr>
-            <p:ph type="body"/>
-          </p:nvPr>
-        </p:nvSpPr>
-        <p:spPr>
-          <a:xfrm>
-            <a:off x="511560" y="3143520"/>
-            <a:ext cx="3516480" cy="1410480"/>
-          </a:xfrm>
-          <a:prstGeom prst="rect">
-            <a:avLst/>
-          </a:prstGeom>
-        </p:spPr>
-        <p:txBody>
-          <a:bodyPr lIns="0" rIns="0" tIns="0" bIns="0">
-            <a:normAutofit/>
-          </a:bodyPr>
-          <a:p>
-            <a:endParaRPr b="0" lang="en-US" sz="3200" spc="-1" strike="noStrike">
-              <a:latin typeface="Arial"/>
-            </a:endParaRPr>
-          </a:p>
-        </p:txBody>
-      </p:sp>
-    </p:spTree>
-  </p:cSld>
-</p:sldLayout>
-</file>
-
-<file path=ppt/slideLayouts/slideLayout95.xml><?xml version="1.0" encoding="utf-8"?>
-<p:sldLayout xmlns:a="http://schemas.openxmlformats.org/drawingml/2006/main" xmlns:p="http://schemas.openxmlformats.org/presentationml/2006/main" xmlns:r="http://schemas.openxmlformats.org/officeDocument/2006/relationships" xmlns:p14="http://schemas.microsoft.com/office/powerpoint/2010/main" xmlns:p15="http://schemas.microsoft.com/office/powerpoint/2012/main" xmlns:mc="http://schemas.openxmlformats.org/markup-compatibility/2006" type="fourObj" preserve="1">
-  <p:cSld name="Title, 4 Content">
-    <p:spTree>
-      <p:nvGrpSpPr>
-        <p:cNvPr id="1" name=""/>
-        <p:cNvGrpSpPr/>
-        <p:nvPr/>
-      </p:nvGrpSpPr>
-      <p:grpSpPr>
-        <a:xfrm>
-          <a:off x="0" y="0"/>
-          <a:ext cx="0" cy="0"/>
-          <a:chOff x="0" y="0"/>
-          <a:chExt cx="0" cy="0"/>
-        </a:xfrm>
-      </p:grpSpPr>
-      <p:sp>
-        <p:nvSpPr>
-          <p:cNvPr id="290" name="PlaceHolder 1"/>
-          <p:cNvSpPr>
-            <a:spLocks noGrp="1"/>
-          </p:cNvSpPr>
-          <p:nvPr>
-            <p:ph type="title"/>
-          </p:nvPr>
-        </p:nvSpPr>
-        <p:spPr>
-          <a:xfrm>
-            <a:off x="511560" y="437040"/>
-            <a:ext cx="3516480" cy="1250280"/>
-          </a:xfrm>
-          <a:prstGeom prst="rect">
-            <a:avLst/>
-          </a:prstGeom>
-        </p:spPr>
-        <p:txBody>
-          <a:bodyPr lIns="0" rIns="0" tIns="0" bIns="0" anchor="ctr"/>
-          <a:p>
-            <a:pPr algn="ctr"/>
-            <a:endParaRPr b="0" lang="en-US" sz="4400" spc="-1" strike="noStrike">
-              <a:latin typeface="Arial"/>
-            </a:endParaRPr>
-          </a:p>
-        </p:txBody>
-      </p:sp>
-      <p:sp>
-        <p:nvSpPr>
-          <p:cNvPr id="291" name="PlaceHolder 2"/>
-          <p:cNvSpPr>
-            <a:spLocks noGrp="1"/>
-          </p:cNvSpPr>
-          <p:nvPr>
-            <p:ph type="body"/>
-          </p:nvPr>
-        </p:nvSpPr>
-        <p:spPr>
-          <a:xfrm>
-            <a:off x="511560" y="1598760"/>
-            <a:ext cx="1715760" cy="1410480"/>
-          </a:xfrm>
-          <a:prstGeom prst="rect">
-            <a:avLst/>
-          </a:prstGeom>
-        </p:spPr>
-        <p:txBody>
-          <a:bodyPr lIns="0" rIns="0" tIns="0" bIns="0">
-            <a:normAutofit/>
-          </a:bodyPr>
-          <a:p>
-            <a:endParaRPr b="0" lang="en-US" sz="3200" spc="-1" strike="noStrike">
-              <a:latin typeface="Arial"/>
-            </a:endParaRPr>
-          </a:p>
-        </p:txBody>
-      </p:sp>
-      <p:sp>
-        <p:nvSpPr>
-          <p:cNvPr id="292" name="PlaceHolder 3"/>
-          <p:cNvSpPr>
-            <a:spLocks noGrp="1"/>
-          </p:cNvSpPr>
-          <p:nvPr>
-            <p:ph type="body"/>
-          </p:nvPr>
-        </p:nvSpPr>
-        <p:spPr>
-          <a:xfrm>
-            <a:off x="2313360" y="1598760"/>
-            <a:ext cx="1715760" cy="1410480"/>
-          </a:xfrm>
-          <a:prstGeom prst="rect">
-            <a:avLst/>
-          </a:prstGeom>
-        </p:spPr>
-        <p:txBody>
-          <a:bodyPr lIns="0" rIns="0" tIns="0" bIns="0">
-            <a:normAutofit/>
-          </a:bodyPr>
-          <a:p>
-            <a:endParaRPr b="0" lang="en-US" sz="3200" spc="-1" strike="noStrike">
-              <a:latin typeface="Arial"/>
-            </a:endParaRPr>
-          </a:p>
-        </p:txBody>
-      </p:sp>
-      <p:sp>
-        <p:nvSpPr>
-          <p:cNvPr id="293" name="PlaceHolder 4"/>
-          <p:cNvSpPr>
-            <a:spLocks noGrp="1"/>
-          </p:cNvSpPr>
-          <p:nvPr>
-            <p:ph type="body"/>
-          </p:nvPr>
-        </p:nvSpPr>
-        <p:spPr>
-          <a:xfrm>
-            <a:off x="511560" y="3143520"/>
-            <a:ext cx="1715760" cy="1410480"/>
-          </a:xfrm>
-          <a:prstGeom prst="rect">
-            <a:avLst/>
-          </a:prstGeom>
-        </p:spPr>
-        <p:txBody>
-          <a:bodyPr lIns="0" rIns="0" tIns="0" bIns="0">
-            <a:normAutofit/>
-          </a:bodyPr>
-          <a:p>
-            <a:endParaRPr b="0" lang="en-US" sz="3200" spc="-1" strike="noStrike">
-              <a:latin typeface="Arial"/>
-            </a:endParaRPr>
-          </a:p>
-        </p:txBody>
-      </p:sp>
-      <p:sp>
-        <p:nvSpPr>
-          <p:cNvPr id="294" name="PlaceHolder 5"/>
-          <p:cNvSpPr>
-            <a:spLocks noGrp="1"/>
-          </p:cNvSpPr>
-          <p:nvPr>
-            <p:ph type="body"/>
-          </p:nvPr>
-        </p:nvSpPr>
-        <p:spPr>
-          <a:xfrm>
-            <a:off x="2313360" y="3143520"/>
-            <a:ext cx="1715760" cy="1410480"/>
-          </a:xfrm>
-          <a:prstGeom prst="rect">
-            <a:avLst/>
-          </a:prstGeom>
-        </p:spPr>
-        <p:txBody>
-          <a:bodyPr lIns="0" rIns="0" tIns="0" bIns="0">
-            <a:normAutofit/>
-          </a:bodyPr>
-          <a:p>
-            <a:endParaRPr b="0" lang="en-US" sz="3200" spc="-1" strike="noStrike">
-              <a:latin typeface="Arial"/>
-            </a:endParaRPr>
-          </a:p>
-        </p:txBody>
-      </p:sp>
-    </p:spTree>
-  </p:cSld>
-</p:sldLayout>
-</file>
-
-<file path=ppt/slideLayouts/slideLayout96.xml><?xml version="1.0" encoding="utf-8"?>
-<p:sldLayout xmlns:a="http://schemas.openxmlformats.org/drawingml/2006/main" xmlns:p="http://schemas.openxmlformats.org/presentationml/2006/main" xmlns:r="http://schemas.openxmlformats.org/officeDocument/2006/relationships" xmlns:p14="http://schemas.microsoft.com/office/powerpoint/2010/main" xmlns:p15="http://schemas.microsoft.com/office/powerpoint/2012/main" xmlns:mc="http://schemas.openxmlformats.org/markup-compatibility/2006" type="blank" preserve="1">
-  <p:cSld name="Title, 6 Content">
-    <p:spTree>
-      <p:nvGrpSpPr>
-        <p:cNvPr id="1" name=""/>
-        <p:cNvGrpSpPr/>
-        <p:nvPr/>
-      </p:nvGrpSpPr>
-      <p:grpSpPr>
-        <a:xfrm>
-          <a:off x="0" y="0"/>
-          <a:ext cx="0" cy="0"/>
-          <a:chOff x="0" y="0"/>
-          <a:chExt cx="0" cy="0"/>
-        </a:xfrm>
-      </p:grpSpPr>
-      <p:sp>
-        <p:nvSpPr>
-          <p:cNvPr id="295" name="PlaceHolder 1"/>
-          <p:cNvSpPr>
-            <a:spLocks noGrp="1"/>
-          </p:cNvSpPr>
-          <p:nvPr>
-            <p:ph type="title"/>
-          </p:nvPr>
-        </p:nvSpPr>
-        <p:spPr>
-          <a:xfrm>
-            <a:off x="511560" y="437040"/>
-            <a:ext cx="3516480" cy="1250280"/>
-          </a:xfrm>
-          <a:prstGeom prst="rect">
-            <a:avLst/>
-          </a:prstGeom>
-        </p:spPr>
-        <p:txBody>
-          <a:bodyPr lIns="0" rIns="0" tIns="0" bIns="0" anchor="ctr"/>
-          <a:p>
-            <a:pPr algn="ctr"/>
-            <a:endParaRPr b="0" lang="en-US" sz="4400" spc="-1" strike="noStrike">
-              <a:latin typeface="Arial"/>
-            </a:endParaRPr>
-          </a:p>
-        </p:txBody>
-      </p:sp>
-      <p:sp>
-        <p:nvSpPr>
-          <p:cNvPr id="296" name="PlaceHolder 2"/>
-          <p:cNvSpPr>
-            <a:spLocks noGrp="1"/>
-          </p:cNvSpPr>
-          <p:nvPr>
-            <p:ph type="body"/>
-          </p:nvPr>
-        </p:nvSpPr>
-        <p:spPr>
-          <a:xfrm>
-            <a:off x="511560" y="1598760"/>
-            <a:ext cx="1132200" cy="1410480"/>
-          </a:xfrm>
-          <a:prstGeom prst="rect">
-            <a:avLst/>
-          </a:prstGeom>
-        </p:spPr>
-        <p:txBody>
-          <a:bodyPr lIns="0" rIns="0" tIns="0" bIns="0">
-            <a:normAutofit fontScale="48000"/>
-          </a:bodyPr>
-          <a:p>
-            <a:endParaRPr b="0" lang="en-US" sz="3200" spc="-1" strike="noStrike">
-              <a:latin typeface="Arial"/>
-            </a:endParaRPr>
-          </a:p>
-        </p:txBody>
-      </p:sp>
-      <p:sp>
-        <p:nvSpPr>
-          <p:cNvPr id="297" name="PlaceHolder 3"/>
-          <p:cNvSpPr>
-            <a:spLocks noGrp="1"/>
-          </p:cNvSpPr>
-          <p:nvPr>
-            <p:ph type="body"/>
-          </p:nvPr>
-        </p:nvSpPr>
-        <p:spPr>
-          <a:xfrm>
-            <a:off x="1700640" y="1598760"/>
-            <a:ext cx="1132200" cy="1410480"/>
-          </a:xfrm>
-          <a:prstGeom prst="rect">
-            <a:avLst/>
-          </a:prstGeom>
-        </p:spPr>
-        <p:txBody>
-          <a:bodyPr lIns="0" rIns="0" tIns="0" bIns="0">
-            <a:normAutofit fontScale="48000"/>
-          </a:bodyPr>
-          <a:p>
-            <a:endParaRPr b="0" lang="en-US" sz="3200" spc="-1" strike="noStrike">
-              <a:latin typeface="Arial"/>
-            </a:endParaRPr>
-          </a:p>
-        </p:txBody>
-      </p:sp>
-      <p:sp>
-        <p:nvSpPr>
-          <p:cNvPr id="298" name="PlaceHolder 4"/>
-          <p:cNvSpPr>
-            <a:spLocks noGrp="1"/>
-          </p:cNvSpPr>
-          <p:nvPr>
-            <p:ph type="body"/>
-          </p:nvPr>
-        </p:nvSpPr>
-        <p:spPr>
-          <a:xfrm>
-            <a:off x="2890080" y="1598760"/>
-            <a:ext cx="1132200" cy="1410480"/>
-          </a:xfrm>
-          <a:prstGeom prst="rect">
-            <a:avLst/>
-          </a:prstGeom>
-        </p:spPr>
-        <p:txBody>
-          <a:bodyPr lIns="0" rIns="0" tIns="0" bIns="0">
-            <a:normAutofit fontScale="48000"/>
-          </a:bodyPr>
-          <a:p>
-            <a:endParaRPr b="0" lang="en-US" sz="3200" spc="-1" strike="noStrike">
-              <a:latin typeface="Arial"/>
-            </a:endParaRPr>
-          </a:p>
-        </p:txBody>
-      </p:sp>
-      <p:sp>
-        <p:nvSpPr>
-          <p:cNvPr id="299" name="PlaceHolder 5"/>
-          <p:cNvSpPr>
-            <a:spLocks noGrp="1"/>
-          </p:cNvSpPr>
-          <p:nvPr>
-            <p:ph type="body"/>
-          </p:nvPr>
-        </p:nvSpPr>
-        <p:spPr>
-          <a:xfrm>
-            <a:off x="511560" y="3143520"/>
-            <a:ext cx="1132200" cy="1410480"/>
-          </a:xfrm>
-          <a:prstGeom prst="rect">
-            <a:avLst/>
-          </a:prstGeom>
-        </p:spPr>
-        <p:txBody>
-          <a:bodyPr lIns="0" rIns="0" tIns="0" bIns="0">
-            <a:normAutofit fontScale="48000"/>
-          </a:bodyPr>
-          <a:p>
-            <a:endParaRPr b="0" lang="en-US" sz="3200" spc="-1" strike="noStrike">
-              <a:latin typeface="Arial"/>
-            </a:endParaRPr>
-          </a:p>
-        </p:txBody>
-      </p:sp>
-      <p:sp>
-        <p:nvSpPr>
-          <p:cNvPr id="300" name="PlaceHolder 6"/>
-          <p:cNvSpPr>
-            <a:spLocks noGrp="1"/>
-          </p:cNvSpPr>
-          <p:nvPr>
-            <p:ph type="body"/>
-          </p:nvPr>
-        </p:nvSpPr>
-        <p:spPr>
-          <a:xfrm>
-            <a:off x="1700640" y="3143520"/>
-            <a:ext cx="1132200" cy="1410480"/>
-          </a:xfrm>
-          <a:prstGeom prst="rect">
-            <a:avLst/>
-          </a:prstGeom>
-        </p:spPr>
-        <p:txBody>
-          <a:bodyPr lIns="0" rIns="0" tIns="0" bIns="0">
-            <a:normAutofit fontScale="48000"/>
-          </a:bodyPr>
-          <a:p>
-            <a:endParaRPr b="0" lang="en-US" sz="3200" spc="-1" strike="noStrike">
-              <a:latin typeface="Arial"/>
-            </a:endParaRPr>
-          </a:p>
-        </p:txBody>
-      </p:sp>
-      <p:sp>
-        <p:nvSpPr>
-          <p:cNvPr id="301" name="PlaceHolder 7"/>
-          <p:cNvSpPr>
-            <a:spLocks noGrp="1"/>
-          </p:cNvSpPr>
-          <p:nvPr>
-            <p:ph type="body"/>
-          </p:nvPr>
-        </p:nvSpPr>
-        <p:spPr>
-          <a:xfrm>
-            <a:off x="2890080" y="3143520"/>
-            <a:ext cx="1132200" cy="1410480"/>
-          </a:xfrm>
-          <a:prstGeom prst="rect">
-            <a:avLst/>
-          </a:prstGeom>
-        </p:spPr>
-        <p:txBody>
-          <a:bodyPr lIns="0" rIns="0" tIns="0" bIns="0">
-            <a:normAutofit fontScale="48000"/>
           </a:bodyPr>
           <a:p>
             <a:endParaRPr b="0" lang="en-US" sz="3200" spc="-1" strike="noStrike">
@@ -11228,8 +9894,8 @@
         </p:nvSpPr>
         <p:spPr>
           <a:xfrm>
-            <a:off x="511560" y="575640"/>
-            <a:ext cx="3516480" cy="972720"/>
+            <a:off x="511560" y="437040"/>
+            <a:ext cx="3516120" cy="1249920"/>
           </a:xfrm>
           <a:prstGeom prst="rect">
             <a:avLst/>
@@ -11262,8 +9928,8 @@
         </p:nvSpPr>
         <p:spPr>
           <a:xfrm>
-            <a:off x="457200" y="1203480"/>
-            <a:ext cx="8229240" cy="2982960"/>
+            <a:off x="511560" y="1598760"/>
+            <a:ext cx="3516120" cy="2956680"/>
           </a:xfrm>
           <a:prstGeom prst="rect">
             <a:avLst/>
@@ -11271,7 +9937,7 @@
         </p:spPr>
         <p:txBody>
           <a:bodyPr lIns="0" rIns="0" tIns="0" bIns="0">
-            <a:normAutofit/>
+            <a:normAutofit fontScale="47000"/>
           </a:bodyPr>
           <a:p>
             <a:pPr marL="432000" indent="-324000">
@@ -11286,12 +9952,12 @@
               <a:buChar char=""/>
             </a:pPr>
             <a:r>
-              <a:rPr b="0" lang="en-US" sz="3200" spc="-1" strike="noStrike">
+              <a:rPr b="0" lang="en-US" sz="1800" spc="-1" strike="noStrike">
                 <a:latin typeface="Arial"/>
               </a:rPr>
               <a:t>Click to edit the outline text format</a:t>
             </a:r>
-            <a:endParaRPr b="0" lang="en-US" sz="3200" spc="-1" strike="noStrike">
+            <a:endParaRPr b="0" lang="en-US" sz="1800" spc="-1" strike="noStrike">
               <a:latin typeface="Arial"/>
             </a:endParaRPr>
           </a:p>
@@ -11308,12 +9974,12 @@
               <a:buChar char=""/>
             </a:pPr>
             <a:r>
-              <a:rPr b="0" lang="en-US" sz="2800" spc="-1" strike="noStrike">
+              <a:rPr b="0" lang="en-US" sz="1800" spc="-1" strike="noStrike">
                 <a:latin typeface="Arial"/>
               </a:rPr>
               <a:t>Second Outline Level</a:t>
             </a:r>
-            <a:endParaRPr b="0" lang="en-US" sz="2800" spc="-1" strike="noStrike">
+            <a:endParaRPr b="0" lang="en-US" sz="1800" spc="-1" strike="noStrike">
               <a:latin typeface="Arial"/>
             </a:endParaRPr>
           </a:p>
@@ -11330,12 +9996,12 @@
               <a:buChar char=""/>
             </a:pPr>
             <a:r>
-              <a:rPr b="0" lang="en-US" sz="2400" spc="-1" strike="noStrike">
+              <a:rPr b="0" lang="en-US" sz="1800" spc="-1" strike="noStrike">
                 <a:latin typeface="Arial"/>
               </a:rPr>
               <a:t>Third Outline Level</a:t>
             </a:r>
-            <a:endParaRPr b="0" lang="en-US" sz="2400" spc="-1" strike="noStrike">
+            <a:endParaRPr b="0" lang="en-US" sz="1800" spc="-1" strike="noStrike">
               <a:latin typeface="Arial"/>
             </a:endParaRPr>
           </a:p>
@@ -11352,12 +10018,12 @@
               <a:buChar char=""/>
             </a:pPr>
             <a:r>
-              <a:rPr b="0" lang="en-US" sz="2000" spc="-1" strike="noStrike">
+              <a:rPr b="0" lang="en-US" sz="1800" spc="-1" strike="noStrike">
                 <a:latin typeface="Arial"/>
               </a:rPr>
               <a:t>Fourth Outline Level</a:t>
             </a:r>
-            <a:endParaRPr b="0" lang="en-US" sz="2000" spc="-1" strike="noStrike">
+            <a:endParaRPr b="0" lang="en-US" sz="1800" spc="-1" strike="noStrike">
               <a:latin typeface="Arial"/>
             </a:endParaRPr>
           </a:p>
@@ -11374,12 +10040,12 @@
               <a:buChar char=""/>
             </a:pPr>
             <a:r>
-              <a:rPr b="0" lang="en-US" sz="2000" spc="-1" strike="noStrike">
+              <a:rPr b="0" lang="en-US" sz="1800" spc="-1" strike="noStrike">
                 <a:latin typeface="Arial"/>
               </a:rPr>
               <a:t>Fifth Outline Level</a:t>
             </a:r>
-            <a:endParaRPr b="0" lang="en-US" sz="2000" spc="-1" strike="noStrike">
+            <a:endParaRPr b="0" lang="en-US" sz="1800" spc="-1" strike="noStrike">
               <a:latin typeface="Arial"/>
             </a:endParaRPr>
           </a:p>
@@ -11396,12 +10062,12 @@
               <a:buChar char=""/>
             </a:pPr>
             <a:r>
-              <a:rPr b="0" lang="en-US" sz="2000" spc="-1" strike="noStrike">
+              <a:rPr b="0" lang="en-US" sz="1800" spc="-1" strike="noStrike">
                 <a:latin typeface="Arial"/>
               </a:rPr>
               <a:t>Sixth Outline Level</a:t>
             </a:r>
-            <a:endParaRPr b="0" lang="en-US" sz="2000" spc="-1" strike="noStrike">
+            <a:endParaRPr b="0" lang="en-US" sz="1800" spc="-1" strike="noStrike">
               <a:latin typeface="Arial"/>
             </a:endParaRPr>
           </a:p>
@@ -11418,12 +10084,12 @@
               <a:buChar char=""/>
             </a:pPr>
             <a:r>
-              <a:rPr b="0" lang="en-US" sz="2000" spc="-1" strike="noStrike">
+              <a:rPr b="0" lang="en-US" sz="1800" spc="-1" strike="noStrike">
                 <a:latin typeface="Arial"/>
               </a:rPr>
               <a:t>Seventh Outline Level</a:t>
             </a:r>
-            <a:endParaRPr b="0" lang="en-US" sz="2000" spc="-1" strike="noStrike">
+            <a:endParaRPr b="0" lang="en-US" sz="1800" spc="-1" strike="noStrike">
               <a:latin typeface="Arial"/>
             </a:endParaRPr>
           </a:p>
@@ -11485,8 +10151,8 @@
         </p:nvSpPr>
         <p:spPr>
           <a:xfrm>
-            <a:off x="511560" y="575640"/>
-            <a:ext cx="3516480" cy="972720"/>
+            <a:off x="457200" y="205200"/>
+            <a:ext cx="8229240" cy="858600"/>
           </a:xfrm>
           <a:prstGeom prst="rect">
             <a:avLst/>
@@ -11495,13 +10161,14 @@
         <p:txBody>
           <a:bodyPr lIns="0" rIns="0" tIns="0" bIns="0" anchor="ctr"/>
           <a:p>
+            <a:pPr algn="ctr"/>
             <a:r>
-              <a:rPr b="0" lang="en-US" sz="1800" spc="-1" strike="noStrike">
+              <a:rPr b="0" lang="en-US" sz="4400" spc="-1" strike="noStrike">
                 <a:latin typeface="Arial"/>
               </a:rPr>
               <a:t>Click to edit the title text format</a:t>
             </a:r>
-            <a:endParaRPr b="0" lang="en-US" sz="1800" spc="-1" strike="noStrike">
+            <a:endParaRPr b="0" lang="en-US" sz="4400" spc="-1" strike="noStrike">
               <a:latin typeface="Arial"/>
             </a:endParaRPr>
           </a:p>
@@ -11519,8 +10186,8 @@
         </p:nvSpPr>
         <p:spPr>
           <a:xfrm>
-            <a:off x="511560" y="1598760"/>
-            <a:ext cx="3516480" cy="2957040"/>
+            <a:off x="457200" y="1203480"/>
+            <a:ext cx="8229240" cy="2982960"/>
           </a:xfrm>
           <a:prstGeom prst="rect">
             <a:avLst/>
@@ -11528,7 +10195,7 @@
         </p:spPr>
         <p:txBody>
           <a:bodyPr lIns="0" rIns="0" tIns="0" bIns="0">
-            <a:normAutofit fontScale="47000"/>
+            <a:normAutofit/>
           </a:bodyPr>
           <a:p>
             <a:pPr marL="432000" indent="-324000">
@@ -11543,12 +10210,12 @@
               <a:buChar char=""/>
             </a:pPr>
             <a:r>
-              <a:rPr b="0" lang="en-US" sz="1800" spc="-1" strike="noStrike">
+              <a:rPr b="0" lang="en-US" sz="3200" spc="-1" strike="noStrike">
                 <a:latin typeface="Arial"/>
               </a:rPr>
               <a:t>Click to edit the outline text format</a:t>
             </a:r>
-            <a:endParaRPr b="0" lang="en-US" sz="1800" spc="-1" strike="noStrike">
+            <a:endParaRPr b="0" lang="en-US" sz="3200" spc="-1" strike="noStrike">
               <a:latin typeface="Arial"/>
             </a:endParaRPr>
           </a:p>
@@ -11565,12 +10232,12 @@
               <a:buChar char=""/>
             </a:pPr>
             <a:r>
-              <a:rPr b="0" lang="en-US" sz="1800" spc="-1" strike="noStrike">
+              <a:rPr b="0" lang="en-US" sz="2800" spc="-1" strike="noStrike">
                 <a:latin typeface="Arial"/>
               </a:rPr>
               <a:t>Second Outline Level</a:t>
             </a:r>
-            <a:endParaRPr b="0" lang="en-US" sz="1800" spc="-1" strike="noStrike">
+            <a:endParaRPr b="0" lang="en-US" sz="2800" spc="-1" strike="noStrike">
               <a:latin typeface="Arial"/>
             </a:endParaRPr>
           </a:p>
@@ -11587,12 +10254,12 @@
               <a:buChar char=""/>
             </a:pPr>
             <a:r>
-              <a:rPr b="0" lang="en-US" sz="1800" spc="-1" strike="noStrike">
+              <a:rPr b="0" lang="en-US" sz="2400" spc="-1" strike="noStrike">
                 <a:latin typeface="Arial"/>
               </a:rPr>
               <a:t>Third Outline Level</a:t>
             </a:r>
-            <a:endParaRPr b="0" lang="en-US" sz="1800" spc="-1" strike="noStrike">
+            <a:endParaRPr b="0" lang="en-US" sz="2400" spc="-1" strike="noStrike">
               <a:latin typeface="Arial"/>
             </a:endParaRPr>
           </a:p>
@@ -11609,12 +10276,12 @@
               <a:buChar char=""/>
             </a:pPr>
             <a:r>
-              <a:rPr b="0" lang="en-US" sz="1800" spc="-1" strike="noStrike">
+              <a:rPr b="0" lang="en-US" sz="2000" spc="-1" strike="noStrike">
                 <a:latin typeface="Arial"/>
               </a:rPr>
               <a:t>Fourth Outline Level</a:t>
             </a:r>
-            <a:endParaRPr b="0" lang="en-US" sz="1800" spc="-1" strike="noStrike">
+            <a:endParaRPr b="0" lang="en-US" sz="2000" spc="-1" strike="noStrike">
               <a:latin typeface="Arial"/>
             </a:endParaRPr>
           </a:p>
@@ -11631,12 +10298,12 @@
               <a:buChar char=""/>
             </a:pPr>
             <a:r>
-              <a:rPr b="0" lang="en-US" sz="1800" spc="-1" strike="noStrike">
+              <a:rPr b="0" lang="en-US" sz="2000" spc="-1" strike="noStrike">
                 <a:latin typeface="Arial"/>
               </a:rPr>
               <a:t>Fifth Outline Level</a:t>
             </a:r>
-            <a:endParaRPr b="0" lang="en-US" sz="1800" spc="-1" strike="noStrike">
+            <a:endParaRPr b="0" lang="en-US" sz="2000" spc="-1" strike="noStrike">
               <a:latin typeface="Arial"/>
             </a:endParaRPr>
           </a:p>
@@ -11653,12 +10320,12 @@
               <a:buChar char=""/>
             </a:pPr>
             <a:r>
-              <a:rPr b="0" lang="en-US" sz="1800" spc="-1" strike="noStrike">
+              <a:rPr b="0" lang="en-US" sz="2000" spc="-1" strike="noStrike">
                 <a:latin typeface="Arial"/>
               </a:rPr>
               <a:t>Sixth Outline Level</a:t>
             </a:r>
-            <a:endParaRPr b="0" lang="en-US" sz="1800" spc="-1" strike="noStrike">
+            <a:endParaRPr b="0" lang="en-US" sz="2000" spc="-1" strike="noStrike">
               <a:latin typeface="Arial"/>
             </a:endParaRPr>
           </a:p>
@@ -11675,12 +10342,12 @@
               <a:buChar char=""/>
             </a:pPr>
             <a:r>
-              <a:rPr b="0" lang="en-US" sz="1800" spc="-1" strike="noStrike">
+              <a:rPr b="0" lang="en-US" sz="2000" spc="-1" strike="noStrike">
                 <a:latin typeface="Arial"/>
               </a:rPr>
               <a:t>Seventh Outline Level</a:t>
             </a:r>
-            <a:endParaRPr b="0" lang="en-US" sz="1800" spc="-1" strike="noStrike">
+            <a:endParaRPr b="0" lang="en-US" sz="2000" spc="-1" strike="noStrike">
               <a:latin typeface="Arial"/>
             </a:endParaRPr>
           </a:p>
@@ -12258,8 +10925,8 @@
         </p:nvSpPr>
         <p:spPr>
           <a:xfrm>
-            <a:off x="511560" y="575640"/>
-            <a:ext cx="3516480" cy="972720"/>
+            <a:off x="457200" y="205200"/>
+            <a:ext cx="8229240" cy="858600"/>
           </a:xfrm>
           <a:prstGeom prst="rect">
             <a:avLst/>
@@ -12268,13 +10935,14 @@
         <p:txBody>
           <a:bodyPr lIns="0" rIns="0" tIns="0" bIns="0" anchor="ctr"/>
           <a:p>
+            <a:pPr algn="ctr"/>
             <a:r>
-              <a:rPr b="0" lang="en-US" sz="1800" spc="-1" strike="noStrike">
+              <a:rPr b="0" lang="en-US" sz="4400" spc="-1" strike="noStrike">
                 <a:latin typeface="Arial"/>
               </a:rPr>
               <a:t>Click to edit the title text format</a:t>
             </a:r>
-            <a:endParaRPr b="0" lang="en-US" sz="1800" spc="-1" strike="noStrike">
+            <a:endParaRPr b="0" lang="en-US" sz="4400" spc="-1" strike="noStrike">
               <a:latin typeface="Arial"/>
             </a:endParaRPr>
           </a:p>
@@ -12515,8 +11183,8 @@
         </p:nvSpPr>
         <p:spPr>
           <a:xfrm>
-            <a:off x="457200" y="205200"/>
-            <a:ext cx="8229240" cy="858600"/>
+            <a:off x="511560" y="437040"/>
+            <a:ext cx="3516120" cy="1249920"/>
           </a:xfrm>
           <a:prstGeom prst="rect">
             <a:avLst/>
@@ -12525,14 +11193,13 @@
         <p:txBody>
           <a:bodyPr lIns="0" rIns="0" tIns="0" bIns="0" anchor="ctr"/>
           <a:p>
-            <a:pPr algn="ctr"/>
             <a:r>
-              <a:rPr b="0" lang="en-US" sz="4400" spc="-1" strike="noStrike">
+              <a:rPr b="0" lang="en-US" sz="1800" spc="-1" strike="noStrike">
                 <a:latin typeface="Arial"/>
               </a:rPr>
               <a:t>Click to edit the title text format</a:t>
             </a:r>
-            <a:endParaRPr b="0" lang="en-US" sz="4400" spc="-1" strike="noStrike">
+            <a:endParaRPr b="0" lang="en-US" sz="1800" spc="-1" strike="noStrike">
               <a:latin typeface="Arial"/>
             </a:endParaRPr>
           </a:p>
@@ -12995,57 +11662,15 @@
 </p:sldMaster>
 </file>
 
-<file path=ppt/slideMasters/slideMaster8.xml><?xml version="1.0" encoding="utf-8"?>
-<p:sldMaster xmlns:a="http://schemas.openxmlformats.org/drawingml/2006/main" xmlns:p="http://schemas.openxmlformats.org/presentationml/2006/main" xmlns:r="http://schemas.openxmlformats.org/officeDocument/2006/relationships" xmlns:p14="http://schemas.microsoft.com/office/powerpoint/2010/main" xmlns:p15="http://schemas.microsoft.com/office/powerpoint/2012/main" xmlns:mc="http://schemas.openxmlformats.org/markup-compatibility/2006">
-  <p:cSld>
-    <p:bg>
-      <p:bgPr>
-        <a:solidFill>
-          <a:srgbClr val="ffffff"/>
-        </a:solidFill>
-      </p:bgPr>
-    </p:bg>
-    <p:spTree>
-      <p:nvGrpSpPr>
-        <p:cNvPr id="1" name=""/>
-        <p:cNvGrpSpPr/>
-        <p:nvPr/>
-      </p:nvGrpSpPr>
-      <p:grpSpPr>
-        <a:xfrm>
-          <a:off x="0" y="0"/>
-          <a:ext cx="0" cy="0"/>
-          <a:chOff x="0" y="0"/>
-          <a:chExt cx="0" cy="0"/>
-        </a:xfrm>
-      </p:grpSpPr>
-    </p:spTree>
-  </p:cSld>
-  <p:clrMap bg1="lt1" bg2="lt2" tx1="dk1" tx2="dk2" accent1="accent1" accent2="accent2" accent3="accent3" accent4="accent4" accent5="accent5" accent6="accent6" hlink="hlink" folHlink="folHlink"/>
-  <p:sldLayoutIdLst>
-    <p:sldLayoutId id="2147483740" r:id="rId2"/>
-    <p:sldLayoutId id="2147483741" r:id="rId3"/>
-    <p:sldLayoutId id="2147483742" r:id="rId4"/>
-    <p:sldLayoutId id="2147483743" r:id="rId5"/>
-    <p:sldLayoutId id="2147483744" r:id="rId6"/>
-    <p:sldLayoutId id="2147483745" r:id="rId7"/>
-    <p:sldLayoutId id="2147483746" r:id="rId8"/>
-    <p:sldLayoutId id="2147483747" r:id="rId9"/>
-    <p:sldLayoutId id="2147483748" r:id="rId10"/>
-    <p:sldLayoutId id="2147483749" r:id="rId11"/>
-    <p:sldLayoutId id="2147483750" r:id="rId12"/>
-    <p:sldLayoutId id="2147483751" r:id="rId13"/>
-  </p:sldLayoutIdLst>
-</p:sldMaster>
-</file>
-
 <file path=ppt/slides/slide1.xml><?xml version="1.0" encoding="utf-8"?>
 <p:sld xmlns:a="http://schemas.openxmlformats.org/drawingml/2006/main" xmlns:p="http://schemas.openxmlformats.org/presentationml/2006/main" xmlns:r="http://schemas.openxmlformats.org/officeDocument/2006/relationships" xmlns:p14="http://schemas.microsoft.com/office/powerpoint/2010/main" xmlns:p15="http://schemas.microsoft.com/office/powerpoint/2012/main" xmlns:mc="http://schemas.openxmlformats.org/markup-compatibility/2006">
   <p:cSld>
     <p:bg>
       <p:bgPr>
         <a:blipFill rotWithShape="0">
-          <a:blip r:embed="rId1"/>
+          <a:blip r:embed="rId1">
+            <a:alphaModFix amt="73000"/>
+          </a:blip>
           <a:stretch>
             <a:fillRect/>
           </a:stretch>
@@ -13068,14 +11693,14 @@
       </p:grpSpPr>
       <p:sp>
         <p:nvSpPr>
-          <p:cNvPr id="308" name="CustomShape 1"/>
+          <p:cNvPr id="272" name="CustomShape 1"/>
           <p:cNvSpPr/>
           <p:nvPr/>
         </p:nvSpPr>
         <p:spPr>
           <a:xfrm>
             <a:off x="182880" y="274320"/>
-            <a:ext cx="7589520" cy="1188720"/>
+            <a:ext cx="7589160" cy="1188360"/>
           </a:xfrm>
           <a:prstGeom prst="rect">
             <a:avLst/>
@@ -13096,12 +11721,18 @@
         <p:txBody>
           <a:bodyPr lIns="90000" rIns="90000" tIns="91440" bIns="91440"/>
           <a:p>
+            <a:pPr>
+              <a:lnSpc>
+                <a:spcPct val="100000"/>
+              </a:lnSpc>
+            </a:pPr>
             <a:r>
               <a:rPr b="1" lang="en-US" sz="6000" spc="-1" strike="noStrike">
                 <a:solidFill>
                   <a:srgbClr val="2a6099"/>
                 </a:solidFill>
                 <a:latin typeface="Calibri Light"/>
+                <a:ea typeface="DejaVu Sans"/>
               </a:rPr>
               <a:t>CASE </a:t>
             </a:r>
@@ -13121,6 +11752,7 @@
                   <a:srgbClr val="f67031"/>
                 </a:solidFill>
                 <a:latin typeface="Calibri Light"/>
+                <a:ea typeface="DejaVu Sans"/>
               </a:rPr>
               <a:t> </a:t>
             </a:r>
@@ -13132,14 +11764,14 @@
       </p:sp>
       <p:sp>
         <p:nvSpPr>
-          <p:cNvPr id="309" name="CustomShape 2"/>
+          <p:cNvPr id="273" name="CustomShape 2"/>
           <p:cNvSpPr/>
           <p:nvPr/>
         </p:nvSpPr>
         <p:spPr>
           <a:xfrm>
             <a:off x="0" y="4406040"/>
-            <a:ext cx="5115960" cy="531720"/>
+            <a:ext cx="5115600" cy="531360"/>
           </a:xfrm>
           <a:prstGeom prst="rect">
             <a:avLst/>
@@ -13191,14 +11823,14 @@
       </p:sp>
       <p:sp>
         <p:nvSpPr>
-          <p:cNvPr id="310" name="CustomShape 3"/>
+          <p:cNvPr id="274" name="CustomShape 3"/>
           <p:cNvSpPr/>
           <p:nvPr/>
         </p:nvSpPr>
         <p:spPr>
           <a:xfrm>
             <a:off x="5505840" y="3619440"/>
-            <a:ext cx="1554480" cy="457200"/>
+            <a:ext cx="1554120" cy="456840"/>
           </a:xfrm>
           <a:prstGeom prst="rect">
             <a:avLst/>
@@ -13219,7 +11851,11 @@
         <p:txBody>
           <a:bodyPr lIns="90000" rIns="90000" tIns="91440" bIns="91440"/>
           <a:p>
-            <a:pPr algn="r"/>
+            <a:pPr algn="r">
+              <a:lnSpc>
+                <a:spcPct val="100000"/>
+              </a:lnSpc>
+            </a:pPr>
             <a:r>
               <a:rPr b="1" lang="en-US" sz="1500" spc="-1" strike="noStrike">
                 <a:solidFill>
@@ -13231,11 +11867,7 @@
               <a:t>Team 42 Chains</a:t>
             </a:r>
             <a:endParaRPr b="0" lang="en-US" sz="1500" spc="-1" strike="noStrike">
-              <a:solidFill>
-                <a:srgbClr val="2a6099"/>
-              </a:solidFill>
-              <a:latin typeface="Arial"/>
-              <a:ea typeface="Arial"/>
+              <a:latin typeface="Arial"/>
             </a:endParaRPr>
           </a:p>
         </p:txBody>
@@ -13343,7 +11975,9 @@
     <p:bg>
       <p:bgPr>
         <a:solidFill>
-          <a:srgbClr val="ffffff"/>
+          <a:srgbClr val="ffffff">
+            <a:alpha val="73000"/>
+          </a:srgbClr>
         </a:solidFill>
       </p:bgPr>
     </p:bg>
@@ -13363,14 +11997,14 @@
       </p:grpSpPr>
       <p:sp>
         <p:nvSpPr>
-          <p:cNvPr id="333" name="CustomShape 1"/>
+          <p:cNvPr id="297" name="CustomShape 1"/>
           <p:cNvSpPr/>
           <p:nvPr/>
         </p:nvSpPr>
         <p:spPr>
           <a:xfrm>
             <a:off x="914400" y="3200400"/>
-            <a:ext cx="4937760" cy="1097280"/>
+            <a:ext cx="4937400" cy="1096920"/>
           </a:xfrm>
           <a:prstGeom prst="rect">
             <a:avLst/>
@@ -13389,7 +12023,7 @@
         <p:txBody>
           <a:bodyPr lIns="90000" rIns="90000" tIns="91440" bIns="91440"/>
           <a:p>
-            <a:pPr marL="457200" indent="-380160">
+            <a:pPr marL="457200" indent="-379800">
               <a:lnSpc>
                 <a:spcPct val="90000"/>
               </a:lnSpc>
@@ -13465,14 +12099,14 @@
       </p:sp>
       <p:sp>
         <p:nvSpPr>
-          <p:cNvPr id="334" name="CustomShape 2"/>
+          <p:cNvPr id="298" name="CustomShape 2"/>
           <p:cNvSpPr/>
           <p:nvPr/>
         </p:nvSpPr>
         <p:spPr>
           <a:xfrm>
             <a:off x="8556840" y="4749840"/>
-            <a:ext cx="547920" cy="392760"/>
+            <a:ext cx="547560" cy="392400"/>
           </a:xfrm>
           <a:prstGeom prst="rect">
             <a:avLst/>
@@ -13496,14 +12130,15 @@
                 <a:spcPct val="100000"/>
               </a:lnSpc>
             </a:pPr>
-            <a:fld id="{2B41DEEF-904C-4515-822C-F4610D88F766}" type="slidenum">
+            <a:fld id="{867CB3E1-63A6-40E6-9B1E-436534B4BEBC}" type="slidenum">
               <a:rPr b="0" lang="en-US" sz="900" spc="-1" strike="noStrike">
                 <a:solidFill>
                   <a:srgbClr val="8b8b8b"/>
                 </a:solidFill>
                 <a:latin typeface="Calibri"/>
+                <a:ea typeface="DejaVu Sans"/>
               </a:rPr>
-              <a:t>4</a:t>
+              <a:t>&lt;number&gt;</a:t>
             </a:fld>
             <a:endParaRPr b="0" lang="en-US" sz="900" spc="-1" strike="noStrike">
               <a:latin typeface="Arial"/>
@@ -13513,21 +12148,19 @@
       </p:sp>
       <p:pic>
         <p:nvPicPr>
-          <p:cNvPr id="335" name="" descr=""/>
+          <p:cNvPr id="299" name="" descr=""/>
           <p:cNvPicPr/>
           <p:nvPr/>
         </p:nvPicPr>
         <p:blipFill>
-          <a:blip r:embed="rId1">
-            <a:lum bright="19000" contrast="-31000"/>
-          </a:blip>
+          <a:blip r:embed="rId1"/>
           <a:srcRect l="1859" t="30679" r="0" b="0"/>
           <a:stretch/>
         </p:blipFill>
         <p:spPr>
           <a:xfrm>
             <a:off x="3566160" y="0"/>
-            <a:ext cx="5572800" cy="2560320"/>
+            <a:ext cx="5572440" cy="2559960"/>
           </a:xfrm>
           <a:prstGeom prst="rect">
             <a:avLst/>
@@ -13539,7 +12172,7 @@
       </p:pic>
       <p:pic>
         <p:nvPicPr>
-          <p:cNvPr id="336" name="" descr=""/>
+          <p:cNvPr id="300" name="" descr=""/>
           <p:cNvPicPr/>
           <p:nvPr/>
         </p:nvPicPr>
@@ -13550,7 +12183,7 @@
         <p:spPr>
           <a:xfrm>
             <a:off x="0" y="0"/>
-            <a:ext cx="5506560" cy="3086640"/>
+            <a:ext cx="5506200" cy="3086280"/>
           </a:xfrm>
           <a:prstGeom prst="rect">
             <a:avLst/>
@@ -13562,7 +12195,7 @@
       </p:pic>
       <p:sp>
         <p:nvSpPr>
-          <p:cNvPr id="337" name="Line 3"/>
+          <p:cNvPr id="301" name="Line 3"/>
           <p:cNvSpPr/>
           <p:nvPr/>
         </p:nvSpPr>
@@ -13691,7 +12324,9 @@
     <p:bg>
       <p:bgPr>
         <a:solidFill>
-          <a:srgbClr val="ffffff"/>
+          <a:srgbClr val="ffffff">
+            <a:alpha val="73000"/>
+          </a:srgbClr>
         </a:solidFill>
       </p:bgPr>
     </p:bg>
@@ -13711,7 +12346,7 @@
       </p:grpSpPr>
       <p:pic>
         <p:nvPicPr>
-          <p:cNvPr id="338" name="" descr=""/>
+          <p:cNvPr id="302" name="" descr=""/>
           <p:cNvPicPr/>
           <p:nvPr/>
         </p:nvPicPr>
@@ -13723,7 +12358,7 @@
         <p:spPr>
           <a:xfrm>
             <a:off x="3657600" y="0"/>
-            <a:ext cx="5486040" cy="3061080"/>
+            <a:ext cx="5485680" cy="3060720"/>
           </a:xfrm>
           <a:prstGeom prst="rect">
             <a:avLst/>
@@ -13735,14 +12370,14 @@
       </p:pic>
       <p:sp>
         <p:nvSpPr>
-          <p:cNvPr id="339" name="CustomShape 1"/>
+          <p:cNvPr id="303" name="CustomShape 1"/>
           <p:cNvSpPr/>
           <p:nvPr/>
         </p:nvSpPr>
         <p:spPr>
           <a:xfrm>
             <a:off x="914400" y="3200400"/>
-            <a:ext cx="4937760" cy="1097280"/>
+            <a:ext cx="4937400" cy="1096920"/>
           </a:xfrm>
           <a:prstGeom prst="rect">
             <a:avLst/>
@@ -13761,7 +12396,7 @@
         <p:txBody>
           <a:bodyPr lIns="90000" rIns="90000" tIns="91440" bIns="91440"/>
           <a:p>
-            <a:pPr marL="457200" indent="-380160">
+            <a:pPr marL="457200" indent="-379800">
               <a:lnSpc>
                 <a:spcPct val="90000"/>
               </a:lnSpc>
@@ -13837,14 +12472,14 @@
       </p:sp>
       <p:sp>
         <p:nvSpPr>
-          <p:cNvPr id="340" name="CustomShape 2"/>
+          <p:cNvPr id="304" name="CustomShape 2"/>
           <p:cNvSpPr/>
           <p:nvPr/>
         </p:nvSpPr>
         <p:spPr>
           <a:xfrm>
             <a:off x="8556840" y="4749840"/>
-            <a:ext cx="547920" cy="392760"/>
+            <a:ext cx="547560" cy="392400"/>
           </a:xfrm>
           <a:prstGeom prst="rect">
             <a:avLst/>
@@ -13868,14 +12503,15 @@
                 <a:spcPct val="100000"/>
               </a:lnSpc>
             </a:pPr>
-            <a:fld id="{46F8724C-2C36-4647-B839-1E228AA847F3}" type="slidenum">
+            <a:fld id="{D1B19066-E323-46CE-A6AE-259B1AC73001}" type="slidenum">
               <a:rPr b="0" lang="en-US" sz="900" spc="-1" strike="noStrike">
                 <a:solidFill>
                   <a:srgbClr val="8b8b8b"/>
                 </a:solidFill>
                 <a:latin typeface="Calibri"/>
+                <a:ea typeface="DejaVu Sans"/>
               </a:rPr>
-              <a:t>4</a:t>
+              <a:t>&lt;number&gt;</a:t>
             </a:fld>
             <a:endParaRPr b="0" lang="en-US" sz="900" spc="-1" strike="noStrike">
               <a:latin typeface="Arial"/>
@@ -13929,7 +12565,9 @@
     <p:bg>
       <p:bgPr>
         <a:solidFill>
-          <a:srgbClr val="ffffff"/>
+          <a:srgbClr val="ffffff">
+            <a:alpha val="73000"/>
+          </a:srgbClr>
         </a:solidFill>
       </p:bgPr>
     </p:bg>
@@ -13949,14 +12587,14 @@
       </p:grpSpPr>
       <p:sp>
         <p:nvSpPr>
-          <p:cNvPr id="341" name="CustomShape 1"/>
+          <p:cNvPr id="305" name="CustomShape 1"/>
           <p:cNvSpPr/>
           <p:nvPr/>
         </p:nvSpPr>
         <p:spPr>
           <a:xfrm>
             <a:off x="8556840" y="4749840"/>
-            <a:ext cx="547920" cy="392760"/>
+            <a:ext cx="547560" cy="392400"/>
           </a:xfrm>
           <a:prstGeom prst="rect">
             <a:avLst/>
@@ -13980,14 +12618,15 @@
                 <a:spcPct val="100000"/>
               </a:lnSpc>
             </a:pPr>
-            <a:fld id="{51DB3921-4EB7-44F8-B41D-C69176169C4F}" type="slidenum">
+            <a:fld id="{300D9971-AC9F-41CE-A7C8-0C14705285BA}" type="slidenum">
               <a:rPr b="0" lang="en-US" sz="900" spc="-1" strike="noStrike">
                 <a:solidFill>
                   <a:srgbClr val="8b8b8b"/>
                 </a:solidFill>
                 <a:latin typeface="Calibri"/>
+                <a:ea typeface="DejaVu Sans"/>
               </a:rPr>
-              <a:t>4</a:t>
+              <a:t>&lt;number&gt;</a:t>
             </a:fld>
             <a:endParaRPr b="0" lang="en-US" sz="900" spc="-1" strike="noStrike">
               <a:latin typeface="Arial"/>
@@ -14038,18 +12677,6 @@
 <file path=ppt/slides/slide15.xml><?xml version="1.0" encoding="utf-8"?>
 <p:sld xmlns:a="http://schemas.openxmlformats.org/drawingml/2006/main" xmlns:p="http://schemas.openxmlformats.org/presentationml/2006/main" xmlns:r="http://schemas.openxmlformats.org/officeDocument/2006/relationships" xmlns:p14="http://schemas.microsoft.com/office/powerpoint/2010/main" xmlns:p15="http://schemas.microsoft.com/office/powerpoint/2012/main" xmlns:mc="http://schemas.openxmlformats.org/markup-compatibility/2006">
   <p:cSld>
-    <p:bg>
-      <p:bgPr>
-        <a:blipFill rotWithShape="0">
-          <a:blip r:embed="rId1">
-            <a:alphaModFix amt="73000"/>
-          </a:blip>
-          <a:stretch>
-            <a:fillRect/>
-          </a:stretch>
-        </a:blipFill>
-      </p:bgPr>
-    </p:bg>
     <p:spTree>
       <p:nvGrpSpPr>
         <p:cNvPr id="1" name=""/>
@@ -14066,14 +12693,14 @@
       </p:grpSpPr>
       <p:sp>
         <p:nvSpPr>
-          <p:cNvPr id="342" name="CustomShape 1"/>
+          <p:cNvPr id="306" name="CustomShape 1"/>
           <p:cNvSpPr/>
           <p:nvPr/>
         </p:nvSpPr>
         <p:spPr>
           <a:xfrm>
-            <a:off x="0" y="315360"/>
-            <a:ext cx="3972240" cy="1423080"/>
+            <a:off x="0" y="0"/>
+            <a:ext cx="7885800" cy="993240"/>
           </a:xfrm>
           <a:prstGeom prst="rect">
             <a:avLst/>
@@ -14090,38 +12717,39 @@
           <a:fontRef idx="minor"/>
         </p:style>
         <p:txBody>
-          <a:bodyPr lIns="90000" rIns="90000" tIns="91440" bIns="91440" anchor="b"/>
-          <a:p>
-            <a:pPr>
+          <a:bodyPr lIns="90000" rIns="90000" tIns="45000" bIns="45000" anchor="ctr"/>
+          <a:p>
+            <a:pPr algn="r">
               <a:lnSpc>
                 <a:spcPct val="90000"/>
               </a:lnSpc>
             </a:pPr>
             <a:r>
-              <a:rPr b="1" lang="en-US" sz="5400" spc="-1" strike="noStrike">
+              <a:rPr b="1" lang="en-US" sz="3300" spc="-1" strike="noStrike">
                 <a:solidFill>
-                  <a:srgbClr val="f67031"/>
+                  <a:srgbClr val="2a6099"/>
                 </a:solidFill>
                 <a:latin typeface="Calibri Light"/>
+                <a:ea typeface="DejaVu Sans"/>
               </a:rPr>
-              <a:t>The Opportunity</a:t>
+              <a:t>Key Technological usages</a:t>
             </a:r>
-            <a:endParaRPr b="0" lang="en-US" sz="5400" spc="-1" strike="noStrike">
-              <a:latin typeface="Arial"/>
-            </a:endParaRPr>
-          </a:p>
-        </p:txBody>
-      </p:sp>
-      <p:sp>
-        <p:nvSpPr>
-          <p:cNvPr id="343" name="CustomShape 2"/>
+            <a:endParaRPr b="0" lang="en-US" sz="3300" spc="-1" strike="noStrike">
+              <a:latin typeface="Arial"/>
+            </a:endParaRPr>
+          </a:p>
+        </p:txBody>
+      </p:sp>
+      <p:sp>
+        <p:nvSpPr>
+          <p:cNvPr id="307" name="CustomShape 2"/>
           <p:cNvSpPr/>
           <p:nvPr/>
         </p:nvSpPr>
         <p:spPr>
           <a:xfrm>
-            <a:off x="0" y="1791720"/>
-            <a:ext cx="2931840" cy="784080"/>
+            <a:off x="0" y="1063080"/>
+            <a:ext cx="9142920" cy="3724560"/>
           </a:xfrm>
           <a:prstGeom prst="rect">
             <a:avLst/>
@@ -14138,72 +12766,30 @@
           <a:fontRef idx="minor"/>
         </p:style>
         <p:txBody>
-          <a:bodyPr lIns="90000" rIns="90000" tIns="91440" bIns="91440"/>
-          <a:p>
-            <a:pPr marL="171360" indent="-170640">
+          <a:bodyPr lIns="90000" rIns="90000" tIns="45000" bIns="45000"/>
+          <a:p>
+            <a:pPr>
               <a:lnSpc>
                 <a:spcPct val="90000"/>
               </a:lnSpc>
+              <a:spcBef>
+                <a:spcPts val="751"/>
+              </a:spcBef>
             </a:pPr>
-            <a:r>
-              <a:rPr b="1" i="1" lang="en-US" sz="2000" spc="-1" strike="noStrike">
-                <a:solidFill>
-                  <a:srgbClr val="ffffff"/>
-                </a:solidFill>
-                <a:latin typeface="Georgia"/>
-                <a:ea typeface="Georgia"/>
-              </a:rPr>
-              <a:t>The background, problem and our solution</a:t>
-            </a:r>
-            <a:endParaRPr b="0" lang="en-US" sz="2000" spc="-1" strike="noStrike">
-              <a:latin typeface="Arial"/>
-            </a:endParaRPr>
-          </a:p>
-        </p:txBody>
-      </p:sp>
-      <p:sp>
-        <p:nvSpPr>
-          <p:cNvPr id="344" name="CustomShape 3"/>
-          <p:cNvSpPr/>
-          <p:nvPr/>
-        </p:nvSpPr>
-        <p:spPr>
-          <a:xfrm>
-            <a:off x="8556840" y="4749840"/>
-            <a:ext cx="547920" cy="392760"/>
-          </a:xfrm>
-          <a:prstGeom prst="rect">
-            <a:avLst/>
-          </a:prstGeom>
-          <a:noFill/>
-          <a:ln>
-            <a:noFill/>
-          </a:ln>
-        </p:spPr>
-        <p:style>
-          <a:lnRef idx="0"/>
-          <a:fillRef idx="0"/>
-          <a:effectRef idx="0"/>
-          <a:fontRef idx="minor"/>
-        </p:style>
-        <p:txBody>
-          <a:bodyPr lIns="90000" rIns="90000" tIns="91440" bIns="91440" anchor="ctr"/>
-          <a:p>
-            <a:pPr algn="r">
+            <a:endParaRPr b="0" lang="en-US" sz="1800" spc="-1" strike="noStrike">
+              <a:latin typeface="Arial"/>
+            </a:endParaRPr>
+          </a:p>
+          <a:p>
+            <a:pPr>
               <a:lnSpc>
-                <a:spcPct val="100000"/>
+                <a:spcPct val="90000"/>
               </a:lnSpc>
+              <a:spcBef>
+                <a:spcPts val="751"/>
+              </a:spcBef>
             </a:pPr>
-            <a:fld id="{29483BF3-8874-4E00-8117-187865DC6270}" type="slidenum">
-              <a:rPr b="0" lang="en-US" sz="900" spc="-1" strike="noStrike">
-                <a:solidFill>
-                  <a:srgbClr val="8b8b8b"/>
-                </a:solidFill>
-                <a:latin typeface="Calibri"/>
-              </a:rPr>
-              <a:t>4</a:t>
-            </a:fld>
-            <a:endParaRPr b="0" lang="en-US" sz="900" spc="-1" strike="noStrike">
+            <a:endParaRPr b="0" lang="en-US" sz="1800" spc="-1" strike="noStrike">
               <a:latin typeface="Arial"/>
             </a:endParaRPr>
           </a:p>
@@ -14268,177 +12854,14 @@
       </p:grpSpPr>
       <p:sp>
         <p:nvSpPr>
-          <p:cNvPr id="345" name="CustomShape 1"/>
+          <p:cNvPr id="308" name="CustomShape 1"/>
           <p:cNvSpPr/>
           <p:nvPr/>
         </p:nvSpPr>
         <p:spPr>
           <a:xfrm>
-            <a:off x="0" y="0"/>
-            <a:ext cx="7886160" cy="993600"/>
-          </a:xfrm>
-          <a:prstGeom prst="rect">
-            <a:avLst/>
-          </a:prstGeom>
-          <a:noFill/>
-          <a:ln>
-            <a:noFill/>
-          </a:ln>
-        </p:spPr>
-        <p:style>
-          <a:lnRef idx="0"/>
-          <a:fillRef idx="0"/>
-          <a:effectRef idx="0"/>
-          <a:fontRef idx="minor"/>
-        </p:style>
-        <p:txBody>
-          <a:bodyPr lIns="90000" rIns="90000" tIns="45000" bIns="45000" anchor="ctr"/>
-          <a:p>
-            <a:pPr algn="r">
-              <a:lnSpc>
-                <a:spcPct val="90000"/>
-              </a:lnSpc>
-            </a:pPr>
-            <a:r>
-              <a:rPr b="1" lang="en-US" sz="3300" spc="-1" strike="noStrike">
-                <a:solidFill>
-                  <a:srgbClr val="2a6099"/>
-                </a:solidFill>
-                <a:latin typeface="Calibri Light"/>
-              </a:rPr>
-              <a:t>Key Technological usages</a:t>
-            </a:r>
-            <a:endParaRPr b="0" lang="en-US" sz="3300" spc="-1" strike="noStrike">
-              <a:solidFill>
-                <a:srgbClr val="2a6099"/>
-              </a:solidFill>
-              <a:latin typeface="Arial"/>
-            </a:endParaRPr>
-          </a:p>
-        </p:txBody>
-      </p:sp>
-      <p:sp>
-        <p:nvSpPr>
-          <p:cNvPr id="346" name="CustomShape 2"/>
-          <p:cNvSpPr/>
-          <p:nvPr/>
-        </p:nvSpPr>
-        <p:spPr>
-          <a:xfrm>
-            <a:off x="0" y="1063080"/>
-            <a:ext cx="9143280" cy="3724920"/>
-          </a:xfrm>
-          <a:prstGeom prst="rect">
-            <a:avLst/>
-          </a:prstGeom>
-          <a:noFill/>
-          <a:ln>
-            <a:noFill/>
-          </a:ln>
-        </p:spPr>
-        <p:style>
-          <a:lnRef idx="0"/>
-          <a:fillRef idx="0"/>
-          <a:effectRef idx="0"/>
-          <a:fontRef idx="minor"/>
-        </p:style>
-        <p:txBody>
-          <a:bodyPr lIns="90000" rIns="90000" tIns="45000" bIns="45000"/>
-          <a:p>
-            <a:pPr>
-              <a:lnSpc>
-                <a:spcPct val="90000"/>
-              </a:lnSpc>
-              <a:spcBef>
-                <a:spcPts val="751"/>
-              </a:spcBef>
-            </a:pPr>
-            <a:endParaRPr b="0" lang="en-US" sz="1800" spc="-1" strike="noStrike">
-              <a:latin typeface="Arial"/>
-            </a:endParaRPr>
-          </a:p>
-          <a:p>
-            <a:pPr>
-              <a:lnSpc>
-                <a:spcPct val="90000"/>
-              </a:lnSpc>
-              <a:spcBef>
-                <a:spcPts val="751"/>
-              </a:spcBef>
-            </a:pPr>
-            <a:endParaRPr b="0" lang="en-US" sz="1800" spc="-1" strike="noStrike">
-              <a:latin typeface="Arial"/>
-            </a:endParaRPr>
-          </a:p>
-        </p:txBody>
-      </p:sp>
-    </p:spTree>
-  </p:cSld>
-  <mc:AlternateContent>
-    <mc:Choice Requires="p14">
-      <p:transition spd="slow" p14:dur="2000"/>
-    </mc:Choice>
-    <mc:Fallback>
-      <p:transition spd="slow"/>
-    </mc:Fallback>
-  </mc:AlternateContent>
-  <p:timing>
-    <p:tnLst>
-      <p:par>
-        <p:cTn id="31" dur="indefinite" restart="never" nodeType="tmRoot">
-          <p:childTnLst>
-            <p:seq>
-              <p:cTn id="32" dur="indefinite" nodeType="mainSeq"/>
-              <p:prevCondLst>
-                <p:cond delay="0" evt="onPrev">
-                  <p:tgtEl>
-                    <p:sldTgt/>
-                  </p:tgtEl>
-                </p:cond>
-              </p:prevCondLst>
-              <p:nextCondLst>
-                <p:cond delay="0" evt="onNext">
-                  <p:tgtEl>
-                    <p:sldTgt/>
-                  </p:tgtEl>
-                </p:cond>
-              </p:nextCondLst>
-            </p:seq>
-          </p:childTnLst>
-        </p:cTn>
-      </p:par>
-    </p:tnLst>
-  </p:timing>
-</p:sld>
-</file>
-
-<file path=ppt/slides/slide17.xml><?xml version="1.0" encoding="utf-8"?>
-<p:sld xmlns:a="http://schemas.openxmlformats.org/drawingml/2006/main" xmlns:p="http://schemas.openxmlformats.org/presentationml/2006/main" xmlns:r="http://schemas.openxmlformats.org/officeDocument/2006/relationships" xmlns:p14="http://schemas.microsoft.com/office/powerpoint/2010/main" xmlns:p15="http://schemas.microsoft.com/office/powerpoint/2012/main" xmlns:mc="http://schemas.openxmlformats.org/markup-compatibility/2006">
-  <p:cSld>
-    <p:spTree>
-      <p:nvGrpSpPr>
-        <p:cNvPr id="1" name=""/>
-        <p:cNvGrpSpPr/>
-        <p:nvPr/>
-      </p:nvGrpSpPr>
-      <p:grpSpPr>
-        <a:xfrm>
-          <a:off x="0" y="0"/>
-          <a:ext cx="0" cy="0"/>
-          <a:chOff x="0" y="0"/>
-          <a:chExt cx="0" cy="0"/>
-        </a:xfrm>
-      </p:grpSpPr>
-      <p:sp>
-        <p:nvSpPr>
-          <p:cNvPr id="347" name="CustomShape 1"/>
-          <p:cNvSpPr/>
-          <p:nvPr/>
-        </p:nvSpPr>
-        <p:spPr>
-          <a:xfrm>
             <a:off x="628560" y="273960"/>
-            <a:ext cx="7886160" cy="993600"/>
+            <a:ext cx="7885800" cy="993240"/>
           </a:xfrm>
           <a:prstGeom prst="rect">
             <a:avLst/>
@@ -14468,13 +12891,11 @@
                   <a:srgbClr val="2a6099"/>
                 </a:solidFill>
                 <a:latin typeface="Calibri Light"/>
+                <a:ea typeface="DejaVu Sans"/>
               </a:rPr>
               <a:t>PEST Diagram</a:t>
             </a:r>
             <a:endParaRPr b="0" lang="en-US" sz="3300" spc="-1" strike="noStrike">
-              <a:solidFill>
-                <a:srgbClr val="2a6099"/>
-              </a:solidFill>
               <a:latin typeface="Arial"/>
             </a:endParaRPr>
           </a:p>
@@ -14482,28 +12903,28 @@
       </p:sp>
       <p:grpSp>
         <p:nvGrpSpPr>
-          <p:cNvPr id="348" name="Group 2"/>
+          <p:cNvPr id="309" name="Group 2"/>
           <p:cNvGrpSpPr/>
           <p:nvPr/>
         </p:nvGrpSpPr>
         <p:grpSpPr>
           <a:xfrm>
             <a:off x="2295000" y="1267920"/>
-            <a:ext cx="4434480" cy="3604320"/>
+            <a:ext cx="4434120" cy="3603960"/>
             <a:chOff x="2295000" y="1267920"/>
-            <a:chExt cx="4434480" cy="3604320"/>
+            <a:chExt cx="4434120" cy="3603960"/>
           </a:xfrm>
         </p:grpSpPr>
         <p:sp>
           <p:nvSpPr>
-            <p:cNvPr id="349" name="CustomShape 3"/>
+            <p:cNvPr id="310" name="CustomShape 3"/>
             <p:cNvSpPr/>
             <p:nvPr/>
           </p:nvSpPr>
           <p:spPr>
             <a:xfrm>
               <a:off x="2295000" y="1267920"/>
-              <a:ext cx="1666800" cy="1990080"/>
+              <a:ext cx="1666440" cy="1989720"/>
             </a:xfrm>
             <a:custGeom>
               <a:avLst/>
@@ -14601,14 +13022,14 @@
         </p:sp>
         <p:sp>
           <p:nvSpPr>
-            <p:cNvPr id="350" name="CustomShape 4"/>
+            <p:cNvPr id="311" name="CustomShape 4"/>
             <p:cNvSpPr/>
             <p:nvPr/>
           </p:nvSpPr>
           <p:spPr>
             <a:xfrm>
               <a:off x="4142880" y="1267920"/>
-              <a:ext cx="1665000" cy="1990080"/>
+              <a:ext cx="1664640" cy="1989720"/>
             </a:xfrm>
             <a:custGeom>
               <a:avLst/>
@@ -14705,14 +13126,14 @@
         </p:sp>
         <p:sp>
           <p:nvSpPr>
-            <p:cNvPr id="351" name="CustomShape 5"/>
+            <p:cNvPr id="312" name="CustomShape 5"/>
             <p:cNvSpPr/>
             <p:nvPr/>
           </p:nvSpPr>
           <p:spPr>
             <a:xfrm>
               <a:off x="3216240" y="2883960"/>
-              <a:ext cx="1666800" cy="1988280"/>
+              <a:ext cx="1666440" cy="1987920"/>
             </a:xfrm>
             <a:custGeom>
               <a:avLst/>
@@ -14807,14 +13228,14 @@
         </p:sp>
         <p:sp>
           <p:nvSpPr>
-            <p:cNvPr id="352" name="CustomShape 6"/>
+            <p:cNvPr id="313" name="CustomShape 6"/>
             <p:cNvSpPr/>
             <p:nvPr/>
           </p:nvSpPr>
           <p:spPr>
             <a:xfrm>
               <a:off x="5062680" y="2883960"/>
-              <a:ext cx="1666800" cy="1988280"/>
+              <a:ext cx="1666440" cy="1987920"/>
             </a:xfrm>
             <a:custGeom>
               <a:avLst/>
@@ -14910,28 +13331,28 @@
       </p:grpSp>
       <p:grpSp>
         <p:nvGrpSpPr>
-          <p:cNvPr id="353" name="Group 7"/>
+          <p:cNvPr id="314" name="Group 7"/>
           <p:cNvGrpSpPr/>
           <p:nvPr/>
         </p:nvGrpSpPr>
         <p:grpSpPr>
           <a:xfrm>
             <a:off x="6908760" y="3264120"/>
-            <a:ext cx="1827360" cy="523080"/>
+            <a:ext cx="1827000" cy="522720"/>
             <a:chOff x="6908760" y="3264120"/>
-            <a:chExt cx="1827360" cy="523080"/>
+            <a:chExt cx="1827000" cy="522720"/>
           </a:xfrm>
         </p:grpSpPr>
         <p:sp>
           <p:nvSpPr>
-            <p:cNvPr id="354" name="CustomShape 8"/>
+            <p:cNvPr id="315" name="CustomShape 8"/>
             <p:cNvSpPr/>
             <p:nvPr/>
           </p:nvSpPr>
           <p:spPr>
             <a:xfrm>
               <a:off x="6908760" y="3264120"/>
-              <a:ext cx="1827360" cy="333360"/>
+              <a:ext cx="1827000" cy="333000"/>
             </a:xfrm>
             <a:prstGeom prst="rect">
               <a:avLst/>
@@ -14973,14 +13394,14 @@
         </p:sp>
         <p:sp>
           <p:nvSpPr>
-            <p:cNvPr id="355" name="CustomShape 9"/>
+            <p:cNvPr id="316" name="CustomShape 9"/>
             <p:cNvSpPr/>
             <p:nvPr/>
           </p:nvSpPr>
           <p:spPr>
             <a:xfrm>
               <a:off x="6913080" y="3580200"/>
-              <a:ext cx="1647000" cy="207000"/>
+              <a:ext cx="1646640" cy="206640"/>
             </a:xfrm>
             <a:prstGeom prst="rect">
               <a:avLst/>
@@ -15000,28 +13421,28 @@
       </p:grpSp>
       <p:grpSp>
         <p:nvGrpSpPr>
-          <p:cNvPr id="356" name="Group 10"/>
+          <p:cNvPr id="317" name="Group 10"/>
           <p:cNvGrpSpPr/>
           <p:nvPr/>
         </p:nvGrpSpPr>
         <p:grpSpPr>
           <a:xfrm>
             <a:off x="1392840" y="3590640"/>
-            <a:ext cx="1678320" cy="333360"/>
+            <a:ext cx="1677960" cy="333000"/>
             <a:chOff x="1392840" y="3590640"/>
-            <a:chExt cx="1678320" cy="333360"/>
+            <a:chExt cx="1677960" cy="333000"/>
           </a:xfrm>
         </p:grpSpPr>
         <p:sp>
           <p:nvSpPr>
-            <p:cNvPr id="357" name="CustomShape 11"/>
+            <p:cNvPr id="318" name="CustomShape 11"/>
             <p:cNvSpPr/>
             <p:nvPr/>
           </p:nvSpPr>
           <p:spPr>
             <a:xfrm>
               <a:off x="1419840" y="3590640"/>
-              <a:ext cx="1651320" cy="333360"/>
+              <a:ext cx="1650960" cy="333000"/>
             </a:xfrm>
             <a:prstGeom prst="rect">
               <a:avLst/>
@@ -15063,14 +13484,14 @@
         </p:sp>
         <p:sp>
           <p:nvSpPr>
-            <p:cNvPr id="358" name="CustomShape 12"/>
+            <p:cNvPr id="319" name="CustomShape 12"/>
             <p:cNvSpPr/>
             <p:nvPr/>
           </p:nvSpPr>
           <p:spPr>
             <a:xfrm>
               <a:off x="1392840" y="3623040"/>
-              <a:ext cx="1647000" cy="207000"/>
+              <a:ext cx="1646640" cy="206640"/>
             </a:xfrm>
             <a:prstGeom prst="rect">
               <a:avLst/>
@@ -15090,28 +13511,28 @@
       </p:grpSp>
       <p:grpSp>
         <p:nvGrpSpPr>
-          <p:cNvPr id="359" name="Group 13"/>
+          <p:cNvPr id="320" name="Group 13"/>
           <p:cNvGrpSpPr/>
           <p:nvPr/>
         </p:nvGrpSpPr>
         <p:grpSpPr>
           <a:xfrm>
             <a:off x="5985000" y="1558440"/>
-            <a:ext cx="1651320" cy="523440"/>
+            <a:ext cx="1650960" cy="523080"/>
             <a:chOff x="5985000" y="1558440"/>
-            <a:chExt cx="1651320" cy="523440"/>
+            <a:chExt cx="1650960" cy="523080"/>
           </a:xfrm>
         </p:grpSpPr>
         <p:sp>
           <p:nvSpPr>
-            <p:cNvPr id="360" name="CustomShape 14"/>
+            <p:cNvPr id="321" name="CustomShape 14"/>
             <p:cNvSpPr/>
             <p:nvPr/>
           </p:nvSpPr>
           <p:spPr>
             <a:xfrm>
               <a:off x="5985000" y="1558440"/>
-              <a:ext cx="1651320" cy="333360"/>
+              <a:ext cx="1650960" cy="333000"/>
             </a:xfrm>
             <a:prstGeom prst="rect">
               <a:avLst/>
@@ -15153,14 +13574,14 @@
         </p:sp>
         <p:sp>
           <p:nvSpPr>
-            <p:cNvPr id="361" name="CustomShape 15"/>
+            <p:cNvPr id="322" name="CustomShape 15"/>
             <p:cNvSpPr/>
             <p:nvPr/>
           </p:nvSpPr>
           <p:spPr>
             <a:xfrm>
               <a:off x="5989320" y="1874880"/>
-              <a:ext cx="1647000" cy="207000"/>
+              <a:ext cx="1646640" cy="206640"/>
             </a:xfrm>
             <a:prstGeom prst="rect">
               <a:avLst/>
@@ -15180,28 +13601,28 @@
       </p:grpSp>
       <p:grpSp>
         <p:nvGrpSpPr>
-          <p:cNvPr id="362" name="Group 16"/>
+          <p:cNvPr id="323" name="Group 16"/>
           <p:cNvGrpSpPr/>
           <p:nvPr/>
         </p:nvGrpSpPr>
         <p:grpSpPr>
           <a:xfrm>
             <a:off x="208800" y="1458720"/>
-            <a:ext cx="1909080" cy="2414160"/>
+            <a:ext cx="1908720" cy="2413800"/>
             <a:chOff x="208800" y="1458720"/>
-            <a:chExt cx="1909080" cy="2414160"/>
+            <a:chExt cx="1908720" cy="2413800"/>
           </a:xfrm>
         </p:grpSpPr>
         <p:sp>
           <p:nvSpPr>
-            <p:cNvPr id="363" name="CustomShape 17"/>
+            <p:cNvPr id="324" name="CustomShape 17"/>
             <p:cNvSpPr/>
             <p:nvPr/>
           </p:nvSpPr>
           <p:spPr>
             <a:xfrm>
               <a:off x="208800" y="1458720"/>
-              <a:ext cx="1909080" cy="333360"/>
+              <a:ext cx="1908720" cy="333000"/>
             </a:xfrm>
             <a:prstGeom prst="rect">
               <a:avLst/>
@@ -15243,14 +13664,14 @@
         </p:sp>
         <p:sp>
           <p:nvSpPr>
-            <p:cNvPr id="364" name="CustomShape 18"/>
+            <p:cNvPr id="325" name="CustomShape 18"/>
             <p:cNvSpPr/>
             <p:nvPr/>
           </p:nvSpPr>
           <p:spPr>
             <a:xfrm>
               <a:off x="213840" y="1775160"/>
-              <a:ext cx="1904040" cy="2097720"/>
+              <a:ext cx="1903680" cy="2097360"/>
             </a:xfrm>
             <a:prstGeom prst="rect">
               <a:avLst/>
@@ -15269,7 +13690,7 @@
           <p:txBody>
             <a:bodyPr lIns="0" rIns="0" tIns="45000" bIns="45000"/>
             <a:p>
-              <a:pPr marL="285840" indent="-285120">
+              <a:pPr marL="285840" indent="-284760">
                 <a:lnSpc>
                   <a:spcPct val="100000"/>
                 </a:lnSpc>
@@ -15298,14 +13719,14 @@
       </p:grpSp>
       <p:sp>
         <p:nvSpPr>
-          <p:cNvPr id="365" name="CustomShape 19"/>
+          <p:cNvPr id="326" name="CustomShape 19"/>
           <p:cNvSpPr/>
           <p:nvPr/>
         </p:nvSpPr>
         <p:spPr>
           <a:xfrm>
             <a:off x="5904360" y="1878120"/>
-            <a:ext cx="2656080" cy="1459440"/>
+            <a:ext cx="2655720" cy="1459080"/>
           </a:xfrm>
           <a:prstGeom prst="rect">
             <a:avLst/>
@@ -15324,7 +13745,7 @@
         <p:txBody>
           <a:bodyPr lIns="90000" rIns="90000" tIns="45000" bIns="45000"/>
           <a:p>
-            <a:pPr marL="171360" indent="-170640">
+            <a:pPr marL="171360" indent="-170280">
               <a:lnSpc>
                 <a:spcPct val="100000"/>
               </a:lnSpc>
@@ -15349,7 +13770,7 @@
             </a:endParaRPr>
           </a:p>
           <a:p>
-            <a:pPr marL="171360" indent="-170640">
+            <a:pPr marL="171360" indent="-170280">
               <a:lnSpc>
                 <a:spcPct val="100000"/>
               </a:lnSpc>
@@ -15362,14 +13783,14 @@
       </p:sp>
       <p:sp>
         <p:nvSpPr>
-          <p:cNvPr id="366" name="CustomShape 20"/>
+          <p:cNvPr id="327" name="CustomShape 20"/>
           <p:cNvSpPr/>
           <p:nvPr/>
         </p:nvSpPr>
         <p:spPr>
           <a:xfrm>
             <a:off x="491760" y="3920760"/>
-            <a:ext cx="2775960" cy="820080"/>
+            <a:ext cx="2775600" cy="819720"/>
           </a:xfrm>
           <a:prstGeom prst="rect">
             <a:avLst/>
@@ -15388,7 +13809,7 @@
         <p:txBody>
           <a:bodyPr lIns="90000" rIns="90000" tIns="45000" bIns="45000"/>
           <a:p>
-            <a:pPr marL="171360" indent="-170640">
+            <a:pPr marL="171360" indent="-170280">
               <a:lnSpc>
                 <a:spcPct val="100000"/>
               </a:lnSpc>
@@ -15416,14 +13837,14 @@
       </p:sp>
       <p:sp>
         <p:nvSpPr>
-          <p:cNvPr id="367" name="CustomShape 21"/>
+          <p:cNvPr id="328" name="CustomShape 21"/>
           <p:cNvSpPr/>
           <p:nvPr/>
         </p:nvSpPr>
         <p:spPr>
           <a:xfrm>
             <a:off x="6811200" y="3580200"/>
-            <a:ext cx="2318040" cy="637560"/>
+            <a:ext cx="2317680" cy="637200"/>
           </a:xfrm>
           <a:prstGeom prst="rect">
             <a:avLst/>
@@ -15442,7 +13863,7 @@
         <p:txBody>
           <a:bodyPr lIns="90000" rIns="90000" tIns="45000" bIns="45000"/>
           <a:p>
-            <a:pPr marL="171360" indent="-170640">
+            <a:pPr marL="171360" indent="-170280">
               <a:lnSpc>
                 <a:spcPct val="100000"/>
               </a:lnSpc>
@@ -15467,6 +13888,148 @@
             </a:endParaRPr>
           </a:p>
         </p:txBody>
+      </p:sp>
+    </p:spTree>
+  </p:cSld>
+  <mc:AlternateContent>
+    <mc:Choice Requires="p14">
+      <p:transition spd="slow" p14:dur="2000"/>
+    </mc:Choice>
+    <mc:Fallback>
+      <p:transition spd="slow"/>
+    </mc:Fallback>
+  </mc:AlternateContent>
+  <p:timing>
+    <p:tnLst>
+      <p:par>
+        <p:cTn id="31" dur="indefinite" restart="never" nodeType="tmRoot">
+          <p:childTnLst>
+            <p:seq>
+              <p:cTn id="32" dur="indefinite" nodeType="mainSeq"/>
+              <p:prevCondLst>
+                <p:cond delay="0" evt="onPrev">
+                  <p:tgtEl>
+                    <p:sldTgt/>
+                  </p:tgtEl>
+                </p:cond>
+              </p:prevCondLst>
+              <p:nextCondLst>
+                <p:cond delay="0" evt="onNext">
+                  <p:tgtEl>
+                    <p:sldTgt/>
+                  </p:tgtEl>
+                </p:cond>
+              </p:nextCondLst>
+            </p:seq>
+          </p:childTnLst>
+        </p:cTn>
+      </p:par>
+    </p:tnLst>
+  </p:timing>
+</p:sld>
+</file>
+
+<file path=ppt/slides/slide17.xml><?xml version="1.0" encoding="utf-8"?>
+<p:sld xmlns:a="http://schemas.openxmlformats.org/drawingml/2006/main" xmlns:p="http://schemas.openxmlformats.org/presentationml/2006/main" xmlns:r="http://schemas.openxmlformats.org/officeDocument/2006/relationships" xmlns:p14="http://schemas.microsoft.com/office/powerpoint/2010/main" xmlns:p15="http://schemas.microsoft.com/office/powerpoint/2012/main" xmlns:mc="http://schemas.openxmlformats.org/markup-compatibility/2006">
+  <p:cSld>
+    <p:spTree>
+      <p:nvGrpSpPr>
+        <p:cNvPr id="1" name=""/>
+        <p:cNvGrpSpPr/>
+        <p:nvPr/>
+      </p:nvGrpSpPr>
+      <p:grpSpPr>
+        <a:xfrm>
+          <a:off x="0" y="0"/>
+          <a:ext cx="0" cy="0"/>
+          <a:chOff x="0" y="0"/>
+          <a:chExt cx="0" cy="0"/>
+        </a:xfrm>
+      </p:grpSpPr>
+      <p:sp>
+        <p:nvSpPr>
+          <p:cNvPr id="329" name="CustomShape 1"/>
+          <p:cNvSpPr/>
+          <p:nvPr/>
+        </p:nvSpPr>
+        <p:spPr>
+          <a:xfrm>
+            <a:off x="0" y="0"/>
+            <a:ext cx="8228520" cy="544680"/>
+          </a:xfrm>
+          <a:prstGeom prst="rect">
+            <a:avLst/>
+          </a:prstGeom>
+          <a:noFill/>
+          <a:ln>
+            <a:noFill/>
+          </a:ln>
+        </p:spPr>
+        <p:style>
+          <a:lnRef idx="0"/>
+          <a:fillRef idx="0"/>
+          <a:effectRef idx="0"/>
+          <a:fontRef idx="minor"/>
+        </p:style>
+        <p:txBody>
+          <a:bodyPr lIns="90000" rIns="90000" tIns="91440" bIns="91440" anchor="ctr"/>
+          <a:p>
+            <a:pPr algn="r">
+              <a:lnSpc>
+                <a:spcPct val="90000"/>
+              </a:lnSpc>
+            </a:pPr>
+            <a:r>
+              <a:rPr b="0" lang="en-US" sz="3300" spc="-1" strike="noStrike">
+                <a:solidFill>
+                  <a:srgbClr val="2a6099"/>
+                </a:solidFill>
+                <a:latin typeface="Calibri Light"/>
+                <a:ea typeface="DejaVu Sans"/>
+              </a:rPr>
+              <a:t>Five Year Strategy:</a:t>
+            </a:r>
+            <a:r>
+              <a:rPr b="0" lang="en-US" sz="3300" spc="-1" strike="noStrike">
+                <a:solidFill>
+                  <a:srgbClr val="000000"/>
+                </a:solidFill>
+                <a:latin typeface="Calibri Light"/>
+                <a:ea typeface="DejaVu Sans"/>
+              </a:rPr>
+              <a:t> </a:t>
+            </a:r>
+            <a:endParaRPr b="0" lang="en-US" sz="3300" spc="-1" strike="noStrike">
+              <a:latin typeface="Arial"/>
+            </a:endParaRPr>
+          </a:p>
+        </p:txBody>
+      </p:sp>
+      <p:sp>
+        <p:nvSpPr>
+          <p:cNvPr id="330" name="CustomShape 2"/>
+          <p:cNvSpPr/>
+          <p:nvPr/>
+        </p:nvSpPr>
+        <p:spPr>
+          <a:xfrm>
+            <a:off x="0" y="569520"/>
+            <a:ext cx="2615400" cy="3973680"/>
+          </a:xfrm>
+          <a:prstGeom prst="rect">
+            <a:avLst/>
+          </a:prstGeom>
+          <a:noFill/>
+          <a:ln>
+            <a:noFill/>
+          </a:ln>
+        </p:spPr>
+        <p:style>
+          <a:lnRef idx="0"/>
+          <a:fillRef idx="0"/>
+          <a:effectRef idx="0"/>
+          <a:fontRef idx="minor"/>
+        </p:style>
       </p:sp>
     </p:spTree>
   </p:cSld>
@@ -15527,154 +14090,14 @@
       </p:grpSpPr>
       <p:sp>
         <p:nvSpPr>
-          <p:cNvPr id="368" name="CustomShape 1"/>
+          <p:cNvPr id="331" name="CustomShape 1"/>
           <p:cNvSpPr/>
           <p:nvPr/>
         </p:nvSpPr>
         <p:spPr>
           <a:xfrm>
-            <a:off x="0" y="0"/>
-            <a:ext cx="8228880" cy="545040"/>
-          </a:xfrm>
-          <a:prstGeom prst="rect">
-            <a:avLst/>
-          </a:prstGeom>
-          <a:noFill/>
-          <a:ln>
-            <a:noFill/>
-          </a:ln>
-        </p:spPr>
-        <p:style>
-          <a:lnRef idx="0"/>
-          <a:fillRef idx="0"/>
-          <a:effectRef idx="0"/>
-          <a:fontRef idx="minor"/>
-        </p:style>
-        <p:txBody>
-          <a:bodyPr lIns="90000" rIns="90000" tIns="91440" bIns="91440" anchor="ctr"/>
-          <a:p>
-            <a:pPr algn="r">
-              <a:lnSpc>
-                <a:spcPct val="90000"/>
-              </a:lnSpc>
-            </a:pPr>
-            <a:r>
-              <a:rPr b="0" lang="en-US" sz="3300" spc="-1" strike="noStrike">
-                <a:solidFill>
-                  <a:srgbClr val="2a6099"/>
-                </a:solidFill>
-                <a:latin typeface="Calibri Light"/>
-              </a:rPr>
-              <a:t>Five Year Strategy:</a:t>
-            </a:r>
-            <a:r>
-              <a:rPr b="0" lang="en-US" sz="3300" spc="-1" strike="noStrike">
-                <a:solidFill>
-                  <a:srgbClr val="000000"/>
-                </a:solidFill>
-                <a:latin typeface="Calibri Light"/>
-              </a:rPr>
-              <a:t> </a:t>
-            </a:r>
-            <a:endParaRPr b="0" lang="en-US" sz="3300" spc="-1" strike="noStrike">
-              <a:latin typeface="Arial"/>
-            </a:endParaRPr>
-          </a:p>
-        </p:txBody>
-      </p:sp>
-      <p:sp>
-        <p:nvSpPr>
-          <p:cNvPr id="369" name="CustomShape 2"/>
-          <p:cNvSpPr/>
-          <p:nvPr/>
-        </p:nvSpPr>
-        <p:spPr>
-          <a:xfrm>
-            <a:off x="0" y="569520"/>
-            <a:ext cx="2615760" cy="3974040"/>
-          </a:xfrm>
-          <a:prstGeom prst="rect">
-            <a:avLst/>
-          </a:prstGeom>
-          <a:noFill/>
-          <a:ln>
-            <a:noFill/>
-          </a:ln>
-        </p:spPr>
-        <p:style>
-          <a:lnRef idx="0"/>
-          <a:fillRef idx="0"/>
-          <a:effectRef idx="0"/>
-          <a:fontRef idx="minor"/>
-        </p:style>
-      </p:sp>
-    </p:spTree>
-  </p:cSld>
-  <mc:AlternateContent>
-    <mc:Choice Requires="p14">
-      <p:transition spd="slow" p14:dur="2000"/>
-    </mc:Choice>
-    <mc:Fallback>
-      <p:transition spd="slow"/>
-    </mc:Fallback>
-  </mc:AlternateContent>
-  <p:timing>
-    <p:tnLst>
-      <p:par>
-        <p:cTn id="35" dur="indefinite" restart="never" nodeType="tmRoot">
-          <p:childTnLst>
-            <p:seq>
-              <p:cTn id="36" dur="indefinite" nodeType="mainSeq"/>
-              <p:prevCondLst>
-                <p:cond delay="0" evt="onPrev">
-                  <p:tgtEl>
-                    <p:sldTgt/>
-                  </p:tgtEl>
-                </p:cond>
-              </p:prevCondLst>
-              <p:nextCondLst>
-                <p:cond delay="0" evt="onNext">
-                  <p:tgtEl>
-                    <p:sldTgt/>
-                  </p:tgtEl>
-                </p:cond>
-              </p:nextCondLst>
-            </p:seq>
-          </p:childTnLst>
-        </p:cTn>
-      </p:par>
-    </p:tnLst>
-  </p:timing>
-</p:sld>
-</file>
-
-<file path=ppt/slides/slide19.xml><?xml version="1.0" encoding="utf-8"?>
-<p:sld xmlns:a="http://schemas.openxmlformats.org/drawingml/2006/main" xmlns:p="http://schemas.openxmlformats.org/presentationml/2006/main" xmlns:r="http://schemas.openxmlformats.org/officeDocument/2006/relationships" xmlns:p14="http://schemas.microsoft.com/office/powerpoint/2010/main" xmlns:p15="http://schemas.microsoft.com/office/powerpoint/2012/main" xmlns:mc="http://schemas.openxmlformats.org/markup-compatibility/2006">
-  <p:cSld>
-    <p:spTree>
-      <p:nvGrpSpPr>
-        <p:cNvPr id="1" name=""/>
-        <p:cNvGrpSpPr/>
-        <p:nvPr/>
-      </p:nvGrpSpPr>
-      <p:grpSpPr>
-        <a:xfrm>
-          <a:off x="0" y="0"/>
-          <a:ext cx="0" cy="0"/>
-          <a:chOff x="0" y="0"/>
-          <a:chExt cx="0" cy="0"/>
-        </a:xfrm>
-      </p:grpSpPr>
-      <p:sp>
-        <p:nvSpPr>
-          <p:cNvPr id="370" name="CustomShape 1"/>
-          <p:cNvSpPr/>
-          <p:nvPr/>
-        </p:nvSpPr>
-        <p:spPr>
-          <a:xfrm>
             <a:off x="3405600" y="1103400"/>
-            <a:ext cx="2012400" cy="1474920"/>
+            <a:ext cx="2012040" cy="1474560"/>
           </a:xfrm>
           <a:custGeom>
             <a:avLst/>
@@ -15773,14 +14196,14 @@
       </p:sp>
       <p:sp>
         <p:nvSpPr>
-          <p:cNvPr id="371" name="CustomShape 2"/>
+          <p:cNvPr id="332" name="CustomShape 2"/>
           <p:cNvSpPr/>
           <p:nvPr/>
         </p:nvSpPr>
         <p:spPr>
           <a:xfrm>
             <a:off x="3405600" y="2822040"/>
-            <a:ext cx="2012400" cy="1474920"/>
+            <a:ext cx="2012040" cy="1474560"/>
           </a:xfrm>
           <a:custGeom>
             <a:avLst/>
@@ -15910,14 +14333,14 @@
       </p:sp>
       <p:sp>
         <p:nvSpPr>
-          <p:cNvPr id="372" name="CustomShape 3"/>
+          <p:cNvPr id="333" name="CustomShape 3"/>
           <p:cNvSpPr/>
           <p:nvPr/>
         </p:nvSpPr>
         <p:spPr>
           <a:xfrm>
             <a:off x="352800" y="1103400"/>
-            <a:ext cx="2045520" cy="3980160"/>
+            <a:ext cx="2045160" cy="3979800"/>
           </a:xfrm>
           <a:prstGeom prst="rect">
             <a:avLst/>
@@ -15949,13 +14372,11 @@
                   <a:srgbClr val="2a6099"/>
                 </a:solidFill>
                 <a:latin typeface="Calibri Light"/>
+                <a:ea typeface="DejaVu Sans"/>
               </a:rPr>
               <a:t>Expected</a:t>
             </a:r>
             <a:endParaRPr b="0" lang="en-US" sz="2800" spc="-1" strike="noStrike">
-              <a:solidFill>
-                <a:srgbClr val="2a6099"/>
-              </a:solidFill>
               <a:latin typeface="Arial"/>
             </a:endParaRPr>
           </a:p>
@@ -15971,28 +14392,26 @@
                   <a:srgbClr val="2a6099"/>
                 </a:solidFill>
                 <a:latin typeface="Calibri Light"/>
+                <a:ea typeface="DejaVu Sans"/>
               </a:rPr>
               <a:t>Outcomes</a:t>
             </a:r>
             <a:endParaRPr b="0" lang="en-US" sz="2800" spc="-1" strike="noStrike">
-              <a:solidFill>
-                <a:srgbClr val="2a6099"/>
-              </a:solidFill>
-              <a:latin typeface="Arial"/>
-            </a:endParaRPr>
-          </a:p>
-        </p:txBody>
-      </p:sp>
-      <p:sp>
-        <p:nvSpPr>
-          <p:cNvPr id="373" name="CustomShape 4"/>
+              <a:latin typeface="Arial"/>
+            </a:endParaRPr>
+          </a:p>
+        </p:txBody>
+      </p:sp>
+      <p:sp>
+        <p:nvSpPr>
+          <p:cNvPr id="334" name="CustomShape 4"/>
           <p:cNvSpPr/>
           <p:nvPr/>
         </p:nvSpPr>
         <p:spPr>
           <a:xfrm>
             <a:off x="2998800" y="1274760"/>
-            <a:ext cx="520560" cy="1131840"/>
+            <a:ext cx="520200" cy="1131480"/>
           </a:xfrm>
           <a:custGeom>
             <a:avLst/>
@@ -16059,14 +14478,14 @@
       </p:sp>
       <p:sp>
         <p:nvSpPr>
-          <p:cNvPr id="374" name="CustomShape 5"/>
+          <p:cNvPr id="335" name="CustomShape 5"/>
           <p:cNvSpPr/>
           <p:nvPr/>
         </p:nvSpPr>
         <p:spPr>
           <a:xfrm>
             <a:off x="2998800" y="2933640"/>
-            <a:ext cx="812880" cy="1148040"/>
+            <a:ext cx="812520" cy="1147680"/>
           </a:xfrm>
           <a:custGeom>
             <a:avLst/>
@@ -16197,14 +14616,14 @@
       </p:sp>
       <p:sp>
         <p:nvSpPr>
-          <p:cNvPr id="375" name="CustomShape 6"/>
+          <p:cNvPr id="336" name="CustomShape 6"/>
           <p:cNvSpPr/>
           <p:nvPr/>
         </p:nvSpPr>
         <p:spPr>
           <a:xfrm>
             <a:off x="5321520" y="1103400"/>
-            <a:ext cx="2895120" cy="1470960"/>
+            <a:ext cx="2894760" cy="1470600"/>
           </a:xfrm>
           <a:prstGeom prst="rect">
             <a:avLst/>
@@ -16242,14 +14661,14 @@
       </p:sp>
       <p:sp>
         <p:nvSpPr>
-          <p:cNvPr id="376" name="CustomShape 7"/>
+          <p:cNvPr id="337" name="CustomShape 7"/>
           <p:cNvSpPr/>
           <p:nvPr/>
         </p:nvSpPr>
         <p:spPr>
           <a:xfrm>
             <a:off x="5419080" y="2822040"/>
-            <a:ext cx="2895120" cy="1474920"/>
+            <a:ext cx="2894760" cy="1474560"/>
           </a:xfrm>
           <a:prstGeom prst="rect">
             <a:avLst/>
@@ -16287,14 +14706,14 @@
       </p:sp>
       <p:sp>
         <p:nvSpPr>
-          <p:cNvPr id="377" name="CustomShape 8"/>
+          <p:cNvPr id="338" name="CustomShape 8"/>
           <p:cNvSpPr/>
           <p:nvPr/>
         </p:nvSpPr>
         <p:spPr>
           <a:xfrm>
             <a:off x="3812400" y="1164240"/>
-            <a:ext cx="4501800" cy="1536480"/>
+            <a:ext cx="4501440" cy="1536120"/>
           </a:xfrm>
           <a:prstGeom prst="rect">
             <a:avLst/>
@@ -16346,14 +14765,14 @@
       </p:sp>
       <p:sp>
         <p:nvSpPr>
-          <p:cNvPr id="378" name="CustomShape 9"/>
+          <p:cNvPr id="339" name="CustomShape 9"/>
           <p:cNvSpPr/>
           <p:nvPr/>
         </p:nvSpPr>
         <p:spPr>
           <a:xfrm>
             <a:off x="3966840" y="2785320"/>
-            <a:ext cx="4347360" cy="1322640"/>
+            <a:ext cx="4347000" cy="1322280"/>
           </a:xfrm>
           <a:prstGeom prst="rect">
             <a:avLst/>
@@ -16406,10 +14825,10 @@
   <p:timing>
     <p:tnLst>
       <p:par>
-        <p:cTn id="37" dur="indefinite" restart="never" nodeType="tmRoot">
+        <p:cTn id="35" dur="indefinite" restart="never" nodeType="tmRoot">
           <p:childTnLst>
             <p:seq>
-              <p:cTn id="38" dur="indefinite" nodeType="mainSeq"/>
+              <p:cTn id="36" dur="indefinite" nodeType="mainSeq"/>
               <p:prevCondLst>
                 <p:cond delay="0" evt="onPrev">
                   <p:tgtEl>
@@ -16439,7 +14858,9 @@
     <p:bg>
       <p:bgPr>
         <a:solidFill>
-          <a:srgbClr val="ffffff"/>
+          <a:srgbClr val="ffffff">
+            <a:alpha val="73000"/>
+          </a:srgbClr>
         </a:solidFill>
       </p:bgPr>
     </p:bg>
@@ -16459,14 +14880,14 @@
       </p:grpSpPr>
       <p:sp>
         <p:nvSpPr>
-          <p:cNvPr id="311" name="CustomShape 1"/>
+          <p:cNvPr id="275" name="CustomShape 1"/>
           <p:cNvSpPr/>
           <p:nvPr/>
         </p:nvSpPr>
         <p:spPr>
           <a:xfrm>
             <a:off x="72000" y="1116000"/>
-            <a:ext cx="2045520" cy="3980160"/>
+            <a:ext cx="2045160" cy="3979800"/>
           </a:xfrm>
           <a:prstGeom prst="rect">
             <a:avLst/>
@@ -16496,6 +14917,7 @@
                   <a:srgbClr val="2a6099"/>
                 </a:solidFill>
                 <a:latin typeface="Calibri Light"/>
+                <a:ea typeface="DejaVu Sans"/>
               </a:rPr>
               <a:t>Goals</a:t>
             </a:r>
@@ -16505,34 +14927,26 @@
                   <a:srgbClr val="f67031"/>
                 </a:solidFill>
                 <a:latin typeface="Calibri Light"/>
+                <a:ea typeface="DejaVu Sans"/>
               </a:rPr>
-              <a:t> </a:t>
+              <a:t>  </a:t>
             </a:r>
-            <a:r>
-              <a:rPr b="1" lang="en-US" sz="3200" spc="-1" strike="noStrike">
-                <a:solidFill>
-                  <a:srgbClr val="f67031"/>
-                </a:solidFill>
-                <a:latin typeface="Calibri Light"/>
-              </a:rPr>
-              <a:t> </a:t>
-            </a:r>
-            <a:endParaRPr b="0" lang="en-US" sz="3200" spc="-1" strike="noStrike">
-              <a:latin typeface="Arial"/>
-            </a:endParaRPr>
-          </a:p>
-        </p:txBody>
-      </p:sp>
-      <p:sp>
-        <p:nvSpPr>
-          <p:cNvPr id="312" name="CustomShape 2"/>
+            <a:endParaRPr b="0" lang="en-US" sz="3200" spc="-1" strike="noStrike">
+              <a:latin typeface="Arial"/>
+            </a:endParaRPr>
+          </a:p>
+        </p:txBody>
+      </p:sp>
+      <p:sp>
+        <p:nvSpPr>
+          <p:cNvPr id="276" name="CustomShape 2"/>
           <p:cNvSpPr/>
           <p:nvPr/>
         </p:nvSpPr>
         <p:spPr>
           <a:xfrm>
             <a:off x="1734120" y="0"/>
-            <a:ext cx="7409160" cy="5142960"/>
+            <a:ext cx="7408800" cy="5142600"/>
           </a:xfrm>
           <a:prstGeom prst="rect">
             <a:avLst/>
@@ -16553,116 +14967,127 @@
             <a:normAutofit/>
           </a:bodyPr>
           <a:p>
+            <a:pPr>
+              <a:lnSpc>
+                <a:spcPct val="100000"/>
+              </a:lnSpc>
+            </a:pPr>
             <a:r>
               <a:rPr b="1" lang="en-US" sz="2000" spc="-1" strike="noStrike">
                 <a:solidFill>
                   <a:srgbClr val="000000"/>
                 </a:solidFill>
                 <a:latin typeface="Calibri"/>
+                <a:ea typeface="DejaVu Sans"/>
               </a:rPr>
               <a:t>Предложите стратегию оптимизации логистической цепи компании, которая позволит сократить издержки на 5 % к 2021 году. </a:t>
             </a:r>
             <a:endParaRPr b="0" lang="en-US" sz="2000" spc="-1" strike="noStrike">
-              <a:solidFill>
-                <a:srgbClr val="000000"/>
-              </a:solidFill>
-              <a:latin typeface="Arial"/>
-              <a:ea typeface="Arial"/>
-            </a:endParaRPr>
-          </a:p>
-          <a:p>
+              <a:latin typeface="Arial"/>
+            </a:endParaRPr>
+          </a:p>
+          <a:p>
+            <a:pPr>
+              <a:lnSpc>
+                <a:spcPct val="100000"/>
+              </a:lnSpc>
+            </a:pPr>
             <a:endParaRPr b="0" lang="en-US" sz="2000" spc="-1" strike="noStrike">
-              <a:solidFill>
-                <a:srgbClr val="000000"/>
-              </a:solidFill>
-              <a:latin typeface="Arial"/>
-              <a:ea typeface="Arial"/>
-            </a:endParaRPr>
-          </a:p>
-          <a:p>
+              <a:latin typeface="Arial"/>
+            </a:endParaRPr>
+          </a:p>
+          <a:p>
+            <a:pPr>
+              <a:lnSpc>
+                <a:spcPct val="100000"/>
+              </a:lnSpc>
+            </a:pPr>
             <a:r>
               <a:rPr b="0" lang="en-US" sz="1600" spc="-1" strike="noStrike">
                 <a:solidFill>
                   <a:srgbClr val="000000"/>
                 </a:solidFill>
                 <a:latin typeface="Calibri"/>
+                <a:ea typeface="DejaVu Sans"/>
               </a:rPr>
               <a:t>1. Сформируйте объемный план производства и реализации продукции, а также закупки сырья до конца 2019 года по одному из направлений с наибольшим доходом (выручка за вычетом всех затрат) для Компании.</a:t>
             </a:r>
             <a:endParaRPr b="0" lang="en-US" sz="1600" spc="-1" strike="noStrike">
-              <a:solidFill>
-                <a:srgbClr val="000000"/>
-              </a:solidFill>
-              <a:latin typeface="Arial"/>
-              <a:ea typeface="Arial"/>
-            </a:endParaRPr>
-          </a:p>
-          <a:p>
+              <a:latin typeface="Arial"/>
+            </a:endParaRPr>
+          </a:p>
+          <a:p>
+            <a:pPr>
+              <a:lnSpc>
+                <a:spcPct val="100000"/>
+              </a:lnSpc>
+            </a:pPr>
             <a:endParaRPr b="0" lang="en-US" sz="1600" spc="-1" strike="noStrike">
-              <a:solidFill>
-                <a:srgbClr val="000000"/>
-              </a:solidFill>
-              <a:latin typeface="Arial"/>
-              <a:ea typeface="Arial"/>
-            </a:endParaRPr>
-          </a:p>
-          <a:p>
+              <a:latin typeface="Arial"/>
+            </a:endParaRPr>
+          </a:p>
+          <a:p>
+            <a:pPr>
+              <a:lnSpc>
+                <a:spcPct val="100000"/>
+              </a:lnSpc>
+            </a:pPr>
             <a:r>
               <a:rPr b="0" lang="en-US" sz="1600" spc="-1" strike="noStrike">
                 <a:solidFill>
                   <a:srgbClr val="000000"/>
                 </a:solidFill>
                 <a:latin typeface="Calibri"/>
+                <a:ea typeface="DejaVu Sans"/>
               </a:rPr>
               <a:t>2. Проанализируйте полученный план. На основе проведенного анализа предложите ряд инициатив по снижению издержек и расширению ограничений в логистической цепи СИБУРа. Подумайте, какие еще варианты действий можно рассмотреть для увеличения доходов компании в будущем?</a:t>
             </a:r>
             <a:endParaRPr b="0" lang="en-US" sz="1600" spc="-1" strike="noStrike">
-              <a:solidFill>
-                <a:srgbClr val="000000"/>
-              </a:solidFill>
-              <a:latin typeface="Arial"/>
-              <a:ea typeface="Arial"/>
-            </a:endParaRPr>
-          </a:p>
-          <a:p>
+              <a:latin typeface="Arial"/>
+            </a:endParaRPr>
+          </a:p>
+          <a:p>
+            <a:pPr>
+              <a:lnSpc>
+                <a:spcPct val="100000"/>
+              </a:lnSpc>
+            </a:pPr>
             <a:endParaRPr b="0" lang="en-US" sz="1600" spc="-1" strike="noStrike">
-              <a:solidFill>
-                <a:srgbClr val="000000"/>
-              </a:solidFill>
-              <a:latin typeface="Arial"/>
-              <a:ea typeface="Arial"/>
-            </a:endParaRPr>
-          </a:p>
-          <a:p>
+              <a:latin typeface="Arial"/>
+            </a:endParaRPr>
+          </a:p>
+          <a:p>
+            <a:pPr>
+              <a:lnSpc>
+                <a:spcPct val="100000"/>
+              </a:lnSpc>
+            </a:pPr>
             <a:r>
               <a:rPr b="0" lang="en-US" sz="1600" spc="-1" strike="noStrike">
                 <a:solidFill>
                   <a:srgbClr val="000000"/>
                 </a:solidFill>
                 <a:latin typeface="Calibri"/>
+                <a:ea typeface="DejaVu Sans"/>
               </a:rPr>
               <a:t>3. В рамках проработки стратегии обоснуйте необходимость внедрения и предложите конкретное применение технологий Big Data, Internet of Things и Block Chain в рамках организации цепи поставок.</a:t>
             </a:r>
             <a:endParaRPr b="0" lang="en-US" sz="1600" spc="-1" strike="noStrike">
-              <a:solidFill>
-                <a:srgbClr val="000000"/>
-              </a:solidFill>
-              <a:latin typeface="Arial"/>
-              <a:ea typeface="Arial"/>
-            </a:endParaRPr>
-          </a:p>
-        </p:txBody>
-      </p:sp>
-      <p:sp>
-        <p:nvSpPr>
-          <p:cNvPr id="313" name="CustomShape 3"/>
+              <a:latin typeface="Arial"/>
+            </a:endParaRPr>
+          </a:p>
+        </p:txBody>
+      </p:sp>
+      <p:sp>
+        <p:nvSpPr>
+          <p:cNvPr id="277" name="CustomShape 3"/>
           <p:cNvSpPr/>
           <p:nvPr/>
         </p:nvSpPr>
         <p:spPr>
           <a:xfrm>
             <a:off x="8556840" y="4749840"/>
-            <a:ext cx="547920" cy="392760"/>
+            <a:ext cx="547560" cy="392400"/>
           </a:xfrm>
           <a:prstGeom prst="rect">
             <a:avLst/>
@@ -16686,12 +15111,13 @@
                 <a:spcPct val="100000"/>
               </a:lnSpc>
             </a:pPr>
-            <a:fld id="{11530714-096D-44EC-9271-22014B84D472}" type="slidenum">
+            <a:fld id="{6E7531F5-7132-4F52-8C0C-364C637C4D3C}" type="slidenum">
               <a:rPr b="0" lang="en-US" sz="900" spc="-1" strike="noStrike">
                 <a:solidFill>
                   <a:srgbClr val="8b8b8b"/>
                 </a:solidFill>
                 <a:latin typeface="Calibri"/>
+                <a:ea typeface="DejaVu Sans"/>
               </a:rPr>
               <a:t>2</a:t>
             </a:fld>
@@ -16747,7 +15173,9 @@
     <p:bg>
       <p:bgPr>
         <a:solidFill>
-          <a:srgbClr val="ffffff"/>
+          <a:srgbClr val="ffffff">
+            <a:alpha val="73000"/>
+          </a:srgbClr>
         </a:solidFill>
       </p:bgPr>
     </p:bg>
@@ -16767,14 +15195,14 @@
       </p:grpSpPr>
       <p:sp>
         <p:nvSpPr>
-          <p:cNvPr id="314" name="CustomShape 1"/>
+          <p:cNvPr id="278" name="CustomShape 1"/>
           <p:cNvSpPr/>
           <p:nvPr/>
         </p:nvSpPr>
         <p:spPr>
           <a:xfrm>
             <a:off x="72000" y="1116000"/>
-            <a:ext cx="2214000" cy="3980160"/>
+            <a:ext cx="2213640" cy="3979800"/>
           </a:xfrm>
           <a:prstGeom prst="rect">
             <a:avLst/>
@@ -16804,6 +15232,7 @@
                   <a:srgbClr val="2a6099"/>
                 </a:solidFill>
                 <a:latin typeface="Calibri Light"/>
+                <a:ea typeface="DejaVu Sans"/>
               </a:rPr>
               <a:t>Background</a:t>
             </a:r>
@@ -16813,34 +15242,26 @@
                   <a:srgbClr val="f67031"/>
                 </a:solidFill>
                 <a:latin typeface="Calibri Light"/>
+                <a:ea typeface="DejaVu Sans"/>
               </a:rPr>
-              <a:t> </a:t>
+              <a:t>  </a:t>
             </a:r>
-            <a:r>
-              <a:rPr b="1" lang="en-US" sz="3200" spc="-1" strike="noStrike">
-                <a:solidFill>
-                  <a:srgbClr val="f67031"/>
-                </a:solidFill>
-                <a:latin typeface="Calibri Light"/>
-              </a:rPr>
-              <a:t> </a:t>
-            </a:r>
-            <a:endParaRPr b="0" lang="en-US" sz="3200" spc="-1" strike="noStrike">
-              <a:latin typeface="Arial"/>
-            </a:endParaRPr>
-          </a:p>
-        </p:txBody>
-      </p:sp>
-      <p:sp>
-        <p:nvSpPr>
-          <p:cNvPr id="315" name="CustomShape 2"/>
+            <a:endParaRPr b="0" lang="en-US" sz="3200" spc="-1" strike="noStrike">
+              <a:latin typeface="Arial"/>
+            </a:endParaRPr>
+          </a:p>
+        </p:txBody>
+      </p:sp>
+      <p:sp>
+        <p:nvSpPr>
+          <p:cNvPr id="279" name="CustomShape 2"/>
           <p:cNvSpPr/>
           <p:nvPr/>
         </p:nvSpPr>
         <p:spPr>
           <a:xfrm>
             <a:off x="2194560" y="0"/>
-            <a:ext cx="6948720" cy="5142960"/>
+            <a:ext cx="6948360" cy="5142600"/>
           </a:xfrm>
           <a:prstGeom prst="rect">
             <a:avLst/>
@@ -16861,62 +15282,67 @@
             <a:normAutofit/>
           </a:bodyPr>
           <a:p>
+            <a:pPr>
+              <a:lnSpc>
+                <a:spcPct val="100000"/>
+              </a:lnSpc>
+            </a:pPr>
             <a:r>
               <a:rPr b="1" lang="en-US" sz="2000" spc="-1" strike="noStrike">
                 <a:solidFill>
                   <a:srgbClr val="000000"/>
                 </a:solidFill>
                 <a:latin typeface="Calibri"/>
+                <a:ea typeface="DejaVu Sans"/>
               </a:rPr>
               <a:t>П. </a:t>
             </a:r>
             <a:endParaRPr b="0" lang="en-US" sz="2000" spc="-1" strike="noStrike">
-              <a:solidFill>
-                <a:srgbClr val="000000"/>
-              </a:solidFill>
-              <a:latin typeface="Arial"/>
-              <a:ea typeface="Arial"/>
-            </a:endParaRPr>
-          </a:p>
-          <a:p>
+              <a:latin typeface="Arial"/>
+            </a:endParaRPr>
+          </a:p>
+          <a:p>
+            <a:pPr>
+              <a:lnSpc>
+                <a:spcPct val="100000"/>
+              </a:lnSpc>
+            </a:pPr>
             <a:endParaRPr b="0" lang="en-US" sz="2000" spc="-1" strike="noStrike">
-              <a:solidFill>
-                <a:srgbClr val="000000"/>
-              </a:solidFill>
-              <a:latin typeface="Arial"/>
-              <a:ea typeface="Arial"/>
-            </a:endParaRPr>
-          </a:p>
-          <a:p>
+              <a:latin typeface="Arial"/>
+            </a:endParaRPr>
+          </a:p>
+          <a:p>
+            <a:pPr>
+              <a:lnSpc>
+                <a:spcPct val="100000"/>
+              </a:lnSpc>
+            </a:pPr>
             <a:r>
               <a:rPr b="0" lang="en-US" sz="1600" spc="-1" strike="noStrike">
                 <a:solidFill>
                   <a:srgbClr val="000000"/>
                 </a:solidFill>
                 <a:latin typeface="Calibri"/>
+                <a:ea typeface="DejaVu Sans"/>
               </a:rPr>
               <a:t>1. </a:t>
             </a:r>
             <a:endParaRPr b="0" lang="en-US" sz="1600" spc="-1" strike="noStrike">
-              <a:solidFill>
-                <a:srgbClr val="000000"/>
-              </a:solidFill>
-              <a:latin typeface="Arial"/>
-              <a:ea typeface="Arial"/>
-            </a:endParaRPr>
-          </a:p>
-        </p:txBody>
-      </p:sp>
-      <p:sp>
-        <p:nvSpPr>
-          <p:cNvPr id="316" name="CustomShape 3"/>
+              <a:latin typeface="Arial"/>
+            </a:endParaRPr>
+          </a:p>
+        </p:txBody>
+      </p:sp>
+      <p:sp>
+        <p:nvSpPr>
+          <p:cNvPr id="280" name="CustomShape 3"/>
           <p:cNvSpPr/>
           <p:nvPr/>
         </p:nvSpPr>
         <p:spPr>
           <a:xfrm>
             <a:off x="8556840" y="4749840"/>
-            <a:ext cx="547920" cy="392760"/>
+            <a:ext cx="547560" cy="392400"/>
           </a:xfrm>
           <a:prstGeom prst="rect">
             <a:avLst/>
@@ -16940,12 +15366,13 @@
                 <a:spcPct val="100000"/>
               </a:lnSpc>
             </a:pPr>
-            <a:fld id="{FE948853-C6DC-490B-8907-A4A7C9419C72}" type="slidenum">
+            <a:fld id="{D573BADE-D54C-422E-851C-E7757F0C4025}" type="slidenum">
               <a:rPr b="0" lang="en-US" sz="900" spc="-1" strike="noStrike">
                 <a:solidFill>
                   <a:srgbClr val="8b8b8b"/>
                 </a:solidFill>
                 <a:latin typeface="Calibri"/>
+                <a:ea typeface="DejaVu Sans"/>
               </a:rPr>
               <a:t>3</a:t>
             </a:fld>
@@ -17001,7 +15428,9 @@
     <p:bg>
       <p:bgPr>
         <a:solidFill>
-          <a:srgbClr val="ffffff"/>
+          <a:srgbClr val="ffffff">
+            <a:alpha val="73000"/>
+          </a:srgbClr>
         </a:solidFill>
       </p:bgPr>
     </p:bg>
@@ -17021,14 +15450,14 @@
       </p:grpSpPr>
       <p:sp>
         <p:nvSpPr>
-          <p:cNvPr id="317" name="CustomShape 1"/>
+          <p:cNvPr id="281" name="CustomShape 1"/>
           <p:cNvSpPr/>
           <p:nvPr/>
         </p:nvSpPr>
         <p:spPr>
           <a:xfrm>
             <a:off x="72000" y="1116000"/>
-            <a:ext cx="2214000" cy="3980160"/>
+            <a:ext cx="2213640" cy="3979800"/>
           </a:xfrm>
           <a:prstGeom prst="rect">
             <a:avLst/>
@@ -17058,6 +15487,7 @@
                   <a:srgbClr val="2a6099"/>
                 </a:solidFill>
                 <a:latin typeface="Calibri Light"/>
+                <a:ea typeface="DejaVu Sans"/>
               </a:rPr>
               <a:t>Suggested</a:t>
             </a:r>
@@ -17077,6 +15507,7 @@
                   <a:srgbClr val="2a6099"/>
                 </a:solidFill>
                 <a:latin typeface="Calibri Light"/>
+                <a:ea typeface="DejaVu Sans"/>
               </a:rPr>
               <a:t>Solutions</a:t>
             </a:r>
@@ -17086,34 +15517,26 @@
                   <a:srgbClr val="f67031"/>
                 </a:solidFill>
                 <a:latin typeface="Calibri Light"/>
+                <a:ea typeface="DejaVu Sans"/>
               </a:rPr>
-              <a:t> </a:t>
+              <a:t>  </a:t>
             </a:r>
-            <a:r>
-              <a:rPr b="1" lang="en-US" sz="3200" spc="-1" strike="noStrike">
-                <a:solidFill>
-                  <a:srgbClr val="f67031"/>
-                </a:solidFill>
-                <a:latin typeface="Calibri Light"/>
-              </a:rPr>
-              <a:t> </a:t>
-            </a:r>
-            <a:endParaRPr b="0" lang="en-US" sz="3200" spc="-1" strike="noStrike">
-              <a:latin typeface="Arial"/>
-            </a:endParaRPr>
-          </a:p>
-        </p:txBody>
-      </p:sp>
-      <p:sp>
-        <p:nvSpPr>
-          <p:cNvPr id="318" name="CustomShape 2"/>
+            <a:endParaRPr b="0" lang="en-US" sz="3200" spc="-1" strike="noStrike">
+              <a:latin typeface="Arial"/>
+            </a:endParaRPr>
+          </a:p>
+        </p:txBody>
+      </p:sp>
+      <p:sp>
+        <p:nvSpPr>
+          <p:cNvPr id="282" name="CustomShape 2"/>
           <p:cNvSpPr/>
           <p:nvPr/>
         </p:nvSpPr>
         <p:spPr>
           <a:xfrm>
             <a:off x="2194560" y="0"/>
-            <a:ext cx="6948720" cy="5142960"/>
+            <a:ext cx="6948360" cy="5142600"/>
           </a:xfrm>
           <a:prstGeom prst="rect">
             <a:avLst/>
@@ -17134,62 +15557,67 @@
             <a:normAutofit/>
           </a:bodyPr>
           <a:p>
+            <a:pPr>
+              <a:lnSpc>
+                <a:spcPct val="100000"/>
+              </a:lnSpc>
+            </a:pPr>
             <a:r>
               <a:rPr b="1" lang="en-US" sz="2000" spc="-1" strike="noStrike">
                 <a:solidFill>
                   <a:srgbClr val="000000"/>
                 </a:solidFill>
                 <a:latin typeface="Calibri"/>
+                <a:ea typeface="DejaVu Sans"/>
               </a:rPr>
               <a:t>П. </a:t>
             </a:r>
             <a:endParaRPr b="0" lang="en-US" sz="2000" spc="-1" strike="noStrike">
-              <a:solidFill>
-                <a:srgbClr val="000000"/>
-              </a:solidFill>
-              <a:latin typeface="Arial"/>
-              <a:ea typeface="Arial"/>
-            </a:endParaRPr>
-          </a:p>
-          <a:p>
+              <a:latin typeface="Arial"/>
+            </a:endParaRPr>
+          </a:p>
+          <a:p>
+            <a:pPr>
+              <a:lnSpc>
+                <a:spcPct val="100000"/>
+              </a:lnSpc>
+            </a:pPr>
             <a:endParaRPr b="0" lang="en-US" sz="2000" spc="-1" strike="noStrike">
-              <a:solidFill>
-                <a:srgbClr val="000000"/>
-              </a:solidFill>
-              <a:latin typeface="Arial"/>
-              <a:ea typeface="Arial"/>
-            </a:endParaRPr>
-          </a:p>
-          <a:p>
+              <a:latin typeface="Arial"/>
+            </a:endParaRPr>
+          </a:p>
+          <a:p>
+            <a:pPr>
+              <a:lnSpc>
+                <a:spcPct val="100000"/>
+              </a:lnSpc>
+            </a:pPr>
             <a:r>
               <a:rPr b="0" lang="en-US" sz="1600" spc="-1" strike="noStrike">
                 <a:solidFill>
                   <a:srgbClr val="000000"/>
                 </a:solidFill>
                 <a:latin typeface="Calibri"/>
+                <a:ea typeface="DejaVu Sans"/>
               </a:rPr>
               <a:t>1. .</a:t>
             </a:r>
             <a:endParaRPr b="0" lang="en-US" sz="1600" spc="-1" strike="noStrike">
-              <a:solidFill>
-                <a:srgbClr val="000000"/>
-              </a:solidFill>
-              <a:latin typeface="Arial"/>
-              <a:ea typeface="Arial"/>
-            </a:endParaRPr>
-          </a:p>
-        </p:txBody>
-      </p:sp>
-      <p:sp>
-        <p:nvSpPr>
-          <p:cNvPr id="319" name="CustomShape 3"/>
+              <a:latin typeface="Arial"/>
+            </a:endParaRPr>
+          </a:p>
+        </p:txBody>
+      </p:sp>
+      <p:sp>
+        <p:nvSpPr>
+          <p:cNvPr id="283" name="CustomShape 3"/>
           <p:cNvSpPr/>
           <p:nvPr/>
         </p:nvSpPr>
         <p:spPr>
           <a:xfrm>
             <a:off x="8556840" y="4749840"/>
-            <a:ext cx="547920" cy="392760"/>
+            <a:ext cx="547560" cy="392400"/>
           </a:xfrm>
           <a:prstGeom prst="rect">
             <a:avLst/>
@@ -17213,12 +15641,13 @@
                 <a:spcPct val="100000"/>
               </a:lnSpc>
             </a:pPr>
-            <a:fld id="{50D44F90-2950-449E-BB7F-3C4AD119EC2C}" type="slidenum">
+            <a:fld id="{D38D273A-881C-47C7-B6E3-945ADD46B993}" type="slidenum">
               <a:rPr b="0" lang="en-US" sz="900" spc="-1" strike="noStrike">
                 <a:solidFill>
                   <a:srgbClr val="8b8b8b"/>
                 </a:solidFill>
                 <a:latin typeface="Calibri"/>
+                <a:ea typeface="DejaVu Sans"/>
               </a:rPr>
               <a:t>4</a:t>
             </a:fld>
@@ -17274,7 +15703,9 @@
     <p:bg>
       <p:bgPr>
         <a:solidFill>
-          <a:srgbClr val="ffffff"/>
+          <a:srgbClr val="ffffff">
+            <a:alpha val="73000"/>
+          </a:srgbClr>
         </a:solidFill>
       </p:bgPr>
     </p:bg>
@@ -17294,14 +15725,14 @@
       </p:grpSpPr>
       <p:sp>
         <p:nvSpPr>
-          <p:cNvPr id="320" name="CustomShape 1"/>
+          <p:cNvPr id="284" name="CustomShape 1"/>
           <p:cNvSpPr/>
           <p:nvPr/>
         </p:nvSpPr>
         <p:spPr>
           <a:xfrm>
             <a:off x="914400" y="3200400"/>
-            <a:ext cx="4937760" cy="1097280"/>
+            <a:ext cx="4937400" cy="1096920"/>
           </a:xfrm>
           <a:prstGeom prst="rect">
             <a:avLst/>
@@ -17320,7 +15751,7 @@
         <p:txBody>
           <a:bodyPr lIns="90000" rIns="90000" tIns="91440" bIns="91440"/>
           <a:p>
-            <a:pPr marL="457200" indent="-380160">
+            <a:pPr marL="457200" indent="-379800">
               <a:lnSpc>
                 <a:spcPct val="90000"/>
               </a:lnSpc>
@@ -17396,14 +15827,14 @@
       </p:sp>
       <p:sp>
         <p:nvSpPr>
-          <p:cNvPr id="321" name="CustomShape 2"/>
+          <p:cNvPr id="285" name="CustomShape 2"/>
           <p:cNvSpPr/>
           <p:nvPr/>
         </p:nvSpPr>
         <p:spPr>
           <a:xfrm>
             <a:off x="8556840" y="4749840"/>
-            <a:ext cx="547920" cy="392760"/>
+            <a:ext cx="547560" cy="392400"/>
           </a:xfrm>
           <a:prstGeom prst="rect">
             <a:avLst/>
@@ -17427,12 +15858,13 @@
                 <a:spcPct val="100000"/>
               </a:lnSpc>
             </a:pPr>
-            <a:fld id="{991203AB-8095-46BC-B3A6-C82B8FAB682B}" type="slidenum">
+            <a:fld id="{DC16D52F-1EC3-450C-B92B-5F88288F9897}" type="slidenum">
               <a:rPr b="0" lang="en-US" sz="900" spc="-1" strike="noStrike">
                 <a:solidFill>
                   <a:srgbClr val="8b8b8b"/>
                 </a:solidFill>
                 <a:latin typeface="Calibri"/>
+                <a:ea typeface="DejaVu Sans"/>
               </a:rPr>
               <a:t>4</a:t>
             </a:fld>
@@ -17444,7 +15876,7 @@
       </p:sp>
       <p:pic>
         <p:nvPicPr>
-          <p:cNvPr id="322" name="" descr=""/>
+          <p:cNvPr id="286" name="" descr=""/>
           <p:cNvPicPr/>
           <p:nvPr/>
         </p:nvPicPr>
@@ -17455,7 +15887,7 @@
         <p:spPr>
           <a:xfrm>
             <a:off x="3224160" y="3240"/>
-            <a:ext cx="5919840" cy="3105720"/>
+            <a:ext cx="5919480" cy="3105360"/>
           </a:xfrm>
           <a:prstGeom prst="rect">
             <a:avLst/>
@@ -17524,14 +15956,14 @@
       </p:grpSpPr>
       <p:sp>
         <p:nvSpPr>
-          <p:cNvPr id="323" name="TextShape 1"/>
-          <p:cNvSpPr txBox="1"/>
+          <p:cNvPr id="287" name="CustomShape 1"/>
+          <p:cNvSpPr/>
           <p:nvPr/>
         </p:nvSpPr>
         <p:spPr>
           <a:xfrm>
             <a:off x="1828800" y="548640"/>
-            <a:ext cx="3383280" cy="346320"/>
+            <a:ext cx="3382920" cy="345960"/>
           </a:xfrm>
           <a:prstGeom prst="rect">
             <a:avLst/>
@@ -17541,9 +15973,20 @@
             <a:noFill/>
           </a:ln>
         </p:spPr>
+        <p:style>
+          <a:lnRef idx="0"/>
+          <a:fillRef idx="0"/>
+          <a:effectRef idx="0"/>
+          <a:fontRef idx="minor"/>
+        </p:style>
         <p:txBody>
           <a:bodyPr lIns="90000" rIns="90000" tIns="45000" bIns="45000"/>
           <a:p>
+            <a:pPr>
+              <a:lnSpc>
+                <a:spcPct val="100000"/>
+              </a:lnSpc>
+            </a:pPr>
             <a:r>
               <a:rPr b="0" lang="en-US" sz="1800" spc="-1" strike="noStrike">
                 <a:latin typeface="Arial"/>
@@ -17602,7 +16045,9 @@
     <p:bg>
       <p:bgPr>
         <a:solidFill>
-          <a:srgbClr val="ffffff"/>
+          <a:srgbClr val="ffffff">
+            <a:alpha val="73000"/>
+          </a:srgbClr>
         </a:solidFill>
       </p:bgPr>
     </p:bg>
@@ -17622,19 +16067,43 @@
       </p:grpSpPr>
       <p:pic>
         <p:nvPicPr>
-          <p:cNvPr id="324" name="" descr=""/>
+          <p:cNvPr id="288" name="" descr=""/>
           <p:cNvPicPr/>
           <p:nvPr/>
         </p:nvPicPr>
         <p:blipFill>
           <a:blip r:embed="rId1"/>
+          <a:srcRect l="26233" t="0" r="3385" b="19043"/>
+          <a:stretch/>
+        </p:blipFill>
+        <p:spPr>
+          <a:xfrm>
+            <a:off x="1554480" y="0"/>
+            <a:ext cx="7589160" cy="3108240"/>
+          </a:xfrm>
+          <a:prstGeom prst="rect">
+            <a:avLst/>
+          </a:prstGeom>
+          <a:ln>
+            <a:noFill/>
+          </a:ln>
+        </p:spPr>
+      </p:pic>
+      <p:pic>
+        <p:nvPicPr>
+          <p:cNvPr id="289" name="" descr=""/>
+          <p:cNvPicPr/>
+          <p:nvPr/>
+        </p:nvPicPr>
+        <p:blipFill>
+          <a:blip r:embed="rId2"/>
           <a:srcRect l="0" t="0" r="0" b="13470"/>
           <a:stretch/>
         </p:blipFill>
         <p:spPr>
           <a:xfrm>
             <a:off x="0" y="0"/>
-            <a:ext cx="3340800" cy="3200040"/>
+            <a:ext cx="3340440" cy="3199680"/>
           </a:xfrm>
           <a:prstGeom prst="rect">
             <a:avLst/>
@@ -17646,14 +16115,14 @@
       </p:pic>
       <p:sp>
         <p:nvSpPr>
-          <p:cNvPr id="325" name="CustomShape 1"/>
+          <p:cNvPr id="290" name="CustomShape 1"/>
           <p:cNvSpPr/>
           <p:nvPr/>
         </p:nvSpPr>
         <p:spPr>
           <a:xfrm>
             <a:off x="914400" y="3200400"/>
-            <a:ext cx="4937760" cy="1097280"/>
+            <a:ext cx="4937400" cy="1096920"/>
           </a:xfrm>
           <a:prstGeom prst="rect">
             <a:avLst/>
@@ -17672,7 +16141,7 @@
         <p:txBody>
           <a:bodyPr lIns="90000" rIns="90000" tIns="91440" bIns="91440"/>
           <a:p>
-            <a:pPr marL="457200" indent="-380160">
+            <a:pPr marL="457200" indent="-379800">
               <a:lnSpc>
                 <a:spcPct val="90000"/>
               </a:lnSpc>
@@ -17746,40 +16215,16 @@
           </a:p>
         </p:txBody>
       </p:sp>
-      <p:pic>
-        <p:nvPicPr>
-          <p:cNvPr id="326" name="" descr=""/>
-          <p:cNvPicPr/>
-          <p:nvPr/>
-        </p:nvPicPr>
-        <p:blipFill>
-          <a:blip r:embed="rId2"/>
-          <a:srcRect l="26233" t="0" r="0" b="19043"/>
-          <a:stretch/>
-        </p:blipFill>
-        <p:spPr>
-          <a:xfrm>
-            <a:off x="1554480" y="0"/>
-            <a:ext cx="7955280" cy="3108600"/>
-          </a:xfrm>
-          <a:prstGeom prst="rect">
-            <a:avLst/>
-          </a:prstGeom>
-          <a:ln>
-            <a:noFill/>
-          </a:ln>
-        </p:spPr>
-      </p:pic>
-      <p:sp>
-        <p:nvSpPr>
-          <p:cNvPr id="327" name="CustomShape 2"/>
+      <p:sp>
+        <p:nvSpPr>
+          <p:cNvPr id="291" name="CustomShape 2"/>
           <p:cNvSpPr/>
           <p:nvPr/>
         </p:nvSpPr>
         <p:spPr>
           <a:xfrm>
             <a:off x="8556840" y="4749840"/>
-            <a:ext cx="547920" cy="392760"/>
+            <a:ext cx="547560" cy="392400"/>
           </a:xfrm>
           <a:prstGeom prst="rect">
             <a:avLst/>
@@ -17803,14 +16248,15 @@
                 <a:spcPct val="100000"/>
               </a:lnSpc>
             </a:pPr>
-            <a:fld id="{E82D94F3-198E-4AEE-8EB5-49A7F7E217C8}" type="slidenum">
+            <a:fld id="{D5915C93-EBFE-4600-AF91-407DFD83FD62}" type="slidenum">
               <a:rPr b="0" lang="en-US" sz="900" spc="-1" strike="noStrike">
                 <a:solidFill>
                   <a:srgbClr val="8b8b8b"/>
                 </a:solidFill>
                 <a:latin typeface="Calibri"/>
+                <a:ea typeface="DejaVu Sans"/>
               </a:rPr>
-              <a:t>4</a:t>
+              <a:t>&lt;number&gt;</a:t>
             </a:fld>
             <a:endParaRPr b="0" lang="en-US" sz="900" spc="-1" strike="noStrike">
               <a:latin typeface="Arial"/>
@@ -17820,7 +16266,7 @@
       </p:sp>
       <p:sp>
         <p:nvSpPr>
-          <p:cNvPr id="328" name="Line 3"/>
+          <p:cNvPr id="292" name="Line 3"/>
           <p:cNvSpPr/>
           <p:nvPr/>
         </p:nvSpPr>
@@ -17905,14 +16351,14 @@
       </p:grpSpPr>
       <p:sp>
         <p:nvSpPr>
-          <p:cNvPr id="329" name="TextShape 1"/>
-          <p:cNvSpPr txBox="1"/>
+          <p:cNvPr id="293" name="CustomShape 1"/>
+          <p:cNvSpPr/>
           <p:nvPr/>
         </p:nvSpPr>
         <p:spPr>
           <a:xfrm>
             <a:off x="274320" y="346680"/>
-            <a:ext cx="8664840" cy="293400"/>
+            <a:ext cx="8664480" cy="293040"/>
           </a:xfrm>
           <a:prstGeom prst="rect">
             <a:avLst/>
@@ -17922,9 +16368,20 @@
             <a:noFill/>
           </a:ln>
         </p:spPr>
+        <p:style>
+          <a:lnRef idx="0"/>
+          <a:fillRef idx="0"/>
+          <a:effectRef idx="0"/>
+          <a:fontRef idx="minor"/>
+        </p:style>
         <p:txBody>
           <a:bodyPr lIns="90000" rIns="90000" tIns="45000" bIns="45000"/>
           <a:p>
+            <a:pPr>
+              <a:lnSpc>
+                <a:spcPct val="100000"/>
+              </a:lnSpc>
+            </a:pPr>
             <a:r>
               <a:rPr b="0" lang="en-US" sz="1600" spc="-1" strike="noStrike">
                 <a:solidFill>
@@ -17987,7 +16444,9 @@
     <p:bg>
       <p:bgPr>
         <a:solidFill>
-          <a:srgbClr val="ffffff"/>
+          <a:srgbClr val="ffffff">
+            <a:alpha val="73000"/>
+          </a:srgbClr>
         </a:solidFill>
       </p:bgPr>
     </p:bg>
@@ -18007,14 +16466,14 @@
       </p:grpSpPr>
       <p:sp>
         <p:nvSpPr>
-          <p:cNvPr id="330" name="CustomShape 1"/>
+          <p:cNvPr id="294" name="CustomShape 1"/>
           <p:cNvSpPr/>
           <p:nvPr/>
         </p:nvSpPr>
         <p:spPr>
           <a:xfrm>
             <a:off x="914400" y="3200400"/>
-            <a:ext cx="4937760" cy="1097280"/>
+            <a:ext cx="4937400" cy="1096920"/>
           </a:xfrm>
           <a:prstGeom prst="rect">
             <a:avLst/>
@@ -18033,7 +16492,7 @@
         <p:txBody>
           <a:bodyPr lIns="90000" rIns="90000" tIns="91440" bIns="91440"/>
           <a:p>
-            <a:pPr marL="457200" indent="-380160">
+            <a:pPr marL="457200" indent="-379800">
               <a:lnSpc>
                 <a:spcPct val="90000"/>
               </a:lnSpc>
@@ -18109,14 +16568,14 @@
       </p:sp>
       <p:sp>
         <p:nvSpPr>
-          <p:cNvPr id="331" name="CustomShape 2"/>
+          <p:cNvPr id="295" name="CustomShape 2"/>
           <p:cNvSpPr/>
           <p:nvPr/>
         </p:nvSpPr>
         <p:spPr>
           <a:xfrm>
             <a:off x="8556840" y="4749840"/>
-            <a:ext cx="547920" cy="392760"/>
+            <a:ext cx="547560" cy="392400"/>
           </a:xfrm>
           <a:prstGeom prst="rect">
             <a:avLst/>
@@ -18140,14 +16599,15 @@
                 <a:spcPct val="100000"/>
               </a:lnSpc>
             </a:pPr>
-            <a:fld id="{10F93764-ECC9-4AEF-85A8-2C1455BB31DE}" type="slidenum">
+            <a:fld id="{7C88B156-64CD-4587-8FA5-37604DB000EE}" type="slidenum">
               <a:rPr b="0" lang="en-US" sz="900" spc="-1" strike="noStrike">
                 <a:solidFill>
                   <a:srgbClr val="8b8b8b"/>
                 </a:solidFill>
                 <a:latin typeface="Calibri"/>
+                <a:ea typeface="DejaVu Sans"/>
               </a:rPr>
-              <a:t>4</a:t>
+              <a:t>&lt;number&gt;</a:t>
             </a:fld>
             <a:endParaRPr b="0" lang="en-US" sz="900" spc="-1" strike="noStrike">
               <a:latin typeface="Arial"/>
@@ -18157,7 +16617,7 @@
       </p:sp>
       <p:pic>
         <p:nvPicPr>
-          <p:cNvPr id="332" name="" descr=""/>
+          <p:cNvPr id="296" name="" descr=""/>
           <p:cNvPicPr/>
           <p:nvPr/>
         </p:nvPicPr>
@@ -18170,7 +16630,7 @@
         <p:spPr>
           <a:xfrm>
             <a:off x="3051360" y="0"/>
-            <a:ext cx="6092640" cy="2743200"/>
+            <a:ext cx="6092280" cy="2742840"/>
           </a:xfrm>
           <a:prstGeom prst="rect">
             <a:avLst/>
@@ -20002,227 +18462,4 @@
     </a:fmtScheme>
   </a:themeElements>
 </a:theme>
-</file>
-
-<file path=ppt/theme/theme9.xml><?xml version="1.0" encoding="utf-8"?>
-<a:theme xmlns:a="http://schemas.openxmlformats.org/drawingml/2006/main" name="Office Theme">
-  <a:themeElements>
-    <a:clrScheme name="Office">
-      <a:dk1>
-        <a:sysClr val="windowText" lastClr="000000"/>
-      </a:dk1>
-      <a:lt1>
-        <a:sysClr val="window" lastClr="FFFFFF"/>
-      </a:lt1>
-      <a:dk2>
-        <a:srgbClr val="44546a"/>
-      </a:dk2>
-      <a:lt2>
-        <a:srgbClr val="e7e6e6"/>
-      </a:lt2>
-      <a:accent1>
-        <a:srgbClr val="5b9bd5"/>
-      </a:accent1>
-      <a:accent2>
-        <a:srgbClr val="ed7d31"/>
-      </a:accent2>
-      <a:accent3>
-        <a:srgbClr val="a5a5a5"/>
-      </a:accent3>
-      <a:accent4>
-        <a:srgbClr val="ffc000"/>
-      </a:accent4>
-      <a:accent5>
-        <a:srgbClr val="4472c4"/>
-      </a:accent5>
-      <a:accent6>
-        <a:srgbClr val="70ad47"/>
-      </a:accent6>
-      <a:hlink>
-        <a:srgbClr val="0563c1"/>
-      </a:hlink>
-      <a:folHlink>
-        <a:srgbClr val="954f72"/>
-      </a:folHlink>
-    </a:clrScheme>
-    <a:fontScheme name="Office">
-      <a:majorFont>
-        <a:latin typeface="Arial"/>
-        <a:ea typeface="DejaVu Sans"/>
-        <a:cs typeface="DejaVu Sans"/>
-      </a:majorFont>
-      <a:minorFont>
-        <a:latin typeface="Arial"/>
-        <a:ea typeface="DejaVu Sans"/>
-        <a:cs typeface="DejaVu Sans"/>
-      </a:minorFont>
-    </a:fontScheme>
-    <a:fmtScheme name="Office">
-      <a:fillStyleLst>
-        <a:solidFill>
-          <a:schemeClr val="phClr"/>
-        </a:solidFill>
-        <a:gradFill rotWithShape="1">
-          <a:gsLst>
-            <a:gs pos="0">
-              <a:schemeClr val="phClr">
-                <a:tint val="50000"/>
-                <a:satMod val="300000"/>
-              </a:schemeClr>
-            </a:gs>
-            <a:gs pos="35000">
-              <a:schemeClr val="phClr">
-                <a:tint val="37000"/>
-                <a:satMod val="300000"/>
-              </a:schemeClr>
-            </a:gs>
-            <a:gs pos="100000">
-              <a:schemeClr val="phClr">
-                <a:tint val="15000"/>
-                <a:satMod val="350000"/>
-              </a:schemeClr>
-            </a:gs>
-          </a:gsLst>
-          <a:lin ang="16200000" scaled="1"/>
-        </a:gradFill>
-        <a:gradFill rotWithShape="1">
-          <a:gsLst>
-            <a:gs pos="0">
-              <a:schemeClr val="phClr">
-                <a:shade val="51000"/>
-                <a:satMod val="130000"/>
-              </a:schemeClr>
-            </a:gs>
-            <a:gs pos="80000">
-              <a:schemeClr val="phClr">
-                <a:shade val="93000"/>
-                <a:satMod val="130000"/>
-              </a:schemeClr>
-            </a:gs>
-            <a:gs pos="100000">
-              <a:schemeClr val="phClr">
-                <a:shade val="94000"/>
-                <a:satMod val="135000"/>
-              </a:schemeClr>
-            </a:gs>
-          </a:gsLst>
-          <a:lin ang="16200000" scaled="0"/>
-        </a:gradFill>
-      </a:fillStyleLst>
-      <a:lnStyleLst>
-        <a:ln w="9525" cap="flat" cmpd="sng" algn="ctr">
-          <a:solidFill>
-            <a:schemeClr val="phClr">
-              <a:shade val="95000"/>
-              <a:satMod val="105000"/>
-            </a:schemeClr>
-          </a:solidFill>
-          <a:prstDash val="solid"/>
-        </a:ln>
-        <a:ln w="25400" cap="flat" cmpd="sng" algn="ctr">
-          <a:solidFill>
-            <a:schemeClr val="phClr"/>
-          </a:solidFill>
-          <a:prstDash val="solid"/>
-        </a:ln>
-        <a:ln w="38100" cap="flat" cmpd="sng" algn="ctr">
-          <a:solidFill>
-            <a:schemeClr val="phClr"/>
-          </a:solidFill>
-          <a:prstDash val="solid"/>
-        </a:ln>
-      </a:lnStyleLst>
-      <a:effectStyleLst>
-        <a:effectStyle>
-          <a:effectLst>
-            <a:outerShdw blurRad="40000" dist="20000" dir="5400000" rotWithShape="0">
-              <a:srgbClr val="000000">
-                <a:alpha val="38000"/>
-              </a:srgbClr>
-            </a:outerShdw>
-          </a:effectLst>
-        </a:effectStyle>
-        <a:effectStyle>
-          <a:effectLst>
-            <a:outerShdw blurRad="40000" dist="23000" dir="5400000" rotWithShape="0">
-              <a:srgbClr val="000000">
-                <a:alpha val="35000"/>
-              </a:srgbClr>
-            </a:outerShdw>
-          </a:effectLst>
-        </a:effectStyle>
-        <a:effectStyle>
-          <a:effectLst>
-            <a:outerShdw blurRad="40000" dist="23000" dir="5400000" rotWithShape="0">
-              <a:srgbClr val="000000">
-                <a:alpha val="35000"/>
-              </a:srgbClr>
-            </a:outerShdw>
-          </a:effectLst>
-          <a:scene3d>
-            <a:camera prst="orthographicFront">
-              <a:rot lat="0" lon="0" rev="0"/>
-            </a:camera>
-            <a:lightRig rig="threePt" dir="t">
-              <a:rot lat="0" lon="0" rev="1200000"/>
-            </a:lightRig>
-          </a:scene3d>
-          <a:sp3d>
-            <a:bevelT w="63500" h="25400"/>
-          </a:sp3d>
-        </a:effectStyle>
-      </a:effectStyleLst>
-      <a:bgFillStyleLst>
-        <a:solidFill>
-          <a:schemeClr val="phClr"/>
-        </a:solidFill>
-        <a:gradFill rotWithShape="1">
-          <a:gsLst>
-            <a:gs pos="0">
-              <a:schemeClr val="phClr">
-                <a:tint val="40000"/>
-                <a:satMod val="350000"/>
-              </a:schemeClr>
-            </a:gs>
-            <a:gs pos="40000">
-              <a:schemeClr val="phClr">
-                <a:tint val="45000"/>
-                <a:shade val="99000"/>
-                <a:satMod val="350000"/>
-              </a:schemeClr>
-            </a:gs>
-            <a:gs pos="100000">
-              <a:schemeClr val="phClr">
-                <a:shade val="20000"/>
-                <a:satMod val="255000"/>
-              </a:schemeClr>
-            </a:gs>
-          </a:gsLst>
-          <a:path path="circle">
-            <a:fillToRect l="50000" t="-80000" r="50000" b="180000"/>
-          </a:path>
-        </a:gradFill>
-        <a:gradFill rotWithShape="1">
-          <a:gsLst>
-            <a:gs pos="0">
-              <a:schemeClr val="phClr">
-                <a:tint val="80000"/>
-                <a:satMod val="300000"/>
-              </a:schemeClr>
-            </a:gs>
-            <a:gs pos="100000">
-              <a:schemeClr val="phClr">
-                <a:shade val="30000"/>
-                <a:satMod val="200000"/>
-              </a:schemeClr>
-            </a:gs>
-          </a:gsLst>
-          <a:path path="circle">
-            <a:fillToRect l="50000" t="50000" r="50000" b="50000"/>
-          </a:path>
-        </a:gradFill>
-      </a:bgFillStyleLst>
-    </a:fmtScheme>
-  </a:themeElements>
-</a:theme>
 </file>
--- a/Case.pptx
+++ b/Case.pptx
@@ -8,30 +8,29 @@
     <p:sldMasterId id="2147483687" r:id="rId5"/>
     <p:sldMasterId id="2147483700" r:id="rId6"/>
     <p:sldMasterId id="2147483713" r:id="rId7"/>
-    <p:sldMasterId id="2147483726" r:id="rId8"/>
   </p:sldMasterIdLst>
   <p:notesMasterIdLst>
-    <p:notesMasterId r:id="rId9"/>
+    <p:notesMasterId r:id="rId8"/>
   </p:notesMasterIdLst>
   <p:sldIdLst>
-    <p:sldId id="256" r:id="rId10"/>
-    <p:sldId id="257" r:id="rId11"/>
-    <p:sldId id="258" r:id="rId12"/>
-    <p:sldId id="259" r:id="rId13"/>
-    <p:sldId id="260" r:id="rId14"/>
-    <p:sldId id="261" r:id="rId15"/>
-    <p:sldId id="262" r:id="rId16"/>
-    <p:sldId id="263" r:id="rId17"/>
-    <p:sldId id="264" r:id="rId18"/>
-    <p:sldId id="265" r:id="rId19"/>
-    <p:sldId id="266" r:id="rId20"/>
-    <p:sldId id="267" r:id="rId21"/>
-    <p:sldId id="268" r:id="rId22"/>
-    <p:sldId id="269" r:id="rId23"/>
-    <p:sldId id="270" r:id="rId24"/>
-    <p:sldId id="271" r:id="rId25"/>
-    <p:sldId id="272" r:id="rId26"/>
-    <p:sldId id="273" r:id="rId27"/>
+    <p:sldId id="256" r:id="rId9"/>
+    <p:sldId id="257" r:id="rId10"/>
+    <p:sldId id="258" r:id="rId11"/>
+    <p:sldId id="259" r:id="rId12"/>
+    <p:sldId id="260" r:id="rId13"/>
+    <p:sldId id="261" r:id="rId14"/>
+    <p:sldId id="262" r:id="rId15"/>
+    <p:sldId id="263" r:id="rId16"/>
+    <p:sldId id="264" r:id="rId17"/>
+    <p:sldId id="265" r:id="rId18"/>
+    <p:sldId id="266" r:id="rId19"/>
+    <p:sldId id="267" r:id="rId20"/>
+    <p:sldId id="268" r:id="rId21"/>
+    <p:sldId id="269" r:id="rId22"/>
+    <p:sldId id="270" r:id="rId23"/>
+    <p:sldId id="271" r:id="rId24"/>
+    <p:sldId id="272" r:id="rId25"/>
+    <p:sldId id="273" r:id="rId26"/>
   </p:sldIdLst>
   <p:sldSz cx="9144000" cy="5143500"/>
   <p:notesSz cx="6858000" cy="9144000"/>
@@ -57,7 +56,7 @@
       </p:grpSpPr>
       <p:sp>
         <p:nvSpPr>
-          <p:cNvPr id="266" name="PlaceHolder 1"/>
+          <p:cNvPr id="228" name="PlaceHolder 1"/>
           <p:cNvSpPr>
             <a:spLocks noGrp="1"/>
           </p:cNvSpPr>
@@ -92,7 +91,7 @@
       </p:sp>
       <p:sp>
         <p:nvSpPr>
-          <p:cNvPr id="267" name="PlaceHolder 2"/>
+          <p:cNvPr id="229" name="PlaceHolder 2"/>
           <p:cNvSpPr>
             <a:spLocks noGrp="1"/>
           </p:cNvSpPr>
@@ -126,7 +125,7 @@
       </p:sp>
       <p:sp>
         <p:nvSpPr>
-          <p:cNvPr id="268" name="PlaceHolder 3"/>
+          <p:cNvPr id="230" name="PlaceHolder 3"/>
           <p:cNvSpPr>
             <a:spLocks noGrp="1"/>
           </p:cNvSpPr>
@@ -160,7 +159,7 @@
       </p:sp>
       <p:sp>
         <p:nvSpPr>
-          <p:cNvPr id="269" name="PlaceHolder 4"/>
+          <p:cNvPr id="231" name="PlaceHolder 4"/>
           <p:cNvSpPr>
             <a:spLocks noGrp="1"/>
           </p:cNvSpPr>
@@ -195,7 +194,7 @@
       </p:sp>
       <p:sp>
         <p:nvSpPr>
-          <p:cNvPr id="270" name="PlaceHolder 5"/>
+          <p:cNvPr id="232" name="PlaceHolder 5"/>
           <p:cNvSpPr>
             <a:spLocks noGrp="1"/>
           </p:cNvSpPr>
@@ -219,7 +218,7 @@
               <a:rPr b="0" lang="en-US" sz="1400" spc="-1" strike="noStrike">
                 <a:latin typeface="Times New Roman"/>
               </a:rPr>
-              <a:t> </a:t>
+              <a:t>&lt;footer&gt;</a:t>
             </a:r>
             <a:endParaRPr b="0" lang="en-US" sz="1400" spc="-1" strike="noStrike">
               <a:latin typeface="Times New Roman"/>
@@ -229,7 +228,7 @@
       </p:sp>
       <p:sp>
         <p:nvSpPr>
-          <p:cNvPr id="271" name="PlaceHolder 6"/>
+          <p:cNvPr id="233" name="PlaceHolder 6"/>
           <p:cNvSpPr>
             <a:spLocks noGrp="1"/>
           </p:cNvSpPr>
@@ -250,11 +249,11 @@
           <a:bodyPr lIns="0" rIns="0" tIns="0" bIns="0" anchor="b"/>
           <a:p>
             <a:pPr algn="r"/>
-            <a:fld id="{B4E82F36-B2C3-4FED-AB8E-53BAE9D466C1}" type="slidenum">
+            <a:fld id="{6FB0BBD4-AB68-473B-82B7-D007B2A5A780}" type="slidenum">
               <a:rPr b="0" lang="en-US" sz="1400" spc="-1" strike="noStrike">
                 <a:latin typeface="Times New Roman"/>
               </a:rPr>
-              <a:t>1</a:t>
+              <a:t>&lt;number&gt;</a:t>
             </a:fld>
             <a:endParaRPr b="0" lang="en-US" sz="1400" spc="-1" strike="noStrike">
               <a:latin typeface="Times New Roman"/>
@@ -287,7 +286,7 @@
       </p:grpSpPr>
       <p:sp>
         <p:nvSpPr>
-          <p:cNvPr id="340" name="PlaceHolder 1"/>
+          <p:cNvPr id="302" name="PlaceHolder 1"/>
           <p:cNvSpPr>
             <a:spLocks noGrp="1"/>
           </p:cNvSpPr>
@@ -298,16 +297,16 @@
         <p:spPr>
           <a:xfrm>
             <a:off x="380880" y="685800"/>
-            <a:ext cx="6094800" cy="3427920"/>
-          </a:xfrm>
-          <a:prstGeom prst="rect">
-            <a:avLst/>
-          </a:prstGeom>
-        </p:spPr>
-      </p:sp>
-      <p:sp>
-        <p:nvSpPr>
-          <p:cNvPr id="341" name="PlaceHolder 2"/>
+            <a:ext cx="6094080" cy="3427200"/>
+          </a:xfrm>
+          <a:prstGeom prst="rect">
+            <a:avLst/>
+          </a:prstGeom>
+        </p:spPr>
+      </p:sp>
+      <p:sp>
+        <p:nvSpPr>
+          <p:cNvPr id="303" name="PlaceHolder 2"/>
           <p:cNvSpPr>
             <a:spLocks noGrp="1"/>
           </p:cNvSpPr>
@@ -318,7 +317,7 @@
         <p:spPr>
           <a:xfrm>
             <a:off x="685800" y="4343400"/>
-            <a:ext cx="5485320" cy="4113720"/>
+            <a:ext cx="5484600" cy="4113000"/>
           </a:xfrm>
           <a:prstGeom prst="rect">
             <a:avLst/>
@@ -335,14 +334,14 @@
       </p:sp>
       <p:sp>
         <p:nvSpPr>
-          <p:cNvPr id="342" name="CustomShape 3"/>
+          <p:cNvPr id="304" name="CustomShape 3"/>
           <p:cNvSpPr/>
           <p:nvPr/>
         </p:nvSpPr>
         <p:spPr>
           <a:xfrm>
             <a:off x="0" y="0"/>
-            <a:ext cx="359280" cy="359280"/>
+            <a:ext cx="358560" cy="358560"/>
           </a:xfrm>
           <a:prstGeom prst="rect">
             <a:avLst/>
@@ -358,29 +357,6 @@
           <a:effectRef idx="0"/>
           <a:fontRef idx="minor"/>
         </p:style>
-        <p:txBody>
-          <a:bodyPr lIns="90000" rIns="90000" tIns="45000" bIns="45000"/>
-          <a:p>
-            <a:pPr>
-              <a:lnSpc>
-                <a:spcPct val="100000"/>
-              </a:lnSpc>
-            </a:pPr>
-            <a:fld id="{D08D4F69-F6F1-4934-AEC0-629EB24B2014}" type="slidenum">
-              <a:rPr b="0" lang="en-US" sz="1800" spc="-1" strike="noStrike">
-                <a:solidFill>
-                  <a:srgbClr val="000000"/>
-                </a:solidFill>
-                <a:latin typeface="+mn-lt"/>
-                <a:ea typeface="+mn-ea"/>
-              </a:rPr>
-              <a:t>&lt;number&gt;</a:t>
-            </a:fld>
-            <a:endParaRPr b="0" lang="en-US" sz="1800" spc="-1" strike="noStrike">
-              <a:latin typeface="Arial"/>
-            </a:endParaRPr>
-          </a:p>
-        </p:txBody>
       </p:sp>
     </p:spTree>
   </p:cSld>
@@ -406,7 +382,7 @@
       </p:grpSpPr>
       <p:sp>
         <p:nvSpPr>
-          <p:cNvPr id="343" name="PlaceHolder 1"/>
+          <p:cNvPr id="305" name="PlaceHolder 1"/>
           <p:cNvSpPr>
             <a:spLocks noGrp="1"/>
           </p:cNvSpPr>
@@ -417,16 +393,16 @@
         <p:spPr>
           <a:xfrm>
             <a:off x="380880" y="685800"/>
-            <a:ext cx="6094800" cy="3427920"/>
-          </a:xfrm>
-          <a:prstGeom prst="rect">
-            <a:avLst/>
-          </a:prstGeom>
-        </p:spPr>
-      </p:sp>
-      <p:sp>
-        <p:nvSpPr>
-          <p:cNvPr id="344" name="PlaceHolder 2"/>
+            <a:ext cx="6094080" cy="3427200"/>
+          </a:xfrm>
+          <a:prstGeom prst="rect">
+            <a:avLst/>
+          </a:prstGeom>
+        </p:spPr>
+      </p:sp>
+      <p:sp>
+        <p:nvSpPr>
+          <p:cNvPr id="306" name="PlaceHolder 2"/>
           <p:cNvSpPr>
             <a:spLocks noGrp="1"/>
           </p:cNvSpPr>
@@ -437,7 +413,7 @@
         <p:spPr>
           <a:xfrm>
             <a:off x="685800" y="4343400"/>
-            <a:ext cx="5485320" cy="4113720"/>
+            <a:ext cx="5484600" cy="4113000"/>
           </a:xfrm>
           <a:prstGeom prst="rect">
             <a:avLst/>
@@ -446,7 +422,7 @@
         <p:txBody>
           <a:bodyPr lIns="0" rIns="0" tIns="91440" bIns="91440"/>
           <a:p>
-            <a:pPr marL="457200" indent="-316440">
+            <a:pPr marL="457200" indent="-315720">
               <a:lnSpc>
                 <a:spcPct val="100000"/>
               </a:lnSpc>
@@ -482,14 +458,14 @@
       </p:sp>
       <p:sp>
         <p:nvSpPr>
-          <p:cNvPr id="345" name="CustomShape 3"/>
+          <p:cNvPr id="307" name="CustomShape 3"/>
           <p:cNvSpPr/>
           <p:nvPr/>
         </p:nvSpPr>
         <p:spPr>
           <a:xfrm>
             <a:off x="0" y="0"/>
-            <a:ext cx="359280" cy="359280"/>
+            <a:ext cx="358560" cy="358560"/>
           </a:xfrm>
           <a:prstGeom prst="rect">
             <a:avLst/>
@@ -505,29 +481,6 @@
           <a:effectRef idx="0"/>
           <a:fontRef idx="minor"/>
         </p:style>
-        <p:txBody>
-          <a:bodyPr lIns="90000" rIns="90000" tIns="45000" bIns="45000"/>
-          <a:p>
-            <a:pPr>
-              <a:lnSpc>
-                <a:spcPct val="100000"/>
-              </a:lnSpc>
-            </a:pPr>
-            <a:fld id="{C3193A74-41F0-4084-AC74-F394FFD697F6}" type="slidenum">
-              <a:rPr b="0" lang="en-US" sz="1800" spc="-1" strike="noStrike">
-                <a:solidFill>
-                  <a:srgbClr val="000000"/>
-                </a:solidFill>
-                <a:latin typeface="+mn-lt"/>
-                <a:ea typeface="+mn-ea"/>
-              </a:rPr>
-              <a:t>&lt;number&gt;</a:t>
-            </a:fld>
-            <a:endParaRPr b="0" lang="en-US" sz="1800" spc="-1" strike="noStrike">
-              <a:latin typeface="Arial"/>
-            </a:endParaRPr>
-          </a:p>
-        </p:txBody>
       </p:sp>
     </p:spTree>
   </p:cSld>
@@ -8244,543 +8197,6 @@
 </p:sldLayout>
 </file>
 
-<file path=ppt/slideLayouts/slideLayout73.xml><?xml version="1.0" encoding="utf-8"?>
-<p:sldLayout xmlns:a="http://schemas.openxmlformats.org/drawingml/2006/main" xmlns:p="http://schemas.openxmlformats.org/presentationml/2006/main" xmlns:r="http://schemas.openxmlformats.org/officeDocument/2006/relationships" xmlns:p14="http://schemas.microsoft.com/office/powerpoint/2010/main" xmlns:p15="http://schemas.microsoft.com/office/powerpoint/2012/main" xmlns:mc="http://schemas.openxmlformats.org/markup-compatibility/2006" type="blank" preserve="1">
-  <p:cSld name="Blank Slide">
-    <p:spTree>
-      <p:nvGrpSpPr>
-        <p:cNvPr id="1" name=""/>
-        <p:cNvGrpSpPr/>
-        <p:nvPr/>
-      </p:nvGrpSpPr>
-      <p:grpSpPr>
-        <a:xfrm>
-          <a:off x="0" y="0"/>
-          <a:ext cx="0" cy="0"/>
-          <a:chOff x="0" y="0"/>
-          <a:chExt cx="0" cy="0"/>
-        </a:xfrm>
-      </p:grpSpPr>
-    </p:spTree>
-  </p:cSld>
-</p:sldLayout>
-</file>
-
-<file path=ppt/slideLayouts/slideLayout74.xml><?xml version="1.0" encoding="utf-8"?>
-<p:sldLayout xmlns:a="http://schemas.openxmlformats.org/drawingml/2006/main" xmlns:p="http://schemas.openxmlformats.org/presentationml/2006/main" xmlns:r="http://schemas.openxmlformats.org/officeDocument/2006/relationships" xmlns:p14="http://schemas.microsoft.com/office/powerpoint/2010/main" xmlns:p15="http://schemas.microsoft.com/office/powerpoint/2012/main" xmlns:mc="http://schemas.openxmlformats.org/markup-compatibility/2006" type="tx" preserve="1">
-  <p:cSld name="Title Slide">
-    <p:spTree>
-      <p:nvGrpSpPr>
-        <p:cNvPr id="1" name=""/>
-        <p:cNvGrpSpPr/>
-        <p:nvPr/>
-      </p:nvGrpSpPr>
-      <p:grpSpPr>
-        <a:xfrm>
-          <a:off x="0" y="0"/>
-          <a:ext cx="0" cy="0"/>
-          <a:chOff x="0" y="0"/>
-          <a:chExt cx="0" cy="0"/>
-        </a:xfrm>
-      </p:grpSpPr>
-      <p:sp>
-        <p:nvSpPr>
-          <p:cNvPr id="230" name="PlaceHolder 1"/>
-          <p:cNvSpPr>
-            <a:spLocks noGrp="1"/>
-          </p:cNvSpPr>
-          <p:nvPr>
-            <p:ph type="title"/>
-          </p:nvPr>
-        </p:nvSpPr>
-        <p:spPr>
-          <a:xfrm>
-            <a:off x="457200" y="205200"/>
-            <a:ext cx="8229240" cy="858600"/>
-          </a:xfrm>
-          <a:prstGeom prst="rect">
-            <a:avLst/>
-          </a:prstGeom>
-        </p:spPr>
-        <p:txBody>
-          <a:bodyPr lIns="0" rIns="0" tIns="0" bIns="0" anchor="ctr"/>
-          <a:p>
-            <a:pPr algn="ctr"/>
-            <a:endParaRPr b="0" lang="en-US" sz="4400" spc="-1" strike="noStrike">
-              <a:latin typeface="Arial"/>
-            </a:endParaRPr>
-          </a:p>
-        </p:txBody>
-      </p:sp>
-      <p:sp>
-        <p:nvSpPr>
-          <p:cNvPr id="231" name="PlaceHolder 2"/>
-          <p:cNvSpPr>
-            <a:spLocks noGrp="1"/>
-          </p:cNvSpPr>
-          <p:nvPr>
-            <p:ph type="subTitle"/>
-          </p:nvPr>
-        </p:nvSpPr>
-        <p:spPr>
-          <a:xfrm>
-            <a:off x="457200" y="1203480"/>
-            <a:ext cx="8229240" cy="2982960"/>
-          </a:xfrm>
-          <a:prstGeom prst="rect">
-            <a:avLst/>
-          </a:prstGeom>
-        </p:spPr>
-        <p:txBody>
-          <a:bodyPr lIns="0" rIns="0" tIns="0" bIns="0" anchor="ctr"/>
-          <a:p>
-            <a:pPr algn="ctr"/>
-            <a:endParaRPr b="0" lang="en-US" sz="3200" spc="-1" strike="noStrike">
-              <a:latin typeface="Arial"/>
-            </a:endParaRPr>
-          </a:p>
-        </p:txBody>
-      </p:sp>
-    </p:spTree>
-  </p:cSld>
-</p:sldLayout>
-</file>
-
-<file path=ppt/slideLayouts/slideLayout75.xml><?xml version="1.0" encoding="utf-8"?>
-<p:sldLayout xmlns:a="http://schemas.openxmlformats.org/drawingml/2006/main" xmlns:p="http://schemas.openxmlformats.org/presentationml/2006/main" xmlns:r="http://schemas.openxmlformats.org/officeDocument/2006/relationships" xmlns:p14="http://schemas.microsoft.com/office/powerpoint/2010/main" xmlns:p15="http://schemas.microsoft.com/office/powerpoint/2012/main" xmlns:mc="http://schemas.openxmlformats.org/markup-compatibility/2006" type="obj" preserve="1">
-  <p:cSld name="Title, Content">
-    <p:spTree>
-      <p:nvGrpSpPr>
-        <p:cNvPr id="1" name=""/>
-        <p:cNvGrpSpPr/>
-        <p:nvPr/>
-      </p:nvGrpSpPr>
-      <p:grpSpPr>
-        <a:xfrm>
-          <a:off x="0" y="0"/>
-          <a:ext cx="0" cy="0"/>
-          <a:chOff x="0" y="0"/>
-          <a:chExt cx="0" cy="0"/>
-        </a:xfrm>
-      </p:grpSpPr>
-      <p:sp>
-        <p:nvSpPr>
-          <p:cNvPr id="232" name="PlaceHolder 1"/>
-          <p:cNvSpPr>
-            <a:spLocks noGrp="1"/>
-          </p:cNvSpPr>
-          <p:nvPr>
-            <p:ph type="title"/>
-          </p:nvPr>
-        </p:nvSpPr>
-        <p:spPr>
-          <a:xfrm>
-            <a:off x="457200" y="205200"/>
-            <a:ext cx="8229240" cy="858600"/>
-          </a:xfrm>
-          <a:prstGeom prst="rect">
-            <a:avLst/>
-          </a:prstGeom>
-        </p:spPr>
-        <p:txBody>
-          <a:bodyPr lIns="0" rIns="0" tIns="0" bIns="0" anchor="ctr"/>
-          <a:p>
-            <a:pPr algn="ctr"/>
-            <a:endParaRPr b="0" lang="en-US" sz="4400" spc="-1" strike="noStrike">
-              <a:latin typeface="Arial"/>
-            </a:endParaRPr>
-          </a:p>
-        </p:txBody>
-      </p:sp>
-      <p:sp>
-        <p:nvSpPr>
-          <p:cNvPr id="233" name="PlaceHolder 2"/>
-          <p:cNvSpPr>
-            <a:spLocks noGrp="1"/>
-          </p:cNvSpPr>
-          <p:nvPr>
-            <p:ph type="body"/>
-          </p:nvPr>
-        </p:nvSpPr>
-        <p:spPr>
-          <a:xfrm>
-            <a:off x="457200" y="1203480"/>
-            <a:ext cx="8229240" cy="2982960"/>
-          </a:xfrm>
-          <a:prstGeom prst="rect">
-            <a:avLst/>
-          </a:prstGeom>
-        </p:spPr>
-        <p:txBody>
-          <a:bodyPr lIns="0" rIns="0" tIns="0" bIns="0">
-            <a:normAutofit/>
-          </a:bodyPr>
-          <a:p>
-            <a:endParaRPr b="0" lang="en-US" sz="3200" spc="-1" strike="noStrike">
-              <a:latin typeface="Arial"/>
-            </a:endParaRPr>
-          </a:p>
-        </p:txBody>
-      </p:sp>
-    </p:spTree>
-  </p:cSld>
-</p:sldLayout>
-</file>
-
-<file path=ppt/slideLayouts/slideLayout76.xml><?xml version="1.0" encoding="utf-8"?>
-<p:sldLayout xmlns:a="http://schemas.openxmlformats.org/drawingml/2006/main" xmlns:p="http://schemas.openxmlformats.org/presentationml/2006/main" xmlns:r="http://schemas.openxmlformats.org/officeDocument/2006/relationships" xmlns:p14="http://schemas.microsoft.com/office/powerpoint/2010/main" xmlns:p15="http://schemas.microsoft.com/office/powerpoint/2012/main" xmlns:mc="http://schemas.openxmlformats.org/markup-compatibility/2006" type="twoObj" preserve="1">
-  <p:cSld name="Title, 2 Content">
-    <p:spTree>
-      <p:nvGrpSpPr>
-        <p:cNvPr id="1" name=""/>
-        <p:cNvGrpSpPr/>
-        <p:nvPr/>
-      </p:nvGrpSpPr>
-      <p:grpSpPr>
-        <a:xfrm>
-          <a:off x="0" y="0"/>
-          <a:ext cx="0" cy="0"/>
-          <a:chOff x="0" y="0"/>
-          <a:chExt cx="0" cy="0"/>
-        </a:xfrm>
-      </p:grpSpPr>
-      <p:sp>
-        <p:nvSpPr>
-          <p:cNvPr id="234" name="PlaceHolder 1"/>
-          <p:cNvSpPr>
-            <a:spLocks noGrp="1"/>
-          </p:cNvSpPr>
-          <p:nvPr>
-            <p:ph type="title"/>
-          </p:nvPr>
-        </p:nvSpPr>
-        <p:spPr>
-          <a:xfrm>
-            <a:off x="457200" y="205200"/>
-            <a:ext cx="8229240" cy="858600"/>
-          </a:xfrm>
-          <a:prstGeom prst="rect">
-            <a:avLst/>
-          </a:prstGeom>
-        </p:spPr>
-        <p:txBody>
-          <a:bodyPr lIns="0" rIns="0" tIns="0" bIns="0" anchor="ctr"/>
-          <a:p>
-            <a:pPr algn="ctr"/>
-            <a:endParaRPr b="0" lang="en-US" sz="4400" spc="-1" strike="noStrike">
-              <a:latin typeface="Arial"/>
-            </a:endParaRPr>
-          </a:p>
-        </p:txBody>
-      </p:sp>
-      <p:sp>
-        <p:nvSpPr>
-          <p:cNvPr id="235" name="PlaceHolder 2"/>
-          <p:cNvSpPr>
-            <a:spLocks noGrp="1"/>
-          </p:cNvSpPr>
-          <p:nvPr>
-            <p:ph type="body"/>
-          </p:nvPr>
-        </p:nvSpPr>
-        <p:spPr>
-          <a:xfrm>
-            <a:off x="457200" y="1203480"/>
-            <a:ext cx="4015800" cy="2982960"/>
-          </a:xfrm>
-          <a:prstGeom prst="rect">
-            <a:avLst/>
-          </a:prstGeom>
-        </p:spPr>
-        <p:txBody>
-          <a:bodyPr lIns="0" rIns="0" tIns="0" bIns="0">
-            <a:normAutofit/>
-          </a:bodyPr>
-          <a:p>
-            <a:endParaRPr b="0" lang="en-US" sz="3200" spc="-1" strike="noStrike">
-              <a:latin typeface="Arial"/>
-            </a:endParaRPr>
-          </a:p>
-        </p:txBody>
-      </p:sp>
-      <p:sp>
-        <p:nvSpPr>
-          <p:cNvPr id="236" name="PlaceHolder 3"/>
-          <p:cNvSpPr>
-            <a:spLocks noGrp="1"/>
-          </p:cNvSpPr>
-          <p:nvPr>
-            <p:ph type="body"/>
-          </p:nvPr>
-        </p:nvSpPr>
-        <p:spPr>
-          <a:xfrm>
-            <a:off x="4674240" y="1203480"/>
-            <a:ext cx="4015800" cy="2982960"/>
-          </a:xfrm>
-          <a:prstGeom prst="rect">
-            <a:avLst/>
-          </a:prstGeom>
-        </p:spPr>
-        <p:txBody>
-          <a:bodyPr lIns="0" rIns="0" tIns="0" bIns="0">
-            <a:normAutofit/>
-          </a:bodyPr>
-          <a:p>
-            <a:endParaRPr b="0" lang="en-US" sz="3200" spc="-1" strike="noStrike">
-              <a:latin typeface="Arial"/>
-            </a:endParaRPr>
-          </a:p>
-        </p:txBody>
-      </p:sp>
-    </p:spTree>
-  </p:cSld>
-</p:sldLayout>
-</file>
-
-<file path=ppt/slideLayouts/slideLayout77.xml><?xml version="1.0" encoding="utf-8"?>
-<p:sldLayout xmlns:a="http://schemas.openxmlformats.org/drawingml/2006/main" xmlns:p="http://schemas.openxmlformats.org/presentationml/2006/main" xmlns:r="http://schemas.openxmlformats.org/officeDocument/2006/relationships" xmlns:p14="http://schemas.microsoft.com/office/powerpoint/2010/main" xmlns:p15="http://schemas.microsoft.com/office/powerpoint/2012/main" xmlns:mc="http://schemas.openxmlformats.org/markup-compatibility/2006" type="titleOnly" preserve="1">
-  <p:cSld name="Title Only">
-    <p:spTree>
-      <p:nvGrpSpPr>
-        <p:cNvPr id="1" name=""/>
-        <p:cNvGrpSpPr/>
-        <p:nvPr/>
-      </p:nvGrpSpPr>
-      <p:grpSpPr>
-        <a:xfrm>
-          <a:off x="0" y="0"/>
-          <a:ext cx="0" cy="0"/>
-          <a:chOff x="0" y="0"/>
-          <a:chExt cx="0" cy="0"/>
-        </a:xfrm>
-      </p:grpSpPr>
-      <p:sp>
-        <p:nvSpPr>
-          <p:cNvPr id="237" name="PlaceHolder 1"/>
-          <p:cNvSpPr>
-            <a:spLocks noGrp="1"/>
-          </p:cNvSpPr>
-          <p:nvPr>
-            <p:ph type="title"/>
-          </p:nvPr>
-        </p:nvSpPr>
-        <p:spPr>
-          <a:xfrm>
-            <a:off x="457200" y="205200"/>
-            <a:ext cx="8229240" cy="858600"/>
-          </a:xfrm>
-          <a:prstGeom prst="rect">
-            <a:avLst/>
-          </a:prstGeom>
-        </p:spPr>
-        <p:txBody>
-          <a:bodyPr lIns="0" rIns="0" tIns="0" bIns="0" anchor="ctr"/>
-          <a:p>
-            <a:pPr algn="ctr"/>
-            <a:endParaRPr b="0" lang="en-US" sz="4400" spc="-1" strike="noStrike">
-              <a:latin typeface="Arial"/>
-            </a:endParaRPr>
-          </a:p>
-        </p:txBody>
-      </p:sp>
-    </p:spTree>
-  </p:cSld>
-</p:sldLayout>
-</file>
-
-<file path=ppt/slideLayouts/slideLayout78.xml><?xml version="1.0" encoding="utf-8"?>
-<p:sldLayout xmlns:a="http://schemas.openxmlformats.org/drawingml/2006/main" xmlns:p="http://schemas.openxmlformats.org/presentationml/2006/main" xmlns:r="http://schemas.openxmlformats.org/officeDocument/2006/relationships" xmlns:p14="http://schemas.microsoft.com/office/powerpoint/2010/main" xmlns:p15="http://schemas.microsoft.com/office/powerpoint/2012/main" xmlns:mc="http://schemas.openxmlformats.org/markup-compatibility/2006" type="objOnly" preserve="1">
-  <p:cSld name="Centered Text">
-    <p:spTree>
-      <p:nvGrpSpPr>
-        <p:cNvPr id="1" name=""/>
-        <p:cNvGrpSpPr/>
-        <p:nvPr/>
-      </p:nvGrpSpPr>
-      <p:grpSpPr>
-        <a:xfrm>
-          <a:off x="0" y="0"/>
-          <a:ext cx="0" cy="0"/>
-          <a:chOff x="0" y="0"/>
-          <a:chExt cx="0" cy="0"/>
-        </a:xfrm>
-      </p:grpSpPr>
-      <p:sp>
-        <p:nvSpPr>
-          <p:cNvPr id="238" name="PlaceHolder 1"/>
-          <p:cNvSpPr>
-            <a:spLocks noGrp="1"/>
-          </p:cNvSpPr>
-          <p:nvPr>
-            <p:ph type="subTitle"/>
-          </p:nvPr>
-        </p:nvSpPr>
-        <p:spPr>
-          <a:xfrm>
-            <a:off x="457200" y="205200"/>
-            <a:ext cx="8229240" cy="3981240"/>
-          </a:xfrm>
-          <a:prstGeom prst="rect">
-            <a:avLst/>
-          </a:prstGeom>
-        </p:spPr>
-        <p:txBody>
-          <a:bodyPr lIns="0" rIns="0" tIns="0" bIns="0" anchor="ctr"/>
-          <a:p>
-            <a:pPr algn="ctr"/>
-            <a:endParaRPr b="0" lang="en-US" sz="3200" spc="-1" strike="noStrike">
-              <a:latin typeface="Arial"/>
-            </a:endParaRPr>
-          </a:p>
-        </p:txBody>
-      </p:sp>
-    </p:spTree>
-  </p:cSld>
-</p:sldLayout>
-</file>
-
-<file path=ppt/slideLayouts/slideLayout79.xml><?xml version="1.0" encoding="utf-8"?>
-<p:sldLayout xmlns:a="http://schemas.openxmlformats.org/drawingml/2006/main" xmlns:p="http://schemas.openxmlformats.org/presentationml/2006/main" xmlns:r="http://schemas.openxmlformats.org/officeDocument/2006/relationships" xmlns:p14="http://schemas.microsoft.com/office/powerpoint/2010/main" xmlns:p15="http://schemas.microsoft.com/office/powerpoint/2012/main" xmlns:mc="http://schemas.openxmlformats.org/markup-compatibility/2006" type="twoObjAndObj" preserve="1">
-  <p:cSld name="Title, 2 Content and Content">
-    <p:spTree>
-      <p:nvGrpSpPr>
-        <p:cNvPr id="1" name=""/>
-        <p:cNvGrpSpPr/>
-        <p:nvPr/>
-      </p:nvGrpSpPr>
-      <p:grpSpPr>
-        <a:xfrm>
-          <a:off x="0" y="0"/>
-          <a:ext cx="0" cy="0"/>
-          <a:chOff x="0" y="0"/>
-          <a:chExt cx="0" cy="0"/>
-        </a:xfrm>
-      </p:grpSpPr>
-      <p:sp>
-        <p:nvSpPr>
-          <p:cNvPr id="239" name="PlaceHolder 1"/>
-          <p:cNvSpPr>
-            <a:spLocks noGrp="1"/>
-          </p:cNvSpPr>
-          <p:nvPr>
-            <p:ph type="title"/>
-          </p:nvPr>
-        </p:nvSpPr>
-        <p:spPr>
-          <a:xfrm>
-            <a:off x="457200" y="205200"/>
-            <a:ext cx="8229240" cy="858600"/>
-          </a:xfrm>
-          <a:prstGeom prst="rect">
-            <a:avLst/>
-          </a:prstGeom>
-        </p:spPr>
-        <p:txBody>
-          <a:bodyPr lIns="0" rIns="0" tIns="0" bIns="0" anchor="ctr"/>
-          <a:p>
-            <a:pPr algn="ctr"/>
-            <a:endParaRPr b="0" lang="en-US" sz="4400" spc="-1" strike="noStrike">
-              <a:latin typeface="Arial"/>
-            </a:endParaRPr>
-          </a:p>
-        </p:txBody>
-      </p:sp>
-      <p:sp>
-        <p:nvSpPr>
-          <p:cNvPr id="240" name="PlaceHolder 2"/>
-          <p:cNvSpPr>
-            <a:spLocks noGrp="1"/>
-          </p:cNvSpPr>
-          <p:nvPr>
-            <p:ph type="body"/>
-          </p:nvPr>
-        </p:nvSpPr>
-        <p:spPr>
-          <a:xfrm>
-            <a:off x="457200" y="1203480"/>
-            <a:ext cx="4015800" cy="1422720"/>
-          </a:xfrm>
-          <a:prstGeom prst="rect">
-            <a:avLst/>
-          </a:prstGeom>
-        </p:spPr>
-        <p:txBody>
-          <a:bodyPr lIns="0" rIns="0" tIns="0" bIns="0">
-            <a:normAutofit/>
-          </a:bodyPr>
-          <a:p>
-            <a:endParaRPr b="0" lang="en-US" sz="3200" spc="-1" strike="noStrike">
-              <a:latin typeface="Arial"/>
-            </a:endParaRPr>
-          </a:p>
-        </p:txBody>
-      </p:sp>
-      <p:sp>
-        <p:nvSpPr>
-          <p:cNvPr id="241" name="PlaceHolder 3"/>
-          <p:cNvSpPr>
-            <a:spLocks noGrp="1"/>
-          </p:cNvSpPr>
-          <p:nvPr>
-            <p:ph type="body"/>
-          </p:nvPr>
-        </p:nvSpPr>
-        <p:spPr>
-          <a:xfrm>
-            <a:off x="4674240" y="1203480"/>
-            <a:ext cx="4015800" cy="2982960"/>
-          </a:xfrm>
-          <a:prstGeom prst="rect">
-            <a:avLst/>
-          </a:prstGeom>
-        </p:spPr>
-        <p:txBody>
-          <a:bodyPr lIns="0" rIns="0" tIns="0" bIns="0">
-            <a:normAutofit/>
-          </a:bodyPr>
-          <a:p>
-            <a:endParaRPr b="0" lang="en-US" sz="3200" spc="-1" strike="noStrike">
-              <a:latin typeface="Arial"/>
-            </a:endParaRPr>
-          </a:p>
-        </p:txBody>
-      </p:sp>
-      <p:sp>
-        <p:nvSpPr>
-          <p:cNvPr id="242" name="PlaceHolder 4"/>
-          <p:cNvSpPr>
-            <a:spLocks noGrp="1"/>
-          </p:cNvSpPr>
-          <p:nvPr>
-            <p:ph type="body"/>
-          </p:nvPr>
-        </p:nvSpPr>
-        <p:spPr>
-          <a:xfrm>
-            <a:off x="457200" y="2761920"/>
-            <a:ext cx="4015800" cy="1422720"/>
-          </a:xfrm>
-          <a:prstGeom prst="rect">
-            <a:avLst/>
-          </a:prstGeom>
-        </p:spPr>
-        <p:txBody>
-          <a:bodyPr lIns="0" rIns="0" tIns="0" bIns="0">
-            <a:normAutofit/>
-          </a:bodyPr>
-          <a:p>
-            <a:endParaRPr b="0" lang="en-US" sz="3200" spc="-1" strike="noStrike">
-              <a:latin typeface="Arial"/>
-            </a:endParaRPr>
-          </a:p>
-        </p:txBody>
-      </p:sp>
-    </p:spTree>
-  </p:cSld>
-</p:sldLayout>
-</file>
-
 <file path=ppt/slideLayouts/slideLayout8.xml><?xml version="1.0" encoding="utf-8"?>
 <p:sldLayout xmlns:a="http://schemas.openxmlformats.org/drawingml/2006/main" xmlns:p="http://schemas.openxmlformats.org/presentationml/2006/main" xmlns:r="http://schemas.openxmlformats.org/officeDocument/2006/relationships" xmlns:p14="http://schemas.microsoft.com/office/powerpoint/2010/main" xmlns:p15="http://schemas.microsoft.com/office/powerpoint/2012/main" xmlns:mc="http://schemas.openxmlformats.org/markup-compatibility/2006" type="objAndTwoObj" preserve="1">
   <p:cSld name="Title Content and 2 Content">
@@ -8901,801 +8317,6 @@
           <a:xfrm>
             <a:off x="4674240" y="2761920"/>
             <a:ext cx="4015800" cy="1422720"/>
-          </a:xfrm>
-          <a:prstGeom prst="rect">
-            <a:avLst/>
-          </a:prstGeom>
-        </p:spPr>
-        <p:txBody>
-          <a:bodyPr lIns="0" rIns="0" tIns="0" bIns="0">
-            <a:normAutofit/>
-          </a:bodyPr>
-          <a:p>
-            <a:endParaRPr b="0" lang="en-US" sz="3200" spc="-1" strike="noStrike">
-              <a:latin typeface="Arial"/>
-            </a:endParaRPr>
-          </a:p>
-        </p:txBody>
-      </p:sp>
-    </p:spTree>
-  </p:cSld>
-</p:sldLayout>
-</file>
-
-<file path=ppt/slideLayouts/slideLayout80.xml><?xml version="1.0" encoding="utf-8"?>
-<p:sldLayout xmlns:a="http://schemas.openxmlformats.org/drawingml/2006/main" xmlns:p="http://schemas.openxmlformats.org/presentationml/2006/main" xmlns:r="http://schemas.openxmlformats.org/officeDocument/2006/relationships" xmlns:p14="http://schemas.microsoft.com/office/powerpoint/2010/main" xmlns:p15="http://schemas.microsoft.com/office/powerpoint/2012/main" xmlns:mc="http://schemas.openxmlformats.org/markup-compatibility/2006" type="objAndTwoObj" preserve="1">
-  <p:cSld name="Title Content and 2 Content">
-    <p:spTree>
-      <p:nvGrpSpPr>
-        <p:cNvPr id="1" name=""/>
-        <p:cNvGrpSpPr/>
-        <p:nvPr/>
-      </p:nvGrpSpPr>
-      <p:grpSpPr>
-        <a:xfrm>
-          <a:off x="0" y="0"/>
-          <a:ext cx="0" cy="0"/>
-          <a:chOff x="0" y="0"/>
-          <a:chExt cx="0" cy="0"/>
-        </a:xfrm>
-      </p:grpSpPr>
-      <p:sp>
-        <p:nvSpPr>
-          <p:cNvPr id="243" name="PlaceHolder 1"/>
-          <p:cNvSpPr>
-            <a:spLocks noGrp="1"/>
-          </p:cNvSpPr>
-          <p:nvPr>
-            <p:ph type="title"/>
-          </p:nvPr>
-        </p:nvSpPr>
-        <p:spPr>
-          <a:xfrm>
-            <a:off x="457200" y="205200"/>
-            <a:ext cx="8229240" cy="858600"/>
-          </a:xfrm>
-          <a:prstGeom prst="rect">
-            <a:avLst/>
-          </a:prstGeom>
-        </p:spPr>
-        <p:txBody>
-          <a:bodyPr lIns="0" rIns="0" tIns="0" bIns="0" anchor="ctr"/>
-          <a:p>
-            <a:pPr algn="ctr"/>
-            <a:endParaRPr b="0" lang="en-US" sz="4400" spc="-1" strike="noStrike">
-              <a:latin typeface="Arial"/>
-            </a:endParaRPr>
-          </a:p>
-        </p:txBody>
-      </p:sp>
-      <p:sp>
-        <p:nvSpPr>
-          <p:cNvPr id="244" name="PlaceHolder 2"/>
-          <p:cNvSpPr>
-            <a:spLocks noGrp="1"/>
-          </p:cNvSpPr>
-          <p:nvPr>
-            <p:ph type="body"/>
-          </p:nvPr>
-        </p:nvSpPr>
-        <p:spPr>
-          <a:xfrm>
-            <a:off x="457200" y="1203480"/>
-            <a:ext cx="4015800" cy="2982960"/>
-          </a:xfrm>
-          <a:prstGeom prst="rect">
-            <a:avLst/>
-          </a:prstGeom>
-        </p:spPr>
-        <p:txBody>
-          <a:bodyPr lIns="0" rIns="0" tIns="0" bIns="0">
-            <a:normAutofit/>
-          </a:bodyPr>
-          <a:p>
-            <a:endParaRPr b="0" lang="en-US" sz="3200" spc="-1" strike="noStrike">
-              <a:latin typeface="Arial"/>
-            </a:endParaRPr>
-          </a:p>
-        </p:txBody>
-      </p:sp>
-      <p:sp>
-        <p:nvSpPr>
-          <p:cNvPr id="245" name="PlaceHolder 3"/>
-          <p:cNvSpPr>
-            <a:spLocks noGrp="1"/>
-          </p:cNvSpPr>
-          <p:nvPr>
-            <p:ph type="body"/>
-          </p:nvPr>
-        </p:nvSpPr>
-        <p:spPr>
-          <a:xfrm>
-            <a:off x="4674240" y="1203480"/>
-            <a:ext cx="4015800" cy="1422720"/>
-          </a:xfrm>
-          <a:prstGeom prst="rect">
-            <a:avLst/>
-          </a:prstGeom>
-        </p:spPr>
-        <p:txBody>
-          <a:bodyPr lIns="0" rIns="0" tIns="0" bIns="0">
-            <a:normAutofit/>
-          </a:bodyPr>
-          <a:p>
-            <a:endParaRPr b="0" lang="en-US" sz="3200" spc="-1" strike="noStrike">
-              <a:latin typeface="Arial"/>
-            </a:endParaRPr>
-          </a:p>
-        </p:txBody>
-      </p:sp>
-      <p:sp>
-        <p:nvSpPr>
-          <p:cNvPr id="246" name="PlaceHolder 4"/>
-          <p:cNvSpPr>
-            <a:spLocks noGrp="1"/>
-          </p:cNvSpPr>
-          <p:nvPr>
-            <p:ph type="body"/>
-          </p:nvPr>
-        </p:nvSpPr>
-        <p:spPr>
-          <a:xfrm>
-            <a:off x="4674240" y="2761920"/>
-            <a:ext cx="4015800" cy="1422720"/>
-          </a:xfrm>
-          <a:prstGeom prst="rect">
-            <a:avLst/>
-          </a:prstGeom>
-        </p:spPr>
-        <p:txBody>
-          <a:bodyPr lIns="0" rIns="0" tIns="0" bIns="0">
-            <a:normAutofit/>
-          </a:bodyPr>
-          <a:p>
-            <a:endParaRPr b="0" lang="en-US" sz="3200" spc="-1" strike="noStrike">
-              <a:latin typeface="Arial"/>
-            </a:endParaRPr>
-          </a:p>
-        </p:txBody>
-      </p:sp>
-    </p:spTree>
-  </p:cSld>
-</p:sldLayout>
-</file>
-
-<file path=ppt/slideLayouts/slideLayout81.xml><?xml version="1.0" encoding="utf-8"?>
-<p:sldLayout xmlns:a="http://schemas.openxmlformats.org/drawingml/2006/main" xmlns:p="http://schemas.openxmlformats.org/presentationml/2006/main" xmlns:r="http://schemas.openxmlformats.org/officeDocument/2006/relationships" xmlns:p14="http://schemas.microsoft.com/office/powerpoint/2010/main" xmlns:p15="http://schemas.microsoft.com/office/powerpoint/2012/main" xmlns:mc="http://schemas.openxmlformats.org/markup-compatibility/2006" type="twoObjOverTx" preserve="1">
-  <p:cSld name="Title, 2 Content over Content">
-    <p:spTree>
-      <p:nvGrpSpPr>
-        <p:cNvPr id="1" name=""/>
-        <p:cNvGrpSpPr/>
-        <p:nvPr/>
-      </p:nvGrpSpPr>
-      <p:grpSpPr>
-        <a:xfrm>
-          <a:off x="0" y="0"/>
-          <a:ext cx="0" cy="0"/>
-          <a:chOff x="0" y="0"/>
-          <a:chExt cx="0" cy="0"/>
-        </a:xfrm>
-      </p:grpSpPr>
-      <p:sp>
-        <p:nvSpPr>
-          <p:cNvPr id="247" name="PlaceHolder 1"/>
-          <p:cNvSpPr>
-            <a:spLocks noGrp="1"/>
-          </p:cNvSpPr>
-          <p:nvPr>
-            <p:ph type="title"/>
-          </p:nvPr>
-        </p:nvSpPr>
-        <p:spPr>
-          <a:xfrm>
-            <a:off x="457200" y="205200"/>
-            <a:ext cx="8229240" cy="858600"/>
-          </a:xfrm>
-          <a:prstGeom prst="rect">
-            <a:avLst/>
-          </a:prstGeom>
-        </p:spPr>
-        <p:txBody>
-          <a:bodyPr lIns="0" rIns="0" tIns="0" bIns="0" anchor="ctr"/>
-          <a:p>
-            <a:pPr algn="ctr"/>
-            <a:endParaRPr b="0" lang="en-US" sz="4400" spc="-1" strike="noStrike">
-              <a:latin typeface="Arial"/>
-            </a:endParaRPr>
-          </a:p>
-        </p:txBody>
-      </p:sp>
-      <p:sp>
-        <p:nvSpPr>
-          <p:cNvPr id="248" name="PlaceHolder 2"/>
-          <p:cNvSpPr>
-            <a:spLocks noGrp="1"/>
-          </p:cNvSpPr>
-          <p:nvPr>
-            <p:ph type="body"/>
-          </p:nvPr>
-        </p:nvSpPr>
-        <p:spPr>
-          <a:xfrm>
-            <a:off x="457200" y="1203480"/>
-            <a:ext cx="4015800" cy="1422720"/>
-          </a:xfrm>
-          <a:prstGeom prst="rect">
-            <a:avLst/>
-          </a:prstGeom>
-        </p:spPr>
-        <p:txBody>
-          <a:bodyPr lIns="0" rIns="0" tIns="0" bIns="0">
-            <a:normAutofit/>
-          </a:bodyPr>
-          <a:p>
-            <a:endParaRPr b="0" lang="en-US" sz="3200" spc="-1" strike="noStrike">
-              <a:latin typeface="Arial"/>
-            </a:endParaRPr>
-          </a:p>
-        </p:txBody>
-      </p:sp>
-      <p:sp>
-        <p:nvSpPr>
-          <p:cNvPr id="249" name="PlaceHolder 3"/>
-          <p:cNvSpPr>
-            <a:spLocks noGrp="1"/>
-          </p:cNvSpPr>
-          <p:nvPr>
-            <p:ph type="body"/>
-          </p:nvPr>
-        </p:nvSpPr>
-        <p:spPr>
-          <a:xfrm>
-            <a:off x="4674240" y="1203480"/>
-            <a:ext cx="4015800" cy="1422720"/>
-          </a:xfrm>
-          <a:prstGeom prst="rect">
-            <a:avLst/>
-          </a:prstGeom>
-        </p:spPr>
-        <p:txBody>
-          <a:bodyPr lIns="0" rIns="0" tIns="0" bIns="0">
-            <a:normAutofit/>
-          </a:bodyPr>
-          <a:p>
-            <a:endParaRPr b="0" lang="en-US" sz="3200" spc="-1" strike="noStrike">
-              <a:latin typeface="Arial"/>
-            </a:endParaRPr>
-          </a:p>
-        </p:txBody>
-      </p:sp>
-      <p:sp>
-        <p:nvSpPr>
-          <p:cNvPr id="250" name="PlaceHolder 4"/>
-          <p:cNvSpPr>
-            <a:spLocks noGrp="1"/>
-          </p:cNvSpPr>
-          <p:nvPr>
-            <p:ph type="body"/>
-          </p:nvPr>
-        </p:nvSpPr>
-        <p:spPr>
-          <a:xfrm>
-            <a:off x="457200" y="2761920"/>
-            <a:ext cx="8229240" cy="1422720"/>
-          </a:xfrm>
-          <a:prstGeom prst="rect">
-            <a:avLst/>
-          </a:prstGeom>
-        </p:spPr>
-        <p:txBody>
-          <a:bodyPr lIns="0" rIns="0" tIns="0" bIns="0">
-            <a:normAutofit/>
-          </a:bodyPr>
-          <a:p>
-            <a:endParaRPr b="0" lang="en-US" sz="3200" spc="-1" strike="noStrike">
-              <a:latin typeface="Arial"/>
-            </a:endParaRPr>
-          </a:p>
-        </p:txBody>
-      </p:sp>
-    </p:spTree>
-  </p:cSld>
-</p:sldLayout>
-</file>
-
-<file path=ppt/slideLayouts/slideLayout82.xml><?xml version="1.0" encoding="utf-8"?>
-<p:sldLayout xmlns:a="http://schemas.openxmlformats.org/drawingml/2006/main" xmlns:p="http://schemas.openxmlformats.org/presentationml/2006/main" xmlns:r="http://schemas.openxmlformats.org/officeDocument/2006/relationships" xmlns:p14="http://schemas.microsoft.com/office/powerpoint/2010/main" xmlns:p15="http://schemas.microsoft.com/office/powerpoint/2012/main" xmlns:mc="http://schemas.openxmlformats.org/markup-compatibility/2006" type="objOverTx" preserve="1">
-  <p:cSld name="Title, Content over Content">
-    <p:spTree>
-      <p:nvGrpSpPr>
-        <p:cNvPr id="1" name=""/>
-        <p:cNvGrpSpPr/>
-        <p:nvPr/>
-      </p:nvGrpSpPr>
-      <p:grpSpPr>
-        <a:xfrm>
-          <a:off x="0" y="0"/>
-          <a:ext cx="0" cy="0"/>
-          <a:chOff x="0" y="0"/>
-          <a:chExt cx="0" cy="0"/>
-        </a:xfrm>
-      </p:grpSpPr>
-      <p:sp>
-        <p:nvSpPr>
-          <p:cNvPr id="251" name="PlaceHolder 1"/>
-          <p:cNvSpPr>
-            <a:spLocks noGrp="1"/>
-          </p:cNvSpPr>
-          <p:nvPr>
-            <p:ph type="title"/>
-          </p:nvPr>
-        </p:nvSpPr>
-        <p:spPr>
-          <a:xfrm>
-            <a:off x="457200" y="205200"/>
-            <a:ext cx="8229240" cy="858600"/>
-          </a:xfrm>
-          <a:prstGeom prst="rect">
-            <a:avLst/>
-          </a:prstGeom>
-        </p:spPr>
-        <p:txBody>
-          <a:bodyPr lIns="0" rIns="0" tIns="0" bIns="0" anchor="ctr"/>
-          <a:p>
-            <a:pPr algn="ctr"/>
-            <a:endParaRPr b="0" lang="en-US" sz="4400" spc="-1" strike="noStrike">
-              <a:latin typeface="Arial"/>
-            </a:endParaRPr>
-          </a:p>
-        </p:txBody>
-      </p:sp>
-      <p:sp>
-        <p:nvSpPr>
-          <p:cNvPr id="252" name="PlaceHolder 2"/>
-          <p:cNvSpPr>
-            <a:spLocks noGrp="1"/>
-          </p:cNvSpPr>
-          <p:nvPr>
-            <p:ph type="body"/>
-          </p:nvPr>
-        </p:nvSpPr>
-        <p:spPr>
-          <a:xfrm>
-            <a:off x="457200" y="1203480"/>
-            <a:ext cx="8229240" cy="1422720"/>
-          </a:xfrm>
-          <a:prstGeom prst="rect">
-            <a:avLst/>
-          </a:prstGeom>
-        </p:spPr>
-        <p:txBody>
-          <a:bodyPr lIns="0" rIns="0" tIns="0" bIns="0">
-            <a:normAutofit/>
-          </a:bodyPr>
-          <a:p>
-            <a:endParaRPr b="0" lang="en-US" sz="3200" spc="-1" strike="noStrike">
-              <a:latin typeface="Arial"/>
-            </a:endParaRPr>
-          </a:p>
-        </p:txBody>
-      </p:sp>
-      <p:sp>
-        <p:nvSpPr>
-          <p:cNvPr id="253" name="PlaceHolder 3"/>
-          <p:cNvSpPr>
-            <a:spLocks noGrp="1"/>
-          </p:cNvSpPr>
-          <p:nvPr>
-            <p:ph type="body"/>
-          </p:nvPr>
-        </p:nvSpPr>
-        <p:spPr>
-          <a:xfrm>
-            <a:off x="457200" y="2761920"/>
-            <a:ext cx="8229240" cy="1422720"/>
-          </a:xfrm>
-          <a:prstGeom prst="rect">
-            <a:avLst/>
-          </a:prstGeom>
-        </p:spPr>
-        <p:txBody>
-          <a:bodyPr lIns="0" rIns="0" tIns="0" bIns="0">
-            <a:normAutofit/>
-          </a:bodyPr>
-          <a:p>
-            <a:endParaRPr b="0" lang="en-US" sz="3200" spc="-1" strike="noStrike">
-              <a:latin typeface="Arial"/>
-            </a:endParaRPr>
-          </a:p>
-        </p:txBody>
-      </p:sp>
-    </p:spTree>
-  </p:cSld>
-</p:sldLayout>
-</file>
-
-<file path=ppt/slideLayouts/slideLayout83.xml><?xml version="1.0" encoding="utf-8"?>
-<p:sldLayout xmlns:a="http://schemas.openxmlformats.org/drawingml/2006/main" xmlns:p="http://schemas.openxmlformats.org/presentationml/2006/main" xmlns:r="http://schemas.openxmlformats.org/officeDocument/2006/relationships" xmlns:p14="http://schemas.microsoft.com/office/powerpoint/2010/main" xmlns:p15="http://schemas.microsoft.com/office/powerpoint/2012/main" xmlns:mc="http://schemas.openxmlformats.org/markup-compatibility/2006" type="fourObj" preserve="1">
-  <p:cSld name="Title, 4 Content">
-    <p:spTree>
-      <p:nvGrpSpPr>
-        <p:cNvPr id="1" name=""/>
-        <p:cNvGrpSpPr/>
-        <p:nvPr/>
-      </p:nvGrpSpPr>
-      <p:grpSpPr>
-        <a:xfrm>
-          <a:off x="0" y="0"/>
-          <a:ext cx="0" cy="0"/>
-          <a:chOff x="0" y="0"/>
-          <a:chExt cx="0" cy="0"/>
-        </a:xfrm>
-      </p:grpSpPr>
-      <p:sp>
-        <p:nvSpPr>
-          <p:cNvPr id="254" name="PlaceHolder 1"/>
-          <p:cNvSpPr>
-            <a:spLocks noGrp="1"/>
-          </p:cNvSpPr>
-          <p:nvPr>
-            <p:ph type="title"/>
-          </p:nvPr>
-        </p:nvSpPr>
-        <p:spPr>
-          <a:xfrm>
-            <a:off x="457200" y="205200"/>
-            <a:ext cx="8229240" cy="858600"/>
-          </a:xfrm>
-          <a:prstGeom prst="rect">
-            <a:avLst/>
-          </a:prstGeom>
-        </p:spPr>
-        <p:txBody>
-          <a:bodyPr lIns="0" rIns="0" tIns="0" bIns="0" anchor="ctr"/>
-          <a:p>
-            <a:pPr algn="ctr"/>
-            <a:endParaRPr b="0" lang="en-US" sz="4400" spc="-1" strike="noStrike">
-              <a:latin typeface="Arial"/>
-            </a:endParaRPr>
-          </a:p>
-        </p:txBody>
-      </p:sp>
-      <p:sp>
-        <p:nvSpPr>
-          <p:cNvPr id="255" name="PlaceHolder 2"/>
-          <p:cNvSpPr>
-            <a:spLocks noGrp="1"/>
-          </p:cNvSpPr>
-          <p:nvPr>
-            <p:ph type="body"/>
-          </p:nvPr>
-        </p:nvSpPr>
-        <p:spPr>
-          <a:xfrm>
-            <a:off x="457200" y="1203480"/>
-            <a:ext cx="4015800" cy="1422720"/>
-          </a:xfrm>
-          <a:prstGeom prst="rect">
-            <a:avLst/>
-          </a:prstGeom>
-        </p:spPr>
-        <p:txBody>
-          <a:bodyPr lIns="0" rIns="0" tIns="0" bIns="0">
-            <a:normAutofit/>
-          </a:bodyPr>
-          <a:p>
-            <a:endParaRPr b="0" lang="en-US" sz="3200" spc="-1" strike="noStrike">
-              <a:latin typeface="Arial"/>
-            </a:endParaRPr>
-          </a:p>
-        </p:txBody>
-      </p:sp>
-      <p:sp>
-        <p:nvSpPr>
-          <p:cNvPr id="256" name="PlaceHolder 3"/>
-          <p:cNvSpPr>
-            <a:spLocks noGrp="1"/>
-          </p:cNvSpPr>
-          <p:nvPr>
-            <p:ph type="body"/>
-          </p:nvPr>
-        </p:nvSpPr>
-        <p:spPr>
-          <a:xfrm>
-            <a:off x="4674240" y="1203480"/>
-            <a:ext cx="4015800" cy="1422720"/>
-          </a:xfrm>
-          <a:prstGeom prst="rect">
-            <a:avLst/>
-          </a:prstGeom>
-        </p:spPr>
-        <p:txBody>
-          <a:bodyPr lIns="0" rIns="0" tIns="0" bIns="0">
-            <a:normAutofit/>
-          </a:bodyPr>
-          <a:p>
-            <a:endParaRPr b="0" lang="en-US" sz="3200" spc="-1" strike="noStrike">
-              <a:latin typeface="Arial"/>
-            </a:endParaRPr>
-          </a:p>
-        </p:txBody>
-      </p:sp>
-      <p:sp>
-        <p:nvSpPr>
-          <p:cNvPr id="257" name="PlaceHolder 4"/>
-          <p:cNvSpPr>
-            <a:spLocks noGrp="1"/>
-          </p:cNvSpPr>
-          <p:nvPr>
-            <p:ph type="body"/>
-          </p:nvPr>
-        </p:nvSpPr>
-        <p:spPr>
-          <a:xfrm>
-            <a:off x="457200" y="2761920"/>
-            <a:ext cx="4015800" cy="1422720"/>
-          </a:xfrm>
-          <a:prstGeom prst="rect">
-            <a:avLst/>
-          </a:prstGeom>
-        </p:spPr>
-        <p:txBody>
-          <a:bodyPr lIns="0" rIns="0" tIns="0" bIns="0">
-            <a:normAutofit/>
-          </a:bodyPr>
-          <a:p>
-            <a:endParaRPr b="0" lang="en-US" sz="3200" spc="-1" strike="noStrike">
-              <a:latin typeface="Arial"/>
-            </a:endParaRPr>
-          </a:p>
-        </p:txBody>
-      </p:sp>
-      <p:sp>
-        <p:nvSpPr>
-          <p:cNvPr id="258" name="PlaceHolder 5"/>
-          <p:cNvSpPr>
-            <a:spLocks noGrp="1"/>
-          </p:cNvSpPr>
-          <p:nvPr>
-            <p:ph type="body"/>
-          </p:nvPr>
-        </p:nvSpPr>
-        <p:spPr>
-          <a:xfrm>
-            <a:off x="4674240" y="2761920"/>
-            <a:ext cx="4015800" cy="1422720"/>
-          </a:xfrm>
-          <a:prstGeom prst="rect">
-            <a:avLst/>
-          </a:prstGeom>
-        </p:spPr>
-        <p:txBody>
-          <a:bodyPr lIns="0" rIns="0" tIns="0" bIns="0">
-            <a:normAutofit/>
-          </a:bodyPr>
-          <a:p>
-            <a:endParaRPr b="0" lang="en-US" sz="3200" spc="-1" strike="noStrike">
-              <a:latin typeface="Arial"/>
-            </a:endParaRPr>
-          </a:p>
-        </p:txBody>
-      </p:sp>
-    </p:spTree>
-  </p:cSld>
-</p:sldLayout>
-</file>
-
-<file path=ppt/slideLayouts/slideLayout84.xml><?xml version="1.0" encoding="utf-8"?>
-<p:sldLayout xmlns:a="http://schemas.openxmlformats.org/drawingml/2006/main" xmlns:p="http://schemas.openxmlformats.org/presentationml/2006/main" xmlns:r="http://schemas.openxmlformats.org/officeDocument/2006/relationships" xmlns:p14="http://schemas.microsoft.com/office/powerpoint/2010/main" xmlns:p15="http://schemas.microsoft.com/office/powerpoint/2012/main" xmlns:mc="http://schemas.openxmlformats.org/markup-compatibility/2006" type="blank" preserve="1">
-  <p:cSld name="Title, 6 Content">
-    <p:spTree>
-      <p:nvGrpSpPr>
-        <p:cNvPr id="1" name=""/>
-        <p:cNvGrpSpPr/>
-        <p:nvPr/>
-      </p:nvGrpSpPr>
-      <p:grpSpPr>
-        <a:xfrm>
-          <a:off x="0" y="0"/>
-          <a:ext cx="0" cy="0"/>
-          <a:chOff x="0" y="0"/>
-          <a:chExt cx="0" cy="0"/>
-        </a:xfrm>
-      </p:grpSpPr>
-      <p:sp>
-        <p:nvSpPr>
-          <p:cNvPr id="259" name="PlaceHolder 1"/>
-          <p:cNvSpPr>
-            <a:spLocks noGrp="1"/>
-          </p:cNvSpPr>
-          <p:nvPr>
-            <p:ph type="title"/>
-          </p:nvPr>
-        </p:nvSpPr>
-        <p:spPr>
-          <a:xfrm>
-            <a:off x="457200" y="205200"/>
-            <a:ext cx="8229240" cy="858600"/>
-          </a:xfrm>
-          <a:prstGeom prst="rect">
-            <a:avLst/>
-          </a:prstGeom>
-        </p:spPr>
-        <p:txBody>
-          <a:bodyPr lIns="0" rIns="0" tIns="0" bIns="0" anchor="ctr"/>
-          <a:p>
-            <a:pPr algn="ctr"/>
-            <a:endParaRPr b="0" lang="en-US" sz="4400" spc="-1" strike="noStrike">
-              <a:latin typeface="Arial"/>
-            </a:endParaRPr>
-          </a:p>
-        </p:txBody>
-      </p:sp>
-      <p:sp>
-        <p:nvSpPr>
-          <p:cNvPr id="260" name="PlaceHolder 2"/>
-          <p:cNvSpPr>
-            <a:spLocks noGrp="1"/>
-          </p:cNvSpPr>
-          <p:nvPr>
-            <p:ph type="body"/>
-          </p:nvPr>
-        </p:nvSpPr>
-        <p:spPr>
-          <a:xfrm>
-            <a:off x="457200" y="1203480"/>
-            <a:ext cx="2649600" cy="1422720"/>
-          </a:xfrm>
-          <a:prstGeom prst="rect">
-            <a:avLst/>
-          </a:prstGeom>
-        </p:spPr>
-        <p:txBody>
-          <a:bodyPr lIns="0" rIns="0" tIns="0" bIns="0">
-            <a:normAutofit/>
-          </a:bodyPr>
-          <a:p>
-            <a:endParaRPr b="0" lang="en-US" sz="3200" spc="-1" strike="noStrike">
-              <a:latin typeface="Arial"/>
-            </a:endParaRPr>
-          </a:p>
-        </p:txBody>
-      </p:sp>
-      <p:sp>
-        <p:nvSpPr>
-          <p:cNvPr id="261" name="PlaceHolder 3"/>
-          <p:cNvSpPr>
-            <a:spLocks noGrp="1"/>
-          </p:cNvSpPr>
-          <p:nvPr>
-            <p:ph type="body"/>
-          </p:nvPr>
-        </p:nvSpPr>
-        <p:spPr>
-          <a:xfrm>
-            <a:off x="3239640" y="1203480"/>
-            <a:ext cx="2649600" cy="1422720"/>
-          </a:xfrm>
-          <a:prstGeom prst="rect">
-            <a:avLst/>
-          </a:prstGeom>
-        </p:spPr>
-        <p:txBody>
-          <a:bodyPr lIns="0" rIns="0" tIns="0" bIns="0">
-            <a:normAutofit/>
-          </a:bodyPr>
-          <a:p>
-            <a:endParaRPr b="0" lang="en-US" sz="3200" spc="-1" strike="noStrike">
-              <a:latin typeface="Arial"/>
-            </a:endParaRPr>
-          </a:p>
-        </p:txBody>
-      </p:sp>
-      <p:sp>
-        <p:nvSpPr>
-          <p:cNvPr id="262" name="PlaceHolder 4"/>
-          <p:cNvSpPr>
-            <a:spLocks noGrp="1"/>
-          </p:cNvSpPr>
-          <p:nvPr>
-            <p:ph type="body"/>
-          </p:nvPr>
-        </p:nvSpPr>
-        <p:spPr>
-          <a:xfrm>
-            <a:off x="6022080" y="1203480"/>
-            <a:ext cx="2649600" cy="1422720"/>
-          </a:xfrm>
-          <a:prstGeom prst="rect">
-            <a:avLst/>
-          </a:prstGeom>
-        </p:spPr>
-        <p:txBody>
-          <a:bodyPr lIns="0" rIns="0" tIns="0" bIns="0">
-            <a:normAutofit/>
-          </a:bodyPr>
-          <a:p>
-            <a:endParaRPr b="0" lang="en-US" sz="3200" spc="-1" strike="noStrike">
-              <a:latin typeface="Arial"/>
-            </a:endParaRPr>
-          </a:p>
-        </p:txBody>
-      </p:sp>
-      <p:sp>
-        <p:nvSpPr>
-          <p:cNvPr id="263" name="PlaceHolder 5"/>
-          <p:cNvSpPr>
-            <a:spLocks noGrp="1"/>
-          </p:cNvSpPr>
-          <p:nvPr>
-            <p:ph type="body"/>
-          </p:nvPr>
-        </p:nvSpPr>
-        <p:spPr>
-          <a:xfrm>
-            <a:off x="457200" y="2761920"/>
-            <a:ext cx="2649600" cy="1422720"/>
-          </a:xfrm>
-          <a:prstGeom prst="rect">
-            <a:avLst/>
-          </a:prstGeom>
-        </p:spPr>
-        <p:txBody>
-          <a:bodyPr lIns="0" rIns="0" tIns="0" bIns="0">
-            <a:normAutofit/>
-          </a:bodyPr>
-          <a:p>
-            <a:endParaRPr b="0" lang="en-US" sz="3200" spc="-1" strike="noStrike">
-              <a:latin typeface="Arial"/>
-            </a:endParaRPr>
-          </a:p>
-        </p:txBody>
-      </p:sp>
-      <p:sp>
-        <p:nvSpPr>
-          <p:cNvPr id="264" name="PlaceHolder 6"/>
-          <p:cNvSpPr>
-            <a:spLocks noGrp="1"/>
-          </p:cNvSpPr>
-          <p:nvPr>
-            <p:ph type="body"/>
-          </p:nvPr>
-        </p:nvSpPr>
-        <p:spPr>
-          <a:xfrm>
-            <a:off x="3239640" y="2761920"/>
-            <a:ext cx="2649600" cy="1422720"/>
-          </a:xfrm>
-          <a:prstGeom prst="rect">
-            <a:avLst/>
-          </a:prstGeom>
-        </p:spPr>
-        <p:txBody>
-          <a:bodyPr lIns="0" rIns="0" tIns="0" bIns="0">
-            <a:normAutofit/>
-          </a:bodyPr>
-          <a:p>
-            <a:endParaRPr b="0" lang="en-US" sz="3200" spc="-1" strike="noStrike">
-              <a:latin typeface="Arial"/>
-            </a:endParaRPr>
-          </a:p>
-        </p:txBody>
-      </p:sp>
-      <p:sp>
-        <p:nvSpPr>
-          <p:cNvPr id="265" name="PlaceHolder 7"/>
-          <p:cNvSpPr>
-            <a:spLocks noGrp="1"/>
-          </p:cNvSpPr>
-          <p:nvPr>
-            <p:ph type="body"/>
-          </p:nvPr>
-        </p:nvSpPr>
-        <p:spPr>
-          <a:xfrm>
-            <a:off x="6022080" y="2761920"/>
-            <a:ext cx="2649600" cy="1422720"/>
           </a:xfrm>
           <a:prstGeom prst="rect">
             <a:avLst/>
@@ -9894,8 +8515,8 @@
         </p:nvSpPr>
         <p:spPr>
           <a:xfrm>
-            <a:off x="511560" y="437040"/>
-            <a:ext cx="3516120" cy="1249920"/>
+            <a:off x="457200" y="205200"/>
+            <a:ext cx="8229240" cy="858600"/>
           </a:xfrm>
           <a:prstGeom prst="rect">
             <a:avLst/>
@@ -9904,13 +8525,14 @@
         <p:txBody>
           <a:bodyPr lIns="0" rIns="0" tIns="0" bIns="0" anchor="ctr"/>
           <a:p>
+            <a:pPr algn="ctr"/>
             <a:r>
-              <a:rPr b="0" lang="en-US" sz="1800" spc="-1" strike="noStrike">
+              <a:rPr b="0" lang="en-US" sz="4400" spc="-1" strike="noStrike">
                 <a:latin typeface="Arial"/>
               </a:rPr>
               <a:t>Click to edit the title text format</a:t>
             </a:r>
-            <a:endParaRPr b="0" lang="en-US" sz="1800" spc="-1" strike="noStrike">
+            <a:endParaRPr b="0" lang="en-US" sz="4400" spc="-1" strike="noStrike">
               <a:latin typeface="Arial"/>
             </a:endParaRPr>
           </a:p>
@@ -9928,8 +8550,8 @@
         </p:nvSpPr>
         <p:spPr>
           <a:xfrm>
-            <a:off x="511560" y="1598760"/>
-            <a:ext cx="3516120" cy="2956680"/>
+            <a:off x="457200" y="1203480"/>
+            <a:ext cx="8229240" cy="2982960"/>
           </a:xfrm>
           <a:prstGeom prst="rect">
             <a:avLst/>
@@ -9937,7 +8559,7 @@
         </p:spPr>
         <p:txBody>
           <a:bodyPr lIns="0" rIns="0" tIns="0" bIns="0">
-            <a:normAutofit fontScale="47000"/>
+            <a:normAutofit/>
           </a:bodyPr>
           <a:p>
             <a:pPr marL="432000" indent="-324000">
@@ -9952,12 +8574,12 @@
               <a:buChar char=""/>
             </a:pPr>
             <a:r>
-              <a:rPr b="0" lang="en-US" sz="1800" spc="-1" strike="noStrike">
+              <a:rPr b="0" lang="en-US" sz="3200" spc="-1" strike="noStrike">
                 <a:latin typeface="Arial"/>
               </a:rPr>
               <a:t>Click to edit the outline text format</a:t>
             </a:r>
-            <a:endParaRPr b="0" lang="en-US" sz="1800" spc="-1" strike="noStrike">
+            <a:endParaRPr b="0" lang="en-US" sz="3200" spc="-1" strike="noStrike">
               <a:latin typeface="Arial"/>
             </a:endParaRPr>
           </a:p>
@@ -9974,12 +8596,12 @@
               <a:buChar char=""/>
             </a:pPr>
             <a:r>
-              <a:rPr b="0" lang="en-US" sz="1800" spc="-1" strike="noStrike">
+              <a:rPr b="0" lang="en-US" sz="2800" spc="-1" strike="noStrike">
                 <a:latin typeface="Arial"/>
               </a:rPr>
               <a:t>Second Outline Level</a:t>
             </a:r>
-            <a:endParaRPr b="0" lang="en-US" sz="1800" spc="-1" strike="noStrike">
+            <a:endParaRPr b="0" lang="en-US" sz="2800" spc="-1" strike="noStrike">
               <a:latin typeface="Arial"/>
             </a:endParaRPr>
           </a:p>
@@ -9996,12 +8618,12 @@
               <a:buChar char=""/>
             </a:pPr>
             <a:r>
-              <a:rPr b="0" lang="en-US" sz="1800" spc="-1" strike="noStrike">
+              <a:rPr b="0" lang="en-US" sz="2400" spc="-1" strike="noStrike">
                 <a:latin typeface="Arial"/>
               </a:rPr>
               <a:t>Third Outline Level</a:t>
             </a:r>
-            <a:endParaRPr b="0" lang="en-US" sz="1800" spc="-1" strike="noStrike">
+            <a:endParaRPr b="0" lang="en-US" sz="2400" spc="-1" strike="noStrike">
               <a:latin typeface="Arial"/>
             </a:endParaRPr>
           </a:p>
@@ -10018,12 +8640,12 @@
               <a:buChar char=""/>
             </a:pPr>
             <a:r>
-              <a:rPr b="0" lang="en-US" sz="1800" spc="-1" strike="noStrike">
+              <a:rPr b="0" lang="en-US" sz="2000" spc="-1" strike="noStrike">
                 <a:latin typeface="Arial"/>
               </a:rPr>
               <a:t>Fourth Outline Level</a:t>
             </a:r>
-            <a:endParaRPr b="0" lang="en-US" sz="1800" spc="-1" strike="noStrike">
+            <a:endParaRPr b="0" lang="en-US" sz="2000" spc="-1" strike="noStrike">
               <a:latin typeface="Arial"/>
             </a:endParaRPr>
           </a:p>
@@ -10040,12 +8662,12 @@
               <a:buChar char=""/>
             </a:pPr>
             <a:r>
-              <a:rPr b="0" lang="en-US" sz="1800" spc="-1" strike="noStrike">
+              <a:rPr b="0" lang="en-US" sz="2000" spc="-1" strike="noStrike">
                 <a:latin typeface="Arial"/>
               </a:rPr>
               <a:t>Fifth Outline Level</a:t>
             </a:r>
-            <a:endParaRPr b="0" lang="en-US" sz="1800" spc="-1" strike="noStrike">
+            <a:endParaRPr b="0" lang="en-US" sz="2000" spc="-1" strike="noStrike">
               <a:latin typeface="Arial"/>
             </a:endParaRPr>
           </a:p>
@@ -10062,12 +8684,12 @@
               <a:buChar char=""/>
             </a:pPr>
             <a:r>
-              <a:rPr b="0" lang="en-US" sz="1800" spc="-1" strike="noStrike">
+              <a:rPr b="0" lang="en-US" sz="2000" spc="-1" strike="noStrike">
                 <a:latin typeface="Arial"/>
               </a:rPr>
               <a:t>Sixth Outline Level</a:t>
             </a:r>
-            <a:endParaRPr b="0" lang="en-US" sz="1800" spc="-1" strike="noStrike">
+            <a:endParaRPr b="0" lang="en-US" sz="2000" spc="-1" strike="noStrike">
               <a:latin typeface="Arial"/>
             </a:endParaRPr>
           </a:p>
@@ -10084,12 +8706,12 @@
               <a:buChar char=""/>
             </a:pPr>
             <a:r>
-              <a:rPr b="0" lang="en-US" sz="1800" spc="-1" strike="noStrike">
+              <a:rPr b="0" lang="en-US" sz="2000" spc="-1" strike="noStrike">
                 <a:latin typeface="Arial"/>
               </a:rPr>
               <a:t>Seventh Outline Level</a:t>
             </a:r>
-            <a:endParaRPr b="0" lang="en-US" sz="1800" spc="-1" strike="noStrike">
+            <a:endParaRPr b="0" lang="en-US" sz="2000" spc="-1" strike="noStrike">
               <a:latin typeface="Arial"/>
             </a:endParaRPr>
           </a:p>
@@ -10926,7 +9548,7 @@
         <p:spPr>
           <a:xfrm>
             <a:off x="457200" y="205200"/>
-            <a:ext cx="8229240" cy="858600"/>
+            <a:ext cx="8228880" cy="858240"/>
           </a:xfrm>
           <a:prstGeom prst="rect">
             <a:avLst/>
@@ -10935,14 +9557,13 @@
         <p:txBody>
           <a:bodyPr lIns="0" rIns="0" tIns="0" bIns="0" anchor="ctr"/>
           <a:p>
-            <a:pPr algn="ctr"/>
             <a:r>
-              <a:rPr b="0" lang="en-US" sz="4400" spc="-1" strike="noStrike">
+              <a:rPr b="0" lang="en-US" sz="1800" spc="-1" strike="noStrike">
                 <a:latin typeface="Arial"/>
               </a:rPr>
               <a:t>Click to edit the title text format</a:t>
             </a:r>
-            <a:endParaRPr b="0" lang="en-US" sz="4400" spc="-1" strike="noStrike">
+            <a:endParaRPr b="0" lang="en-US" sz="1800" spc="-1" strike="noStrike">
               <a:latin typeface="Arial"/>
             </a:endParaRPr>
           </a:p>
@@ -11183,8 +9804,8 @@
         </p:nvSpPr>
         <p:spPr>
           <a:xfrm>
-            <a:off x="511560" y="437040"/>
-            <a:ext cx="3516120" cy="1249920"/>
+            <a:off x="457200" y="205200"/>
+            <a:ext cx="8229240" cy="858600"/>
           </a:xfrm>
           <a:prstGeom prst="rect">
             <a:avLst/>
@@ -11193,13 +9814,14 @@
         <p:txBody>
           <a:bodyPr lIns="0" rIns="0" tIns="0" bIns="0" anchor="ctr"/>
           <a:p>
+            <a:pPr algn="ctr"/>
             <a:r>
-              <a:rPr b="0" lang="en-US" sz="1800" spc="-1" strike="noStrike">
+              <a:rPr b="0" lang="en-US" sz="4400" spc="-1" strike="noStrike">
                 <a:latin typeface="Arial"/>
               </a:rPr>
               <a:t>Click to edit the title text format</a:t>
             </a:r>
-            <a:endParaRPr b="0" lang="en-US" sz="1800" spc="-1" strike="noStrike">
+            <a:endParaRPr b="0" lang="en-US" sz="4400" spc="-1" strike="noStrike">
               <a:latin typeface="Arial"/>
             </a:endParaRPr>
           </a:p>
@@ -11400,264 +10022,6 @@
     <p:sldLayoutId id="2147483723" r:id="rId11"/>
     <p:sldLayoutId id="2147483724" r:id="rId12"/>
     <p:sldLayoutId id="2147483725" r:id="rId13"/>
-  </p:sldLayoutIdLst>
-</p:sldMaster>
-</file>
-
-<file path=ppt/slideMasters/slideMaster7.xml><?xml version="1.0" encoding="utf-8"?>
-<p:sldMaster xmlns:a="http://schemas.openxmlformats.org/drawingml/2006/main" xmlns:p="http://schemas.openxmlformats.org/presentationml/2006/main" xmlns:r="http://schemas.openxmlformats.org/officeDocument/2006/relationships" xmlns:p14="http://schemas.microsoft.com/office/powerpoint/2010/main" xmlns:p15="http://schemas.microsoft.com/office/powerpoint/2012/main" xmlns:mc="http://schemas.openxmlformats.org/markup-compatibility/2006">
-  <p:cSld>
-    <p:bg>
-      <p:bgPr>
-        <a:solidFill>
-          <a:srgbClr val="ffffff"/>
-        </a:solidFill>
-      </p:bgPr>
-    </p:bg>
-    <p:spTree>
-      <p:nvGrpSpPr>
-        <p:cNvPr id="1" name=""/>
-        <p:cNvGrpSpPr/>
-        <p:nvPr/>
-      </p:nvGrpSpPr>
-      <p:grpSpPr>
-        <a:xfrm>
-          <a:off x="0" y="0"/>
-          <a:ext cx="0" cy="0"/>
-          <a:chOff x="0" y="0"/>
-          <a:chExt cx="0" cy="0"/>
-        </a:xfrm>
-      </p:grpSpPr>
-      <p:sp>
-        <p:nvSpPr>
-          <p:cNvPr id="228" name="PlaceHolder 1"/>
-          <p:cNvSpPr>
-            <a:spLocks noGrp="1"/>
-          </p:cNvSpPr>
-          <p:nvPr>
-            <p:ph type="title"/>
-          </p:nvPr>
-        </p:nvSpPr>
-        <p:spPr>
-          <a:xfrm>
-            <a:off x="457200" y="205200"/>
-            <a:ext cx="8229240" cy="858600"/>
-          </a:xfrm>
-          <a:prstGeom prst="rect">
-            <a:avLst/>
-          </a:prstGeom>
-        </p:spPr>
-        <p:txBody>
-          <a:bodyPr lIns="0" rIns="0" tIns="0" bIns="0" anchor="ctr"/>
-          <a:p>
-            <a:pPr algn="ctr"/>
-            <a:r>
-              <a:rPr b="0" lang="en-US" sz="4400" spc="-1" strike="noStrike">
-                <a:latin typeface="Arial"/>
-              </a:rPr>
-              <a:t>Click to edit the title text format</a:t>
-            </a:r>
-            <a:endParaRPr b="0" lang="en-US" sz="4400" spc="-1" strike="noStrike">
-              <a:latin typeface="Arial"/>
-            </a:endParaRPr>
-          </a:p>
-        </p:txBody>
-      </p:sp>
-      <p:sp>
-        <p:nvSpPr>
-          <p:cNvPr id="229" name="PlaceHolder 2"/>
-          <p:cNvSpPr>
-            <a:spLocks noGrp="1"/>
-          </p:cNvSpPr>
-          <p:nvPr>
-            <p:ph type="body"/>
-          </p:nvPr>
-        </p:nvSpPr>
-        <p:spPr>
-          <a:xfrm>
-            <a:off x="457200" y="1203480"/>
-            <a:ext cx="8229240" cy="2982960"/>
-          </a:xfrm>
-          <a:prstGeom prst="rect">
-            <a:avLst/>
-          </a:prstGeom>
-        </p:spPr>
-        <p:txBody>
-          <a:bodyPr lIns="0" rIns="0" tIns="0" bIns="0">
-            <a:normAutofit/>
-          </a:bodyPr>
-          <a:p>
-            <a:pPr marL="432000" indent="-324000">
-              <a:spcBef>
-                <a:spcPts val="1417"/>
-              </a:spcBef>
-              <a:buClr>
-                <a:srgbClr val="000000"/>
-              </a:buClr>
-              <a:buSzPct val="45000"/>
-              <a:buFont typeface="Wingdings" charset="2"/>
-              <a:buChar char=""/>
-            </a:pPr>
-            <a:r>
-              <a:rPr b="0" lang="en-US" sz="3200" spc="-1" strike="noStrike">
-                <a:latin typeface="Arial"/>
-              </a:rPr>
-              <a:t>Click to edit the outline text format</a:t>
-            </a:r>
-            <a:endParaRPr b="0" lang="en-US" sz="3200" spc="-1" strike="noStrike">
-              <a:latin typeface="Arial"/>
-            </a:endParaRPr>
-          </a:p>
-          <a:p>
-            <a:pPr lvl="1" marL="864000" indent="-324000">
-              <a:spcBef>
-                <a:spcPts val="1134"/>
-              </a:spcBef>
-              <a:buClr>
-                <a:srgbClr val="000000"/>
-              </a:buClr>
-              <a:buSzPct val="75000"/>
-              <a:buFont typeface="Symbol" charset="2"/>
-              <a:buChar char=""/>
-            </a:pPr>
-            <a:r>
-              <a:rPr b="0" lang="en-US" sz="2800" spc="-1" strike="noStrike">
-                <a:latin typeface="Arial"/>
-              </a:rPr>
-              <a:t>Second Outline Level</a:t>
-            </a:r>
-            <a:endParaRPr b="0" lang="en-US" sz="2800" spc="-1" strike="noStrike">
-              <a:latin typeface="Arial"/>
-            </a:endParaRPr>
-          </a:p>
-          <a:p>
-            <a:pPr lvl="2" marL="1296000" indent="-288000">
-              <a:spcBef>
-                <a:spcPts val="850"/>
-              </a:spcBef>
-              <a:buClr>
-                <a:srgbClr val="000000"/>
-              </a:buClr>
-              <a:buSzPct val="45000"/>
-              <a:buFont typeface="Wingdings" charset="2"/>
-              <a:buChar char=""/>
-            </a:pPr>
-            <a:r>
-              <a:rPr b="0" lang="en-US" sz="2400" spc="-1" strike="noStrike">
-                <a:latin typeface="Arial"/>
-              </a:rPr>
-              <a:t>Third Outline Level</a:t>
-            </a:r>
-            <a:endParaRPr b="0" lang="en-US" sz="2400" spc="-1" strike="noStrike">
-              <a:latin typeface="Arial"/>
-            </a:endParaRPr>
-          </a:p>
-          <a:p>
-            <a:pPr lvl="3" marL="1728000" indent="-216000">
-              <a:spcBef>
-                <a:spcPts val="567"/>
-              </a:spcBef>
-              <a:buClr>
-                <a:srgbClr val="000000"/>
-              </a:buClr>
-              <a:buSzPct val="75000"/>
-              <a:buFont typeface="Symbol" charset="2"/>
-              <a:buChar char=""/>
-            </a:pPr>
-            <a:r>
-              <a:rPr b="0" lang="en-US" sz="2000" spc="-1" strike="noStrike">
-                <a:latin typeface="Arial"/>
-              </a:rPr>
-              <a:t>Fourth Outline Level</a:t>
-            </a:r>
-            <a:endParaRPr b="0" lang="en-US" sz="2000" spc="-1" strike="noStrike">
-              <a:latin typeface="Arial"/>
-            </a:endParaRPr>
-          </a:p>
-          <a:p>
-            <a:pPr lvl="4" marL="2160000" indent="-216000">
-              <a:spcBef>
-                <a:spcPts val="283"/>
-              </a:spcBef>
-              <a:buClr>
-                <a:srgbClr val="000000"/>
-              </a:buClr>
-              <a:buSzPct val="45000"/>
-              <a:buFont typeface="Wingdings" charset="2"/>
-              <a:buChar char=""/>
-            </a:pPr>
-            <a:r>
-              <a:rPr b="0" lang="en-US" sz="2000" spc="-1" strike="noStrike">
-                <a:latin typeface="Arial"/>
-              </a:rPr>
-              <a:t>Fifth Outline Level</a:t>
-            </a:r>
-            <a:endParaRPr b="0" lang="en-US" sz="2000" spc="-1" strike="noStrike">
-              <a:latin typeface="Arial"/>
-            </a:endParaRPr>
-          </a:p>
-          <a:p>
-            <a:pPr lvl="5" marL="2592000" indent="-216000">
-              <a:spcBef>
-                <a:spcPts val="283"/>
-              </a:spcBef>
-              <a:buClr>
-                <a:srgbClr val="000000"/>
-              </a:buClr>
-              <a:buSzPct val="45000"/>
-              <a:buFont typeface="Wingdings" charset="2"/>
-              <a:buChar char=""/>
-            </a:pPr>
-            <a:r>
-              <a:rPr b="0" lang="en-US" sz="2000" spc="-1" strike="noStrike">
-                <a:latin typeface="Arial"/>
-              </a:rPr>
-              <a:t>Sixth Outline Level</a:t>
-            </a:r>
-            <a:endParaRPr b="0" lang="en-US" sz="2000" spc="-1" strike="noStrike">
-              <a:latin typeface="Arial"/>
-            </a:endParaRPr>
-          </a:p>
-          <a:p>
-            <a:pPr lvl="6" marL="3024000" indent="-216000">
-              <a:spcBef>
-                <a:spcPts val="283"/>
-              </a:spcBef>
-              <a:buClr>
-                <a:srgbClr val="000000"/>
-              </a:buClr>
-              <a:buSzPct val="45000"/>
-              <a:buFont typeface="Wingdings" charset="2"/>
-              <a:buChar char=""/>
-            </a:pPr>
-            <a:r>
-              <a:rPr b="0" lang="en-US" sz="2000" spc="-1" strike="noStrike">
-                <a:latin typeface="Arial"/>
-              </a:rPr>
-              <a:t>Seventh Outline Level</a:t>
-            </a:r>
-            <a:endParaRPr b="0" lang="en-US" sz="2000" spc="-1" strike="noStrike">
-              <a:latin typeface="Arial"/>
-            </a:endParaRPr>
-          </a:p>
-        </p:txBody>
-      </p:sp>
-    </p:spTree>
-  </p:cSld>
-  <p:clrMap bg1="lt1" bg2="lt2" tx1="dk1" tx2="dk2" accent1="accent1" accent2="accent2" accent3="accent3" accent4="accent4" accent5="accent5" accent6="accent6" hlink="hlink" folHlink="folHlink"/>
-  <p:sldLayoutIdLst>
-    <p:sldLayoutId id="2147483727" r:id="rId2"/>
-    <p:sldLayoutId id="2147483728" r:id="rId3"/>
-    <p:sldLayoutId id="2147483729" r:id="rId4"/>
-    <p:sldLayoutId id="2147483730" r:id="rId5"/>
-    <p:sldLayoutId id="2147483731" r:id="rId6"/>
-    <p:sldLayoutId id="2147483732" r:id="rId7"/>
-    <p:sldLayoutId id="2147483733" r:id="rId8"/>
-    <p:sldLayoutId id="2147483734" r:id="rId9"/>
-    <p:sldLayoutId id="2147483735" r:id="rId10"/>
-    <p:sldLayoutId id="2147483736" r:id="rId11"/>
-    <p:sldLayoutId id="2147483737" r:id="rId12"/>
-    <p:sldLayoutId id="2147483738" r:id="rId13"/>
   </p:sldLayoutIdLst>
 </p:sldMaster>
 </file>
@@ -11693,14 +10057,14 @@
       </p:grpSpPr>
       <p:sp>
         <p:nvSpPr>
-          <p:cNvPr id="272" name="CustomShape 1"/>
+          <p:cNvPr id="234" name="CustomShape 1"/>
           <p:cNvSpPr/>
           <p:nvPr/>
         </p:nvSpPr>
         <p:spPr>
           <a:xfrm>
             <a:off x="182880" y="274320"/>
-            <a:ext cx="7589160" cy="1188360"/>
+            <a:ext cx="7588440" cy="1187640"/>
           </a:xfrm>
           <a:prstGeom prst="rect">
             <a:avLst/>
@@ -11764,14 +10128,14 @@
       </p:sp>
       <p:sp>
         <p:nvSpPr>
-          <p:cNvPr id="273" name="CustomShape 2"/>
+          <p:cNvPr id="235" name="CustomShape 2"/>
           <p:cNvSpPr/>
           <p:nvPr/>
         </p:nvSpPr>
         <p:spPr>
           <a:xfrm>
             <a:off x="0" y="4406040"/>
-            <a:ext cx="5115600" cy="531360"/>
+            <a:ext cx="5114880" cy="530640"/>
           </a:xfrm>
           <a:prstGeom prst="rect">
             <a:avLst/>
@@ -11823,14 +10187,14 @@
       </p:sp>
       <p:sp>
         <p:nvSpPr>
-          <p:cNvPr id="274" name="CustomShape 3"/>
+          <p:cNvPr id="236" name="CustomShape 3"/>
           <p:cNvSpPr/>
           <p:nvPr/>
         </p:nvSpPr>
         <p:spPr>
           <a:xfrm>
             <a:off x="5505840" y="3619440"/>
-            <a:ext cx="1554120" cy="456840"/>
+            <a:ext cx="1553400" cy="456120"/>
           </a:xfrm>
           <a:prstGeom prst="rect">
             <a:avLst/>
@@ -11997,14 +10361,14 @@
       </p:grpSpPr>
       <p:sp>
         <p:nvSpPr>
-          <p:cNvPr id="297" name="CustomShape 1"/>
+          <p:cNvPr id="259" name="CustomShape 1"/>
           <p:cNvSpPr/>
           <p:nvPr/>
         </p:nvSpPr>
         <p:spPr>
           <a:xfrm>
             <a:off x="914400" y="3200400"/>
-            <a:ext cx="4937400" cy="1096920"/>
+            <a:ext cx="4936680" cy="1096200"/>
           </a:xfrm>
           <a:prstGeom prst="rect">
             <a:avLst/>
@@ -12023,7 +10387,7 @@
         <p:txBody>
           <a:bodyPr lIns="90000" rIns="90000" tIns="91440" bIns="91440"/>
           <a:p>
-            <a:pPr marL="457200" indent="-379800">
+            <a:pPr marL="457200" indent="-379080">
               <a:lnSpc>
                 <a:spcPct val="90000"/>
               </a:lnSpc>
@@ -12099,14 +10463,14 @@
       </p:sp>
       <p:sp>
         <p:nvSpPr>
-          <p:cNvPr id="298" name="CustomShape 2"/>
+          <p:cNvPr id="260" name="CustomShape 2"/>
           <p:cNvSpPr/>
           <p:nvPr/>
         </p:nvSpPr>
         <p:spPr>
           <a:xfrm>
             <a:off x="8556840" y="4749840"/>
-            <a:ext cx="547560" cy="392400"/>
+            <a:ext cx="546840" cy="391680"/>
           </a:xfrm>
           <a:prstGeom prst="rect">
             <a:avLst/>
@@ -12122,33 +10486,10 @@
           <a:effectRef idx="0"/>
           <a:fontRef idx="minor"/>
         </p:style>
-        <p:txBody>
-          <a:bodyPr lIns="90000" rIns="90000" tIns="91440" bIns="91440" anchor="ctr"/>
-          <a:p>
-            <a:pPr algn="r">
-              <a:lnSpc>
-                <a:spcPct val="100000"/>
-              </a:lnSpc>
-            </a:pPr>
-            <a:fld id="{867CB3E1-63A6-40E6-9B1E-436534B4BEBC}" type="slidenum">
-              <a:rPr b="0" lang="en-US" sz="900" spc="-1" strike="noStrike">
-                <a:solidFill>
-                  <a:srgbClr val="8b8b8b"/>
-                </a:solidFill>
-                <a:latin typeface="Calibri"/>
-                <a:ea typeface="DejaVu Sans"/>
-              </a:rPr>
-              <a:t>&lt;number&gt;</a:t>
-            </a:fld>
-            <a:endParaRPr b="0" lang="en-US" sz="900" spc="-1" strike="noStrike">
-              <a:latin typeface="Arial"/>
-            </a:endParaRPr>
-          </a:p>
-        </p:txBody>
       </p:sp>
       <p:pic>
         <p:nvPicPr>
-          <p:cNvPr id="299" name="" descr=""/>
+          <p:cNvPr id="261" name="" descr=""/>
           <p:cNvPicPr/>
           <p:nvPr/>
         </p:nvPicPr>
@@ -12160,7 +10501,7 @@
         <p:spPr>
           <a:xfrm>
             <a:off x="3566160" y="0"/>
-            <a:ext cx="5572440" cy="2559960"/>
+            <a:ext cx="5571720" cy="2559240"/>
           </a:xfrm>
           <a:prstGeom prst="rect">
             <a:avLst/>
@@ -12172,7 +10513,7 @@
       </p:pic>
       <p:pic>
         <p:nvPicPr>
-          <p:cNvPr id="300" name="" descr=""/>
+          <p:cNvPr id="262" name="" descr=""/>
           <p:cNvPicPr/>
           <p:nvPr/>
         </p:nvPicPr>
@@ -12183,7 +10524,7 @@
         <p:spPr>
           <a:xfrm>
             <a:off x="0" y="0"/>
-            <a:ext cx="5506200" cy="3086280"/>
+            <a:ext cx="5505480" cy="3085560"/>
           </a:xfrm>
           <a:prstGeom prst="rect">
             <a:avLst/>
@@ -12195,7 +10536,7 @@
       </p:pic>
       <p:sp>
         <p:nvSpPr>
-          <p:cNvPr id="301" name="Line 3"/>
+          <p:cNvPr id="263" name="Line 3"/>
           <p:cNvSpPr/>
           <p:nvPr/>
         </p:nvSpPr>
@@ -12346,7 +10687,7 @@
       </p:grpSpPr>
       <p:pic>
         <p:nvPicPr>
-          <p:cNvPr id="302" name="" descr=""/>
+          <p:cNvPr id="264" name="" descr=""/>
           <p:cNvPicPr/>
           <p:nvPr/>
         </p:nvPicPr>
@@ -12358,7 +10699,7 @@
         <p:spPr>
           <a:xfrm>
             <a:off x="3657600" y="0"/>
-            <a:ext cx="5485680" cy="3060720"/>
+            <a:ext cx="5484960" cy="3060000"/>
           </a:xfrm>
           <a:prstGeom prst="rect">
             <a:avLst/>
@@ -12370,14 +10711,14 @@
       </p:pic>
       <p:sp>
         <p:nvSpPr>
-          <p:cNvPr id="303" name="CustomShape 1"/>
+          <p:cNvPr id="265" name="CustomShape 1"/>
           <p:cNvSpPr/>
           <p:nvPr/>
         </p:nvSpPr>
         <p:spPr>
           <a:xfrm>
             <a:off x="914400" y="3200400"/>
-            <a:ext cx="4937400" cy="1096920"/>
+            <a:ext cx="4936680" cy="1096200"/>
           </a:xfrm>
           <a:prstGeom prst="rect">
             <a:avLst/>
@@ -12396,7 +10737,7 @@
         <p:txBody>
           <a:bodyPr lIns="90000" rIns="90000" tIns="91440" bIns="91440"/>
           <a:p>
-            <a:pPr marL="457200" indent="-379800">
+            <a:pPr marL="457200" indent="-379080">
               <a:lnSpc>
                 <a:spcPct val="90000"/>
               </a:lnSpc>
@@ -12472,14 +10813,14 @@
       </p:sp>
       <p:sp>
         <p:nvSpPr>
-          <p:cNvPr id="304" name="CustomShape 2"/>
+          <p:cNvPr id="266" name="CustomShape 2"/>
           <p:cNvSpPr/>
           <p:nvPr/>
         </p:nvSpPr>
         <p:spPr>
           <a:xfrm>
             <a:off x="8556840" y="4749840"/>
-            <a:ext cx="547560" cy="392400"/>
+            <a:ext cx="546840" cy="391680"/>
           </a:xfrm>
           <a:prstGeom prst="rect">
             <a:avLst/>
@@ -12495,29 +10836,6 @@
           <a:effectRef idx="0"/>
           <a:fontRef idx="minor"/>
         </p:style>
-        <p:txBody>
-          <a:bodyPr lIns="90000" rIns="90000" tIns="91440" bIns="91440" anchor="ctr"/>
-          <a:p>
-            <a:pPr algn="r">
-              <a:lnSpc>
-                <a:spcPct val="100000"/>
-              </a:lnSpc>
-            </a:pPr>
-            <a:fld id="{D1B19066-E323-46CE-A6AE-259B1AC73001}" type="slidenum">
-              <a:rPr b="0" lang="en-US" sz="900" spc="-1" strike="noStrike">
-                <a:solidFill>
-                  <a:srgbClr val="8b8b8b"/>
-                </a:solidFill>
-                <a:latin typeface="Calibri"/>
-                <a:ea typeface="DejaVu Sans"/>
-              </a:rPr>
-              <a:t>&lt;number&gt;</a:t>
-            </a:fld>
-            <a:endParaRPr b="0" lang="en-US" sz="900" spc="-1" strike="noStrike">
-              <a:latin typeface="Arial"/>
-            </a:endParaRPr>
-          </a:p>
-        </p:txBody>
       </p:sp>
     </p:spTree>
   </p:cSld>
@@ -12587,14 +10905,14 @@
       </p:grpSpPr>
       <p:sp>
         <p:nvSpPr>
-          <p:cNvPr id="305" name="CustomShape 1"/>
+          <p:cNvPr id="267" name="CustomShape 1"/>
           <p:cNvSpPr/>
           <p:nvPr/>
         </p:nvSpPr>
         <p:spPr>
           <a:xfrm>
             <a:off x="8556840" y="4749840"/>
-            <a:ext cx="547560" cy="392400"/>
+            <a:ext cx="546840" cy="391680"/>
           </a:xfrm>
           <a:prstGeom prst="rect">
             <a:avLst/>
@@ -12610,29 +10928,6 @@
           <a:effectRef idx="0"/>
           <a:fontRef idx="minor"/>
         </p:style>
-        <p:txBody>
-          <a:bodyPr lIns="90000" rIns="90000" tIns="91440" bIns="91440" anchor="ctr"/>
-          <a:p>
-            <a:pPr algn="r">
-              <a:lnSpc>
-                <a:spcPct val="100000"/>
-              </a:lnSpc>
-            </a:pPr>
-            <a:fld id="{300D9971-AC9F-41CE-A7C8-0C14705285BA}" type="slidenum">
-              <a:rPr b="0" lang="en-US" sz="900" spc="-1" strike="noStrike">
-                <a:solidFill>
-                  <a:srgbClr val="8b8b8b"/>
-                </a:solidFill>
-                <a:latin typeface="Calibri"/>
-                <a:ea typeface="DejaVu Sans"/>
-              </a:rPr>
-              <a:t>&lt;number&gt;</a:t>
-            </a:fld>
-            <a:endParaRPr b="0" lang="en-US" sz="900" spc="-1" strike="noStrike">
-              <a:latin typeface="Arial"/>
-            </a:endParaRPr>
-          </a:p>
-        </p:txBody>
       </p:sp>
     </p:spTree>
   </p:cSld>
@@ -12693,14 +10988,14 @@
       </p:grpSpPr>
       <p:sp>
         <p:nvSpPr>
-          <p:cNvPr id="306" name="CustomShape 1"/>
+          <p:cNvPr id="268" name="CustomShape 1"/>
           <p:cNvSpPr/>
           <p:nvPr/>
         </p:nvSpPr>
         <p:spPr>
           <a:xfrm>
             <a:off x="0" y="0"/>
-            <a:ext cx="7885800" cy="993240"/>
+            <a:ext cx="7885080" cy="992520"/>
           </a:xfrm>
           <a:prstGeom prst="rect">
             <a:avLst/>
@@ -12742,14 +11037,14 @@
       </p:sp>
       <p:sp>
         <p:nvSpPr>
-          <p:cNvPr id="307" name="CustomShape 2"/>
+          <p:cNvPr id="269" name="CustomShape 2"/>
           <p:cNvSpPr/>
           <p:nvPr/>
         </p:nvSpPr>
         <p:spPr>
           <a:xfrm>
             <a:off x="0" y="1063080"/>
-            <a:ext cx="9142920" cy="3724560"/>
+            <a:ext cx="9142200" cy="3723840"/>
           </a:xfrm>
           <a:prstGeom prst="rect">
             <a:avLst/>
@@ -12854,14 +11149,14 @@
       </p:grpSpPr>
       <p:sp>
         <p:nvSpPr>
-          <p:cNvPr id="308" name="CustomShape 1"/>
+          <p:cNvPr id="270" name="CustomShape 1"/>
           <p:cNvSpPr/>
           <p:nvPr/>
         </p:nvSpPr>
         <p:spPr>
           <a:xfrm>
             <a:off x="628560" y="273960"/>
-            <a:ext cx="7885800" cy="993240"/>
+            <a:ext cx="7885080" cy="992520"/>
           </a:xfrm>
           <a:prstGeom prst="rect">
             <a:avLst/>
@@ -12903,28 +11198,28 @@
       </p:sp>
       <p:grpSp>
         <p:nvGrpSpPr>
-          <p:cNvPr id="309" name="Group 2"/>
+          <p:cNvPr id="271" name="Group 2"/>
           <p:cNvGrpSpPr/>
           <p:nvPr/>
         </p:nvGrpSpPr>
         <p:grpSpPr>
           <a:xfrm>
             <a:off x="2295000" y="1267920"/>
-            <a:ext cx="4434120" cy="3603960"/>
+            <a:ext cx="4433400" cy="3603240"/>
             <a:chOff x="2295000" y="1267920"/>
-            <a:chExt cx="4434120" cy="3603960"/>
+            <a:chExt cx="4433400" cy="3603240"/>
           </a:xfrm>
         </p:grpSpPr>
         <p:sp>
           <p:nvSpPr>
-            <p:cNvPr id="310" name="CustomShape 3"/>
+            <p:cNvPr id="272" name="CustomShape 3"/>
             <p:cNvSpPr/>
             <p:nvPr/>
           </p:nvSpPr>
           <p:spPr>
             <a:xfrm>
               <a:off x="2295000" y="1267920"/>
-              <a:ext cx="1666440" cy="1989720"/>
+              <a:ext cx="1665720" cy="1989000"/>
             </a:xfrm>
             <a:custGeom>
               <a:avLst/>
@@ -13022,14 +11317,14 @@
         </p:sp>
         <p:sp>
           <p:nvSpPr>
-            <p:cNvPr id="311" name="CustomShape 4"/>
+            <p:cNvPr id="273" name="CustomShape 4"/>
             <p:cNvSpPr/>
             <p:nvPr/>
           </p:nvSpPr>
           <p:spPr>
             <a:xfrm>
               <a:off x="4142880" y="1267920"/>
-              <a:ext cx="1664640" cy="1989720"/>
+              <a:ext cx="1663920" cy="1989000"/>
             </a:xfrm>
             <a:custGeom>
               <a:avLst/>
@@ -13126,14 +11421,14 @@
         </p:sp>
         <p:sp>
           <p:nvSpPr>
-            <p:cNvPr id="312" name="CustomShape 5"/>
+            <p:cNvPr id="274" name="CustomShape 5"/>
             <p:cNvSpPr/>
             <p:nvPr/>
           </p:nvSpPr>
           <p:spPr>
             <a:xfrm>
               <a:off x="3216240" y="2883960"/>
-              <a:ext cx="1666440" cy="1987920"/>
+              <a:ext cx="1665720" cy="1987200"/>
             </a:xfrm>
             <a:custGeom>
               <a:avLst/>
@@ -13228,14 +11523,14 @@
         </p:sp>
         <p:sp>
           <p:nvSpPr>
-            <p:cNvPr id="313" name="CustomShape 6"/>
+            <p:cNvPr id="275" name="CustomShape 6"/>
             <p:cNvSpPr/>
             <p:nvPr/>
           </p:nvSpPr>
           <p:spPr>
             <a:xfrm>
               <a:off x="5062680" y="2883960"/>
-              <a:ext cx="1666440" cy="1987920"/>
+              <a:ext cx="1665720" cy="1987200"/>
             </a:xfrm>
             <a:custGeom>
               <a:avLst/>
@@ -13331,28 +11626,28 @@
       </p:grpSp>
       <p:grpSp>
         <p:nvGrpSpPr>
-          <p:cNvPr id="314" name="Group 7"/>
+          <p:cNvPr id="276" name="Group 7"/>
           <p:cNvGrpSpPr/>
           <p:nvPr/>
         </p:nvGrpSpPr>
         <p:grpSpPr>
           <a:xfrm>
             <a:off x="6908760" y="3264120"/>
-            <a:ext cx="1827000" cy="522720"/>
+            <a:ext cx="1826280" cy="522000"/>
             <a:chOff x="6908760" y="3264120"/>
-            <a:chExt cx="1827000" cy="522720"/>
+            <a:chExt cx="1826280" cy="522000"/>
           </a:xfrm>
         </p:grpSpPr>
         <p:sp>
           <p:nvSpPr>
-            <p:cNvPr id="315" name="CustomShape 8"/>
+            <p:cNvPr id="277" name="CustomShape 8"/>
             <p:cNvSpPr/>
             <p:nvPr/>
           </p:nvSpPr>
           <p:spPr>
             <a:xfrm>
               <a:off x="6908760" y="3264120"/>
-              <a:ext cx="1827000" cy="333000"/>
+              <a:ext cx="1826280" cy="332280"/>
             </a:xfrm>
             <a:prstGeom prst="rect">
               <a:avLst/>
@@ -13394,14 +11689,14 @@
         </p:sp>
         <p:sp>
           <p:nvSpPr>
-            <p:cNvPr id="316" name="CustomShape 9"/>
+            <p:cNvPr id="278" name="CustomShape 9"/>
             <p:cNvSpPr/>
             <p:nvPr/>
           </p:nvSpPr>
           <p:spPr>
             <a:xfrm>
               <a:off x="6913080" y="3580200"/>
-              <a:ext cx="1646640" cy="206640"/>
+              <a:ext cx="1645920" cy="205920"/>
             </a:xfrm>
             <a:prstGeom prst="rect">
               <a:avLst/>
@@ -13421,28 +11716,28 @@
       </p:grpSp>
       <p:grpSp>
         <p:nvGrpSpPr>
-          <p:cNvPr id="317" name="Group 10"/>
+          <p:cNvPr id="279" name="Group 10"/>
           <p:cNvGrpSpPr/>
           <p:nvPr/>
         </p:nvGrpSpPr>
         <p:grpSpPr>
           <a:xfrm>
             <a:off x="1392840" y="3590640"/>
-            <a:ext cx="1677960" cy="333000"/>
+            <a:ext cx="1677240" cy="332280"/>
             <a:chOff x="1392840" y="3590640"/>
-            <a:chExt cx="1677960" cy="333000"/>
+            <a:chExt cx="1677240" cy="332280"/>
           </a:xfrm>
         </p:grpSpPr>
         <p:sp>
           <p:nvSpPr>
-            <p:cNvPr id="318" name="CustomShape 11"/>
+            <p:cNvPr id="280" name="CustomShape 11"/>
             <p:cNvSpPr/>
             <p:nvPr/>
           </p:nvSpPr>
           <p:spPr>
             <a:xfrm>
               <a:off x="1419840" y="3590640"/>
-              <a:ext cx="1650960" cy="333000"/>
+              <a:ext cx="1650240" cy="332280"/>
             </a:xfrm>
             <a:prstGeom prst="rect">
               <a:avLst/>
@@ -13484,14 +11779,14 @@
         </p:sp>
         <p:sp>
           <p:nvSpPr>
-            <p:cNvPr id="319" name="CustomShape 12"/>
+            <p:cNvPr id="281" name="CustomShape 12"/>
             <p:cNvSpPr/>
             <p:nvPr/>
           </p:nvSpPr>
           <p:spPr>
             <a:xfrm>
               <a:off x="1392840" y="3623040"/>
-              <a:ext cx="1646640" cy="206640"/>
+              <a:ext cx="1645920" cy="205920"/>
             </a:xfrm>
             <a:prstGeom prst="rect">
               <a:avLst/>
@@ -13511,28 +11806,28 @@
       </p:grpSp>
       <p:grpSp>
         <p:nvGrpSpPr>
-          <p:cNvPr id="320" name="Group 13"/>
+          <p:cNvPr id="282" name="Group 13"/>
           <p:cNvGrpSpPr/>
           <p:nvPr/>
         </p:nvGrpSpPr>
         <p:grpSpPr>
           <a:xfrm>
             <a:off x="5985000" y="1558440"/>
-            <a:ext cx="1650960" cy="523080"/>
+            <a:ext cx="1650240" cy="522360"/>
             <a:chOff x="5985000" y="1558440"/>
-            <a:chExt cx="1650960" cy="523080"/>
+            <a:chExt cx="1650240" cy="522360"/>
           </a:xfrm>
         </p:grpSpPr>
         <p:sp>
           <p:nvSpPr>
-            <p:cNvPr id="321" name="CustomShape 14"/>
+            <p:cNvPr id="283" name="CustomShape 14"/>
             <p:cNvSpPr/>
             <p:nvPr/>
           </p:nvSpPr>
           <p:spPr>
             <a:xfrm>
               <a:off x="5985000" y="1558440"/>
-              <a:ext cx="1650960" cy="333000"/>
+              <a:ext cx="1650240" cy="332280"/>
             </a:xfrm>
             <a:prstGeom prst="rect">
               <a:avLst/>
@@ -13574,14 +11869,14 @@
         </p:sp>
         <p:sp>
           <p:nvSpPr>
-            <p:cNvPr id="322" name="CustomShape 15"/>
+            <p:cNvPr id="284" name="CustomShape 15"/>
             <p:cNvSpPr/>
             <p:nvPr/>
           </p:nvSpPr>
           <p:spPr>
             <a:xfrm>
               <a:off x="5989320" y="1874880"/>
-              <a:ext cx="1646640" cy="206640"/>
+              <a:ext cx="1645920" cy="205920"/>
             </a:xfrm>
             <a:prstGeom prst="rect">
               <a:avLst/>
@@ -13601,28 +11896,28 @@
       </p:grpSp>
       <p:grpSp>
         <p:nvGrpSpPr>
-          <p:cNvPr id="323" name="Group 16"/>
+          <p:cNvPr id="285" name="Group 16"/>
           <p:cNvGrpSpPr/>
           <p:nvPr/>
         </p:nvGrpSpPr>
         <p:grpSpPr>
           <a:xfrm>
             <a:off x="208800" y="1458720"/>
-            <a:ext cx="1908720" cy="2413800"/>
+            <a:ext cx="1908000" cy="2413080"/>
             <a:chOff x="208800" y="1458720"/>
-            <a:chExt cx="1908720" cy="2413800"/>
+            <a:chExt cx="1908000" cy="2413080"/>
           </a:xfrm>
         </p:grpSpPr>
         <p:sp>
           <p:nvSpPr>
-            <p:cNvPr id="324" name="CustomShape 17"/>
+            <p:cNvPr id="286" name="CustomShape 17"/>
             <p:cNvSpPr/>
             <p:nvPr/>
           </p:nvSpPr>
           <p:spPr>
             <a:xfrm>
               <a:off x="208800" y="1458720"/>
-              <a:ext cx="1908720" cy="333000"/>
+              <a:ext cx="1908000" cy="332280"/>
             </a:xfrm>
             <a:prstGeom prst="rect">
               <a:avLst/>
@@ -13664,14 +11959,14 @@
         </p:sp>
         <p:sp>
           <p:nvSpPr>
-            <p:cNvPr id="325" name="CustomShape 18"/>
+            <p:cNvPr id="287" name="CustomShape 18"/>
             <p:cNvSpPr/>
             <p:nvPr/>
           </p:nvSpPr>
           <p:spPr>
             <a:xfrm>
               <a:off x="213840" y="1775160"/>
-              <a:ext cx="1903680" cy="2097360"/>
+              <a:ext cx="1902960" cy="2096640"/>
             </a:xfrm>
             <a:prstGeom prst="rect">
               <a:avLst/>
@@ -13690,7 +11985,7 @@
           <p:txBody>
             <a:bodyPr lIns="0" rIns="0" tIns="45000" bIns="45000"/>
             <a:p>
-              <a:pPr marL="285840" indent="-284760">
+              <a:pPr marL="285840" indent="-284040">
                 <a:lnSpc>
                   <a:spcPct val="100000"/>
                 </a:lnSpc>
@@ -13719,14 +12014,14 @@
       </p:grpSp>
       <p:sp>
         <p:nvSpPr>
-          <p:cNvPr id="326" name="CustomShape 19"/>
+          <p:cNvPr id="288" name="CustomShape 19"/>
           <p:cNvSpPr/>
           <p:nvPr/>
         </p:nvSpPr>
         <p:spPr>
           <a:xfrm>
             <a:off x="5904360" y="1878120"/>
-            <a:ext cx="2655720" cy="1459080"/>
+            <a:ext cx="2655000" cy="1458360"/>
           </a:xfrm>
           <a:prstGeom prst="rect">
             <a:avLst/>
@@ -13745,7 +12040,7 @@
         <p:txBody>
           <a:bodyPr lIns="90000" rIns="90000" tIns="45000" bIns="45000"/>
           <a:p>
-            <a:pPr marL="171360" indent="-170280">
+            <a:pPr marL="171360" indent="-169560">
               <a:lnSpc>
                 <a:spcPct val="100000"/>
               </a:lnSpc>
@@ -13770,7 +12065,7 @@
             </a:endParaRPr>
           </a:p>
           <a:p>
-            <a:pPr marL="171360" indent="-170280">
+            <a:pPr marL="171360" indent="-169560">
               <a:lnSpc>
                 <a:spcPct val="100000"/>
               </a:lnSpc>
@@ -13783,14 +12078,14 @@
       </p:sp>
       <p:sp>
         <p:nvSpPr>
-          <p:cNvPr id="327" name="CustomShape 20"/>
+          <p:cNvPr id="289" name="CustomShape 20"/>
           <p:cNvSpPr/>
           <p:nvPr/>
         </p:nvSpPr>
         <p:spPr>
           <a:xfrm>
             <a:off x="491760" y="3920760"/>
-            <a:ext cx="2775600" cy="819720"/>
+            <a:ext cx="2774880" cy="819000"/>
           </a:xfrm>
           <a:prstGeom prst="rect">
             <a:avLst/>
@@ -13809,7 +12104,7 @@
         <p:txBody>
           <a:bodyPr lIns="90000" rIns="90000" tIns="45000" bIns="45000"/>
           <a:p>
-            <a:pPr marL="171360" indent="-170280">
+            <a:pPr marL="171360" indent="-169560">
               <a:lnSpc>
                 <a:spcPct val="100000"/>
               </a:lnSpc>
@@ -13837,14 +12132,14 @@
       </p:sp>
       <p:sp>
         <p:nvSpPr>
-          <p:cNvPr id="328" name="CustomShape 21"/>
+          <p:cNvPr id="290" name="CustomShape 21"/>
           <p:cNvSpPr/>
           <p:nvPr/>
         </p:nvSpPr>
         <p:spPr>
           <a:xfrm>
             <a:off x="6811200" y="3580200"/>
-            <a:ext cx="2317680" cy="637200"/>
+            <a:ext cx="2316960" cy="636480"/>
           </a:xfrm>
           <a:prstGeom prst="rect">
             <a:avLst/>
@@ -13863,7 +12158,7 @@
         <p:txBody>
           <a:bodyPr lIns="90000" rIns="90000" tIns="45000" bIns="45000"/>
           <a:p>
-            <a:pPr marL="171360" indent="-170280">
+            <a:pPr marL="171360" indent="-169560">
               <a:lnSpc>
                 <a:spcPct val="100000"/>
               </a:lnSpc>
@@ -13948,14 +12243,14 @@
       </p:grpSpPr>
       <p:sp>
         <p:nvSpPr>
-          <p:cNvPr id="329" name="CustomShape 1"/>
+          <p:cNvPr id="291" name="CustomShape 1"/>
           <p:cNvSpPr/>
           <p:nvPr/>
         </p:nvSpPr>
         <p:spPr>
           <a:xfrm>
             <a:off x="0" y="0"/>
-            <a:ext cx="8228520" cy="544680"/>
+            <a:ext cx="8227800" cy="543960"/>
           </a:xfrm>
           <a:prstGeom prst="rect">
             <a:avLst/>
@@ -14007,14 +12302,14 @@
       </p:sp>
       <p:sp>
         <p:nvSpPr>
-          <p:cNvPr id="330" name="CustomShape 2"/>
+          <p:cNvPr id="292" name="CustomShape 2"/>
           <p:cNvSpPr/>
           <p:nvPr/>
         </p:nvSpPr>
         <p:spPr>
           <a:xfrm>
             <a:off x="0" y="569520"/>
-            <a:ext cx="2615400" cy="3973680"/>
+            <a:ext cx="2614680" cy="3972960"/>
           </a:xfrm>
           <a:prstGeom prst="rect">
             <a:avLst/>
@@ -14090,14 +12385,14 @@
       </p:grpSpPr>
       <p:sp>
         <p:nvSpPr>
-          <p:cNvPr id="331" name="CustomShape 1"/>
+          <p:cNvPr id="293" name="CustomShape 1"/>
           <p:cNvSpPr/>
           <p:nvPr/>
         </p:nvSpPr>
         <p:spPr>
           <a:xfrm>
             <a:off x="3405600" y="1103400"/>
-            <a:ext cx="2012040" cy="1474560"/>
+            <a:ext cx="2011320" cy="1473840"/>
           </a:xfrm>
           <a:custGeom>
             <a:avLst/>
@@ -14196,14 +12491,14 @@
       </p:sp>
       <p:sp>
         <p:nvSpPr>
-          <p:cNvPr id="332" name="CustomShape 2"/>
+          <p:cNvPr id="294" name="CustomShape 2"/>
           <p:cNvSpPr/>
           <p:nvPr/>
         </p:nvSpPr>
         <p:spPr>
           <a:xfrm>
             <a:off x="3405600" y="2822040"/>
-            <a:ext cx="2012040" cy="1474560"/>
+            <a:ext cx="2011320" cy="1473840"/>
           </a:xfrm>
           <a:custGeom>
             <a:avLst/>
@@ -14333,14 +12628,14 @@
       </p:sp>
       <p:sp>
         <p:nvSpPr>
-          <p:cNvPr id="333" name="CustomShape 3"/>
+          <p:cNvPr id="295" name="CustomShape 3"/>
           <p:cNvSpPr/>
           <p:nvPr/>
         </p:nvSpPr>
         <p:spPr>
           <a:xfrm>
             <a:off x="352800" y="1103400"/>
-            <a:ext cx="2045160" cy="3979800"/>
+            <a:ext cx="2044440" cy="3979080"/>
           </a:xfrm>
           <a:prstGeom prst="rect">
             <a:avLst/>
@@ -14404,14 +12699,14 @@
       </p:sp>
       <p:sp>
         <p:nvSpPr>
-          <p:cNvPr id="334" name="CustomShape 4"/>
+          <p:cNvPr id="296" name="CustomShape 4"/>
           <p:cNvSpPr/>
           <p:nvPr/>
         </p:nvSpPr>
         <p:spPr>
           <a:xfrm>
             <a:off x="2998800" y="1274760"/>
-            <a:ext cx="520200" cy="1131480"/>
+            <a:ext cx="519480" cy="1130760"/>
           </a:xfrm>
           <a:custGeom>
             <a:avLst/>
@@ -14478,14 +12773,14 @@
       </p:sp>
       <p:sp>
         <p:nvSpPr>
-          <p:cNvPr id="335" name="CustomShape 5"/>
+          <p:cNvPr id="297" name="CustomShape 5"/>
           <p:cNvSpPr/>
           <p:nvPr/>
         </p:nvSpPr>
         <p:spPr>
           <a:xfrm>
             <a:off x="2998800" y="2933640"/>
-            <a:ext cx="812520" cy="1147680"/>
+            <a:ext cx="811800" cy="1146960"/>
           </a:xfrm>
           <a:custGeom>
             <a:avLst/>
@@ -14616,14 +12911,14 @@
       </p:sp>
       <p:sp>
         <p:nvSpPr>
-          <p:cNvPr id="336" name="CustomShape 6"/>
+          <p:cNvPr id="298" name="CustomShape 6"/>
           <p:cNvSpPr/>
           <p:nvPr/>
         </p:nvSpPr>
         <p:spPr>
           <a:xfrm>
             <a:off x="5321520" y="1103400"/>
-            <a:ext cx="2894760" cy="1470600"/>
+            <a:ext cx="2894040" cy="1469880"/>
           </a:xfrm>
           <a:prstGeom prst="rect">
             <a:avLst/>
@@ -14661,14 +12956,14 @@
       </p:sp>
       <p:sp>
         <p:nvSpPr>
-          <p:cNvPr id="337" name="CustomShape 7"/>
+          <p:cNvPr id="299" name="CustomShape 7"/>
           <p:cNvSpPr/>
           <p:nvPr/>
         </p:nvSpPr>
         <p:spPr>
           <a:xfrm>
             <a:off x="5419080" y="2822040"/>
-            <a:ext cx="2894760" cy="1474560"/>
+            <a:ext cx="2894040" cy="1473840"/>
           </a:xfrm>
           <a:prstGeom prst="rect">
             <a:avLst/>
@@ -14706,14 +13001,14 @@
       </p:sp>
       <p:sp>
         <p:nvSpPr>
-          <p:cNvPr id="338" name="CustomShape 8"/>
+          <p:cNvPr id="300" name="CustomShape 8"/>
           <p:cNvSpPr/>
           <p:nvPr/>
         </p:nvSpPr>
         <p:spPr>
           <a:xfrm>
             <a:off x="3812400" y="1164240"/>
-            <a:ext cx="4501440" cy="1536120"/>
+            <a:ext cx="4500720" cy="1535400"/>
           </a:xfrm>
           <a:prstGeom prst="rect">
             <a:avLst/>
@@ -14765,14 +13060,14 @@
       </p:sp>
       <p:sp>
         <p:nvSpPr>
-          <p:cNvPr id="339" name="CustomShape 9"/>
+          <p:cNvPr id="301" name="CustomShape 9"/>
           <p:cNvSpPr/>
           <p:nvPr/>
         </p:nvSpPr>
         <p:spPr>
           <a:xfrm>
             <a:off x="3966840" y="2785320"/>
-            <a:ext cx="4347000" cy="1322280"/>
+            <a:ext cx="4346280" cy="1321560"/>
           </a:xfrm>
           <a:prstGeom prst="rect">
             <a:avLst/>
@@ -14880,14 +13175,14 @@
       </p:grpSpPr>
       <p:sp>
         <p:nvSpPr>
-          <p:cNvPr id="275" name="CustomShape 1"/>
+          <p:cNvPr id="237" name="CustomShape 1"/>
           <p:cNvSpPr/>
           <p:nvPr/>
         </p:nvSpPr>
         <p:spPr>
           <a:xfrm>
             <a:off x="72000" y="1116000"/>
-            <a:ext cx="2045160" cy="3979800"/>
+            <a:ext cx="2044440" cy="3979080"/>
           </a:xfrm>
           <a:prstGeom prst="rect">
             <a:avLst/>
@@ -14919,7 +13214,7 @@
                 <a:latin typeface="Calibri Light"/>
                 <a:ea typeface="DejaVu Sans"/>
               </a:rPr>
-              <a:t>Goals</a:t>
+              <a:t>Задача</a:t>
             </a:r>
             <a:r>
               <a:rPr b="1" lang="en-US" sz="3200" spc="-1" strike="noStrike">
@@ -14939,14 +13234,14 @@
       </p:sp>
       <p:sp>
         <p:nvSpPr>
-          <p:cNvPr id="276" name="CustomShape 2"/>
+          <p:cNvPr id="238" name="CustomShape 2"/>
           <p:cNvSpPr/>
           <p:nvPr/>
         </p:nvSpPr>
         <p:spPr>
           <a:xfrm>
             <a:off x="1734120" y="0"/>
-            <a:ext cx="7408800" cy="5142600"/>
+            <a:ext cx="7408080" cy="5141880"/>
           </a:xfrm>
           <a:prstGeom prst="rect">
             <a:avLst/>
@@ -14980,7 +13275,47 @@
                 <a:latin typeface="Calibri"/>
                 <a:ea typeface="DejaVu Sans"/>
               </a:rPr>
-              <a:t>Предложите стратегию оптимизации логистической цепи компании, которая позволит сократить издержки на 5 % к 2021 году. </a:t>
+              <a:t>Cтратегия оптимизации логистической цепи компании.</a:t>
+            </a:r>
+            <a:endParaRPr b="0" lang="en-US" sz="2000" spc="-1" strike="noStrike">
+              <a:latin typeface="Arial"/>
+            </a:endParaRPr>
+          </a:p>
+          <a:p>
+            <a:pPr>
+              <a:lnSpc>
+                <a:spcPct val="100000"/>
+              </a:lnSpc>
+            </a:pPr>
+            <a:r>
+              <a:rPr b="1" lang="en-US" sz="2000" spc="-1" strike="noStrike">
+                <a:solidFill>
+                  <a:srgbClr val="000000"/>
+                </a:solidFill>
+                <a:latin typeface="Calibri"/>
+                <a:ea typeface="DejaVu Sans"/>
+              </a:rPr>
+              <a:t> </a:t>
+            </a:r>
+            <a:r>
+              <a:rPr b="1" lang="en-US" sz="2000" spc="-1" strike="noStrike">
+                <a:solidFill>
+                  <a:srgbClr val="000000"/>
+                </a:solidFill>
+                <a:latin typeface="Calibri"/>
+                <a:ea typeface="DejaVu Sans"/>
+              </a:rPr>
+              <a:t>	</a:t>
+            </a:r>
+            <a:r>
+              <a:rPr b="1" lang="en-US" sz="2000" spc="-1" strike="noStrike">
+                <a:solidFill>
+                  <a:srgbClr val="000000"/>
+                </a:solidFill>
+                <a:latin typeface="Calibri"/>
+                <a:ea typeface="DejaVu Sans"/>
+              </a:rPr>
+              <a:t>: сократить издержки на 5 % к 2021 году. </a:t>
             </a:r>
             <a:endParaRPr b="0" lang="en-US" sz="2000" spc="-1" strike="noStrike">
               <a:latin typeface="Arial"/>
@@ -15010,18 +13345,8 @@
                 <a:latin typeface="Calibri"/>
                 <a:ea typeface="DejaVu Sans"/>
               </a:rPr>
-              <a:t>1. Сформируйте объемный план производства и реализации продукции, а также закупки сырья до конца 2019 года по одному из направлений с наибольшим доходом (выручка за вычетом всех затрат) для Компании.</a:t>
+              <a:t>1. Объемный план производства и реализации продукции</a:t>
             </a:r>
-            <a:endParaRPr b="0" lang="en-US" sz="1600" spc="-1" strike="noStrike">
-              <a:latin typeface="Arial"/>
-            </a:endParaRPr>
-          </a:p>
-          <a:p>
-            <a:pPr>
-              <a:lnSpc>
-                <a:spcPct val="100000"/>
-              </a:lnSpc>
-            </a:pPr>
             <a:endParaRPr b="0" lang="en-US" sz="1600" spc="-1" strike="noStrike">
               <a:latin typeface="Arial"/>
             </a:endParaRPr>
@@ -15040,18 +13365,8 @@
                 <a:latin typeface="Calibri"/>
                 <a:ea typeface="DejaVu Sans"/>
               </a:rPr>
-              <a:t>2. Проанализируйте полученный план. На основе проведенного анализа предложите ряд инициатив по снижению издержек и расширению ограничений в логистической цепи СИБУРа. Подумайте, какие еще варианты действий можно рассмотреть для увеличения доходов компании в будущем?</a:t>
+              <a:t> </a:t>
             </a:r>
-            <a:endParaRPr b="0" lang="en-US" sz="1600" spc="-1" strike="noStrike">
-              <a:latin typeface="Arial"/>
-            </a:endParaRPr>
-          </a:p>
-          <a:p>
-            <a:pPr>
-              <a:lnSpc>
-                <a:spcPct val="100000"/>
-              </a:lnSpc>
-            </a:pPr>
             <a:endParaRPr b="0" lang="en-US" sz="1600" spc="-1" strike="noStrike">
               <a:latin typeface="Arial"/>
             </a:endParaRPr>
@@ -15070,24 +13385,84 @@
                 <a:latin typeface="Calibri"/>
                 <a:ea typeface="DejaVu Sans"/>
               </a:rPr>
-              <a:t>3. В рамках проработки стратегии обоснуйте необходимость внедрения и предложите конкретное применение технологий Big Data, Internet of Things и Block Chain в рамках организации цепи поставок.</a:t>
+              <a:t>2. Закупки сырья до конца 2019 года по одному из направлений с наибольшим доходом (выручка за вычетом всех затрат) для Компании.</a:t>
             </a:r>
             <a:endParaRPr b="0" lang="en-US" sz="1600" spc="-1" strike="noStrike">
               <a:latin typeface="Arial"/>
             </a:endParaRPr>
           </a:p>
-        </p:txBody>
-      </p:sp>
-      <p:sp>
-        <p:nvSpPr>
-          <p:cNvPr id="277" name="CustomShape 3"/>
+          <a:p>
+            <a:pPr>
+              <a:lnSpc>
+                <a:spcPct val="100000"/>
+              </a:lnSpc>
+            </a:pPr>
+            <a:endParaRPr b="0" lang="en-US" sz="1600" spc="-1" strike="noStrike">
+              <a:latin typeface="Arial"/>
+            </a:endParaRPr>
+          </a:p>
+          <a:p>
+            <a:pPr>
+              <a:lnSpc>
+                <a:spcPct val="100000"/>
+              </a:lnSpc>
+            </a:pPr>
+            <a:r>
+              <a:rPr b="0" lang="en-US" sz="1600" spc="-1" strike="noStrike">
+                <a:solidFill>
+                  <a:srgbClr val="000000"/>
+                </a:solidFill>
+                <a:latin typeface="Calibri"/>
+                <a:ea typeface="DejaVu Sans"/>
+              </a:rPr>
+              <a:t>3. Анализ плана. Ряд инициатив по снижению издержек и расширению ограничений в логистической цепи СИБУРа. Будущее?</a:t>
+            </a:r>
+            <a:endParaRPr b="0" lang="en-US" sz="1600" spc="-1" strike="noStrike">
+              <a:latin typeface="Arial"/>
+            </a:endParaRPr>
+          </a:p>
+          <a:p>
+            <a:pPr>
+              <a:lnSpc>
+                <a:spcPct val="100000"/>
+              </a:lnSpc>
+            </a:pPr>
+            <a:endParaRPr b="0" lang="en-US" sz="1600" spc="-1" strike="noStrike">
+              <a:latin typeface="Arial"/>
+            </a:endParaRPr>
+          </a:p>
+          <a:p>
+            <a:pPr>
+              <a:lnSpc>
+                <a:spcPct val="100000"/>
+              </a:lnSpc>
+            </a:pPr>
+            <a:r>
+              <a:rPr b="0" lang="en-US" sz="1600" spc="-1" strike="noStrike">
+                <a:solidFill>
+                  <a:srgbClr val="000000"/>
+                </a:solidFill>
+                <a:latin typeface="Calibri"/>
+                <a:ea typeface="DejaVu Sans"/>
+              </a:rPr>
+              <a:t>4. Применение технологий Big Data, Internet of Things и Block Chain в рамках организации цепи поставок.</a:t>
+            </a:r>
+            <a:endParaRPr b="0" lang="en-US" sz="1600" spc="-1" strike="noStrike">
+              <a:latin typeface="Arial"/>
+            </a:endParaRPr>
+          </a:p>
+        </p:txBody>
+      </p:sp>
+      <p:sp>
+        <p:nvSpPr>
+          <p:cNvPr id="239" name="CustomShape 3"/>
           <p:cNvSpPr/>
           <p:nvPr/>
         </p:nvSpPr>
         <p:spPr>
           <a:xfrm>
             <a:off x="8556840" y="4749840"/>
-            <a:ext cx="547560" cy="392400"/>
+            <a:ext cx="546840" cy="391680"/>
           </a:xfrm>
           <a:prstGeom prst="rect">
             <a:avLst/>
@@ -15103,29 +13478,6 @@
           <a:effectRef idx="0"/>
           <a:fontRef idx="minor"/>
         </p:style>
-        <p:txBody>
-          <a:bodyPr lIns="90000" rIns="90000" tIns="91440" bIns="91440" anchor="ctr"/>
-          <a:p>
-            <a:pPr algn="r">
-              <a:lnSpc>
-                <a:spcPct val="100000"/>
-              </a:lnSpc>
-            </a:pPr>
-            <a:fld id="{6E7531F5-7132-4F52-8C0C-364C637C4D3C}" type="slidenum">
-              <a:rPr b="0" lang="en-US" sz="900" spc="-1" strike="noStrike">
-                <a:solidFill>
-                  <a:srgbClr val="8b8b8b"/>
-                </a:solidFill>
-                <a:latin typeface="Calibri"/>
-                <a:ea typeface="DejaVu Sans"/>
-              </a:rPr>
-              <a:t>2</a:t>
-            </a:fld>
-            <a:endParaRPr b="0" lang="en-US" sz="900" spc="-1" strike="noStrike">
-              <a:latin typeface="Arial"/>
-            </a:endParaRPr>
-          </a:p>
-        </p:txBody>
       </p:sp>
     </p:spTree>
   </p:cSld>
@@ -15195,14 +13547,14 @@
       </p:grpSpPr>
       <p:sp>
         <p:nvSpPr>
-          <p:cNvPr id="278" name="CustomShape 1"/>
+          <p:cNvPr id="240" name="CustomShape 1"/>
           <p:cNvSpPr/>
           <p:nvPr/>
         </p:nvSpPr>
         <p:spPr>
           <a:xfrm>
             <a:off x="72000" y="1116000"/>
-            <a:ext cx="2213640" cy="3979800"/>
+            <a:ext cx="2212920" cy="3979080"/>
           </a:xfrm>
           <a:prstGeom prst="rect">
             <a:avLst/>
@@ -15254,14 +13606,14 @@
       </p:sp>
       <p:sp>
         <p:nvSpPr>
-          <p:cNvPr id="279" name="CustomShape 2"/>
+          <p:cNvPr id="241" name="CustomShape 2"/>
           <p:cNvSpPr/>
           <p:nvPr/>
         </p:nvSpPr>
         <p:spPr>
           <a:xfrm>
             <a:off x="2194560" y="0"/>
-            <a:ext cx="6948360" cy="5142600"/>
+            <a:ext cx="6947640" cy="5141880"/>
           </a:xfrm>
           <a:prstGeom prst="rect">
             <a:avLst/>
@@ -15335,14 +13687,14 @@
       </p:sp>
       <p:sp>
         <p:nvSpPr>
-          <p:cNvPr id="280" name="CustomShape 3"/>
+          <p:cNvPr id="242" name="CustomShape 3"/>
           <p:cNvSpPr/>
           <p:nvPr/>
         </p:nvSpPr>
         <p:spPr>
           <a:xfrm>
             <a:off x="8556840" y="4749840"/>
-            <a:ext cx="547560" cy="392400"/>
+            <a:ext cx="546840" cy="391680"/>
           </a:xfrm>
           <a:prstGeom prst="rect">
             <a:avLst/>
@@ -15358,29 +13710,6 @@
           <a:effectRef idx="0"/>
           <a:fontRef idx="minor"/>
         </p:style>
-        <p:txBody>
-          <a:bodyPr lIns="90000" rIns="90000" tIns="91440" bIns="91440" anchor="ctr"/>
-          <a:p>
-            <a:pPr algn="r">
-              <a:lnSpc>
-                <a:spcPct val="100000"/>
-              </a:lnSpc>
-            </a:pPr>
-            <a:fld id="{D573BADE-D54C-422E-851C-E7757F0C4025}" type="slidenum">
-              <a:rPr b="0" lang="en-US" sz="900" spc="-1" strike="noStrike">
-                <a:solidFill>
-                  <a:srgbClr val="8b8b8b"/>
-                </a:solidFill>
-                <a:latin typeface="Calibri"/>
-                <a:ea typeface="DejaVu Sans"/>
-              </a:rPr>
-              <a:t>3</a:t>
-            </a:fld>
-            <a:endParaRPr b="0" lang="en-US" sz="900" spc="-1" strike="noStrike">
-              <a:latin typeface="Arial"/>
-            </a:endParaRPr>
-          </a:p>
-        </p:txBody>
       </p:sp>
     </p:spTree>
   </p:cSld>
@@ -15450,14 +13779,14 @@
       </p:grpSpPr>
       <p:sp>
         <p:nvSpPr>
-          <p:cNvPr id="281" name="CustomShape 1"/>
+          <p:cNvPr id="243" name="CustomShape 1"/>
           <p:cNvSpPr/>
           <p:nvPr/>
         </p:nvSpPr>
         <p:spPr>
           <a:xfrm>
             <a:off x="72000" y="1116000"/>
-            <a:ext cx="2213640" cy="3979800"/>
+            <a:ext cx="2212920" cy="3979080"/>
           </a:xfrm>
           <a:prstGeom prst="rect">
             <a:avLst/>
@@ -15529,14 +13858,14 @@
       </p:sp>
       <p:sp>
         <p:nvSpPr>
-          <p:cNvPr id="282" name="CustomShape 2"/>
+          <p:cNvPr id="244" name="CustomShape 2"/>
           <p:cNvSpPr/>
           <p:nvPr/>
         </p:nvSpPr>
         <p:spPr>
           <a:xfrm>
             <a:off x="2194560" y="0"/>
-            <a:ext cx="6948360" cy="5142600"/>
+            <a:ext cx="6947640" cy="5141880"/>
           </a:xfrm>
           <a:prstGeom prst="rect">
             <a:avLst/>
@@ -15610,14 +13939,14 @@
       </p:sp>
       <p:sp>
         <p:nvSpPr>
-          <p:cNvPr id="283" name="CustomShape 3"/>
+          <p:cNvPr id="245" name="CustomShape 3"/>
           <p:cNvSpPr/>
           <p:nvPr/>
         </p:nvSpPr>
         <p:spPr>
           <a:xfrm>
             <a:off x="8556840" y="4749840"/>
-            <a:ext cx="547560" cy="392400"/>
+            <a:ext cx="546840" cy="391680"/>
           </a:xfrm>
           <a:prstGeom prst="rect">
             <a:avLst/>
@@ -15633,29 +13962,6 @@
           <a:effectRef idx="0"/>
           <a:fontRef idx="minor"/>
         </p:style>
-        <p:txBody>
-          <a:bodyPr lIns="90000" rIns="90000" tIns="91440" bIns="91440" anchor="ctr"/>
-          <a:p>
-            <a:pPr algn="r">
-              <a:lnSpc>
-                <a:spcPct val="100000"/>
-              </a:lnSpc>
-            </a:pPr>
-            <a:fld id="{D38D273A-881C-47C7-B6E3-945ADD46B993}" type="slidenum">
-              <a:rPr b="0" lang="en-US" sz="900" spc="-1" strike="noStrike">
-                <a:solidFill>
-                  <a:srgbClr val="8b8b8b"/>
-                </a:solidFill>
-                <a:latin typeface="Calibri"/>
-                <a:ea typeface="DejaVu Sans"/>
-              </a:rPr>
-              <a:t>4</a:t>
-            </a:fld>
-            <a:endParaRPr b="0" lang="en-US" sz="900" spc="-1" strike="noStrike">
-              <a:latin typeface="Arial"/>
-            </a:endParaRPr>
-          </a:p>
-        </p:txBody>
       </p:sp>
     </p:spTree>
   </p:cSld>
@@ -15725,14 +14031,14 @@
       </p:grpSpPr>
       <p:sp>
         <p:nvSpPr>
-          <p:cNvPr id="284" name="CustomShape 1"/>
+          <p:cNvPr id="246" name="CustomShape 1"/>
           <p:cNvSpPr/>
           <p:nvPr/>
         </p:nvSpPr>
         <p:spPr>
           <a:xfrm>
             <a:off x="914400" y="3200400"/>
-            <a:ext cx="4937400" cy="1096920"/>
+            <a:ext cx="4936680" cy="1096200"/>
           </a:xfrm>
           <a:prstGeom prst="rect">
             <a:avLst/>
@@ -15751,7 +14057,7 @@
         <p:txBody>
           <a:bodyPr lIns="90000" rIns="90000" tIns="91440" bIns="91440"/>
           <a:p>
-            <a:pPr marL="457200" indent="-379800">
+            <a:pPr marL="457200" indent="-379080">
               <a:lnSpc>
                 <a:spcPct val="90000"/>
               </a:lnSpc>
@@ -15827,14 +14133,14 @@
       </p:sp>
       <p:sp>
         <p:nvSpPr>
-          <p:cNvPr id="285" name="CustomShape 2"/>
+          <p:cNvPr id="247" name="CustomShape 2"/>
           <p:cNvSpPr/>
           <p:nvPr/>
         </p:nvSpPr>
         <p:spPr>
           <a:xfrm>
             <a:off x="8556840" y="4749840"/>
-            <a:ext cx="547560" cy="392400"/>
+            <a:ext cx="546840" cy="391680"/>
           </a:xfrm>
           <a:prstGeom prst="rect">
             <a:avLst/>
@@ -15850,33 +14156,10 @@
           <a:effectRef idx="0"/>
           <a:fontRef idx="minor"/>
         </p:style>
-        <p:txBody>
-          <a:bodyPr lIns="90000" rIns="90000" tIns="91440" bIns="91440" anchor="ctr"/>
-          <a:p>
-            <a:pPr algn="r">
-              <a:lnSpc>
-                <a:spcPct val="100000"/>
-              </a:lnSpc>
-            </a:pPr>
-            <a:fld id="{DC16D52F-1EC3-450C-B92B-5F88288F9897}" type="slidenum">
-              <a:rPr b="0" lang="en-US" sz="900" spc="-1" strike="noStrike">
-                <a:solidFill>
-                  <a:srgbClr val="8b8b8b"/>
-                </a:solidFill>
-                <a:latin typeface="Calibri"/>
-                <a:ea typeface="DejaVu Sans"/>
-              </a:rPr>
-              <a:t>4</a:t>
-            </a:fld>
-            <a:endParaRPr b="0" lang="en-US" sz="900" spc="-1" strike="noStrike">
-              <a:latin typeface="Arial"/>
-            </a:endParaRPr>
-          </a:p>
-        </p:txBody>
       </p:sp>
       <p:pic>
         <p:nvPicPr>
-          <p:cNvPr id="286" name="" descr=""/>
+          <p:cNvPr id="248" name="" descr=""/>
           <p:cNvPicPr/>
           <p:nvPr/>
         </p:nvPicPr>
@@ -15887,7 +14170,7 @@
         <p:spPr>
           <a:xfrm>
             <a:off x="3224160" y="3240"/>
-            <a:ext cx="5919480" cy="3105360"/>
+            <a:ext cx="5918760" cy="3104640"/>
           </a:xfrm>
           <a:prstGeom prst="rect">
             <a:avLst/>
@@ -15956,14 +14239,14 @@
       </p:grpSpPr>
       <p:sp>
         <p:nvSpPr>
-          <p:cNvPr id="287" name="CustomShape 1"/>
+          <p:cNvPr id="249" name="CustomShape 1"/>
           <p:cNvSpPr/>
           <p:nvPr/>
         </p:nvSpPr>
         <p:spPr>
           <a:xfrm>
             <a:off x="1828800" y="548640"/>
-            <a:ext cx="3382920" cy="345960"/>
+            <a:ext cx="3382200" cy="345240"/>
           </a:xfrm>
           <a:prstGeom prst="rect">
             <a:avLst/>
@@ -15989,7 +14272,11 @@
             </a:pPr>
             <a:r>
               <a:rPr b="0" lang="en-US" sz="1800" spc="-1" strike="noStrike">
+                <a:solidFill>
+                  <a:srgbClr val="000000"/>
+                </a:solidFill>
                 <a:latin typeface="Arial"/>
+                <a:ea typeface="DejaVu Sans"/>
               </a:rPr>
               <a:t>The plan here</a:t>
             </a:r>
@@ -16067,7 +14354,7 @@
       </p:grpSpPr>
       <p:pic>
         <p:nvPicPr>
-          <p:cNvPr id="288" name="" descr=""/>
+          <p:cNvPr id="250" name="" descr=""/>
           <p:cNvPicPr/>
           <p:nvPr/>
         </p:nvPicPr>
@@ -16079,7 +14366,7 @@
         <p:spPr>
           <a:xfrm>
             <a:off x="1554480" y="0"/>
-            <a:ext cx="7589160" cy="3108240"/>
+            <a:ext cx="7588440" cy="3107520"/>
           </a:xfrm>
           <a:prstGeom prst="rect">
             <a:avLst/>
@@ -16091,7 +14378,7 @@
       </p:pic>
       <p:pic>
         <p:nvPicPr>
-          <p:cNvPr id="289" name="" descr=""/>
+          <p:cNvPr id="251" name="" descr=""/>
           <p:cNvPicPr/>
           <p:nvPr/>
         </p:nvPicPr>
@@ -16103,7 +14390,7 @@
         <p:spPr>
           <a:xfrm>
             <a:off x="0" y="0"/>
-            <a:ext cx="3340440" cy="3199680"/>
+            <a:ext cx="3339720" cy="3198960"/>
           </a:xfrm>
           <a:prstGeom prst="rect">
             <a:avLst/>
@@ -16115,14 +14402,14 @@
       </p:pic>
       <p:sp>
         <p:nvSpPr>
-          <p:cNvPr id="290" name="CustomShape 1"/>
+          <p:cNvPr id="252" name="CustomShape 1"/>
           <p:cNvSpPr/>
           <p:nvPr/>
         </p:nvSpPr>
         <p:spPr>
           <a:xfrm>
             <a:off x="914400" y="3200400"/>
-            <a:ext cx="4937400" cy="1096920"/>
+            <a:ext cx="4936680" cy="1096200"/>
           </a:xfrm>
           <a:prstGeom prst="rect">
             <a:avLst/>
@@ -16141,7 +14428,7 @@
         <p:txBody>
           <a:bodyPr lIns="90000" rIns="90000" tIns="91440" bIns="91440"/>
           <a:p>
-            <a:pPr marL="457200" indent="-379800">
+            <a:pPr marL="457200" indent="-379080">
               <a:lnSpc>
                 <a:spcPct val="90000"/>
               </a:lnSpc>
@@ -16217,14 +14504,14 @@
       </p:sp>
       <p:sp>
         <p:nvSpPr>
-          <p:cNvPr id="291" name="CustomShape 2"/>
+          <p:cNvPr id="253" name="CustomShape 2"/>
           <p:cNvSpPr/>
           <p:nvPr/>
         </p:nvSpPr>
         <p:spPr>
           <a:xfrm>
             <a:off x="8556840" y="4749840"/>
-            <a:ext cx="547560" cy="392400"/>
+            <a:ext cx="546840" cy="391680"/>
           </a:xfrm>
           <a:prstGeom prst="rect">
             <a:avLst/>
@@ -16240,33 +14527,10 @@
           <a:effectRef idx="0"/>
           <a:fontRef idx="minor"/>
         </p:style>
-        <p:txBody>
-          <a:bodyPr lIns="90000" rIns="90000" tIns="91440" bIns="91440" anchor="ctr"/>
-          <a:p>
-            <a:pPr algn="r">
-              <a:lnSpc>
-                <a:spcPct val="100000"/>
-              </a:lnSpc>
-            </a:pPr>
-            <a:fld id="{D5915C93-EBFE-4600-AF91-407DFD83FD62}" type="slidenum">
-              <a:rPr b="0" lang="en-US" sz="900" spc="-1" strike="noStrike">
-                <a:solidFill>
-                  <a:srgbClr val="8b8b8b"/>
-                </a:solidFill>
-                <a:latin typeface="Calibri"/>
-                <a:ea typeface="DejaVu Sans"/>
-              </a:rPr>
-              <a:t>&lt;number&gt;</a:t>
-            </a:fld>
-            <a:endParaRPr b="0" lang="en-US" sz="900" spc="-1" strike="noStrike">
-              <a:latin typeface="Arial"/>
-            </a:endParaRPr>
-          </a:p>
-        </p:txBody>
-      </p:sp>
-      <p:sp>
-        <p:nvSpPr>
-          <p:cNvPr id="292" name="Line 3"/>
+      </p:sp>
+      <p:sp>
+        <p:nvSpPr>
+          <p:cNvPr id="254" name="Line 3"/>
           <p:cNvSpPr/>
           <p:nvPr/>
         </p:nvSpPr>
@@ -16351,14 +14615,14 @@
       </p:grpSpPr>
       <p:sp>
         <p:nvSpPr>
-          <p:cNvPr id="293" name="CustomShape 1"/>
+          <p:cNvPr id="255" name="CustomShape 1"/>
           <p:cNvSpPr/>
           <p:nvPr/>
         </p:nvSpPr>
         <p:spPr>
           <a:xfrm>
             <a:off x="274320" y="346680"/>
-            <a:ext cx="8664480" cy="293040"/>
+            <a:ext cx="8663760" cy="292320"/>
           </a:xfrm>
           <a:prstGeom prst="rect">
             <a:avLst/>
@@ -16466,14 +14730,14 @@
       </p:grpSpPr>
       <p:sp>
         <p:nvSpPr>
-          <p:cNvPr id="294" name="CustomShape 1"/>
+          <p:cNvPr id="256" name="CustomShape 1"/>
           <p:cNvSpPr/>
           <p:nvPr/>
         </p:nvSpPr>
         <p:spPr>
           <a:xfrm>
             <a:off x="914400" y="3200400"/>
-            <a:ext cx="4937400" cy="1096920"/>
+            <a:ext cx="4936680" cy="1096200"/>
           </a:xfrm>
           <a:prstGeom prst="rect">
             <a:avLst/>
@@ -16492,7 +14756,7 @@
         <p:txBody>
           <a:bodyPr lIns="90000" rIns="90000" tIns="91440" bIns="91440"/>
           <a:p>
-            <a:pPr marL="457200" indent="-379800">
+            <a:pPr marL="457200" indent="-379080">
               <a:lnSpc>
                 <a:spcPct val="90000"/>
               </a:lnSpc>
@@ -16568,14 +14832,14 @@
       </p:sp>
       <p:sp>
         <p:nvSpPr>
-          <p:cNvPr id="295" name="CustomShape 2"/>
+          <p:cNvPr id="257" name="CustomShape 2"/>
           <p:cNvSpPr/>
           <p:nvPr/>
         </p:nvSpPr>
         <p:spPr>
           <a:xfrm>
             <a:off x="8556840" y="4749840"/>
-            <a:ext cx="547560" cy="392400"/>
+            <a:ext cx="546840" cy="391680"/>
           </a:xfrm>
           <a:prstGeom prst="rect">
             <a:avLst/>
@@ -16591,33 +14855,10 @@
           <a:effectRef idx="0"/>
           <a:fontRef idx="minor"/>
         </p:style>
-        <p:txBody>
-          <a:bodyPr lIns="90000" rIns="90000" tIns="91440" bIns="91440" anchor="ctr"/>
-          <a:p>
-            <a:pPr algn="r">
-              <a:lnSpc>
-                <a:spcPct val="100000"/>
-              </a:lnSpc>
-            </a:pPr>
-            <a:fld id="{7C88B156-64CD-4587-8FA5-37604DB000EE}" type="slidenum">
-              <a:rPr b="0" lang="en-US" sz="900" spc="-1" strike="noStrike">
-                <a:solidFill>
-                  <a:srgbClr val="8b8b8b"/>
-                </a:solidFill>
-                <a:latin typeface="Calibri"/>
-                <a:ea typeface="DejaVu Sans"/>
-              </a:rPr>
-              <a:t>&lt;number&gt;</a:t>
-            </a:fld>
-            <a:endParaRPr b="0" lang="en-US" sz="900" spc="-1" strike="noStrike">
-              <a:latin typeface="Arial"/>
-            </a:endParaRPr>
-          </a:p>
-        </p:txBody>
       </p:sp>
       <p:pic>
         <p:nvPicPr>
-          <p:cNvPr id="296" name="" descr=""/>
+          <p:cNvPr id="258" name="" descr=""/>
           <p:cNvPicPr/>
           <p:nvPr/>
         </p:nvPicPr>
@@ -16630,7 +14871,7 @@
         <p:spPr>
           <a:xfrm>
             <a:off x="3051360" y="0"/>
-            <a:ext cx="6092280" cy="2742840"/>
+            <a:ext cx="6091560" cy="2742120"/>
           </a:xfrm>
           <a:prstGeom prst="rect">
             <a:avLst/>
@@ -18239,227 +16480,4 @@
     </a:fmtScheme>
   </a:themeElements>
 </a:theme>
-</file>
-
-<file path=ppt/theme/theme8.xml><?xml version="1.0" encoding="utf-8"?>
-<a:theme xmlns:a="http://schemas.openxmlformats.org/drawingml/2006/main" name="Office Theme">
-  <a:themeElements>
-    <a:clrScheme name="Office">
-      <a:dk1>
-        <a:sysClr val="windowText" lastClr="000000"/>
-      </a:dk1>
-      <a:lt1>
-        <a:sysClr val="window" lastClr="FFFFFF"/>
-      </a:lt1>
-      <a:dk2>
-        <a:srgbClr val="44546a"/>
-      </a:dk2>
-      <a:lt2>
-        <a:srgbClr val="e7e6e6"/>
-      </a:lt2>
-      <a:accent1>
-        <a:srgbClr val="5b9bd5"/>
-      </a:accent1>
-      <a:accent2>
-        <a:srgbClr val="ed7d31"/>
-      </a:accent2>
-      <a:accent3>
-        <a:srgbClr val="a5a5a5"/>
-      </a:accent3>
-      <a:accent4>
-        <a:srgbClr val="ffc000"/>
-      </a:accent4>
-      <a:accent5>
-        <a:srgbClr val="4472c4"/>
-      </a:accent5>
-      <a:accent6>
-        <a:srgbClr val="70ad47"/>
-      </a:accent6>
-      <a:hlink>
-        <a:srgbClr val="0563c1"/>
-      </a:hlink>
-      <a:folHlink>
-        <a:srgbClr val="954f72"/>
-      </a:folHlink>
-    </a:clrScheme>
-    <a:fontScheme name="Office">
-      <a:majorFont>
-        <a:latin typeface="Arial"/>
-        <a:ea typeface="DejaVu Sans"/>
-        <a:cs typeface="DejaVu Sans"/>
-      </a:majorFont>
-      <a:minorFont>
-        <a:latin typeface="Arial"/>
-        <a:ea typeface="DejaVu Sans"/>
-        <a:cs typeface="DejaVu Sans"/>
-      </a:minorFont>
-    </a:fontScheme>
-    <a:fmtScheme name="Office">
-      <a:fillStyleLst>
-        <a:solidFill>
-          <a:schemeClr val="phClr"/>
-        </a:solidFill>
-        <a:gradFill rotWithShape="1">
-          <a:gsLst>
-            <a:gs pos="0">
-              <a:schemeClr val="phClr">
-                <a:tint val="50000"/>
-                <a:satMod val="300000"/>
-              </a:schemeClr>
-            </a:gs>
-            <a:gs pos="35000">
-              <a:schemeClr val="phClr">
-                <a:tint val="37000"/>
-                <a:satMod val="300000"/>
-              </a:schemeClr>
-            </a:gs>
-            <a:gs pos="100000">
-              <a:schemeClr val="phClr">
-                <a:tint val="15000"/>
-                <a:satMod val="350000"/>
-              </a:schemeClr>
-            </a:gs>
-          </a:gsLst>
-          <a:lin ang="16200000" scaled="1"/>
-        </a:gradFill>
-        <a:gradFill rotWithShape="1">
-          <a:gsLst>
-            <a:gs pos="0">
-              <a:schemeClr val="phClr">
-                <a:shade val="51000"/>
-                <a:satMod val="130000"/>
-              </a:schemeClr>
-            </a:gs>
-            <a:gs pos="80000">
-              <a:schemeClr val="phClr">
-                <a:shade val="93000"/>
-                <a:satMod val="130000"/>
-              </a:schemeClr>
-            </a:gs>
-            <a:gs pos="100000">
-              <a:schemeClr val="phClr">
-                <a:shade val="94000"/>
-                <a:satMod val="135000"/>
-              </a:schemeClr>
-            </a:gs>
-          </a:gsLst>
-          <a:lin ang="16200000" scaled="0"/>
-        </a:gradFill>
-      </a:fillStyleLst>
-      <a:lnStyleLst>
-        <a:ln w="9525" cap="flat" cmpd="sng" algn="ctr">
-          <a:solidFill>
-            <a:schemeClr val="phClr">
-              <a:shade val="95000"/>
-              <a:satMod val="105000"/>
-            </a:schemeClr>
-          </a:solidFill>
-          <a:prstDash val="solid"/>
-        </a:ln>
-        <a:ln w="25400" cap="flat" cmpd="sng" algn="ctr">
-          <a:solidFill>
-            <a:schemeClr val="phClr"/>
-          </a:solidFill>
-          <a:prstDash val="solid"/>
-        </a:ln>
-        <a:ln w="38100" cap="flat" cmpd="sng" algn="ctr">
-          <a:solidFill>
-            <a:schemeClr val="phClr"/>
-          </a:solidFill>
-          <a:prstDash val="solid"/>
-        </a:ln>
-      </a:lnStyleLst>
-      <a:effectStyleLst>
-        <a:effectStyle>
-          <a:effectLst>
-            <a:outerShdw blurRad="40000" dist="20000" dir="5400000" rotWithShape="0">
-              <a:srgbClr val="000000">
-                <a:alpha val="38000"/>
-              </a:srgbClr>
-            </a:outerShdw>
-          </a:effectLst>
-        </a:effectStyle>
-        <a:effectStyle>
-          <a:effectLst>
-            <a:outerShdw blurRad="40000" dist="23000" dir="5400000" rotWithShape="0">
-              <a:srgbClr val="000000">
-                <a:alpha val="35000"/>
-              </a:srgbClr>
-            </a:outerShdw>
-          </a:effectLst>
-        </a:effectStyle>
-        <a:effectStyle>
-          <a:effectLst>
-            <a:outerShdw blurRad="40000" dist="23000" dir="5400000" rotWithShape="0">
-              <a:srgbClr val="000000">
-                <a:alpha val="35000"/>
-              </a:srgbClr>
-            </a:outerShdw>
-          </a:effectLst>
-          <a:scene3d>
-            <a:camera prst="orthographicFront">
-              <a:rot lat="0" lon="0" rev="0"/>
-            </a:camera>
-            <a:lightRig rig="threePt" dir="t">
-              <a:rot lat="0" lon="0" rev="1200000"/>
-            </a:lightRig>
-          </a:scene3d>
-          <a:sp3d>
-            <a:bevelT w="63500" h="25400"/>
-          </a:sp3d>
-        </a:effectStyle>
-      </a:effectStyleLst>
-      <a:bgFillStyleLst>
-        <a:solidFill>
-          <a:schemeClr val="phClr"/>
-        </a:solidFill>
-        <a:gradFill rotWithShape="1">
-          <a:gsLst>
-            <a:gs pos="0">
-              <a:schemeClr val="phClr">
-                <a:tint val="40000"/>
-                <a:satMod val="350000"/>
-              </a:schemeClr>
-            </a:gs>
-            <a:gs pos="40000">
-              <a:schemeClr val="phClr">
-                <a:tint val="45000"/>
-                <a:shade val="99000"/>
-                <a:satMod val="350000"/>
-              </a:schemeClr>
-            </a:gs>
-            <a:gs pos="100000">
-              <a:schemeClr val="phClr">
-                <a:shade val="20000"/>
-                <a:satMod val="255000"/>
-              </a:schemeClr>
-            </a:gs>
-          </a:gsLst>
-          <a:path path="circle">
-            <a:fillToRect l="50000" t="-80000" r="50000" b="180000"/>
-          </a:path>
-        </a:gradFill>
-        <a:gradFill rotWithShape="1">
-          <a:gsLst>
-            <a:gs pos="0">
-              <a:schemeClr val="phClr">
-                <a:tint val="80000"/>
-                <a:satMod val="300000"/>
-              </a:schemeClr>
-            </a:gs>
-            <a:gs pos="100000">
-              <a:schemeClr val="phClr">
-                <a:shade val="30000"/>
-                <a:satMod val="200000"/>
-              </a:schemeClr>
-            </a:gs>
-          </a:gsLst>
-          <a:path path="circle">
-            <a:fillToRect l="50000" t="50000" r="50000" b="50000"/>
-          </a:path>
-        </a:gradFill>
-      </a:bgFillStyleLst>
-    </a:fmtScheme>
-  </a:themeElements>
-</a:theme>
 </file>
--- a/Case.pptx
+++ b/Case.pptx
@@ -31,6 +31,7 @@
     <p:sldId id="271" r:id="rId24"/>
     <p:sldId id="272" r:id="rId25"/>
     <p:sldId id="273" r:id="rId26"/>
+    <p:sldId id="274" r:id="rId27"/>
   </p:sldIdLst>
   <p:sldSz cx="9144000" cy="5143500"/>
   <p:notesSz cx="6858000" cy="9144000"/>
@@ -249,7 +250,7 @@
           <a:bodyPr lIns="0" rIns="0" tIns="0" bIns="0" anchor="b"/>
           <a:p>
             <a:pPr algn="r"/>
-            <a:fld id="{6FB0BBD4-AB68-473B-82B7-D007B2A5A780}" type="slidenum">
+            <a:fld id="{CE99A415-CAED-4AAE-BF54-D5636434F31F}" type="slidenum">
               <a:rPr b="0" lang="en-US" sz="1400" spc="-1" strike="noStrike">
                 <a:latin typeface="Times New Roman"/>
               </a:rPr>
@@ -267,7 +268,7 @@
 </p:notesMaster>
 </file>
 
-<file path=ppt/notesSlides/notesSlide16.xml><?xml version="1.0" encoding="utf-8"?>
+<file path=ppt/notesSlides/notesSlide17.xml><?xml version="1.0" encoding="utf-8"?>
 <p:notes xmlns:a="http://schemas.openxmlformats.org/drawingml/2006/main" xmlns:p="http://schemas.openxmlformats.org/presentationml/2006/main" xmlns:r="http://schemas.openxmlformats.org/officeDocument/2006/relationships" xmlns:p14="http://schemas.microsoft.com/office/powerpoint/2010/main" xmlns:p15="http://schemas.microsoft.com/office/powerpoint/2012/main" xmlns:mc="http://schemas.openxmlformats.org/markup-compatibility/2006">
   <p:cSld>
     <p:spTree>
@@ -363,7 +364,7 @@
 </p:notes>
 </file>
 
-<file path=ppt/notesSlides/notesSlide18.xml><?xml version="1.0" encoding="utf-8"?>
+<file path=ppt/notesSlides/notesSlide19.xml><?xml version="1.0" encoding="utf-8"?>
 <p:notes xmlns:a="http://schemas.openxmlformats.org/drawingml/2006/main" xmlns:p="http://schemas.openxmlformats.org/presentationml/2006/main" xmlns:r="http://schemas.openxmlformats.org/officeDocument/2006/relationships" xmlns:p14="http://schemas.microsoft.com/office/powerpoint/2010/main" xmlns:p15="http://schemas.microsoft.com/office/powerpoint/2012/main" xmlns:mc="http://schemas.openxmlformats.org/markup-compatibility/2006">
   <p:cSld>
     <p:spTree>
@@ -10279,6 +10280,15 @@
 <file path=ppt/slides/slide10.xml><?xml version="1.0" encoding="utf-8"?>
 <p:sld xmlns:a="http://schemas.openxmlformats.org/drawingml/2006/main" xmlns:p="http://schemas.openxmlformats.org/presentationml/2006/main" xmlns:r="http://schemas.openxmlformats.org/officeDocument/2006/relationships" xmlns:p14="http://schemas.microsoft.com/office/powerpoint/2010/main" xmlns:p15="http://schemas.microsoft.com/office/powerpoint/2012/main" xmlns:mc="http://schemas.openxmlformats.org/markup-compatibility/2006">
   <p:cSld>
+    <p:bg>
+      <p:bgPr>
+        <a:solidFill>
+          <a:srgbClr val="ffffff">
+            <a:alpha val="73000"/>
+          </a:srgbClr>
+        </a:solidFill>
+      </p:bgPr>
+    </p:bg>
     <p:spTree>
       <p:nvGrpSpPr>
         <p:cNvPr id="1" name=""/>
@@ -10293,6 +10303,159 @@
           <a:chExt cx="0" cy="0"/>
         </a:xfrm>
       </p:grpSpPr>
+      <p:sp>
+        <p:nvSpPr>
+          <p:cNvPr id="256" name="CustomShape 1"/>
+          <p:cNvSpPr/>
+          <p:nvPr/>
+        </p:nvSpPr>
+        <p:spPr>
+          <a:xfrm>
+            <a:off x="914400" y="3200400"/>
+            <a:ext cx="4936680" cy="1096200"/>
+          </a:xfrm>
+          <a:prstGeom prst="rect">
+            <a:avLst/>
+          </a:prstGeom>
+          <a:noFill/>
+          <a:ln>
+            <a:noFill/>
+          </a:ln>
+        </p:spPr>
+        <p:style>
+          <a:lnRef idx="0"/>
+          <a:fillRef idx="0"/>
+          <a:effectRef idx="0"/>
+          <a:fontRef idx="minor"/>
+        </p:style>
+        <p:txBody>
+          <a:bodyPr lIns="90000" rIns="90000" tIns="91440" bIns="91440"/>
+          <a:p>
+            <a:pPr marL="457200" indent="-379080">
+              <a:lnSpc>
+                <a:spcPct val="90000"/>
+              </a:lnSpc>
+              <a:spcBef>
+                <a:spcPts val="601"/>
+              </a:spcBef>
+            </a:pPr>
+            <a:r>
+              <a:rPr b="0" i="1" lang="en-US" sz="4800" spc="-1" strike="noStrike">
+                <a:solidFill>
+                  <a:srgbClr val="000000"/>
+                </a:solidFill>
+                <a:latin typeface="Georgia"/>
+                <a:ea typeface="Georgia"/>
+              </a:rPr>
+              <a:t> </a:t>
+            </a:r>
+            <a:r>
+              <a:rPr b="1" i="1" lang="en-US" sz="4800" spc="-1" strike="noStrike">
+                <a:solidFill>
+                  <a:srgbClr val="000000"/>
+                </a:solidFill>
+                <a:latin typeface="Georgia"/>
+                <a:ea typeface="Georgia"/>
+              </a:rPr>
+              <a:t>“</a:t>
+            </a:r>
+            <a:r>
+              <a:rPr b="1" i="1" lang="en-US" sz="4800" spc="-1" strike="noStrike">
+                <a:solidFill>
+                  <a:srgbClr val="000000"/>
+                </a:solidFill>
+                <a:latin typeface="Georgia"/>
+                <a:ea typeface="Georgia"/>
+              </a:rPr>
+              <a:t>I</a:t>
+            </a:r>
+            <a:r>
+              <a:rPr b="0" lang="en-US" sz="2800" spc="-1" strike="noStrike">
+                <a:solidFill>
+                  <a:srgbClr val="000000"/>
+                </a:solidFill>
+                <a:latin typeface="Calibri"/>
+                <a:ea typeface="Arial"/>
+              </a:rPr>
+              <a:t>nternet of Things</a:t>
+            </a:r>
+            <a:r>
+              <a:rPr b="1" i="1" lang="en-US" sz="4800" spc="-1" strike="noStrike">
+                <a:solidFill>
+                  <a:srgbClr val="000000"/>
+                </a:solidFill>
+                <a:latin typeface="Georgia"/>
+                <a:ea typeface="Georgia"/>
+              </a:rPr>
+              <a:t>”</a:t>
+            </a:r>
+            <a:r>
+              <a:rPr b="0" i="1" lang="en-US" sz="4800" spc="-1" strike="noStrike">
+                <a:solidFill>
+                  <a:srgbClr val="000000"/>
+                </a:solidFill>
+                <a:latin typeface="Georgia"/>
+                <a:ea typeface="Georgia"/>
+              </a:rPr>
+              <a:t>                                 </a:t>
+            </a:r>
+            <a:endParaRPr b="0" lang="en-US" sz="4800" spc="-1" strike="noStrike">
+              <a:latin typeface="Arial"/>
+            </a:endParaRPr>
+          </a:p>
+        </p:txBody>
+      </p:sp>
+      <p:sp>
+        <p:nvSpPr>
+          <p:cNvPr id="257" name="CustomShape 2"/>
+          <p:cNvSpPr/>
+          <p:nvPr/>
+        </p:nvSpPr>
+        <p:spPr>
+          <a:xfrm>
+            <a:off x="8556840" y="4749840"/>
+            <a:ext cx="546840" cy="391680"/>
+          </a:xfrm>
+          <a:prstGeom prst="rect">
+            <a:avLst/>
+          </a:prstGeom>
+          <a:noFill/>
+          <a:ln>
+            <a:noFill/>
+          </a:ln>
+        </p:spPr>
+        <p:style>
+          <a:lnRef idx="0"/>
+          <a:fillRef idx="0"/>
+          <a:effectRef idx="0"/>
+          <a:fontRef idx="minor"/>
+        </p:style>
+      </p:sp>
+      <p:pic>
+        <p:nvPicPr>
+          <p:cNvPr id="258" name="" descr=""/>
+          <p:cNvPicPr/>
+          <p:nvPr/>
+        </p:nvPicPr>
+        <p:blipFill>
+          <a:blip r:embed="rId1">
+            <a:lum contrast="35000"/>
+          </a:blip>
+          <a:stretch/>
+        </p:blipFill>
+        <p:spPr>
+          <a:xfrm>
+            <a:off x="3051360" y="0"/>
+            <a:ext cx="6091560" cy="2742120"/>
+          </a:xfrm>
+          <a:prstGeom prst="rect">
+            <a:avLst/>
+          </a:prstGeom>
+          <a:ln>
+            <a:noFill/>
+          </a:ln>
+        </p:spPr>
+      </p:pic>
     </p:spTree>
   </p:cSld>
   <mc:AlternateContent>
@@ -10334,6 +10497,63 @@
 </file>
 
 <file path=ppt/slides/slide11.xml><?xml version="1.0" encoding="utf-8"?>
+<p:sld xmlns:a="http://schemas.openxmlformats.org/drawingml/2006/main" xmlns:p="http://schemas.openxmlformats.org/presentationml/2006/main" xmlns:r="http://schemas.openxmlformats.org/officeDocument/2006/relationships" xmlns:p14="http://schemas.microsoft.com/office/powerpoint/2010/main" xmlns:p15="http://schemas.microsoft.com/office/powerpoint/2012/main" xmlns:mc="http://schemas.openxmlformats.org/markup-compatibility/2006">
+  <p:cSld>
+    <p:spTree>
+      <p:nvGrpSpPr>
+        <p:cNvPr id="1" name=""/>
+        <p:cNvGrpSpPr/>
+        <p:nvPr/>
+      </p:nvGrpSpPr>
+      <p:grpSpPr>
+        <a:xfrm>
+          <a:off x="0" y="0"/>
+          <a:ext cx="0" cy="0"/>
+          <a:chOff x="0" y="0"/>
+          <a:chExt cx="0" cy="0"/>
+        </a:xfrm>
+      </p:grpSpPr>
+    </p:spTree>
+  </p:cSld>
+  <mc:AlternateContent>
+    <mc:Choice Requires="p14">
+      <p:transition spd="slow" p14:dur="2000"/>
+    </mc:Choice>
+    <mc:Fallback>
+      <p:transition spd="slow"/>
+    </mc:Fallback>
+  </mc:AlternateContent>
+  <p:timing>
+    <p:tnLst>
+      <p:par>
+        <p:cTn id="21" dur="indefinite" restart="never" nodeType="tmRoot">
+          <p:childTnLst>
+            <p:seq>
+              <p:cTn id="22" dur="indefinite" nodeType="mainSeq"/>
+              <p:prevCondLst>
+                <p:cond delay="0" evt="onPrev">
+                  <p:tgtEl>
+                    <p:sldTgt/>
+                  </p:tgtEl>
+                </p:cond>
+              </p:prevCondLst>
+              <p:nextCondLst>
+                <p:cond delay="0" evt="onNext">
+                  <p:tgtEl>
+                    <p:sldTgt/>
+                  </p:tgtEl>
+                </p:cond>
+              </p:nextCondLst>
+            </p:seq>
+          </p:childTnLst>
+        </p:cTn>
+      </p:par>
+    </p:tnLst>
+  </p:timing>
+</p:sld>
+</file>
+
+<file path=ppt/slides/slide12.xml><?xml version="1.0" encoding="utf-8"?>
 <p:sld xmlns:a="http://schemas.openxmlformats.org/drawingml/2006/main" xmlns:p="http://schemas.openxmlformats.org/presentationml/2006/main" xmlns:r="http://schemas.openxmlformats.org/officeDocument/2006/relationships" xmlns:p14="http://schemas.microsoft.com/office/powerpoint/2010/main" xmlns:p15="http://schemas.microsoft.com/office/powerpoint/2012/main" xmlns:mc="http://schemas.openxmlformats.org/markup-compatibility/2006">
   <p:cSld>
     <p:bg>
@@ -10575,10 +10795,10 @@
   <p:timing>
     <p:tnLst>
       <p:par>
-        <p:cTn id="21" dur="indefinite" restart="never" nodeType="tmRoot">
+        <p:cTn id="23" dur="indefinite" restart="never" nodeType="tmRoot">
           <p:childTnLst>
             <p:seq>
-              <p:cTn id="22" dur="indefinite" nodeType="mainSeq"/>
+              <p:cTn id="24" dur="indefinite" nodeType="mainSeq"/>
               <p:prevCondLst>
                 <p:cond delay="0" evt="onPrev">
                   <p:tgtEl>
@@ -10602,7 +10822,7 @@
 </p:sld>
 </file>
 
-<file path=ppt/slides/slide12.xml><?xml version="1.0" encoding="utf-8"?>
+<file path=ppt/slides/slide13.xml><?xml version="1.0" encoding="utf-8"?>
 <p:sld xmlns:a="http://schemas.openxmlformats.org/drawingml/2006/main" xmlns:p="http://schemas.openxmlformats.org/presentationml/2006/main" xmlns:r="http://schemas.openxmlformats.org/officeDocument/2006/relationships" xmlns:p14="http://schemas.microsoft.com/office/powerpoint/2010/main" xmlns:p15="http://schemas.microsoft.com/office/powerpoint/2012/main" xmlns:mc="http://schemas.openxmlformats.org/markup-compatibility/2006">
   <p:cSld>
     <p:spTree>
@@ -10632,10 +10852,10 @@
   <p:timing>
     <p:tnLst>
       <p:par>
-        <p:cTn id="23" dur="indefinite" restart="never" nodeType="tmRoot">
+        <p:cTn id="25" dur="indefinite" restart="never" nodeType="tmRoot">
           <p:childTnLst>
             <p:seq>
-              <p:cTn id="24" dur="indefinite" nodeType="mainSeq"/>
+              <p:cTn id="26" dur="indefinite" nodeType="mainSeq"/>
               <p:prevCondLst>
                 <p:cond delay="0" evt="onPrev">
                   <p:tgtEl>
@@ -10659,7 +10879,7 @@
 </p:sld>
 </file>
 
-<file path=ppt/slides/slide13.xml><?xml version="1.0" encoding="utf-8"?>
+<file path=ppt/slides/slide14.xml><?xml version="1.0" encoding="utf-8"?>
 <p:sld xmlns:a="http://schemas.openxmlformats.org/drawingml/2006/main" xmlns:p="http://schemas.openxmlformats.org/presentationml/2006/main" xmlns:r="http://schemas.openxmlformats.org/officeDocument/2006/relationships" xmlns:p14="http://schemas.microsoft.com/office/powerpoint/2010/main" xmlns:p15="http://schemas.microsoft.com/office/powerpoint/2012/main" xmlns:mc="http://schemas.openxmlformats.org/markup-compatibility/2006">
   <p:cSld>
     <p:bg>
@@ -10850,98 +11070,6 @@
   <p:timing>
     <p:tnLst>
       <p:par>
-        <p:cTn id="25" dur="indefinite" restart="never" nodeType="tmRoot">
-          <p:childTnLst>
-            <p:seq>
-              <p:cTn id="26" dur="indefinite" nodeType="mainSeq"/>
-              <p:prevCondLst>
-                <p:cond delay="0" evt="onPrev">
-                  <p:tgtEl>
-                    <p:sldTgt/>
-                  </p:tgtEl>
-                </p:cond>
-              </p:prevCondLst>
-              <p:nextCondLst>
-                <p:cond delay="0" evt="onNext">
-                  <p:tgtEl>
-                    <p:sldTgt/>
-                  </p:tgtEl>
-                </p:cond>
-              </p:nextCondLst>
-            </p:seq>
-          </p:childTnLst>
-        </p:cTn>
-      </p:par>
-    </p:tnLst>
-  </p:timing>
-</p:sld>
-</file>
-
-<file path=ppt/slides/slide14.xml><?xml version="1.0" encoding="utf-8"?>
-<p:sld xmlns:a="http://schemas.openxmlformats.org/drawingml/2006/main" xmlns:p="http://schemas.openxmlformats.org/presentationml/2006/main" xmlns:r="http://schemas.openxmlformats.org/officeDocument/2006/relationships" xmlns:p14="http://schemas.microsoft.com/office/powerpoint/2010/main" xmlns:p15="http://schemas.microsoft.com/office/powerpoint/2012/main" xmlns:mc="http://schemas.openxmlformats.org/markup-compatibility/2006">
-  <p:cSld>
-    <p:bg>
-      <p:bgPr>
-        <a:solidFill>
-          <a:srgbClr val="ffffff">
-            <a:alpha val="73000"/>
-          </a:srgbClr>
-        </a:solidFill>
-      </p:bgPr>
-    </p:bg>
-    <p:spTree>
-      <p:nvGrpSpPr>
-        <p:cNvPr id="1" name=""/>
-        <p:cNvGrpSpPr/>
-        <p:nvPr/>
-      </p:nvGrpSpPr>
-      <p:grpSpPr>
-        <a:xfrm>
-          <a:off x="0" y="0"/>
-          <a:ext cx="0" cy="0"/>
-          <a:chOff x="0" y="0"/>
-          <a:chExt cx="0" cy="0"/>
-        </a:xfrm>
-      </p:grpSpPr>
-      <p:sp>
-        <p:nvSpPr>
-          <p:cNvPr id="267" name="CustomShape 1"/>
-          <p:cNvSpPr/>
-          <p:nvPr/>
-        </p:nvSpPr>
-        <p:spPr>
-          <a:xfrm>
-            <a:off x="8556840" y="4749840"/>
-            <a:ext cx="546840" cy="391680"/>
-          </a:xfrm>
-          <a:prstGeom prst="rect">
-            <a:avLst/>
-          </a:prstGeom>
-          <a:noFill/>
-          <a:ln>
-            <a:noFill/>
-          </a:ln>
-        </p:spPr>
-        <p:style>
-          <a:lnRef idx="0"/>
-          <a:fillRef idx="0"/>
-          <a:effectRef idx="0"/>
-          <a:fontRef idx="minor"/>
-        </p:style>
-      </p:sp>
-    </p:spTree>
-  </p:cSld>
-  <mc:AlternateContent>
-    <mc:Choice Requires="p14">
-      <p:transition spd="slow" p14:dur="2000"/>
-    </mc:Choice>
-    <mc:Fallback>
-      <p:transition spd="slow"/>
-    </mc:Fallback>
-  </mc:AlternateContent>
-  <p:timing>
-    <p:tnLst>
-      <p:par>
         <p:cTn id="27" dur="indefinite" restart="never" nodeType="tmRoot">
           <p:childTnLst>
             <p:seq>
@@ -10972,6 +11100,15 @@
 <file path=ppt/slides/slide15.xml><?xml version="1.0" encoding="utf-8"?>
 <p:sld xmlns:a="http://schemas.openxmlformats.org/drawingml/2006/main" xmlns:p="http://schemas.openxmlformats.org/presentationml/2006/main" xmlns:r="http://schemas.openxmlformats.org/officeDocument/2006/relationships" xmlns:p14="http://schemas.microsoft.com/office/powerpoint/2010/main" xmlns:p15="http://schemas.microsoft.com/office/powerpoint/2012/main" xmlns:mc="http://schemas.openxmlformats.org/markup-compatibility/2006">
   <p:cSld>
+    <p:bg>
+      <p:bgPr>
+        <a:solidFill>
+          <a:srgbClr val="ffffff">
+            <a:alpha val="73000"/>
+          </a:srgbClr>
+        </a:solidFill>
+      </p:bgPr>
+    </p:bg>
     <p:spTree>
       <p:nvGrpSpPr>
         <p:cNvPr id="1" name=""/>
@@ -10988,14 +11125,14 @@
       </p:grpSpPr>
       <p:sp>
         <p:nvSpPr>
-          <p:cNvPr id="268" name="CustomShape 1"/>
+          <p:cNvPr id="267" name="CustomShape 1"/>
           <p:cNvSpPr/>
           <p:nvPr/>
         </p:nvSpPr>
         <p:spPr>
           <a:xfrm>
-            <a:off x="0" y="0"/>
-            <a:ext cx="7885080" cy="992520"/>
+            <a:off x="8556840" y="4749840"/>
+            <a:ext cx="546840" cy="391680"/>
           </a:xfrm>
           <a:prstGeom prst="rect">
             <a:avLst/>
@@ -11011,84 +11148,6 @@
           <a:effectRef idx="0"/>
           <a:fontRef idx="minor"/>
         </p:style>
-        <p:txBody>
-          <a:bodyPr lIns="90000" rIns="90000" tIns="45000" bIns="45000" anchor="ctr"/>
-          <a:p>
-            <a:pPr algn="r">
-              <a:lnSpc>
-                <a:spcPct val="90000"/>
-              </a:lnSpc>
-            </a:pPr>
-            <a:r>
-              <a:rPr b="1" lang="en-US" sz="3300" spc="-1" strike="noStrike">
-                <a:solidFill>
-                  <a:srgbClr val="2a6099"/>
-                </a:solidFill>
-                <a:latin typeface="Calibri Light"/>
-                <a:ea typeface="DejaVu Sans"/>
-              </a:rPr>
-              <a:t>Key Technological usages</a:t>
-            </a:r>
-            <a:endParaRPr b="0" lang="en-US" sz="3300" spc="-1" strike="noStrike">
-              <a:latin typeface="Arial"/>
-            </a:endParaRPr>
-          </a:p>
-        </p:txBody>
-      </p:sp>
-      <p:sp>
-        <p:nvSpPr>
-          <p:cNvPr id="269" name="CustomShape 2"/>
-          <p:cNvSpPr/>
-          <p:nvPr/>
-        </p:nvSpPr>
-        <p:spPr>
-          <a:xfrm>
-            <a:off x="0" y="1063080"/>
-            <a:ext cx="9142200" cy="3723840"/>
-          </a:xfrm>
-          <a:prstGeom prst="rect">
-            <a:avLst/>
-          </a:prstGeom>
-          <a:noFill/>
-          <a:ln>
-            <a:noFill/>
-          </a:ln>
-        </p:spPr>
-        <p:style>
-          <a:lnRef idx="0"/>
-          <a:fillRef idx="0"/>
-          <a:effectRef idx="0"/>
-          <a:fontRef idx="minor"/>
-        </p:style>
-        <p:txBody>
-          <a:bodyPr lIns="90000" rIns="90000" tIns="45000" bIns="45000"/>
-          <a:p>
-            <a:pPr>
-              <a:lnSpc>
-                <a:spcPct val="90000"/>
-              </a:lnSpc>
-              <a:spcBef>
-                <a:spcPts val="751"/>
-              </a:spcBef>
-            </a:pPr>
-            <a:endParaRPr b="0" lang="en-US" sz="1800" spc="-1" strike="noStrike">
-              <a:latin typeface="Arial"/>
-            </a:endParaRPr>
-          </a:p>
-          <a:p>
-            <a:pPr>
-              <a:lnSpc>
-                <a:spcPct val="90000"/>
-              </a:lnSpc>
-              <a:spcBef>
-                <a:spcPts val="751"/>
-              </a:spcBef>
-            </a:pPr>
-            <a:endParaRPr b="0" lang="en-US" sz="1800" spc="-1" strike="noStrike">
-              <a:latin typeface="Arial"/>
-            </a:endParaRPr>
-          </a:p>
-        </p:txBody>
       </p:sp>
     </p:spTree>
   </p:cSld>
@@ -11131,6 +11190,167 @@
 </file>
 
 <file path=ppt/slides/slide16.xml><?xml version="1.0" encoding="utf-8"?>
+<p:sld xmlns:a="http://schemas.openxmlformats.org/drawingml/2006/main" xmlns:p="http://schemas.openxmlformats.org/presentationml/2006/main" xmlns:r="http://schemas.openxmlformats.org/officeDocument/2006/relationships" xmlns:p14="http://schemas.microsoft.com/office/powerpoint/2010/main" xmlns:p15="http://schemas.microsoft.com/office/powerpoint/2012/main" xmlns:mc="http://schemas.openxmlformats.org/markup-compatibility/2006">
+  <p:cSld>
+    <p:spTree>
+      <p:nvGrpSpPr>
+        <p:cNvPr id="1" name=""/>
+        <p:cNvGrpSpPr/>
+        <p:nvPr/>
+      </p:nvGrpSpPr>
+      <p:grpSpPr>
+        <a:xfrm>
+          <a:off x="0" y="0"/>
+          <a:ext cx="0" cy="0"/>
+          <a:chOff x="0" y="0"/>
+          <a:chExt cx="0" cy="0"/>
+        </a:xfrm>
+      </p:grpSpPr>
+      <p:sp>
+        <p:nvSpPr>
+          <p:cNvPr id="268" name="CustomShape 1"/>
+          <p:cNvSpPr/>
+          <p:nvPr/>
+        </p:nvSpPr>
+        <p:spPr>
+          <a:xfrm>
+            <a:off x="0" y="0"/>
+            <a:ext cx="7885080" cy="992520"/>
+          </a:xfrm>
+          <a:prstGeom prst="rect">
+            <a:avLst/>
+          </a:prstGeom>
+          <a:noFill/>
+          <a:ln>
+            <a:noFill/>
+          </a:ln>
+        </p:spPr>
+        <p:style>
+          <a:lnRef idx="0"/>
+          <a:fillRef idx="0"/>
+          <a:effectRef idx="0"/>
+          <a:fontRef idx="minor"/>
+        </p:style>
+        <p:txBody>
+          <a:bodyPr lIns="90000" rIns="90000" tIns="45000" bIns="45000" anchor="ctr"/>
+          <a:p>
+            <a:pPr algn="r">
+              <a:lnSpc>
+                <a:spcPct val="90000"/>
+              </a:lnSpc>
+            </a:pPr>
+            <a:r>
+              <a:rPr b="1" lang="en-US" sz="3300" spc="-1" strike="noStrike">
+                <a:solidFill>
+                  <a:srgbClr val="2a6099"/>
+                </a:solidFill>
+                <a:latin typeface="Calibri Light"/>
+                <a:ea typeface="DejaVu Sans"/>
+              </a:rPr>
+              <a:t>Key Technological usages</a:t>
+            </a:r>
+            <a:endParaRPr b="0" lang="en-US" sz="3300" spc="-1" strike="noStrike">
+              <a:latin typeface="Arial"/>
+            </a:endParaRPr>
+          </a:p>
+        </p:txBody>
+      </p:sp>
+      <p:sp>
+        <p:nvSpPr>
+          <p:cNvPr id="269" name="CustomShape 2"/>
+          <p:cNvSpPr/>
+          <p:nvPr/>
+        </p:nvSpPr>
+        <p:spPr>
+          <a:xfrm>
+            <a:off x="0" y="1063080"/>
+            <a:ext cx="9142200" cy="3723840"/>
+          </a:xfrm>
+          <a:prstGeom prst="rect">
+            <a:avLst/>
+          </a:prstGeom>
+          <a:noFill/>
+          <a:ln>
+            <a:noFill/>
+          </a:ln>
+        </p:spPr>
+        <p:style>
+          <a:lnRef idx="0"/>
+          <a:fillRef idx="0"/>
+          <a:effectRef idx="0"/>
+          <a:fontRef idx="minor"/>
+        </p:style>
+        <p:txBody>
+          <a:bodyPr lIns="90000" rIns="90000" tIns="45000" bIns="45000"/>
+          <a:p>
+            <a:pPr>
+              <a:lnSpc>
+                <a:spcPct val="90000"/>
+              </a:lnSpc>
+              <a:spcBef>
+                <a:spcPts val="751"/>
+              </a:spcBef>
+            </a:pPr>
+            <a:endParaRPr b="0" lang="en-US" sz="1800" spc="-1" strike="noStrike">
+              <a:latin typeface="Arial"/>
+            </a:endParaRPr>
+          </a:p>
+          <a:p>
+            <a:pPr>
+              <a:lnSpc>
+                <a:spcPct val="90000"/>
+              </a:lnSpc>
+              <a:spcBef>
+                <a:spcPts val="751"/>
+              </a:spcBef>
+            </a:pPr>
+            <a:endParaRPr b="0" lang="en-US" sz="1800" spc="-1" strike="noStrike">
+              <a:latin typeface="Arial"/>
+            </a:endParaRPr>
+          </a:p>
+        </p:txBody>
+      </p:sp>
+    </p:spTree>
+  </p:cSld>
+  <mc:AlternateContent>
+    <mc:Choice Requires="p14">
+      <p:transition spd="slow" p14:dur="2000"/>
+    </mc:Choice>
+    <mc:Fallback>
+      <p:transition spd="slow"/>
+    </mc:Fallback>
+  </mc:AlternateContent>
+  <p:timing>
+    <p:tnLst>
+      <p:par>
+        <p:cTn id="31" dur="indefinite" restart="never" nodeType="tmRoot">
+          <p:childTnLst>
+            <p:seq>
+              <p:cTn id="32" dur="indefinite" nodeType="mainSeq"/>
+              <p:prevCondLst>
+                <p:cond delay="0" evt="onPrev">
+                  <p:tgtEl>
+                    <p:sldTgt/>
+                  </p:tgtEl>
+                </p:cond>
+              </p:prevCondLst>
+              <p:nextCondLst>
+                <p:cond delay="0" evt="onNext">
+                  <p:tgtEl>
+                    <p:sldTgt/>
+                  </p:tgtEl>
+                </p:cond>
+              </p:nextCondLst>
+            </p:seq>
+          </p:childTnLst>
+        </p:cTn>
+      </p:par>
+    </p:tnLst>
+  </p:timing>
+</p:sld>
+</file>
+
+<file path=ppt/slides/slide17.xml><?xml version="1.0" encoding="utf-8"?>
 <p:sld xmlns:a="http://schemas.openxmlformats.org/drawingml/2006/main" xmlns:p="http://schemas.openxmlformats.org/presentationml/2006/main" xmlns:r="http://schemas.openxmlformats.org/officeDocument/2006/relationships" xmlns:p14="http://schemas.microsoft.com/office/powerpoint/2010/main" xmlns:p15="http://schemas.microsoft.com/office/powerpoint/2012/main" xmlns:mc="http://schemas.openxmlformats.org/markup-compatibility/2006">
   <p:cSld>
     <p:spTree>
@@ -12197,148 +12417,6 @@
   <p:timing>
     <p:tnLst>
       <p:par>
-        <p:cTn id="31" dur="indefinite" restart="never" nodeType="tmRoot">
-          <p:childTnLst>
-            <p:seq>
-              <p:cTn id="32" dur="indefinite" nodeType="mainSeq"/>
-              <p:prevCondLst>
-                <p:cond delay="0" evt="onPrev">
-                  <p:tgtEl>
-                    <p:sldTgt/>
-                  </p:tgtEl>
-                </p:cond>
-              </p:prevCondLst>
-              <p:nextCondLst>
-                <p:cond delay="0" evt="onNext">
-                  <p:tgtEl>
-                    <p:sldTgt/>
-                  </p:tgtEl>
-                </p:cond>
-              </p:nextCondLst>
-            </p:seq>
-          </p:childTnLst>
-        </p:cTn>
-      </p:par>
-    </p:tnLst>
-  </p:timing>
-</p:sld>
-</file>
-
-<file path=ppt/slides/slide17.xml><?xml version="1.0" encoding="utf-8"?>
-<p:sld xmlns:a="http://schemas.openxmlformats.org/drawingml/2006/main" xmlns:p="http://schemas.openxmlformats.org/presentationml/2006/main" xmlns:r="http://schemas.openxmlformats.org/officeDocument/2006/relationships" xmlns:p14="http://schemas.microsoft.com/office/powerpoint/2010/main" xmlns:p15="http://schemas.microsoft.com/office/powerpoint/2012/main" xmlns:mc="http://schemas.openxmlformats.org/markup-compatibility/2006">
-  <p:cSld>
-    <p:spTree>
-      <p:nvGrpSpPr>
-        <p:cNvPr id="1" name=""/>
-        <p:cNvGrpSpPr/>
-        <p:nvPr/>
-      </p:nvGrpSpPr>
-      <p:grpSpPr>
-        <a:xfrm>
-          <a:off x="0" y="0"/>
-          <a:ext cx="0" cy="0"/>
-          <a:chOff x="0" y="0"/>
-          <a:chExt cx="0" cy="0"/>
-        </a:xfrm>
-      </p:grpSpPr>
-      <p:sp>
-        <p:nvSpPr>
-          <p:cNvPr id="291" name="CustomShape 1"/>
-          <p:cNvSpPr/>
-          <p:nvPr/>
-        </p:nvSpPr>
-        <p:spPr>
-          <a:xfrm>
-            <a:off x="0" y="0"/>
-            <a:ext cx="8227800" cy="543960"/>
-          </a:xfrm>
-          <a:prstGeom prst="rect">
-            <a:avLst/>
-          </a:prstGeom>
-          <a:noFill/>
-          <a:ln>
-            <a:noFill/>
-          </a:ln>
-        </p:spPr>
-        <p:style>
-          <a:lnRef idx="0"/>
-          <a:fillRef idx="0"/>
-          <a:effectRef idx="0"/>
-          <a:fontRef idx="minor"/>
-        </p:style>
-        <p:txBody>
-          <a:bodyPr lIns="90000" rIns="90000" tIns="91440" bIns="91440" anchor="ctr"/>
-          <a:p>
-            <a:pPr algn="r">
-              <a:lnSpc>
-                <a:spcPct val="90000"/>
-              </a:lnSpc>
-            </a:pPr>
-            <a:r>
-              <a:rPr b="0" lang="en-US" sz="3300" spc="-1" strike="noStrike">
-                <a:solidFill>
-                  <a:srgbClr val="2a6099"/>
-                </a:solidFill>
-                <a:latin typeface="Calibri Light"/>
-                <a:ea typeface="DejaVu Sans"/>
-              </a:rPr>
-              <a:t>Five Year Strategy:</a:t>
-            </a:r>
-            <a:r>
-              <a:rPr b="0" lang="en-US" sz="3300" spc="-1" strike="noStrike">
-                <a:solidFill>
-                  <a:srgbClr val="000000"/>
-                </a:solidFill>
-                <a:latin typeface="Calibri Light"/>
-                <a:ea typeface="DejaVu Sans"/>
-              </a:rPr>
-              <a:t> </a:t>
-            </a:r>
-            <a:endParaRPr b="0" lang="en-US" sz="3300" spc="-1" strike="noStrike">
-              <a:latin typeface="Arial"/>
-            </a:endParaRPr>
-          </a:p>
-        </p:txBody>
-      </p:sp>
-      <p:sp>
-        <p:nvSpPr>
-          <p:cNvPr id="292" name="CustomShape 2"/>
-          <p:cNvSpPr/>
-          <p:nvPr/>
-        </p:nvSpPr>
-        <p:spPr>
-          <a:xfrm>
-            <a:off x="0" y="569520"/>
-            <a:ext cx="2614680" cy="3972960"/>
-          </a:xfrm>
-          <a:prstGeom prst="rect">
-            <a:avLst/>
-          </a:prstGeom>
-          <a:noFill/>
-          <a:ln>
-            <a:noFill/>
-          </a:ln>
-        </p:spPr>
-        <p:style>
-          <a:lnRef idx="0"/>
-          <a:fillRef idx="0"/>
-          <a:effectRef idx="0"/>
-          <a:fontRef idx="minor"/>
-        </p:style>
-      </p:sp>
-    </p:spTree>
-  </p:cSld>
-  <mc:AlternateContent>
-    <mc:Choice Requires="p14">
-      <p:transition spd="slow" p14:dur="2000"/>
-    </mc:Choice>
-    <mc:Fallback>
-      <p:transition spd="slow"/>
-    </mc:Fallback>
-  </mc:AlternateContent>
-  <p:timing>
-    <p:tnLst>
-      <p:par>
         <p:cTn id="33" dur="indefinite" restart="never" nodeType="tmRoot">
           <p:childTnLst>
             <p:seq>
@@ -12367,6 +12445,148 @@
 </file>
 
 <file path=ppt/slides/slide18.xml><?xml version="1.0" encoding="utf-8"?>
+<p:sld xmlns:a="http://schemas.openxmlformats.org/drawingml/2006/main" xmlns:p="http://schemas.openxmlformats.org/presentationml/2006/main" xmlns:r="http://schemas.openxmlformats.org/officeDocument/2006/relationships" xmlns:p14="http://schemas.microsoft.com/office/powerpoint/2010/main" xmlns:p15="http://schemas.microsoft.com/office/powerpoint/2012/main" xmlns:mc="http://schemas.openxmlformats.org/markup-compatibility/2006">
+  <p:cSld>
+    <p:spTree>
+      <p:nvGrpSpPr>
+        <p:cNvPr id="1" name=""/>
+        <p:cNvGrpSpPr/>
+        <p:nvPr/>
+      </p:nvGrpSpPr>
+      <p:grpSpPr>
+        <a:xfrm>
+          <a:off x="0" y="0"/>
+          <a:ext cx="0" cy="0"/>
+          <a:chOff x="0" y="0"/>
+          <a:chExt cx="0" cy="0"/>
+        </a:xfrm>
+      </p:grpSpPr>
+      <p:sp>
+        <p:nvSpPr>
+          <p:cNvPr id="291" name="CustomShape 1"/>
+          <p:cNvSpPr/>
+          <p:nvPr/>
+        </p:nvSpPr>
+        <p:spPr>
+          <a:xfrm>
+            <a:off x="0" y="0"/>
+            <a:ext cx="8227800" cy="543960"/>
+          </a:xfrm>
+          <a:prstGeom prst="rect">
+            <a:avLst/>
+          </a:prstGeom>
+          <a:noFill/>
+          <a:ln>
+            <a:noFill/>
+          </a:ln>
+        </p:spPr>
+        <p:style>
+          <a:lnRef idx="0"/>
+          <a:fillRef idx="0"/>
+          <a:effectRef idx="0"/>
+          <a:fontRef idx="minor"/>
+        </p:style>
+        <p:txBody>
+          <a:bodyPr lIns="90000" rIns="90000" tIns="91440" bIns="91440" anchor="ctr"/>
+          <a:p>
+            <a:pPr algn="r">
+              <a:lnSpc>
+                <a:spcPct val="90000"/>
+              </a:lnSpc>
+            </a:pPr>
+            <a:r>
+              <a:rPr b="0" lang="en-US" sz="3300" spc="-1" strike="noStrike">
+                <a:solidFill>
+                  <a:srgbClr val="2a6099"/>
+                </a:solidFill>
+                <a:latin typeface="Calibri Light"/>
+                <a:ea typeface="DejaVu Sans"/>
+              </a:rPr>
+              <a:t>Five Year Strategy:</a:t>
+            </a:r>
+            <a:r>
+              <a:rPr b="0" lang="en-US" sz="3300" spc="-1" strike="noStrike">
+                <a:solidFill>
+                  <a:srgbClr val="000000"/>
+                </a:solidFill>
+                <a:latin typeface="Calibri Light"/>
+                <a:ea typeface="DejaVu Sans"/>
+              </a:rPr>
+              <a:t> </a:t>
+            </a:r>
+            <a:endParaRPr b="0" lang="en-US" sz="3300" spc="-1" strike="noStrike">
+              <a:latin typeface="Arial"/>
+            </a:endParaRPr>
+          </a:p>
+        </p:txBody>
+      </p:sp>
+      <p:sp>
+        <p:nvSpPr>
+          <p:cNvPr id="292" name="CustomShape 2"/>
+          <p:cNvSpPr/>
+          <p:nvPr/>
+        </p:nvSpPr>
+        <p:spPr>
+          <a:xfrm>
+            <a:off x="0" y="569520"/>
+            <a:ext cx="2614680" cy="3972960"/>
+          </a:xfrm>
+          <a:prstGeom prst="rect">
+            <a:avLst/>
+          </a:prstGeom>
+          <a:noFill/>
+          <a:ln>
+            <a:noFill/>
+          </a:ln>
+        </p:spPr>
+        <p:style>
+          <a:lnRef idx="0"/>
+          <a:fillRef idx="0"/>
+          <a:effectRef idx="0"/>
+          <a:fontRef idx="minor"/>
+        </p:style>
+      </p:sp>
+    </p:spTree>
+  </p:cSld>
+  <mc:AlternateContent>
+    <mc:Choice Requires="p14">
+      <p:transition spd="slow" p14:dur="2000"/>
+    </mc:Choice>
+    <mc:Fallback>
+      <p:transition spd="slow"/>
+    </mc:Fallback>
+  </mc:AlternateContent>
+  <p:timing>
+    <p:tnLst>
+      <p:par>
+        <p:cTn id="35" dur="indefinite" restart="never" nodeType="tmRoot">
+          <p:childTnLst>
+            <p:seq>
+              <p:cTn id="36" dur="indefinite" nodeType="mainSeq"/>
+              <p:prevCondLst>
+                <p:cond delay="0" evt="onPrev">
+                  <p:tgtEl>
+                    <p:sldTgt/>
+                  </p:tgtEl>
+                </p:cond>
+              </p:prevCondLst>
+              <p:nextCondLst>
+                <p:cond delay="0" evt="onNext">
+                  <p:tgtEl>
+                    <p:sldTgt/>
+                  </p:tgtEl>
+                </p:cond>
+              </p:nextCondLst>
+            </p:seq>
+          </p:childTnLst>
+        </p:cTn>
+      </p:par>
+    </p:tnLst>
+  </p:timing>
+</p:sld>
+</file>
+
+<file path=ppt/slides/slide19.xml><?xml version="1.0" encoding="utf-8"?>
 <p:sld xmlns:a="http://schemas.openxmlformats.org/drawingml/2006/main" xmlns:p="http://schemas.openxmlformats.org/presentationml/2006/main" xmlns:r="http://schemas.openxmlformats.org/officeDocument/2006/relationships" xmlns:p14="http://schemas.microsoft.com/office/powerpoint/2010/main" xmlns:p15="http://schemas.microsoft.com/office/powerpoint/2012/main" xmlns:mc="http://schemas.openxmlformats.org/markup-compatibility/2006">
   <p:cSld>
     <p:spTree>
@@ -13120,10 +13340,10 @@
   <p:timing>
     <p:tnLst>
       <p:par>
-        <p:cTn id="35" dur="indefinite" restart="never" nodeType="tmRoot">
+        <p:cTn id="37" dur="indefinite" restart="never" nodeType="tmRoot">
           <p:childTnLst>
             <p:seq>
-              <p:cTn id="36" dur="indefinite" nodeType="mainSeq"/>
+              <p:cTn id="38" dur="indefinite" nodeType="mainSeq"/>
               <p:prevCondLst>
                 <p:cond delay="0" evt="onPrev">
                   <p:tgtEl>
@@ -14278,7 +14498,37 @@
                 <a:latin typeface="Arial"/>
                 <a:ea typeface="DejaVu Sans"/>
               </a:rPr>
-              <a:t>The plan here</a:t>
+              <a:t>By use of parameter optimization algorithims a mathematical model of the production line was modelled and the most profitable result is shown int the table below. </a:t>
+            </a:r>
+            <a:endParaRPr b="0" lang="en-US" sz="1800" spc="-1" strike="noStrike">
+              <a:latin typeface="Arial"/>
+            </a:endParaRPr>
+          </a:p>
+          <a:p>
+            <a:pPr>
+              <a:lnSpc>
+                <a:spcPct val="100000"/>
+              </a:lnSpc>
+            </a:pPr>
+            <a:endParaRPr b="0" lang="en-US" sz="1800" spc="-1" strike="noStrike">
+              <a:latin typeface="Arial"/>
+            </a:endParaRPr>
+          </a:p>
+          <a:p>
+            <a:pPr>
+              <a:lnSpc>
+                <a:spcPct val="100000"/>
+              </a:lnSpc>
+            </a:pPr>
+            <a:r>
+              <a:rPr b="0" lang="en-US" sz="1800" spc="-1" strike="noStrike">
+                <a:solidFill>
+                  <a:srgbClr val="000000"/>
+                </a:solidFill>
+                <a:latin typeface="Arial"/>
+                <a:ea typeface="DejaVu Sans"/>
+              </a:rPr>
+              <a:t> </a:t>
             </a:r>
             <a:endParaRPr b="0" lang="en-US" sz="1800" spc="-1" strike="noStrike">
               <a:latin typeface="Arial"/>
@@ -14327,6 +14577,63 @@
 </file>
 
 <file path=ppt/slides/slide7.xml><?xml version="1.0" encoding="utf-8"?>
+<p:sld xmlns:a="http://schemas.openxmlformats.org/drawingml/2006/main" xmlns:p="http://schemas.openxmlformats.org/presentationml/2006/main" xmlns:r="http://schemas.openxmlformats.org/officeDocument/2006/relationships" xmlns:p14="http://schemas.microsoft.com/office/powerpoint/2010/main" xmlns:p15="http://schemas.microsoft.com/office/powerpoint/2012/main" xmlns:mc="http://schemas.openxmlformats.org/markup-compatibility/2006">
+  <p:cSld>
+    <p:spTree>
+      <p:nvGrpSpPr>
+        <p:cNvPr id="1" name=""/>
+        <p:cNvGrpSpPr/>
+        <p:nvPr/>
+      </p:nvGrpSpPr>
+      <p:grpSpPr>
+        <a:xfrm>
+          <a:off x="0" y="0"/>
+          <a:ext cx="0" cy="0"/>
+          <a:chOff x="0" y="0"/>
+          <a:chExt cx="0" cy="0"/>
+        </a:xfrm>
+      </p:grpSpPr>
+    </p:spTree>
+  </p:cSld>
+  <mc:AlternateContent>
+    <mc:Choice Requires="p14">
+      <p:transition spd="slow" p14:dur="2000"/>
+    </mc:Choice>
+    <mc:Fallback>
+      <p:transition spd="slow"/>
+    </mc:Fallback>
+  </mc:AlternateContent>
+  <p:timing>
+    <p:tnLst>
+      <p:par>
+        <p:cTn id="13" dur="indefinite" restart="never" nodeType="tmRoot">
+          <p:childTnLst>
+            <p:seq>
+              <p:cTn id="14" dur="indefinite" nodeType="mainSeq"/>
+              <p:prevCondLst>
+                <p:cond delay="0" evt="onPrev">
+                  <p:tgtEl>
+                    <p:sldTgt/>
+                  </p:tgtEl>
+                </p:cond>
+              </p:prevCondLst>
+              <p:nextCondLst>
+                <p:cond delay="0" evt="onNext">
+                  <p:tgtEl>
+                    <p:sldTgt/>
+                  </p:tgtEl>
+                </p:cond>
+              </p:nextCondLst>
+            </p:seq>
+          </p:childTnLst>
+        </p:cTn>
+      </p:par>
+    </p:tnLst>
+  </p:timing>
+</p:sld>
+</file>
+
+<file path=ppt/slides/slide8.xml><?xml version="1.0" encoding="utf-8"?>
 <p:sld xmlns:a="http://schemas.openxmlformats.org/drawingml/2006/main" xmlns:p="http://schemas.openxmlformats.org/presentationml/2006/main" xmlns:r="http://schemas.openxmlformats.org/officeDocument/2006/relationships" xmlns:p14="http://schemas.microsoft.com/office/powerpoint/2010/main" xmlns:p15="http://schemas.microsoft.com/office/powerpoint/2012/main" xmlns:mc="http://schemas.openxmlformats.org/markup-compatibility/2006">
   <p:cSld>
     <p:bg>
@@ -14569,112 +14876,6 @@
   <p:timing>
     <p:tnLst>
       <p:par>
-        <p:cTn id="13" dur="indefinite" restart="never" nodeType="tmRoot">
-          <p:childTnLst>
-            <p:seq>
-              <p:cTn id="14" dur="indefinite" nodeType="mainSeq"/>
-              <p:prevCondLst>
-                <p:cond delay="0" evt="onPrev">
-                  <p:tgtEl>
-                    <p:sldTgt/>
-                  </p:tgtEl>
-                </p:cond>
-              </p:prevCondLst>
-              <p:nextCondLst>
-                <p:cond delay="0" evt="onNext">
-                  <p:tgtEl>
-                    <p:sldTgt/>
-                  </p:tgtEl>
-                </p:cond>
-              </p:nextCondLst>
-            </p:seq>
-          </p:childTnLst>
-        </p:cTn>
-      </p:par>
-    </p:tnLst>
-  </p:timing>
-</p:sld>
-</file>
-
-<file path=ppt/slides/slide8.xml><?xml version="1.0" encoding="utf-8"?>
-<p:sld xmlns:a="http://schemas.openxmlformats.org/drawingml/2006/main" xmlns:p="http://schemas.openxmlformats.org/presentationml/2006/main" xmlns:r="http://schemas.openxmlformats.org/officeDocument/2006/relationships" xmlns:p14="http://schemas.microsoft.com/office/powerpoint/2010/main" xmlns:p15="http://schemas.microsoft.com/office/powerpoint/2012/main" xmlns:mc="http://schemas.openxmlformats.org/markup-compatibility/2006">
-  <p:cSld>
-    <p:spTree>
-      <p:nvGrpSpPr>
-        <p:cNvPr id="1" name=""/>
-        <p:cNvGrpSpPr/>
-        <p:nvPr/>
-      </p:nvGrpSpPr>
-      <p:grpSpPr>
-        <a:xfrm>
-          <a:off x="0" y="0"/>
-          <a:ext cx="0" cy="0"/>
-          <a:chOff x="0" y="0"/>
-          <a:chExt cx="0" cy="0"/>
-        </a:xfrm>
-      </p:grpSpPr>
-      <p:sp>
-        <p:nvSpPr>
-          <p:cNvPr id="255" name="CustomShape 1"/>
-          <p:cNvSpPr/>
-          <p:nvPr/>
-        </p:nvSpPr>
-        <p:spPr>
-          <a:xfrm>
-            <a:off x="274320" y="346680"/>
-            <a:ext cx="8663760" cy="292320"/>
-          </a:xfrm>
-          <a:prstGeom prst="rect">
-            <a:avLst/>
-          </a:prstGeom>
-          <a:noFill/>
-          <a:ln>
-            <a:noFill/>
-          </a:ln>
-        </p:spPr>
-        <p:style>
-          <a:lnRef idx="0"/>
-          <a:fillRef idx="0"/>
-          <a:effectRef idx="0"/>
-          <a:fontRef idx="minor"/>
-        </p:style>
-        <p:txBody>
-          <a:bodyPr lIns="90000" rIns="90000" tIns="45000" bIns="45000"/>
-          <a:p>
-            <a:pPr>
-              <a:lnSpc>
-                <a:spcPct val="100000"/>
-              </a:lnSpc>
-            </a:pPr>
-            <a:r>
-              <a:rPr b="0" lang="en-US" sz="1600" spc="-1" strike="noStrike">
-                <a:solidFill>
-                  <a:srgbClr val="000000"/>
-                </a:solidFill>
-                <a:latin typeface="Calibri"/>
-                <a:ea typeface="Arial"/>
-              </a:rPr>
-              <a:t>ряд инициатив по снижению издержек и расширению ограничений в логистической цепи СИБУРа</a:t>
-            </a:r>
-            <a:endParaRPr b="0" lang="en-US" sz="1600" spc="-1" strike="noStrike">
-              <a:latin typeface="Arial"/>
-            </a:endParaRPr>
-          </a:p>
-        </p:txBody>
-      </p:sp>
-    </p:spTree>
-  </p:cSld>
-  <mc:AlternateContent>
-    <mc:Choice Requires="p14">
-      <p:transition spd="slow" p14:dur="2000"/>
-    </mc:Choice>
-    <mc:Fallback>
-      <p:transition spd="slow"/>
-    </mc:Fallback>
-  </mc:AlternateContent>
-  <p:timing>
-    <p:tnLst>
-      <p:par>
         <p:cTn id="15" dur="indefinite" restart="never" nodeType="tmRoot">
           <p:childTnLst>
             <p:seq>
@@ -14705,15 +14906,6 @@
 <file path=ppt/slides/slide9.xml><?xml version="1.0" encoding="utf-8"?>
 <p:sld xmlns:a="http://schemas.openxmlformats.org/drawingml/2006/main" xmlns:p="http://schemas.openxmlformats.org/presentationml/2006/main" xmlns:r="http://schemas.openxmlformats.org/officeDocument/2006/relationships" xmlns:p14="http://schemas.microsoft.com/office/powerpoint/2010/main" xmlns:p15="http://schemas.microsoft.com/office/powerpoint/2012/main" xmlns:mc="http://schemas.openxmlformats.org/markup-compatibility/2006">
   <p:cSld>
-    <p:bg>
-      <p:bgPr>
-        <a:solidFill>
-          <a:srgbClr val="ffffff">
-            <a:alpha val="73000"/>
-          </a:srgbClr>
-        </a:solidFill>
-      </p:bgPr>
-    </p:bg>
     <p:spTree>
       <p:nvGrpSpPr>
         <p:cNvPr id="1" name=""/>
@@ -14730,14 +14922,14 @@
       </p:grpSpPr>
       <p:sp>
         <p:nvSpPr>
-          <p:cNvPr id="256" name="CustomShape 1"/>
+          <p:cNvPr id="255" name="CustomShape 1"/>
           <p:cNvSpPr/>
           <p:nvPr/>
         </p:nvSpPr>
         <p:spPr>
           <a:xfrm>
-            <a:off x="914400" y="3200400"/>
-            <a:ext cx="4936680" cy="1096200"/>
+            <a:off x="274320" y="346680"/>
+            <a:ext cx="8663760" cy="292320"/>
           </a:xfrm>
           <a:prstGeom prst="rect">
             <a:avLst/>
@@ -14754,133 +14946,29 @@
           <a:fontRef idx="minor"/>
         </p:style>
         <p:txBody>
-          <a:bodyPr lIns="90000" rIns="90000" tIns="91440" bIns="91440"/>
-          <a:p>
-            <a:pPr marL="457200" indent="-379080">
+          <a:bodyPr lIns="90000" rIns="90000" tIns="45000" bIns="45000"/>
+          <a:p>
+            <a:pPr>
               <a:lnSpc>
-                <a:spcPct val="90000"/>
+                <a:spcPct val="100000"/>
               </a:lnSpc>
-              <a:spcBef>
-                <a:spcPts val="601"/>
-              </a:spcBef>
             </a:pPr>
             <a:r>
-              <a:rPr b="0" i="1" lang="en-US" sz="4800" spc="-1" strike="noStrike">
-                <a:solidFill>
-                  <a:srgbClr val="000000"/>
-                </a:solidFill>
-                <a:latin typeface="Georgia"/>
-                <a:ea typeface="Georgia"/>
-              </a:rPr>
-              <a:t> </a:t>
-            </a:r>
-            <a:r>
-              <a:rPr b="1" i="1" lang="en-US" sz="4800" spc="-1" strike="noStrike">
-                <a:solidFill>
-                  <a:srgbClr val="000000"/>
-                </a:solidFill>
-                <a:latin typeface="Georgia"/>
-                <a:ea typeface="Georgia"/>
-              </a:rPr>
-              <a:t>“</a:t>
-            </a:r>
-            <a:r>
-              <a:rPr b="1" i="1" lang="en-US" sz="4800" spc="-1" strike="noStrike">
-                <a:solidFill>
-                  <a:srgbClr val="000000"/>
-                </a:solidFill>
-                <a:latin typeface="Georgia"/>
-                <a:ea typeface="Georgia"/>
-              </a:rPr>
-              <a:t>I</a:t>
-            </a:r>
-            <a:r>
-              <a:rPr b="0" lang="en-US" sz="2800" spc="-1" strike="noStrike">
+              <a:rPr b="0" lang="en-US" sz="1600" spc="-1" strike="noStrike">
                 <a:solidFill>
                   <a:srgbClr val="000000"/>
                 </a:solidFill>
                 <a:latin typeface="Calibri"/>
                 <a:ea typeface="Arial"/>
               </a:rPr>
-              <a:t>nternet of Things</a:t>
+              <a:t>ряд инициатив по снижению издержек и расширению ограничений в логистической цепи СИБУРа</a:t>
             </a:r>
-            <a:r>
-              <a:rPr b="1" i="1" lang="en-US" sz="4800" spc="-1" strike="noStrike">
-                <a:solidFill>
-                  <a:srgbClr val="000000"/>
-                </a:solidFill>
-                <a:latin typeface="Georgia"/>
-                <a:ea typeface="Georgia"/>
-              </a:rPr>
-              <a:t>”</a:t>
-            </a:r>
-            <a:r>
-              <a:rPr b="0" i="1" lang="en-US" sz="4800" spc="-1" strike="noStrike">
-                <a:solidFill>
-                  <a:srgbClr val="000000"/>
-                </a:solidFill>
-                <a:latin typeface="Georgia"/>
-                <a:ea typeface="Georgia"/>
-              </a:rPr>
-              <a:t>                                 </a:t>
-            </a:r>
-            <a:endParaRPr b="0" lang="en-US" sz="4800" spc="-1" strike="noStrike">
-              <a:latin typeface="Arial"/>
-            </a:endParaRPr>
-          </a:p>
-        </p:txBody>
-      </p:sp>
-      <p:sp>
-        <p:nvSpPr>
-          <p:cNvPr id="257" name="CustomShape 2"/>
-          <p:cNvSpPr/>
-          <p:nvPr/>
-        </p:nvSpPr>
-        <p:spPr>
-          <a:xfrm>
-            <a:off x="8556840" y="4749840"/>
-            <a:ext cx="546840" cy="391680"/>
-          </a:xfrm>
-          <a:prstGeom prst="rect">
-            <a:avLst/>
-          </a:prstGeom>
-          <a:noFill/>
-          <a:ln>
-            <a:noFill/>
-          </a:ln>
-        </p:spPr>
-        <p:style>
-          <a:lnRef idx="0"/>
-          <a:fillRef idx="0"/>
-          <a:effectRef idx="0"/>
-          <a:fontRef idx="minor"/>
-        </p:style>
-      </p:sp>
-      <p:pic>
-        <p:nvPicPr>
-          <p:cNvPr id="258" name="" descr=""/>
-          <p:cNvPicPr/>
-          <p:nvPr/>
-        </p:nvPicPr>
-        <p:blipFill>
-          <a:blip r:embed="rId1">
-            <a:lum contrast="35000"/>
-          </a:blip>
-          <a:stretch/>
-        </p:blipFill>
-        <p:spPr>
-          <a:xfrm>
-            <a:off x="3051360" y="0"/>
-            <a:ext cx="6091560" cy="2742120"/>
-          </a:xfrm>
-          <a:prstGeom prst="rect">
-            <a:avLst/>
-          </a:prstGeom>
-          <a:ln>
-            <a:noFill/>
-          </a:ln>
-        </p:spPr>
-      </p:pic>
+            <a:endParaRPr b="0" lang="en-US" sz="1600" spc="-1" strike="noStrike">
+              <a:latin typeface="Arial"/>
+            </a:endParaRPr>
+          </a:p>
+        </p:txBody>
+      </p:sp>
     </p:spTree>
   </p:cSld>
   <mc:AlternateContent>
